--- a/reports/Lyx/Chap3/Présentation1.pptx
+++ b/reports/Lyx/Chap3/Présentation1.pptx
@@ -6,6 +6,10 @@
   </p:sldMasterIdLst>
   <p:sldIdLst>
     <p:sldId id="256" r:id="rId2"/>
+    <p:sldId id="257" r:id="rId3"/>
+    <p:sldId id="258" r:id="rId4"/>
+    <p:sldId id="259" r:id="rId5"/>
+    <p:sldId id="260" r:id="rId6"/>
   </p:sldIdLst>
   <p:sldSz cx="12192000" cy="6858000"/>
   <p:notesSz cx="6858000" cy="9144000"/>
@@ -5484,6 +5488,9824 @@
 </p:sld>
 </file>
 
+<file path=ppt/slides/slide2.xml><?xml version="1.0" encoding="utf-8"?>
+<p:sld xmlns:a="http://schemas.openxmlformats.org/drawingml/2006/main" xmlns:r="http://schemas.openxmlformats.org/officeDocument/2006/relationships" xmlns:p="http://schemas.openxmlformats.org/presentationml/2006/main">
+  <p:cSld>
+    <p:spTree>
+      <p:nvGrpSpPr>
+        <p:cNvPr id="1" name=""/>
+        <p:cNvGrpSpPr/>
+        <p:nvPr/>
+      </p:nvGrpSpPr>
+      <p:grpSpPr>
+        <a:xfrm>
+          <a:off x="0" y="0"/>
+          <a:ext cx="0" cy="0"/>
+          <a:chOff x="0" y="0"/>
+          <a:chExt cx="0" cy="0"/>
+        </a:xfrm>
+      </p:grpSpPr>
+      <p:sp>
+        <p:nvSpPr>
+          <p:cNvPr id="4" name="Rectangle : coins arrondis 3">
+            <a:extLst>
+              <a:ext uri="{FF2B5EF4-FFF2-40B4-BE49-F238E27FC236}">
+                <a16:creationId xmlns:a16="http://schemas.microsoft.com/office/drawing/2014/main" id="{318A3F93-779E-1118-9107-84AE914B2A01}"/>
+              </a:ext>
+            </a:extLst>
+          </p:cNvPr>
+          <p:cNvSpPr/>
+          <p:nvPr/>
+        </p:nvSpPr>
+        <p:spPr>
+          <a:xfrm>
+            <a:off x="4435285" y="1281951"/>
+            <a:ext cx="2227731" cy="3254190"/>
+          </a:xfrm>
+          <a:prstGeom prst="roundRect">
+            <a:avLst/>
+          </a:prstGeom>
+          <a:noFill/>
+          <a:ln>
+            <a:solidFill>
+              <a:schemeClr val="accent1"/>
+            </a:solidFill>
+          </a:ln>
+        </p:spPr>
+        <p:style>
+          <a:lnRef idx="2">
+            <a:schemeClr val="accent1">
+              <a:shade val="15000"/>
+            </a:schemeClr>
+          </a:lnRef>
+          <a:fillRef idx="1">
+            <a:schemeClr val="accent1"/>
+          </a:fillRef>
+          <a:effectRef idx="0">
+            <a:schemeClr val="accent1"/>
+          </a:effectRef>
+          <a:fontRef idx="minor">
+            <a:schemeClr val="lt1"/>
+          </a:fontRef>
+        </p:style>
+        <p:txBody>
+          <a:bodyPr rtlCol="0" anchor="ctr"/>
+          <a:lstStyle/>
+          <a:p>
+            <a:pPr algn="ctr"/>
+            <a:endParaRPr lang="fr-FR" sz="1400" b="1" dirty="0"/>
+          </a:p>
+          <a:p>
+            <a:pPr algn="ctr"/>
+            <a:endParaRPr lang="fr-FR" sz="1400" b="1" dirty="0"/>
+          </a:p>
+          <a:p>
+            <a:pPr algn="ctr"/>
+            <a:endParaRPr lang="fr-FR" sz="1400" b="1" dirty="0"/>
+          </a:p>
+          <a:p>
+            <a:pPr algn="ctr"/>
+            <a:endParaRPr lang="fr-FR" sz="1400" b="1" dirty="0"/>
+          </a:p>
+          <a:p>
+            <a:pPr algn="ctr"/>
+            <a:endParaRPr lang="fr-FR" sz="1400" b="1" dirty="0"/>
+          </a:p>
+          <a:p>
+            <a:pPr algn="ctr"/>
+            <a:endParaRPr lang="fr-FR" sz="1400" b="1" dirty="0"/>
+          </a:p>
+          <a:p>
+            <a:pPr algn="ctr"/>
+            <a:endParaRPr lang="fr-FR" sz="1400" b="1" dirty="0"/>
+          </a:p>
+          <a:p>
+            <a:pPr algn="ctr"/>
+            <a:endParaRPr lang="fr-FR" sz="1400" b="1" dirty="0"/>
+          </a:p>
+          <a:p>
+            <a:pPr algn="ctr"/>
+            <a:endParaRPr lang="fr-FR" sz="1400" b="1" dirty="0"/>
+          </a:p>
+          <a:p>
+            <a:pPr algn="ctr"/>
+            <a:endParaRPr lang="fr-FR" sz="1400" b="1" dirty="0"/>
+          </a:p>
+          <a:p>
+            <a:pPr algn="ctr"/>
+            <a:endParaRPr lang="fr-FR" sz="1400" b="1" dirty="0"/>
+          </a:p>
+          <a:p>
+            <a:pPr algn="ctr"/>
+            <a:endParaRPr lang="fr-FR" sz="1400" b="1" dirty="0"/>
+          </a:p>
+          <a:p>
+            <a:pPr algn="ctr"/>
+            <a:endParaRPr lang="fr-FR" sz="1400" b="1" dirty="0"/>
+          </a:p>
+          <a:p>
+            <a:pPr algn="ctr"/>
+            <a:endParaRPr lang="fr-FR" sz="1400" b="1" dirty="0"/>
+          </a:p>
+        </p:txBody>
+      </p:sp>
+      <p:sp>
+        <p:nvSpPr>
+          <p:cNvPr id="5" name="Rectangle : coins arrondis 4">
+            <a:extLst>
+              <a:ext uri="{FF2B5EF4-FFF2-40B4-BE49-F238E27FC236}">
+                <a16:creationId xmlns:a16="http://schemas.microsoft.com/office/drawing/2014/main" id="{8BDCE593-DBBC-4A5C-E3FE-55A2D387937F}"/>
+              </a:ext>
+            </a:extLst>
+          </p:cNvPr>
+          <p:cNvSpPr/>
+          <p:nvPr/>
+        </p:nvSpPr>
+        <p:spPr>
+          <a:xfrm>
+            <a:off x="4621302" y="1436584"/>
+            <a:ext cx="1866901" cy="753036"/>
+          </a:xfrm>
+          <a:prstGeom prst="roundRect">
+            <a:avLst/>
+          </a:prstGeom>
+          <a:noFill/>
+          <a:ln>
+            <a:solidFill>
+              <a:schemeClr val="accent1"/>
+            </a:solidFill>
+          </a:ln>
+        </p:spPr>
+        <p:style>
+          <a:lnRef idx="2">
+            <a:schemeClr val="accent1">
+              <a:shade val="15000"/>
+            </a:schemeClr>
+          </a:lnRef>
+          <a:fillRef idx="1">
+            <a:schemeClr val="accent1"/>
+          </a:fillRef>
+          <a:effectRef idx="0">
+            <a:schemeClr val="accent1"/>
+          </a:effectRef>
+          <a:fontRef idx="minor">
+            <a:schemeClr val="lt1"/>
+          </a:fontRef>
+        </p:style>
+        <p:txBody>
+          <a:bodyPr rtlCol="0" anchor="ctr"/>
+          <a:lstStyle/>
+          <a:p>
+            <a:pPr algn="ctr"/>
+            <a:r>
+              <a:rPr lang="fr-FR" sz="1400" b="1" dirty="0">
+                <a:solidFill>
+                  <a:schemeClr val="tx1"/>
+                </a:solidFill>
+              </a:rPr>
+              <a:t>Transformation par translation et inversion</a:t>
+            </a:r>
+          </a:p>
+        </p:txBody>
+      </p:sp>
+      <p:sp>
+        <p:nvSpPr>
+          <p:cNvPr id="6" name="Rectangle : coins arrondis 5">
+            <a:extLst>
+              <a:ext uri="{FF2B5EF4-FFF2-40B4-BE49-F238E27FC236}">
+                <a16:creationId xmlns:a16="http://schemas.microsoft.com/office/drawing/2014/main" id="{63315E00-96AE-A582-77F3-64645E3F2CB6}"/>
+              </a:ext>
+            </a:extLst>
+          </p:cNvPr>
+          <p:cNvSpPr/>
+          <p:nvPr/>
+        </p:nvSpPr>
+        <p:spPr>
+          <a:xfrm>
+            <a:off x="4621301" y="2270300"/>
+            <a:ext cx="1866901" cy="519957"/>
+          </a:xfrm>
+          <a:prstGeom prst="roundRect">
+            <a:avLst/>
+          </a:prstGeom>
+          <a:noFill/>
+          <a:ln>
+            <a:solidFill>
+              <a:schemeClr val="accent1"/>
+            </a:solidFill>
+          </a:ln>
+        </p:spPr>
+        <p:style>
+          <a:lnRef idx="2">
+            <a:schemeClr val="accent1">
+              <a:shade val="15000"/>
+            </a:schemeClr>
+          </a:lnRef>
+          <a:fillRef idx="1">
+            <a:schemeClr val="accent1"/>
+          </a:fillRef>
+          <a:effectRef idx="0">
+            <a:schemeClr val="accent1"/>
+          </a:effectRef>
+          <a:fontRef idx="minor">
+            <a:schemeClr val="lt1"/>
+          </a:fontRef>
+        </p:style>
+        <p:txBody>
+          <a:bodyPr rtlCol="0" anchor="ctr"/>
+          <a:lstStyle/>
+          <a:p>
+            <a:pPr algn="ctr"/>
+            <a:r>
+              <a:rPr lang="fr-FR" sz="1400" b="1" dirty="0">
+                <a:solidFill>
+                  <a:schemeClr val="tx1"/>
+                </a:solidFill>
+              </a:rPr>
+              <a:t>Normalisation</a:t>
+            </a:r>
+            <a:endParaRPr lang="fr-FR" sz="1400" b="1" dirty="0"/>
+          </a:p>
+        </p:txBody>
+      </p:sp>
+      <p:sp>
+        <p:nvSpPr>
+          <p:cNvPr id="7" name="Rectangle : coins arrondis 6">
+            <a:extLst>
+              <a:ext uri="{FF2B5EF4-FFF2-40B4-BE49-F238E27FC236}">
+                <a16:creationId xmlns:a16="http://schemas.microsoft.com/office/drawing/2014/main" id="{5FFDD421-C550-0E50-B9EE-1FA98C63CD70}"/>
+              </a:ext>
+            </a:extLst>
+          </p:cNvPr>
+          <p:cNvSpPr/>
+          <p:nvPr/>
+        </p:nvSpPr>
+        <p:spPr>
+          <a:xfrm>
+            <a:off x="4621301" y="2844045"/>
+            <a:ext cx="1866900" cy="753036"/>
+          </a:xfrm>
+          <a:prstGeom prst="roundRect">
+            <a:avLst/>
+          </a:prstGeom>
+          <a:noFill/>
+          <a:ln>
+            <a:solidFill>
+              <a:schemeClr val="accent1"/>
+            </a:solidFill>
+          </a:ln>
+        </p:spPr>
+        <p:style>
+          <a:lnRef idx="2">
+            <a:schemeClr val="accent1">
+              <a:shade val="15000"/>
+            </a:schemeClr>
+          </a:lnRef>
+          <a:fillRef idx="1">
+            <a:schemeClr val="accent1"/>
+          </a:fillRef>
+          <a:effectRef idx="0">
+            <a:schemeClr val="accent1"/>
+          </a:effectRef>
+          <a:fontRef idx="minor">
+            <a:schemeClr val="lt1"/>
+          </a:fontRef>
+        </p:style>
+        <p:txBody>
+          <a:bodyPr rtlCol="0" anchor="ctr"/>
+          <a:lstStyle/>
+          <a:p>
+            <a:pPr algn="ctr"/>
+            <a:r>
+              <a:rPr lang="fr-FR" sz="1400" b="1" dirty="0">
+                <a:solidFill>
+                  <a:schemeClr val="tx1"/>
+                </a:solidFill>
+              </a:rPr>
+              <a:t>Préparation des séquences pour LSTM</a:t>
+            </a:r>
+            <a:endParaRPr lang="fr-FR" sz="1400" b="1" dirty="0"/>
+          </a:p>
+        </p:txBody>
+      </p:sp>
+      <p:sp>
+        <p:nvSpPr>
+          <p:cNvPr id="8" name="Rectangle : coins arrondis 7">
+            <a:extLst>
+              <a:ext uri="{FF2B5EF4-FFF2-40B4-BE49-F238E27FC236}">
+                <a16:creationId xmlns:a16="http://schemas.microsoft.com/office/drawing/2014/main" id="{6D0E1AC4-341D-FC8A-D49B-66771447A03C}"/>
+              </a:ext>
+            </a:extLst>
+          </p:cNvPr>
+          <p:cNvSpPr/>
+          <p:nvPr/>
+        </p:nvSpPr>
+        <p:spPr>
+          <a:xfrm>
+            <a:off x="4621302" y="3691207"/>
+            <a:ext cx="1866900" cy="519957"/>
+          </a:xfrm>
+          <a:prstGeom prst="roundRect">
+            <a:avLst/>
+          </a:prstGeom>
+          <a:noFill/>
+          <a:ln>
+            <a:solidFill>
+              <a:schemeClr val="accent1"/>
+            </a:solidFill>
+          </a:ln>
+        </p:spPr>
+        <p:style>
+          <a:lnRef idx="2">
+            <a:schemeClr val="accent1">
+              <a:shade val="15000"/>
+            </a:schemeClr>
+          </a:lnRef>
+          <a:fillRef idx="1">
+            <a:schemeClr val="accent1"/>
+          </a:fillRef>
+          <a:effectRef idx="0">
+            <a:schemeClr val="accent1"/>
+          </a:effectRef>
+          <a:fontRef idx="minor">
+            <a:schemeClr val="lt1"/>
+          </a:fontRef>
+        </p:style>
+        <p:txBody>
+          <a:bodyPr rtlCol="0" anchor="ctr"/>
+          <a:lstStyle/>
+          <a:p>
+            <a:pPr algn="ctr"/>
+            <a:r>
+              <a:rPr lang="fr-FR" sz="1400" b="1" dirty="0">
+                <a:solidFill>
+                  <a:schemeClr val="tx1"/>
+                </a:solidFill>
+              </a:rPr>
+              <a:t>Régression par </a:t>
+            </a:r>
+            <a:endParaRPr lang="fr-FR" sz="1400" b="1" dirty="0"/>
+          </a:p>
+        </p:txBody>
+      </p:sp>
+    </p:spTree>
+    <p:extLst>
+      <p:ext uri="{BB962C8B-B14F-4D97-AF65-F5344CB8AC3E}">
+        <p14:creationId xmlns:p14="http://schemas.microsoft.com/office/powerpoint/2010/main" val="1440158485"/>
+      </p:ext>
+    </p:extLst>
+  </p:cSld>
+  <p:clrMapOvr>
+    <a:masterClrMapping/>
+  </p:clrMapOvr>
+</p:sld>
+</file>
+
+<file path=ppt/slides/slide3.xml><?xml version="1.0" encoding="utf-8"?>
+<p:sld xmlns:a="http://schemas.openxmlformats.org/drawingml/2006/main" xmlns:r="http://schemas.openxmlformats.org/officeDocument/2006/relationships" xmlns:p="http://schemas.openxmlformats.org/presentationml/2006/main">
+  <p:cSld>
+    <p:spTree>
+      <p:nvGrpSpPr>
+        <p:cNvPr id="1" name=""/>
+        <p:cNvGrpSpPr/>
+        <p:nvPr/>
+      </p:nvGrpSpPr>
+      <p:grpSpPr>
+        <a:xfrm>
+          <a:off x="0" y="0"/>
+          <a:ext cx="0" cy="0"/>
+          <a:chOff x="0" y="0"/>
+          <a:chExt cx="0" cy="0"/>
+        </a:xfrm>
+      </p:grpSpPr>
+      <p:sp>
+        <p:nvSpPr>
+          <p:cNvPr id="22" name="Rectangle 21">
+            <a:extLst>
+              <a:ext uri="{FF2B5EF4-FFF2-40B4-BE49-F238E27FC236}">
+                <a16:creationId xmlns:a16="http://schemas.microsoft.com/office/drawing/2014/main" id="{D0756CE7-3AC8-A648-9F3C-FFB7A963151B}"/>
+              </a:ext>
+            </a:extLst>
+          </p:cNvPr>
+          <p:cNvSpPr/>
+          <p:nvPr/>
+        </p:nvSpPr>
+        <p:spPr>
+          <a:xfrm>
+            <a:off x="3936281" y="3311672"/>
+            <a:ext cx="3999728" cy="832523"/>
+          </a:xfrm>
+          <a:prstGeom prst="rect">
+            <a:avLst/>
+          </a:prstGeom>
+          <a:solidFill>
+            <a:schemeClr val="accent5">
+              <a:alpha val="20000"/>
+            </a:schemeClr>
+          </a:solidFill>
+        </p:spPr>
+        <p:style>
+          <a:lnRef idx="2">
+            <a:schemeClr val="accent5">
+              <a:shade val="15000"/>
+            </a:schemeClr>
+          </a:lnRef>
+          <a:fillRef idx="1">
+            <a:schemeClr val="accent5"/>
+          </a:fillRef>
+          <a:effectRef idx="0">
+            <a:schemeClr val="accent5"/>
+          </a:effectRef>
+          <a:fontRef idx="minor">
+            <a:schemeClr val="lt1"/>
+          </a:fontRef>
+        </p:style>
+        <p:txBody>
+          <a:bodyPr rtlCol="0" anchor="ctr"/>
+          <a:lstStyle/>
+          <a:p>
+            <a:pPr algn="ctr"/>
+            <a:endParaRPr lang="fr-FR" sz="1400" dirty="0"/>
+          </a:p>
+        </p:txBody>
+      </p:sp>
+      <mc:AlternateContent xmlns:mc="http://schemas.openxmlformats.org/markup-compatibility/2006">
+        <mc:Choice xmlns:a14="http://schemas.microsoft.com/office/drawing/2010/main" Requires="a14">
+          <p:graphicFrame>
+            <p:nvGraphicFramePr>
+              <p:cNvPr id="23" name="Tableau 22">
+                <a:extLst>
+                  <a:ext uri="{FF2B5EF4-FFF2-40B4-BE49-F238E27FC236}">
+                    <a16:creationId xmlns:a16="http://schemas.microsoft.com/office/drawing/2014/main" id="{365086F1-57FB-723C-D15E-6C6EA218A4AB}"/>
+                  </a:ext>
+                </a:extLst>
+              </p:cNvPr>
+              <p:cNvGraphicFramePr>
+                <a:graphicFrameLocks noGrp="1"/>
+              </p:cNvGraphicFramePr>
+              <p:nvPr>
+                <p:extLst>
+                  <p:ext uri="{D42A27DB-BD31-4B8C-83A1-F6EECF244321}">
+                    <p14:modId xmlns:p14="http://schemas.microsoft.com/office/powerpoint/2010/main" val="304709124"/>
+                  </p:ext>
+                </p:extLst>
+              </p:nvPr>
+            </p:nvGraphicFramePr>
+            <p:xfrm>
+              <a:off x="3936282" y="3311673"/>
+              <a:ext cx="3999728" cy="370840"/>
+            </p:xfrm>
+            <a:graphic>
+              <a:graphicData uri="http://schemas.openxmlformats.org/drawingml/2006/table">
+                <a:tbl>
+                  <a:tblPr firstRow="1" bandRow="1">
+                    <a:tableStyleId>{5C22544A-7EE6-4342-B048-85BDC9FD1C3A}</a:tableStyleId>
+                  </a:tblPr>
+                  <a:tblGrid>
+                    <a:gridCol w="629330">
+                      <a:extLst>
+                        <a:ext uri="{9D8B030D-6E8A-4147-A177-3AD203B41FA5}">
+                          <a16:colId xmlns:a16="http://schemas.microsoft.com/office/drawing/2014/main" val="2396127714"/>
+                        </a:ext>
+                      </a:extLst>
+                    </a:gridCol>
+                    <a:gridCol w="561733">
+                      <a:extLst>
+                        <a:ext uri="{9D8B030D-6E8A-4147-A177-3AD203B41FA5}">
+                          <a16:colId xmlns:a16="http://schemas.microsoft.com/office/drawing/2014/main" val="1815423872"/>
+                        </a:ext>
+                      </a:extLst>
+                    </a:gridCol>
+                    <a:gridCol w="561733">
+                      <a:extLst>
+                        <a:ext uri="{9D8B030D-6E8A-4147-A177-3AD203B41FA5}">
+                          <a16:colId xmlns:a16="http://schemas.microsoft.com/office/drawing/2014/main" val="1884723031"/>
+                        </a:ext>
+                      </a:extLst>
+                    </a:gridCol>
+                    <a:gridCol w="561733">
+                      <a:extLst>
+                        <a:ext uri="{9D8B030D-6E8A-4147-A177-3AD203B41FA5}">
+                          <a16:colId xmlns:a16="http://schemas.microsoft.com/office/drawing/2014/main" val="3147811208"/>
+                        </a:ext>
+                      </a:extLst>
+                    </a:gridCol>
+                    <a:gridCol w="561733">
+                      <a:extLst>
+                        <a:ext uri="{9D8B030D-6E8A-4147-A177-3AD203B41FA5}">
+                          <a16:colId xmlns:a16="http://schemas.microsoft.com/office/drawing/2014/main" val="105240590"/>
+                        </a:ext>
+                      </a:extLst>
+                    </a:gridCol>
+                    <a:gridCol w="561733">
+                      <a:extLst>
+                        <a:ext uri="{9D8B030D-6E8A-4147-A177-3AD203B41FA5}">
+                          <a16:colId xmlns:a16="http://schemas.microsoft.com/office/drawing/2014/main" val="1723551580"/>
+                        </a:ext>
+                      </a:extLst>
+                    </a:gridCol>
+                    <a:gridCol w="561733">
+                      <a:extLst>
+                        <a:ext uri="{9D8B030D-6E8A-4147-A177-3AD203B41FA5}">
+                          <a16:colId xmlns:a16="http://schemas.microsoft.com/office/drawing/2014/main" val="3137996870"/>
+                        </a:ext>
+                      </a:extLst>
+                    </a:gridCol>
+                  </a:tblGrid>
+                  <a:tr h="370840">
+                    <a:tc>
+                      <a:txBody>
+                        <a:bodyPr/>
+                        <a:lstStyle/>
+                        <a:p>
+                          <a14:m>
+                            <m:oMathPara xmlns:m="http://schemas.openxmlformats.org/officeDocument/2006/math">
+                              <m:oMathParaPr>
+                                <m:jc m:val="centerGroup"/>
+                              </m:oMathParaPr>
+                              <m:oMath xmlns:m="http://schemas.openxmlformats.org/officeDocument/2006/math">
+                                <m:sSub>
+                                  <m:sSubPr>
+                                    <m:ctrlPr>
+                                      <a:rPr lang="fr-FR" sz="1400" b="1" i="1" dirty="0" smtClean="0">
+                                        <a:solidFill>
+                                          <a:schemeClr val="tx1"/>
+                                        </a:solidFill>
+                                        <a:latin typeface="+mn-lt"/>
+                                      </a:rPr>
+                                    </m:ctrlPr>
+                                  </m:sSubPr>
+                                  <m:e>
+                                    <m:r>
+                                      <a:rPr lang="fr-FR" sz="1400" b="1" i="1" dirty="0" smtClean="0">
+                                        <a:solidFill>
+                                          <a:schemeClr val="tx1"/>
+                                        </a:solidFill>
+                                        <a:latin typeface="+mn-lt"/>
+                                      </a:rPr>
+                                      <m:t>𝑿</m:t>
+                                    </m:r>
+                                  </m:e>
+                                  <m:sub>
+                                    <m:r>
+                                      <a:rPr lang="fr-FR" sz="1400" b="1" i="1" dirty="0" smtClean="0">
+                                        <a:solidFill>
+                                          <a:schemeClr val="tx1"/>
+                                        </a:solidFill>
+                                        <a:latin typeface="+mn-lt"/>
+                                      </a:rPr>
+                                      <m:t>𝑵</m:t>
+                                    </m:r>
+                                    <m:r>
+                                      <a:rPr lang="fr-FR" sz="1400" b="1" i="1" dirty="0" smtClean="0">
+                                        <a:solidFill>
+                                          <a:schemeClr val="tx1"/>
+                                        </a:solidFill>
+                                        <a:latin typeface="+mn-lt"/>
+                                      </a:rPr>
+                                      <m:t>−</m:t>
+                                    </m:r>
+                                    <m:r>
+                                      <a:rPr lang="fr-FR" sz="1400" b="1" i="1" dirty="0" smtClean="0">
+                                        <a:solidFill>
+                                          <a:schemeClr val="tx1"/>
+                                        </a:solidFill>
+                                        <a:latin typeface="+mn-lt"/>
+                                      </a:rPr>
+                                      <m:t>𝑳</m:t>
+                                    </m:r>
+                                  </m:sub>
+                                </m:sSub>
+                              </m:oMath>
+                            </m:oMathPara>
+                          </a14:m>
+                          <a:endParaRPr lang="fr-FR" sz="1400" dirty="0">
+                            <a:solidFill>
+                              <a:schemeClr val="tx1"/>
+                            </a:solidFill>
+                            <a:latin typeface="+mn-lt"/>
+                          </a:endParaRPr>
+                        </a:p>
+                      </a:txBody>
+                      <a:tcPr>
+                        <a:lnL w="12700" cap="flat" cmpd="sng" algn="ctr">
+                          <a:solidFill>
+                            <a:schemeClr val="tx1"/>
+                          </a:solidFill>
+                          <a:prstDash val="solid"/>
+                          <a:round/>
+                          <a:headEnd type="none" w="med" len="med"/>
+                          <a:tailEnd type="none" w="med" len="med"/>
+                        </a:lnL>
+                        <a:lnR w="12700" cap="flat" cmpd="sng" algn="ctr">
+                          <a:solidFill>
+                            <a:schemeClr val="tx1"/>
+                          </a:solidFill>
+                          <a:prstDash val="solid"/>
+                          <a:round/>
+                          <a:headEnd type="none" w="med" len="med"/>
+                          <a:tailEnd type="none" w="med" len="med"/>
+                        </a:lnR>
+                        <a:lnT w="12700" cap="flat" cmpd="sng" algn="ctr">
+                          <a:solidFill>
+                            <a:schemeClr val="tx1"/>
+                          </a:solidFill>
+                          <a:prstDash val="solid"/>
+                          <a:round/>
+                          <a:headEnd type="none" w="med" len="med"/>
+                          <a:tailEnd type="none" w="med" len="med"/>
+                        </a:lnT>
+                        <a:lnB w="12700" cap="flat" cmpd="sng" algn="ctr">
+                          <a:solidFill>
+                            <a:schemeClr val="tx1"/>
+                          </a:solidFill>
+                          <a:prstDash val="solid"/>
+                          <a:round/>
+                          <a:headEnd type="none" w="med" len="med"/>
+                          <a:tailEnd type="none" w="med" len="med"/>
+                        </a:lnB>
+                        <a:lnTlToBr w="12700" cmpd="sng">
+                          <a:noFill/>
+                          <a:prstDash val="solid"/>
+                        </a:lnTlToBr>
+                        <a:lnBlToTr w="12700" cmpd="sng">
+                          <a:noFill/>
+                          <a:prstDash val="solid"/>
+                        </a:lnBlToTr>
+                        <a:noFill/>
+                      </a:tcPr>
+                    </a:tc>
+                    <a:tc>
+                      <a:txBody>
+                        <a:bodyPr/>
+                        <a:lstStyle/>
+                        <a:p>
+                          <a14:m>
+                            <m:oMathPara xmlns:m="http://schemas.openxmlformats.org/officeDocument/2006/math">
+                              <m:oMathParaPr>
+                                <m:jc m:val="centerGroup"/>
+                              </m:oMathParaPr>
+                              <m:oMath xmlns:m="http://schemas.openxmlformats.org/officeDocument/2006/math">
+                                <m:sSub>
+                                  <m:sSubPr>
+                                    <m:ctrlPr>
+                                      <a:rPr lang="fr-FR" sz="1400" b="1" i="1" dirty="0" smtClean="0">
+                                        <a:solidFill>
+                                          <a:schemeClr val="tx1"/>
+                                        </a:solidFill>
+                                        <a:latin typeface="+mn-lt"/>
+                                      </a:rPr>
+                                    </m:ctrlPr>
+                                  </m:sSubPr>
+                                  <m:e>
+                                    <m:r>
+                                      <a:rPr lang="fr-FR" sz="1400" b="1" i="1" dirty="0" smtClean="0">
+                                        <a:solidFill>
+                                          <a:schemeClr val="tx1"/>
+                                        </a:solidFill>
+                                        <a:latin typeface="+mn-lt"/>
+                                      </a:rPr>
+                                      <m:t>𝑿</m:t>
+                                    </m:r>
+                                  </m:e>
+                                  <m:sub>
+                                    <m:r>
+                                      <a:rPr lang="fr-FR" sz="1400" b="1" i="1" dirty="0" smtClean="0">
+                                        <a:solidFill>
+                                          <a:schemeClr val="tx1"/>
+                                        </a:solidFill>
+                                        <a:latin typeface="+mn-lt"/>
+                                      </a:rPr>
+                                      <m:t>𝟑</m:t>
+                                    </m:r>
+                                  </m:sub>
+                                </m:sSub>
+                              </m:oMath>
+                            </m:oMathPara>
+                          </a14:m>
+                          <a:endParaRPr lang="fr-FR" sz="1400" dirty="0">
+                            <a:latin typeface="+mn-lt"/>
+                          </a:endParaRPr>
+                        </a:p>
+                      </a:txBody>
+                      <a:tcPr>
+                        <a:lnL w="12700" cap="flat" cmpd="sng" algn="ctr">
+                          <a:solidFill>
+                            <a:schemeClr val="tx1"/>
+                          </a:solidFill>
+                          <a:prstDash val="solid"/>
+                          <a:round/>
+                          <a:headEnd type="none" w="med" len="med"/>
+                          <a:tailEnd type="none" w="med" len="med"/>
+                        </a:lnL>
+                        <a:lnR w="12700" cap="flat" cmpd="sng" algn="ctr">
+                          <a:solidFill>
+                            <a:schemeClr val="tx1"/>
+                          </a:solidFill>
+                          <a:prstDash val="solid"/>
+                          <a:round/>
+                          <a:headEnd type="none" w="med" len="med"/>
+                          <a:tailEnd type="none" w="med" len="med"/>
+                        </a:lnR>
+                        <a:lnT w="12700" cap="flat" cmpd="sng" algn="ctr">
+                          <a:solidFill>
+                            <a:schemeClr val="tx1"/>
+                          </a:solidFill>
+                          <a:prstDash val="solid"/>
+                          <a:round/>
+                          <a:headEnd type="none" w="med" len="med"/>
+                          <a:tailEnd type="none" w="med" len="med"/>
+                        </a:lnT>
+                        <a:lnB w="12700" cap="flat" cmpd="sng" algn="ctr">
+                          <a:solidFill>
+                            <a:schemeClr val="tx1"/>
+                          </a:solidFill>
+                          <a:prstDash val="solid"/>
+                          <a:round/>
+                          <a:headEnd type="none" w="med" len="med"/>
+                          <a:tailEnd type="none" w="med" len="med"/>
+                        </a:lnB>
+                        <a:lnTlToBr w="12700" cmpd="sng">
+                          <a:noFill/>
+                          <a:prstDash val="solid"/>
+                        </a:lnTlToBr>
+                        <a:lnBlToTr w="12700" cmpd="sng">
+                          <a:noFill/>
+                          <a:prstDash val="solid"/>
+                        </a:lnBlToTr>
+                        <a:noFill/>
+                      </a:tcPr>
+                    </a:tc>
+                    <a:tc>
+                      <a:txBody>
+                        <a:bodyPr/>
+                        <a:lstStyle/>
+                        <a:p>
+                          <a:endParaRPr lang="fr-FR" sz="1400" dirty="0">
+                            <a:solidFill>
+                              <a:schemeClr val="tx1"/>
+                            </a:solidFill>
+                            <a:latin typeface="+mn-lt"/>
+                          </a:endParaRPr>
+                        </a:p>
+                      </a:txBody>
+                      <a:tcPr>
+                        <a:lnL w="12700" cap="flat" cmpd="sng" algn="ctr">
+                          <a:solidFill>
+                            <a:schemeClr val="tx1"/>
+                          </a:solidFill>
+                          <a:prstDash val="solid"/>
+                          <a:round/>
+                          <a:headEnd type="none" w="med" len="med"/>
+                          <a:tailEnd type="none" w="med" len="med"/>
+                        </a:lnL>
+                        <a:lnR w="12700" cap="flat" cmpd="sng" algn="ctr">
+                          <a:noFill/>
+                          <a:prstDash val="solid"/>
+                          <a:round/>
+                          <a:headEnd type="none" w="med" len="med"/>
+                          <a:tailEnd type="none" w="med" len="med"/>
+                        </a:lnR>
+                        <a:lnT w="12700" cap="flat" cmpd="sng" algn="ctr">
+                          <a:solidFill>
+                            <a:schemeClr val="tx1"/>
+                          </a:solidFill>
+                          <a:prstDash val="solid"/>
+                          <a:round/>
+                          <a:headEnd type="none" w="med" len="med"/>
+                          <a:tailEnd type="none" w="med" len="med"/>
+                        </a:lnT>
+                        <a:lnB w="12700" cap="flat" cmpd="sng" algn="ctr">
+                          <a:solidFill>
+                            <a:schemeClr val="tx1"/>
+                          </a:solidFill>
+                          <a:prstDash val="solid"/>
+                          <a:round/>
+                          <a:headEnd type="none" w="med" len="med"/>
+                          <a:tailEnd type="none" w="med" len="med"/>
+                        </a:lnB>
+                        <a:lnTlToBr w="12700" cmpd="sng">
+                          <a:noFill/>
+                          <a:prstDash val="solid"/>
+                        </a:lnTlToBr>
+                        <a:lnBlToTr w="12700" cmpd="sng">
+                          <a:noFill/>
+                          <a:prstDash val="solid"/>
+                        </a:lnBlToTr>
+                        <a:noFill/>
+                      </a:tcPr>
+                    </a:tc>
+                    <a:tc>
+                      <a:txBody>
+                        <a:bodyPr/>
+                        <a:lstStyle/>
+                        <a:p>
+                          <a:r>
+                            <a:rPr lang="fr-FR" sz="1400" dirty="0">
+                              <a:solidFill>
+                                <a:schemeClr val="tx1"/>
+                              </a:solidFill>
+                              <a:latin typeface="+mn-lt"/>
+                            </a:rPr>
+                            <a:t>….</a:t>
+                          </a:r>
+                        </a:p>
+                      </a:txBody>
+                      <a:tcPr>
+                        <a:lnL w="12700" cap="flat" cmpd="sng" algn="ctr">
+                          <a:noFill/>
+                          <a:prstDash val="solid"/>
+                          <a:round/>
+                          <a:headEnd type="none" w="med" len="med"/>
+                          <a:tailEnd type="none" w="med" len="med"/>
+                        </a:lnL>
+                        <a:lnR w="12700" cap="flat" cmpd="sng" algn="ctr">
+                          <a:noFill/>
+                          <a:prstDash val="solid"/>
+                          <a:round/>
+                          <a:headEnd type="none" w="med" len="med"/>
+                          <a:tailEnd type="none" w="med" len="med"/>
+                        </a:lnR>
+                        <a:lnT w="12700" cap="flat" cmpd="sng" algn="ctr">
+                          <a:solidFill>
+                            <a:schemeClr val="tx1"/>
+                          </a:solidFill>
+                          <a:prstDash val="solid"/>
+                          <a:round/>
+                          <a:headEnd type="none" w="med" len="med"/>
+                          <a:tailEnd type="none" w="med" len="med"/>
+                        </a:lnT>
+                        <a:lnB w="12700" cap="flat" cmpd="sng" algn="ctr">
+                          <a:solidFill>
+                            <a:schemeClr val="tx1"/>
+                          </a:solidFill>
+                          <a:prstDash val="solid"/>
+                          <a:round/>
+                          <a:headEnd type="none" w="med" len="med"/>
+                          <a:tailEnd type="none" w="med" len="med"/>
+                        </a:lnB>
+                        <a:lnTlToBr w="12700" cmpd="sng">
+                          <a:noFill/>
+                          <a:prstDash val="solid"/>
+                        </a:lnTlToBr>
+                        <a:lnBlToTr w="12700" cmpd="sng">
+                          <a:noFill/>
+                          <a:prstDash val="solid"/>
+                        </a:lnBlToTr>
+                        <a:noFill/>
+                      </a:tcPr>
+                    </a:tc>
+                    <a:tc>
+                      <a:txBody>
+                        <a:bodyPr/>
+                        <a:lstStyle/>
+                        <a:p>
+                          <a:endParaRPr lang="fr-FR" sz="1400" dirty="0">
+                            <a:solidFill>
+                              <a:schemeClr val="tx1"/>
+                            </a:solidFill>
+                            <a:latin typeface="+mn-lt"/>
+                          </a:endParaRPr>
+                        </a:p>
+                      </a:txBody>
+                      <a:tcPr>
+                        <a:lnL w="12700" cap="flat" cmpd="sng" algn="ctr">
+                          <a:noFill/>
+                          <a:prstDash val="solid"/>
+                          <a:round/>
+                          <a:headEnd type="none" w="med" len="med"/>
+                          <a:tailEnd type="none" w="med" len="med"/>
+                        </a:lnL>
+                        <a:lnR w="12700" cap="flat" cmpd="sng" algn="ctr">
+                          <a:noFill/>
+                          <a:prstDash val="solid"/>
+                          <a:round/>
+                          <a:headEnd type="none" w="med" len="med"/>
+                          <a:tailEnd type="none" w="med" len="med"/>
+                        </a:lnR>
+                        <a:lnT w="12700" cap="flat" cmpd="sng" algn="ctr">
+                          <a:solidFill>
+                            <a:schemeClr val="tx1"/>
+                          </a:solidFill>
+                          <a:prstDash val="solid"/>
+                          <a:round/>
+                          <a:headEnd type="none" w="med" len="med"/>
+                          <a:tailEnd type="none" w="med" len="med"/>
+                        </a:lnT>
+                        <a:lnB w="12700" cap="flat" cmpd="sng" algn="ctr">
+                          <a:solidFill>
+                            <a:schemeClr val="tx1"/>
+                          </a:solidFill>
+                          <a:prstDash val="solid"/>
+                          <a:round/>
+                          <a:headEnd type="none" w="med" len="med"/>
+                          <a:tailEnd type="none" w="med" len="med"/>
+                        </a:lnB>
+                        <a:lnTlToBr w="12700" cmpd="sng">
+                          <a:noFill/>
+                          <a:prstDash val="solid"/>
+                        </a:lnTlToBr>
+                        <a:lnBlToTr w="12700" cmpd="sng">
+                          <a:noFill/>
+                          <a:prstDash val="solid"/>
+                        </a:lnBlToTr>
+                        <a:noFill/>
+                      </a:tcPr>
+                    </a:tc>
+                    <a:tc>
+                      <a:txBody>
+                        <a:bodyPr/>
+                        <a:lstStyle/>
+                        <a:p>
+                          <a:endParaRPr lang="fr-FR" sz="1400" dirty="0">
+                            <a:latin typeface="+mn-lt"/>
+                          </a:endParaRPr>
+                        </a:p>
+                      </a:txBody>
+                      <a:tcPr>
+                        <a:lnL w="12700" cap="flat" cmpd="sng" algn="ctr">
+                          <a:noFill/>
+                          <a:prstDash val="solid"/>
+                          <a:round/>
+                          <a:headEnd type="none" w="med" len="med"/>
+                          <a:tailEnd type="none" w="med" len="med"/>
+                        </a:lnL>
+                        <a:lnR w="12700" cap="flat" cmpd="sng" algn="ctr">
+                          <a:solidFill>
+                            <a:schemeClr val="tx1"/>
+                          </a:solidFill>
+                          <a:prstDash val="solid"/>
+                          <a:round/>
+                          <a:headEnd type="none" w="med" len="med"/>
+                          <a:tailEnd type="none" w="med" len="med"/>
+                        </a:lnR>
+                        <a:lnT w="12700" cap="flat" cmpd="sng" algn="ctr">
+                          <a:solidFill>
+                            <a:schemeClr val="tx1"/>
+                          </a:solidFill>
+                          <a:prstDash val="solid"/>
+                          <a:round/>
+                          <a:headEnd type="none" w="med" len="med"/>
+                          <a:tailEnd type="none" w="med" len="med"/>
+                        </a:lnT>
+                        <a:lnB w="12700" cap="flat" cmpd="sng" algn="ctr">
+                          <a:solidFill>
+                            <a:schemeClr val="tx1"/>
+                          </a:solidFill>
+                          <a:prstDash val="solid"/>
+                          <a:round/>
+                          <a:headEnd type="none" w="med" len="med"/>
+                          <a:tailEnd type="none" w="med" len="med"/>
+                        </a:lnB>
+                        <a:lnTlToBr w="12700" cmpd="sng">
+                          <a:noFill/>
+                          <a:prstDash val="solid"/>
+                        </a:lnTlToBr>
+                        <a:lnBlToTr w="12700" cmpd="sng">
+                          <a:noFill/>
+                          <a:prstDash val="solid"/>
+                        </a:lnBlToTr>
+                        <a:noFill/>
+                      </a:tcPr>
+                    </a:tc>
+                    <a:tc>
+                      <a:txBody>
+                        <a:bodyPr/>
+                        <a:lstStyle/>
+                        <a:p>
+                          <a14:m>
+                            <m:oMathPara xmlns:m="http://schemas.openxmlformats.org/officeDocument/2006/math">
+                              <m:oMathParaPr>
+                                <m:jc m:val="centerGroup"/>
+                              </m:oMathParaPr>
+                              <m:oMath xmlns:m="http://schemas.openxmlformats.org/officeDocument/2006/math">
+                                <m:sSub>
+                                  <m:sSubPr>
+                                    <m:ctrlPr>
+                                      <a:rPr lang="fr-FR" sz="1400" b="1" i="1" dirty="0" smtClean="0">
+                                        <a:solidFill>
+                                          <a:schemeClr val="tx1"/>
+                                        </a:solidFill>
+                                        <a:latin typeface="+mn-lt"/>
+                                      </a:rPr>
+                                    </m:ctrlPr>
+                                  </m:sSubPr>
+                                  <m:e>
+                                    <m:r>
+                                      <a:rPr lang="fr-FR" sz="1400" b="1" i="1" dirty="0" smtClean="0">
+                                        <a:solidFill>
+                                          <a:schemeClr val="tx1"/>
+                                        </a:solidFill>
+                                        <a:latin typeface="+mn-lt"/>
+                                      </a:rPr>
+                                      <m:t>𝑿</m:t>
+                                    </m:r>
+                                  </m:e>
+                                  <m:sub>
+                                    <m:r>
+                                      <a:rPr lang="fr-FR" sz="1400" b="1" i="1" dirty="0" smtClean="0">
+                                        <a:solidFill>
+                                          <a:schemeClr val="tx1"/>
+                                        </a:solidFill>
+                                        <a:latin typeface="+mn-lt"/>
+                                      </a:rPr>
+                                      <m:t>𝑵</m:t>
+                                    </m:r>
+                                    <m:r>
+                                      <a:rPr lang="fr-FR" sz="1400" b="1" i="1" dirty="0" smtClean="0">
+                                        <a:solidFill>
+                                          <a:schemeClr val="tx1"/>
+                                        </a:solidFill>
+                                        <a:latin typeface="+mn-lt"/>
+                                      </a:rPr>
+                                      <m:t>−</m:t>
+                                    </m:r>
+                                    <m:r>
+                                      <a:rPr lang="fr-FR" sz="1400" b="1" i="1" dirty="0" smtClean="0">
+                                        <a:solidFill>
+                                          <a:schemeClr val="tx1"/>
+                                        </a:solidFill>
+                                        <a:latin typeface="+mn-lt"/>
+                                      </a:rPr>
+                                      <m:t>𝟏</m:t>
+                                    </m:r>
+                                  </m:sub>
+                                </m:sSub>
+                              </m:oMath>
+                            </m:oMathPara>
+                          </a14:m>
+                          <a:endParaRPr lang="fr-FR" sz="1400" dirty="0">
+                            <a:latin typeface="+mn-lt"/>
+                          </a:endParaRPr>
+                        </a:p>
+                      </a:txBody>
+                      <a:tcPr>
+                        <a:lnL w="12700" cap="flat" cmpd="sng" algn="ctr">
+                          <a:solidFill>
+                            <a:schemeClr val="tx1"/>
+                          </a:solidFill>
+                          <a:prstDash val="solid"/>
+                          <a:round/>
+                          <a:headEnd type="none" w="med" len="med"/>
+                          <a:tailEnd type="none" w="med" len="med"/>
+                        </a:lnL>
+                        <a:lnR w="12700" cap="flat" cmpd="sng" algn="ctr">
+                          <a:solidFill>
+                            <a:schemeClr val="tx1"/>
+                          </a:solidFill>
+                          <a:prstDash val="solid"/>
+                          <a:round/>
+                          <a:headEnd type="none" w="med" len="med"/>
+                          <a:tailEnd type="none" w="med" len="med"/>
+                        </a:lnR>
+                        <a:lnT w="12700" cap="flat" cmpd="sng" algn="ctr">
+                          <a:solidFill>
+                            <a:schemeClr val="tx1"/>
+                          </a:solidFill>
+                          <a:prstDash val="solid"/>
+                          <a:round/>
+                          <a:headEnd type="none" w="med" len="med"/>
+                          <a:tailEnd type="none" w="med" len="med"/>
+                        </a:lnT>
+                        <a:lnB w="12700" cap="flat" cmpd="sng" algn="ctr">
+                          <a:solidFill>
+                            <a:schemeClr val="tx1"/>
+                          </a:solidFill>
+                          <a:prstDash val="solid"/>
+                          <a:round/>
+                          <a:headEnd type="none" w="med" len="med"/>
+                          <a:tailEnd type="none" w="med" len="med"/>
+                        </a:lnB>
+                        <a:lnTlToBr w="12700" cmpd="sng">
+                          <a:noFill/>
+                          <a:prstDash val="solid"/>
+                        </a:lnTlToBr>
+                        <a:lnBlToTr w="12700" cmpd="sng">
+                          <a:noFill/>
+                          <a:prstDash val="solid"/>
+                        </a:lnBlToTr>
+                        <a:noFill/>
+                      </a:tcPr>
+                    </a:tc>
+                    <a:extLst>
+                      <a:ext uri="{0D108BD9-81ED-4DB2-BD59-A6C34878D82A}">
+                        <a16:rowId xmlns:a16="http://schemas.microsoft.com/office/drawing/2014/main" val="921640606"/>
+                      </a:ext>
+                    </a:extLst>
+                  </a:tr>
+                </a:tbl>
+              </a:graphicData>
+            </a:graphic>
+          </p:graphicFrame>
+        </mc:Choice>
+        <mc:Fallback>
+          <p:graphicFrame>
+            <p:nvGraphicFramePr>
+              <p:cNvPr id="23" name="Tableau 22">
+                <a:extLst>
+                  <a:ext uri="{FF2B5EF4-FFF2-40B4-BE49-F238E27FC236}">
+                    <a16:creationId xmlns:a16="http://schemas.microsoft.com/office/drawing/2014/main" id="{365086F1-57FB-723C-D15E-6C6EA218A4AB}"/>
+                  </a:ext>
+                </a:extLst>
+              </p:cNvPr>
+              <p:cNvGraphicFramePr>
+                <a:graphicFrameLocks noGrp="1"/>
+              </p:cNvGraphicFramePr>
+              <p:nvPr>
+                <p:extLst>
+                  <p:ext uri="{D42A27DB-BD31-4B8C-83A1-F6EECF244321}">
+                    <p14:modId xmlns:p14="http://schemas.microsoft.com/office/powerpoint/2010/main" val="304709124"/>
+                  </p:ext>
+                </p:extLst>
+              </p:nvPr>
+            </p:nvGraphicFramePr>
+            <p:xfrm>
+              <a:off x="3936282" y="3311673"/>
+              <a:ext cx="3999728" cy="370840"/>
+            </p:xfrm>
+            <a:graphic>
+              <a:graphicData uri="http://schemas.openxmlformats.org/drawingml/2006/table">
+                <a:tbl>
+                  <a:tblPr firstRow="1" bandRow="1">
+                    <a:tableStyleId>{5C22544A-7EE6-4342-B048-85BDC9FD1C3A}</a:tableStyleId>
+                  </a:tblPr>
+                  <a:tblGrid>
+                    <a:gridCol w="629330">
+                      <a:extLst>
+                        <a:ext uri="{9D8B030D-6E8A-4147-A177-3AD203B41FA5}">
+                          <a16:colId xmlns:a16="http://schemas.microsoft.com/office/drawing/2014/main" val="2396127714"/>
+                        </a:ext>
+                      </a:extLst>
+                    </a:gridCol>
+                    <a:gridCol w="561733">
+                      <a:extLst>
+                        <a:ext uri="{9D8B030D-6E8A-4147-A177-3AD203B41FA5}">
+                          <a16:colId xmlns:a16="http://schemas.microsoft.com/office/drawing/2014/main" val="1815423872"/>
+                        </a:ext>
+                      </a:extLst>
+                    </a:gridCol>
+                    <a:gridCol w="561733">
+                      <a:extLst>
+                        <a:ext uri="{9D8B030D-6E8A-4147-A177-3AD203B41FA5}">
+                          <a16:colId xmlns:a16="http://schemas.microsoft.com/office/drawing/2014/main" val="1884723031"/>
+                        </a:ext>
+                      </a:extLst>
+                    </a:gridCol>
+                    <a:gridCol w="561733">
+                      <a:extLst>
+                        <a:ext uri="{9D8B030D-6E8A-4147-A177-3AD203B41FA5}">
+                          <a16:colId xmlns:a16="http://schemas.microsoft.com/office/drawing/2014/main" val="3147811208"/>
+                        </a:ext>
+                      </a:extLst>
+                    </a:gridCol>
+                    <a:gridCol w="561733">
+                      <a:extLst>
+                        <a:ext uri="{9D8B030D-6E8A-4147-A177-3AD203B41FA5}">
+                          <a16:colId xmlns:a16="http://schemas.microsoft.com/office/drawing/2014/main" val="105240590"/>
+                        </a:ext>
+                      </a:extLst>
+                    </a:gridCol>
+                    <a:gridCol w="561733">
+                      <a:extLst>
+                        <a:ext uri="{9D8B030D-6E8A-4147-A177-3AD203B41FA5}">
+                          <a16:colId xmlns:a16="http://schemas.microsoft.com/office/drawing/2014/main" val="1723551580"/>
+                        </a:ext>
+                      </a:extLst>
+                    </a:gridCol>
+                    <a:gridCol w="561733">
+                      <a:extLst>
+                        <a:ext uri="{9D8B030D-6E8A-4147-A177-3AD203B41FA5}">
+                          <a16:colId xmlns:a16="http://schemas.microsoft.com/office/drawing/2014/main" val="3137996870"/>
+                        </a:ext>
+                      </a:extLst>
+                    </a:gridCol>
+                  </a:tblGrid>
+                  <a:tr h="370840">
+                    <a:tc>
+                      <a:txBody>
+                        <a:bodyPr/>
+                        <a:lstStyle/>
+                        <a:p>
+                          <a:endParaRPr lang="fr-FR"/>
+                        </a:p>
+                      </a:txBody>
+                      <a:tcPr>
+                        <a:lnL w="12700" cap="flat" cmpd="sng" algn="ctr">
+                          <a:solidFill>
+                            <a:schemeClr val="tx1"/>
+                          </a:solidFill>
+                          <a:prstDash val="solid"/>
+                          <a:round/>
+                          <a:headEnd type="none" w="med" len="med"/>
+                          <a:tailEnd type="none" w="med" len="med"/>
+                        </a:lnL>
+                        <a:lnR w="12700" cap="flat" cmpd="sng" algn="ctr">
+                          <a:solidFill>
+                            <a:schemeClr val="tx1"/>
+                          </a:solidFill>
+                          <a:prstDash val="solid"/>
+                          <a:round/>
+                          <a:headEnd type="none" w="med" len="med"/>
+                          <a:tailEnd type="none" w="med" len="med"/>
+                        </a:lnR>
+                        <a:lnT w="12700" cap="flat" cmpd="sng" algn="ctr">
+                          <a:solidFill>
+                            <a:schemeClr val="tx1"/>
+                          </a:solidFill>
+                          <a:prstDash val="solid"/>
+                          <a:round/>
+                          <a:headEnd type="none" w="med" len="med"/>
+                          <a:tailEnd type="none" w="med" len="med"/>
+                        </a:lnT>
+                        <a:lnB w="12700" cap="flat" cmpd="sng" algn="ctr">
+                          <a:solidFill>
+                            <a:schemeClr val="tx1"/>
+                          </a:solidFill>
+                          <a:prstDash val="solid"/>
+                          <a:round/>
+                          <a:headEnd type="none" w="med" len="med"/>
+                          <a:tailEnd type="none" w="med" len="med"/>
+                        </a:lnB>
+                        <a:lnTlToBr w="12700" cmpd="sng">
+                          <a:noFill/>
+                          <a:prstDash val="solid"/>
+                        </a:lnTlToBr>
+                        <a:lnBlToTr w="12700" cmpd="sng">
+                          <a:noFill/>
+                          <a:prstDash val="solid"/>
+                        </a:lnBlToTr>
+                        <a:blipFill>
+                          <a:blip r:embed="rId2"/>
+                          <a:stretch>
+                            <a:fillRect l="-971" t="-1613" r="-539806" b="-3226"/>
+                          </a:stretch>
+                        </a:blipFill>
+                      </a:tcPr>
+                    </a:tc>
+                    <a:tc>
+                      <a:txBody>
+                        <a:bodyPr/>
+                        <a:lstStyle/>
+                        <a:p>
+                          <a:endParaRPr lang="fr-FR"/>
+                        </a:p>
+                      </a:txBody>
+                      <a:tcPr>
+                        <a:lnL w="12700" cap="flat" cmpd="sng" algn="ctr">
+                          <a:solidFill>
+                            <a:schemeClr val="tx1"/>
+                          </a:solidFill>
+                          <a:prstDash val="solid"/>
+                          <a:round/>
+                          <a:headEnd type="none" w="med" len="med"/>
+                          <a:tailEnd type="none" w="med" len="med"/>
+                        </a:lnL>
+                        <a:lnR w="12700" cap="flat" cmpd="sng" algn="ctr">
+                          <a:solidFill>
+                            <a:schemeClr val="tx1"/>
+                          </a:solidFill>
+                          <a:prstDash val="solid"/>
+                          <a:round/>
+                          <a:headEnd type="none" w="med" len="med"/>
+                          <a:tailEnd type="none" w="med" len="med"/>
+                        </a:lnR>
+                        <a:lnT w="12700" cap="flat" cmpd="sng" algn="ctr">
+                          <a:solidFill>
+                            <a:schemeClr val="tx1"/>
+                          </a:solidFill>
+                          <a:prstDash val="solid"/>
+                          <a:round/>
+                          <a:headEnd type="none" w="med" len="med"/>
+                          <a:tailEnd type="none" w="med" len="med"/>
+                        </a:lnT>
+                        <a:lnB w="12700" cap="flat" cmpd="sng" algn="ctr">
+                          <a:solidFill>
+                            <a:schemeClr val="tx1"/>
+                          </a:solidFill>
+                          <a:prstDash val="solid"/>
+                          <a:round/>
+                          <a:headEnd type="none" w="med" len="med"/>
+                          <a:tailEnd type="none" w="med" len="med"/>
+                        </a:lnB>
+                        <a:lnTlToBr w="12700" cmpd="sng">
+                          <a:noFill/>
+                          <a:prstDash val="solid"/>
+                        </a:lnTlToBr>
+                        <a:lnBlToTr w="12700" cmpd="sng">
+                          <a:noFill/>
+                          <a:prstDash val="solid"/>
+                        </a:lnBlToTr>
+                        <a:blipFill>
+                          <a:blip r:embed="rId2"/>
+                          <a:stretch>
+                            <a:fillRect l="-111828" t="-1613" r="-497849" b="-3226"/>
+                          </a:stretch>
+                        </a:blipFill>
+                      </a:tcPr>
+                    </a:tc>
+                    <a:tc>
+                      <a:txBody>
+                        <a:bodyPr/>
+                        <a:lstStyle/>
+                        <a:p>
+                          <a:endParaRPr lang="fr-FR" sz="1400" dirty="0">
+                            <a:solidFill>
+                              <a:schemeClr val="tx1"/>
+                            </a:solidFill>
+                            <a:latin typeface="+mn-lt"/>
+                          </a:endParaRPr>
+                        </a:p>
+                      </a:txBody>
+                      <a:tcPr>
+                        <a:lnL w="12700" cap="flat" cmpd="sng" algn="ctr">
+                          <a:solidFill>
+                            <a:schemeClr val="tx1"/>
+                          </a:solidFill>
+                          <a:prstDash val="solid"/>
+                          <a:round/>
+                          <a:headEnd type="none" w="med" len="med"/>
+                          <a:tailEnd type="none" w="med" len="med"/>
+                        </a:lnL>
+                        <a:lnR w="12700" cap="flat" cmpd="sng" algn="ctr">
+                          <a:noFill/>
+                          <a:prstDash val="solid"/>
+                          <a:round/>
+                          <a:headEnd type="none" w="med" len="med"/>
+                          <a:tailEnd type="none" w="med" len="med"/>
+                        </a:lnR>
+                        <a:lnT w="12700" cap="flat" cmpd="sng" algn="ctr">
+                          <a:solidFill>
+                            <a:schemeClr val="tx1"/>
+                          </a:solidFill>
+                          <a:prstDash val="solid"/>
+                          <a:round/>
+                          <a:headEnd type="none" w="med" len="med"/>
+                          <a:tailEnd type="none" w="med" len="med"/>
+                        </a:lnT>
+                        <a:lnB w="12700" cap="flat" cmpd="sng" algn="ctr">
+                          <a:solidFill>
+                            <a:schemeClr val="tx1"/>
+                          </a:solidFill>
+                          <a:prstDash val="solid"/>
+                          <a:round/>
+                          <a:headEnd type="none" w="med" len="med"/>
+                          <a:tailEnd type="none" w="med" len="med"/>
+                        </a:lnB>
+                        <a:lnTlToBr w="12700" cmpd="sng">
+                          <a:noFill/>
+                          <a:prstDash val="solid"/>
+                        </a:lnTlToBr>
+                        <a:lnBlToTr w="12700" cmpd="sng">
+                          <a:noFill/>
+                          <a:prstDash val="solid"/>
+                        </a:lnBlToTr>
+                        <a:noFill/>
+                      </a:tcPr>
+                    </a:tc>
+                    <a:tc>
+                      <a:txBody>
+                        <a:bodyPr/>
+                        <a:lstStyle/>
+                        <a:p>
+                          <a:r>
+                            <a:rPr lang="fr-FR" sz="1400" dirty="0">
+                              <a:solidFill>
+                                <a:schemeClr val="tx1"/>
+                              </a:solidFill>
+                              <a:latin typeface="+mn-lt"/>
+                            </a:rPr>
+                            <a:t>….</a:t>
+                          </a:r>
+                        </a:p>
+                      </a:txBody>
+                      <a:tcPr>
+                        <a:lnL w="12700" cap="flat" cmpd="sng" algn="ctr">
+                          <a:noFill/>
+                          <a:prstDash val="solid"/>
+                          <a:round/>
+                          <a:headEnd type="none" w="med" len="med"/>
+                          <a:tailEnd type="none" w="med" len="med"/>
+                        </a:lnL>
+                        <a:lnR w="12700" cap="flat" cmpd="sng" algn="ctr">
+                          <a:noFill/>
+                          <a:prstDash val="solid"/>
+                          <a:round/>
+                          <a:headEnd type="none" w="med" len="med"/>
+                          <a:tailEnd type="none" w="med" len="med"/>
+                        </a:lnR>
+                        <a:lnT w="12700" cap="flat" cmpd="sng" algn="ctr">
+                          <a:solidFill>
+                            <a:schemeClr val="tx1"/>
+                          </a:solidFill>
+                          <a:prstDash val="solid"/>
+                          <a:round/>
+                          <a:headEnd type="none" w="med" len="med"/>
+                          <a:tailEnd type="none" w="med" len="med"/>
+                        </a:lnT>
+                        <a:lnB w="12700" cap="flat" cmpd="sng" algn="ctr">
+                          <a:solidFill>
+                            <a:schemeClr val="tx1"/>
+                          </a:solidFill>
+                          <a:prstDash val="solid"/>
+                          <a:round/>
+                          <a:headEnd type="none" w="med" len="med"/>
+                          <a:tailEnd type="none" w="med" len="med"/>
+                        </a:lnB>
+                        <a:lnTlToBr w="12700" cmpd="sng">
+                          <a:noFill/>
+                          <a:prstDash val="solid"/>
+                        </a:lnTlToBr>
+                        <a:lnBlToTr w="12700" cmpd="sng">
+                          <a:noFill/>
+                          <a:prstDash val="solid"/>
+                        </a:lnBlToTr>
+                        <a:noFill/>
+                      </a:tcPr>
+                    </a:tc>
+                    <a:tc>
+                      <a:txBody>
+                        <a:bodyPr/>
+                        <a:lstStyle/>
+                        <a:p>
+                          <a:endParaRPr lang="fr-FR" sz="1400" dirty="0">
+                            <a:solidFill>
+                              <a:schemeClr val="tx1"/>
+                            </a:solidFill>
+                            <a:latin typeface="+mn-lt"/>
+                          </a:endParaRPr>
+                        </a:p>
+                      </a:txBody>
+                      <a:tcPr>
+                        <a:lnL w="12700" cap="flat" cmpd="sng" algn="ctr">
+                          <a:noFill/>
+                          <a:prstDash val="solid"/>
+                          <a:round/>
+                          <a:headEnd type="none" w="med" len="med"/>
+                          <a:tailEnd type="none" w="med" len="med"/>
+                        </a:lnL>
+                        <a:lnR w="12700" cap="flat" cmpd="sng" algn="ctr">
+                          <a:noFill/>
+                          <a:prstDash val="solid"/>
+                          <a:round/>
+                          <a:headEnd type="none" w="med" len="med"/>
+                          <a:tailEnd type="none" w="med" len="med"/>
+                        </a:lnR>
+                        <a:lnT w="12700" cap="flat" cmpd="sng" algn="ctr">
+                          <a:solidFill>
+                            <a:schemeClr val="tx1"/>
+                          </a:solidFill>
+                          <a:prstDash val="solid"/>
+                          <a:round/>
+                          <a:headEnd type="none" w="med" len="med"/>
+                          <a:tailEnd type="none" w="med" len="med"/>
+                        </a:lnT>
+                        <a:lnB w="12700" cap="flat" cmpd="sng" algn="ctr">
+                          <a:solidFill>
+                            <a:schemeClr val="tx1"/>
+                          </a:solidFill>
+                          <a:prstDash val="solid"/>
+                          <a:round/>
+                          <a:headEnd type="none" w="med" len="med"/>
+                          <a:tailEnd type="none" w="med" len="med"/>
+                        </a:lnB>
+                        <a:lnTlToBr w="12700" cmpd="sng">
+                          <a:noFill/>
+                          <a:prstDash val="solid"/>
+                        </a:lnTlToBr>
+                        <a:lnBlToTr w="12700" cmpd="sng">
+                          <a:noFill/>
+                          <a:prstDash val="solid"/>
+                        </a:lnBlToTr>
+                        <a:noFill/>
+                      </a:tcPr>
+                    </a:tc>
+                    <a:tc>
+                      <a:txBody>
+                        <a:bodyPr/>
+                        <a:lstStyle/>
+                        <a:p>
+                          <a:endParaRPr lang="fr-FR" sz="1400" dirty="0">
+                            <a:latin typeface="+mn-lt"/>
+                          </a:endParaRPr>
+                        </a:p>
+                      </a:txBody>
+                      <a:tcPr>
+                        <a:lnL w="12700" cap="flat" cmpd="sng" algn="ctr">
+                          <a:noFill/>
+                          <a:prstDash val="solid"/>
+                          <a:round/>
+                          <a:headEnd type="none" w="med" len="med"/>
+                          <a:tailEnd type="none" w="med" len="med"/>
+                        </a:lnL>
+                        <a:lnR w="12700" cap="flat" cmpd="sng" algn="ctr">
+                          <a:solidFill>
+                            <a:schemeClr val="tx1"/>
+                          </a:solidFill>
+                          <a:prstDash val="solid"/>
+                          <a:round/>
+                          <a:headEnd type="none" w="med" len="med"/>
+                          <a:tailEnd type="none" w="med" len="med"/>
+                        </a:lnR>
+                        <a:lnT w="12700" cap="flat" cmpd="sng" algn="ctr">
+                          <a:solidFill>
+                            <a:schemeClr val="tx1"/>
+                          </a:solidFill>
+                          <a:prstDash val="solid"/>
+                          <a:round/>
+                          <a:headEnd type="none" w="med" len="med"/>
+                          <a:tailEnd type="none" w="med" len="med"/>
+                        </a:lnT>
+                        <a:lnB w="12700" cap="flat" cmpd="sng" algn="ctr">
+                          <a:solidFill>
+                            <a:schemeClr val="tx1"/>
+                          </a:solidFill>
+                          <a:prstDash val="solid"/>
+                          <a:round/>
+                          <a:headEnd type="none" w="med" len="med"/>
+                          <a:tailEnd type="none" w="med" len="med"/>
+                        </a:lnB>
+                        <a:lnTlToBr w="12700" cmpd="sng">
+                          <a:noFill/>
+                          <a:prstDash val="solid"/>
+                        </a:lnTlToBr>
+                        <a:lnBlToTr w="12700" cmpd="sng">
+                          <a:noFill/>
+                          <a:prstDash val="solid"/>
+                        </a:lnBlToTr>
+                        <a:noFill/>
+                      </a:tcPr>
+                    </a:tc>
+                    <a:tc>
+                      <a:txBody>
+                        <a:bodyPr/>
+                        <a:lstStyle/>
+                        <a:p>
+                          <a:endParaRPr lang="fr-FR"/>
+                        </a:p>
+                      </a:txBody>
+                      <a:tcPr>
+                        <a:lnL w="12700" cap="flat" cmpd="sng" algn="ctr">
+                          <a:solidFill>
+                            <a:schemeClr val="tx1"/>
+                          </a:solidFill>
+                          <a:prstDash val="solid"/>
+                          <a:round/>
+                          <a:headEnd type="none" w="med" len="med"/>
+                          <a:tailEnd type="none" w="med" len="med"/>
+                        </a:lnL>
+                        <a:lnR w="12700" cap="flat" cmpd="sng" algn="ctr">
+                          <a:solidFill>
+                            <a:schemeClr val="tx1"/>
+                          </a:solidFill>
+                          <a:prstDash val="solid"/>
+                          <a:round/>
+                          <a:headEnd type="none" w="med" len="med"/>
+                          <a:tailEnd type="none" w="med" len="med"/>
+                        </a:lnR>
+                        <a:lnT w="12700" cap="flat" cmpd="sng" algn="ctr">
+                          <a:solidFill>
+                            <a:schemeClr val="tx1"/>
+                          </a:solidFill>
+                          <a:prstDash val="solid"/>
+                          <a:round/>
+                          <a:headEnd type="none" w="med" len="med"/>
+                          <a:tailEnd type="none" w="med" len="med"/>
+                        </a:lnT>
+                        <a:lnB w="12700" cap="flat" cmpd="sng" algn="ctr">
+                          <a:solidFill>
+                            <a:schemeClr val="tx1"/>
+                          </a:solidFill>
+                          <a:prstDash val="solid"/>
+                          <a:round/>
+                          <a:headEnd type="none" w="med" len="med"/>
+                          <a:tailEnd type="none" w="med" len="med"/>
+                        </a:lnB>
+                        <a:lnTlToBr w="12700" cmpd="sng">
+                          <a:noFill/>
+                          <a:prstDash val="solid"/>
+                        </a:lnTlToBr>
+                        <a:lnBlToTr w="12700" cmpd="sng">
+                          <a:noFill/>
+                          <a:prstDash val="solid"/>
+                        </a:lnBlToTr>
+                        <a:blipFill>
+                          <a:blip r:embed="rId2"/>
+                          <a:stretch>
+                            <a:fillRect l="-615217" t="-1613" r="-2174" b="-3226"/>
+                          </a:stretch>
+                        </a:blipFill>
+                      </a:tcPr>
+                    </a:tc>
+                    <a:extLst>
+                      <a:ext uri="{0D108BD9-81ED-4DB2-BD59-A6C34878D82A}">
+                        <a16:rowId xmlns:a16="http://schemas.microsoft.com/office/drawing/2014/main" val="921640606"/>
+                      </a:ext>
+                    </a:extLst>
+                  </a:tr>
+                </a:tbl>
+              </a:graphicData>
+            </a:graphic>
+          </p:graphicFrame>
+        </mc:Fallback>
+      </mc:AlternateContent>
+      <mc:AlternateContent xmlns:mc="http://schemas.openxmlformats.org/markup-compatibility/2006">
+        <mc:Choice xmlns:a14="http://schemas.microsoft.com/office/drawing/2010/main" Requires="a14">
+          <p:graphicFrame>
+            <p:nvGraphicFramePr>
+              <p:cNvPr id="24" name="Tableau 23">
+                <a:extLst>
+                  <a:ext uri="{FF2B5EF4-FFF2-40B4-BE49-F238E27FC236}">
+                    <a16:creationId xmlns:a16="http://schemas.microsoft.com/office/drawing/2014/main" id="{BCC54555-E105-CF79-DCCA-295C3B9FE9FE}"/>
+                  </a:ext>
+                </a:extLst>
+              </p:cNvPr>
+              <p:cNvGraphicFramePr>
+                <a:graphicFrameLocks noGrp="1"/>
+              </p:cNvGraphicFramePr>
+              <p:nvPr>
+                <p:extLst>
+                  <p:ext uri="{D42A27DB-BD31-4B8C-83A1-F6EECF244321}">
+                    <p14:modId xmlns:p14="http://schemas.microsoft.com/office/powerpoint/2010/main" val="3679351094"/>
+                  </p:ext>
+                </p:extLst>
+              </p:nvPr>
+            </p:nvGraphicFramePr>
+            <p:xfrm>
+              <a:off x="3936279" y="3773355"/>
+              <a:ext cx="3999730" cy="370840"/>
+            </p:xfrm>
+            <a:graphic>
+              <a:graphicData uri="http://schemas.openxmlformats.org/drawingml/2006/table">
+                <a:tbl>
+                  <a:tblPr firstRow="1" bandRow="1">
+                    <a:tableStyleId>{5C22544A-7EE6-4342-B048-85BDC9FD1C3A}</a:tableStyleId>
+                  </a:tblPr>
+                  <a:tblGrid>
+                    <a:gridCol w="571390">
+                      <a:extLst>
+                        <a:ext uri="{9D8B030D-6E8A-4147-A177-3AD203B41FA5}">
+                          <a16:colId xmlns:a16="http://schemas.microsoft.com/office/drawing/2014/main" val="2396127714"/>
+                        </a:ext>
+                      </a:extLst>
+                    </a:gridCol>
+                    <a:gridCol w="571390">
+                      <a:extLst>
+                        <a:ext uri="{9D8B030D-6E8A-4147-A177-3AD203B41FA5}">
+                          <a16:colId xmlns:a16="http://schemas.microsoft.com/office/drawing/2014/main" val="1815423872"/>
+                        </a:ext>
+                      </a:extLst>
+                    </a:gridCol>
+                    <a:gridCol w="571390">
+                      <a:extLst>
+                        <a:ext uri="{9D8B030D-6E8A-4147-A177-3AD203B41FA5}">
+                          <a16:colId xmlns:a16="http://schemas.microsoft.com/office/drawing/2014/main" val="1884723031"/>
+                        </a:ext>
+                      </a:extLst>
+                    </a:gridCol>
+                    <a:gridCol w="571390">
+                      <a:extLst>
+                        <a:ext uri="{9D8B030D-6E8A-4147-A177-3AD203B41FA5}">
+                          <a16:colId xmlns:a16="http://schemas.microsoft.com/office/drawing/2014/main" val="3147811208"/>
+                        </a:ext>
+                      </a:extLst>
+                    </a:gridCol>
+                    <a:gridCol w="571390">
+                      <a:extLst>
+                        <a:ext uri="{9D8B030D-6E8A-4147-A177-3AD203B41FA5}">
+                          <a16:colId xmlns:a16="http://schemas.microsoft.com/office/drawing/2014/main" val="105240590"/>
+                        </a:ext>
+                      </a:extLst>
+                    </a:gridCol>
+                    <a:gridCol w="571390">
+                      <a:extLst>
+                        <a:ext uri="{9D8B030D-6E8A-4147-A177-3AD203B41FA5}">
+                          <a16:colId xmlns:a16="http://schemas.microsoft.com/office/drawing/2014/main" val="1723551580"/>
+                        </a:ext>
+                      </a:extLst>
+                    </a:gridCol>
+                    <a:gridCol w="571390">
+                      <a:extLst>
+                        <a:ext uri="{9D8B030D-6E8A-4147-A177-3AD203B41FA5}">
+                          <a16:colId xmlns:a16="http://schemas.microsoft.com/office/drawing/2014/main" val="3137996870"/>
+                        </a:ext>
+                      </a:extLst>
+                    </a:gridCol>
+                  </a:tblGrid>
+                  <a:tr h="370840">
+                    <a:tc>
+                      <a:txBody>
+                        <a:bodyPr/>
+                        <a:lstStyle/>
+                        <a:p>
+                          <a14:m>
+                            <m:oMathPara xmlns:m="http://schemas.openxmlformats.org/officeDocument/2006/math">
+                              <m:oMathParaPr>
+                                <m:jc m:val="centerGroup"/>
+                              </m:oMathParaPr>
+                              <m:oMath xmlns:m="http://schemas.openxmlformats.org/officeDocument/2006/math">
+                                <m:sSub>
+                                  <m:sSubPr>
+                                    <m:ctrlPr>
+                                      <a:rPr lang="fr-FR" sz="1400" b="1" i="1" kern="1200" dirty="0" smtClean="0">
+                                        <a:solidFill>
+                                          <a:schemeClr val="tx1"/>
+                                        </a:solidFill>
+                                        <a:latin typeface="+mn-lt"/>
+                                        <a:ea typeface="+mn-ea"/>
+                                        <a:cs typeface="+mn-cs"/>
+                                      </a:rPr>
+                                    </m:ctrlPr>
+                                  </m:sSubPr>
+                                  <m:e>
+                                    <m:r>
+                                      <a:rPr lang="fr-FR" sz="1400" b="1" i="1" kern="1200" dirty="0" smtClean="0">
+                                        <a:solidFill>
+                                          <a:schemeClr val="tx1"/>
+                                        </a:solidFill>
+                                        <a:latin typeface="+mn-lt"/>
+                                        <a:ea typeface="+mn-ea"/>
+                                        <a:cs typeface="+mn-cs"/>
+                                      </a:rPr>
+                                      <m:t>𝒀</m:t>
+                                    </m:r>
+                                  </m:e>
+                                  <m:sub>
+                                    <m:r>
+                                      <a:rPr lang="fr-FR" sz="1400" b="1" i="1" kern="1200" dirty="0" smtClean="0">
+                                        <a:solidFill>
+                                          <a:schemeClr val="tx1"/>
+                                        </a:solidFill>
+                                        <a:latin typeface="+mn-lt"/>
+                                        <a:ea typeface="+mn-ea"/>
+                                        <a:cs typeface="+mn-cs"/>
+                                      </a:rPr>
+                                      <m:t>𝟐</m:t>
+                                    </m:r>
+                                  </m:sub>
+                                </m:sSub>
+                              </m:oMath>
+                            </m:oMathPara>
+                          </a14:m>
+                          <a:endParaRPr lang="fr-FR" sz="1400" b="1" i="1" kern="1200" dirty="0">
+                            <a:solidFill>
+                              <a:schemeClr val="tx1"/>
+                            </a:solidFill>
+                            <a:latin typeface="+mn-lt"/>
+                            <a:ea typeface="+mn-ea"/>
+                            <a:cs typeface="+mn-cs"/>
+                          </a:endParaRPr>
+                        </a:p>
+                      </a:txBody>
+                      <a:tcPr>
+                        <a:lnL w="12700" cap="flat" cmpd="sng" algn="ctr">
+                          <a:solidFill>
+                            <a:schemeClr val="tx1"/>
+                          </a:solidFill>
+                          <a:prstDash val="solid"/>
+                          <a:round/>
+                          <a:headEnd type="none" w="med" len="med"/>
+                          <a:tailEnd type="none" w="med" len="med"/>
+                        </a:lnL>
+                        <a:lnR w="12700" cap="flat" cmpd="sng" algn="ctr">
+                          <a:solidFill>
+                            <a:schemeClr val="tx1"/>
+                          </a:solidFill>
+                          <a:prstDash val="solid"/>
+                          <a:round/>
+                          <a:headEnd type="none" w="med" len="med"/>
+                          <a:tailEnd type="none" w="med" len="med"/>
+                        </a:lnR>
+                        <a:lnT w="12700" cap="flat" cmpd="sng" algn="ctr">
+                          <a:solidFill>
+                            <a:schemeClr val="tx1"/>
+                          </a:solidFill>
+                          <a:prstDash val="solid"/>
+                          <a:round/>
+                          <a:headEnd type="none" w="med" len="med"/>
+                          <a:tailEnd type="none" w="med" len="med"/>
+                        </a:lnT>
+                        <a:lnB w="12700" cap="flat" cmpd="sng" algn="ctr">
+                          <a:solidFill>
+                            <a:schemeClr val="tx1"/>
+                          </a:solidFill>
+                          <a:prstDash val="solid"/>
+                          <a:round/>
+                          <a:headEnd type="none" w="med" len="med"/>
+                          <a:tailEnd type="none" w="med" len="med"/>
+                        </a:lnB>
+                        <a:lnTlToBr w="12700" cmpd="sng">
+                          <a:noFill/>
+                          <a:prstDash val="solid"/>
+                        </a:lnTlToBr>
+                        <a:lnBlToTr w="12700" cmpd="sng">
+                          <a:noFill/>
+                          <a:prstDash val="solid"/>
+                        </a:lnBlToTr>
+                        <a:noFill/>
+                      </a:tcPr>
+                    </a:tc>
+                    <a:tc>
+                      <a:txBody>
+                        <a:bodyPr/>
+                        <a:lstStyle/>
+                        <a:p>
+                          <a14:m>
+                            <m:oMathPara xmlns:m="http://schemas.openxmlformats.org/officeDocument/2006/math">
+                              <m:oMathParaPr>
+                                <m:jc m:val="centerGroup"/>
+                              </m:oMathParaPr>
+                              <m:oMath xmlns:m="http://schemas.openxmlformats.org/officeDocument/2006/math">
+                                <m:sSub>
+                                  <m:sSubPr>
+                                    <m:ctrlPr>
+                                      <a:rPr lang="fr-FR" sz="1400" b="1" i="1" dirty="0" smtClean="0">
+                                        <a:solidFill>
+                                          <a:schemeClr val="tx1"/>
+                                        </a:solidFill>
+                                        <a:latin typeface="+mn-lt"/>
+                                      </a:rPr>
+                                    </m:ctrlPr>
+                                  </m:sSubPr>
+                                  <m:e>
+                                    <m:r>
+                                      <a:rPr lang="fr-FR" sz="1400" b="1" i="1" dirty="0" smtClean="0">
+                                        <a:solidFill>
+                                          <a:schemeClr val="tx1"/>
+                                        </a:solidFill>
+                                        <a:latin typeface="+mn-lt"/>
+                                      </a:rPr>
+                                      <m:t>𝒀</m:t>
+                                    </m:r>
+                                  </m:e>
+                                  <m:sub>
+                                    <m:r>
+                                      <a:rPr lang="fr-FR" sz="1400" b="1" i="1" dirty="0" smtClean="0">
+                                        <a:solidFill>
+                                          <a:schemeClr val="tx1"/>
+                                        </a:solidFill>
+                                        <a:latin typeface="+mn-lt"/>
+                                      </a:rPr>
+                                      <m:t>𝟑</m:t>
+                                    </m:r>
+                                  </m:sub>
+                                </m:sSub>
+                              </m:oMath>
+                            </m:oMathPara>
+                          </a14:m>
+                          <a:endParaRPr lang="fr-FR" sz="1400" dirty="0">
+                            <a:latin typeface="+mn-lt"/>
+                          </a:endParaRPr>
+                        </a:p>
+                      </a:txBody>
+                      <a:tcPr>
+                        <a:lnL w="12700" cap="flat" cmpd="sng" algn="ctr">
+                          <a:solidFill>
+                            <a:schemeClr val="tx1"/>
+                          </a:solidFill>
+                          <a:prstDash val="solid"/>
+                          <a:round/>
+                          <a:headEnd type="none" w="med" len="med"/>
+                          <a:tailEnd type="none" w="med" len="med"/>
+                        </a:lnL>
+                        <a:lnR w="12700" cap="flat" cmpd="sng" algn="ctr">
+                          <a:solidFill>
+                            <a:schemeClr val="tx1"/>
+                          </a:solidFill>
+                          <a:prstDash val="solid"/>
+                          <a:round/>
+                          <a:headEnd type="none" w="med" len="med"/>
+                          <a:tailEnd type="none" w="med" len="med"/>
+                        </a:lnR>
+                        <a:lnT w="12700" cap="flat" cmpd="sng" algn="ctr">
+                          <a:solidFill>
+                            <a:schemeClr val="tx1"/>
+                          </a:solidFill>
+                          <a:prstDash val="solid"/>
+                          <a:round/>
+                          <a:headEnd type="none" w="med" len="med"/>
+                          <a:tailEnd type="none" w="med" len="med"/>
+                        </a:lnT>
+                        <a:lnB w="12700" cap="flat" cmpd="sng" algn="ctr">
+                          <a:solidFill>
+                            <a:schemeClr val="tx1"/>
+                          </a:solidFill>
+                          <a:prstDash val="solid"/>
+                          <a:round/>
+                          <a:headEnd type="none" w="med" len="med"/>
+                          <a:tailEnd type="none" w="med" len="med"/>
+                        </a:lnB>
+                        <a:lnTlToBr w="12700" cmpd="sng">
+                          <a:noFill/>
+                          <a:prstDash val="solid"/>
+                        </a:lnTlToBr>
+                        <a:lnBlToTr w="12700" cmpd="sng">
+                          <a:noFill/>
+                          <a:prstDash val="solid"/>
+                        </a:lnBlToTr>
+                        <a:noFill/>
+                      </a:tcPr>
+                    </a:tc>
+                    <a:tc>
+                      <a:txBody>
+                        <a:bodyPr/>
+                        <a:lstStyle/>
+                        <a:p>
+                          <a:endParaRPr lang="fr-FR" sz="1400" dirty="0">
+                            <a:solidFill>
+                              <a:schemeClr val="tx1"/>
+                            </a:solidFill>
+                            <a:latin typeface="+mn-lt"/>
+                          </a:endParaRPr>
+                        </a:p>
+                      </a:txBody>
+                      <a:tcPr>
+                        <a:lnL w="12700" cap="flat" cmpd="sng" algn="ctr">
+                          <a:solidFill>
+                            <a:schemeClr val="tx1"/>
+                          </a:solidFill>
+                          <a:prstDash val="solid"/>
+                          <a:round/>
+                          <a:headEnd type="none" w="med" len="med"/>
+                          <a:tailEnd type="none" w="med" len="med"/>
+                        </a:lnL>
+                        <a:lnR w="12700" cap="flat" cmpd="sng" algn="ctr">
+                          <a:noFill/>
+                          <a:prstDash val="solid"/>
+                          <a:round/>
+                          <a:headEnd type="none" w="med" len="med"/>
+                          <a:tailEnd type="none" w="med" len="med"/>
+                        </a:lnR>
+                        <a:lnT w="12700" cap="flat" cmpd="sng" algn="ctr">
+                          <a:solidFill>
+                            <a:schemeClr val="tx1"/>
+                          </a:solidFill>
+                          <a:prstDash val="solid"/>
+                          <a:round/>
+                          <a:headEnd type="none" w="med" len="med"/>
+                          <a:tailEnd type="none" w="med" len="med"/>
+                        </a:lnT>
+                        <a:lnB w="12700" cap="flat" cmpd="sng" algn="ctr">
+                          <a:solidFill>
+                            <a:schemeClr val="tx1"/>
+                          </a:solidFill>
+                          <a:prstDash val="solid"/>
+                          <a:round/>
+                          <a:headEnd type="none" w="med" len="med"/>
+                          <a:tailEnd type="none" w="med" len="med"/>
+                        </a:lnB>
+                        <a:lnTlToBr w="12700" cmpd="sng">
+                          <a:noFill/>
+                          <a:prstDash val="solid"/>
+                        </a:lnTlToBr>
+                        <a:lnBlToTr w="12700" cmpd="sng">
+                          <a:noFill/>
+                          <a:prstDash val="solid"/>
+                        </a:lnBlToTr>
+                        <a:noFill/>
+                      </a:tcPr>
+                    </a:tc>
+                    <a:tc>
+                      <a:txBody>
+                        <a:bodyPr/>
+                        <a:lstStyle/>
+                        <a:p>
+                          <a:r>
+                            <a:rPr lang="fr-FR" sz="1400" dirty="0">
+                              <a:solidFill>
+                                <a:schemeClr val="tx1"/>
+                              </a:solidFill>
+                              <a:latin typeface="+mn-lt"/>
+                            </a:rPr>
+                            <a:t>….</a:t>
+                          </a:r>
+                        </a:p>
+                      </a:txBody>
+                      <a:tcPr>
+                        <a:lnL w="12700" cap="flat" cmpd="sng" algn="ctr">
+                          <a:noFill/>
+                          <a:prstDash val="solid"/>
+                          <a:round/>
+                          <a:headEnd type="none" w="med" len="med"/>
+                          <a:tailEnd type="none" w="med" len="med"/>
+                        </a:lnL>
+                        <a:lnR w="12700" cap="flat" cmpd="sng" algn="ctr">
+                          <a:noFill/>
+                          <a:prstDash val="solid"/>
+                          <a:round/>
+                          <a:headEnd type="none" w="med" len="med"/>
+                          <a:tailEnd type="none" w="med" len="med"/>
+                        </a:lnR>
+                        <a:lnT w="12700" cap="flat" cmpd="sng" algn="ctr">
+                          <a:solidFill>
+                            <a:schemeClr val="tx1"/>
+                          </a:solidFill>
+                          <a:prstDash val="solid"/>
+                          <a:round/>
+                          <a:headEnd type="none" w="med" len="med"/>
+                          <a:tailEnd type="none" w="med" len="med"/>
+                        </a:lnT>
+                        <a:lnB w="12700" cap="flat" cmpd="sng" algn="ctr">
+                          <a:solidFill>
+                            <a:schemeClr val="tx1"/>
+                          </a:solidFill>
+                          <a:prstDash val="solid"/>
+                          <a:round/>
+                          <a:headEnd type="none" w="med" len="med"/>
+                          <a:tailEnd type="none" w="med" len="med"/>
+                        </a:lnB>
+                        <a:lnTlToBr w="12700" cmpd="sng">
+                          <a:noFill/>
+                          <a:prstDash val="solid"/>
+                        </a:lnTlToBr>
+                        <a:lnBlToTr w="12700" cmpd="sng">
+                          <a:noFill/>
+                          <a:prstDash val="solid"/>
+                        </a:lnBlToTr>
+                        <a:noFill/>
+                      </a:tcPr>
+                    </a:tc>
+                    <a:tc>
+                      <a:txBody>
+                        <a:bodyPr/>
+                        <a:lstStyle/>
+                        <a:p>
+                          <a:endParaRPr lang="fr-FR" sz="1400" dirty="0">
+                            <a:solidFill>
+                              <a:schemeClr val="tx1"/>
+                            </a:solidFill>
+                            <a:latin typeface="+mn-lt"/>
+                          </a:endParaRPr>
+                        </a:p>
+                      </a:txBody>
+                      <a:tcPr>
+                        <a:lnL w="12700" cap="flat" cmpd="sng" algn="ctr">
+                          <a:noFill/>
+                          <a:prstDash val="solid"/>
+                          <a:round/>
+                          <a:headEnd type="none" w="med" len="med"/>
+                          <a:tailEnd type="none" w="med" len="med"/>
+                        </a:lnL>
+                        <a:lnR w="12700" cap="flat" cmpd="sng" algn="ctr">
+                          <a:noFill/>
+                          <a:prstDash val="solid"/>
+                          <a:round/>
+                          <a:headEnd type="none" w="med" len="med"/>
+                          <a:tailEnd type="none" w="med" len="med"/>
+                        </a:lnR>
+                        <a:lnT w="12700" cap="flat" cmpd="sng" algn="ctr">
+                          <a:solidFill>
+                            <a:schemeClr val="tx1"/>
+                          </a:solidFill>
+                          <a:prstDash val="solid"/>
+                          <a:round/>
+                          <a:headEnd type="none" w="med" len="med"/>
+                          <a:tailEnd type="none" w="med" len="med"/>
+                        </a:lnT>
+                        <a:lnB w="12700" cap="flat" cmpd="sng" algn="ctr">
+                          <a:solidFill>
+                            <a:schemeClr val="tx1"/>
+                          </a:solidFill>
+                          <a:prstDash val="solid"/>
+                          <a:round/>
+                          <a:headEnd type="none" w="med" len="med"/>
+                          <a:tailEnd type="none" w="med" len="med"/>
+                        </a:lnB>
+                        <a:lnTlToBr w="12700" cmpd="sng">
+                          <a:noFill/>
+                          <a:prstDash val="solid"/>
+                        </a:lnTlToBr>
+                        <a:lnBlToTr w="12700" cmpd="sng">
+                          <a:noFill/>
+                          <a:prstDash val="solid"/>
+                        </a:lnBlToTr>
+                        <a:noFill/>
+                      </a:tcPr>
+                    </a:tc>
+                    <a:tc>
+                      <a:txBody>
+                        <a:bodyPr/>
+                        <a:lstStyle/>
+                        <a:p>
+                          <a:endParaRPr lang="fr-FR" sz="1400" dirty="0">
+                            <a:latin typeface="+mn-lt"/>
+                          </a:endParaRPr>
+                        </a:p>
+                      </a:txBody>
+                      <a:tcPr>
+                        <a:lnL w="12700" cap="flat" cmpd="sng" algn="ctr">
+                          <a:noFill/>
+                          <a:prstDash val="solid"/>
+                          <a:round/>
+                          <a:headEnd type="none" w="med" len="med"/>
+                          <a:tailEnd type="none" w="med" len="med"/>
+                        </a:lnL>
+                        <a:lnR w="12700" cap="flat" cmpd="sng" algn="ctr">
+                          <a:solidFill>
+                            <a:schemeClr val="tx1"/>
+                          </a:solidFill>
+                          <a:prstDash val="solid"/>
+                          <a:round/>
+                          <a:headEnd type="none" w="med" len="med"/>
+                          <a:tailEnd type="none" w="med" len="med"/>
+                        </a:lnR>
+                        <a:lnT w="12700" cap="flat" cmpd="sng" algn="ctr">
+                          <a:solidFill>
+                            <a:schemeClr val="tx1"/>
+                          </a:solidFill>
+                          <a:prstDash val="solid"/>
+                          <a:round/>
+                          <a:headEnd type="none" w="med" len="med"/>
+                          <a:tailEnd type="none" w="med" len="med"/>
+                        </a:lnT>
+                        <a:lnB w="12700" cap="flat" cmpd="sng" algn="ctr">
+                          <a:solidFill>
+                            <a:schemeClr val="tx1"/>
+                          </a:solidFill>
+                          <a:prstDash val="solid"/>
+                          <a:round/>
+                          <a:headEnd type="none" w="med" len="med"/>
+                          <a:tailEnd type="none" w="med" len="med"/>
+                        </a:lnB>
+                        <a:lnTlToBr w="12700" cmpd="sng">
+                          <a:noFill/>
+                          <a:prstDash val="solid"/>
+                        </a:lnTlToBr>
+                        <a:lnBlToTr w="12700" cmpd="sng">
+                          <a:noFill/>
+                          <a:prstDash val="solid"/>
+                        </a:lnBlToTr>
+                        <a:noFill/>
+                      </a:tcPr>
+                    </a:tc>
+                    <a:tc>
+                      <a:txBody>
+                        <a:bodyPr/>
+                        <a:lstStyle/>
+                        <a:p>
+                          <a14:m>
+                            <m:oMathPara xmlns:m="http://schemas.openxmlformats.org/officeDocument/2006/math">
+                              <m:oMathParaPr>
+                                <m:jc m:val="centerGroup"/>
+                              </m:oMathParaPr>
+                              <m:oMath xmlns:m="http://schemas.openxmlformats.org/officeDocument/2006/math">
+                                <m:sSub>
+                                  <m:sSubPr>
+                                    <m:ctrlPr>
+                                      <a:rPr lang="fr-FR" sz="1400" b="1" i="1" dirty="0" smtClean="0">
+                                        <a:solidFill>
+                                          <a:schemeClr val="tx1"/>
+                                        </a:solidFill>
+                                        <a:latin typeface="+mn-lt"/>
+                                      </a:rPr>
+                                    </m:ctrlPr>
+                                  </m:sSubPr>
+                                  <m:e>
+                                    <m:r>
+                                      <a:rPr lang="fr-FR" sz="1400" b="1" i="1" dirty="0" smtClean="0">
+                                        <a:solidFill>
+                                          <a:schemeClr val="tx1"/>
+                                        </a:solidFill>
+                                        <a:latin typeface="+mn-lt"/>
+                                      </a:rPr>
+                                      <m:t>𝒀</m:t>
+                                    </m:r>
+                                  </m:e>
+                                  <m:sub>
+                                    <m:r>
+                                      <a:rPr lang="fr-FR" sz="1400" b="1" i="1" dirty="0" smtClean="0">
+                                        <a:solidFill>
+                                          <a:schemeClr val="tx1"/>
+                                        </a:solidFill>
+                                        <a:latin typeface="+mn-lt"/>
+                                      </a:rPr>
+                                      <m:t>𝑵</m:t>
+                                    </m:r>
+                                    <m:r>
+                                      <a:rPr lang="fr-FR" sz="1400" b="1" i="1" dirty="0" smtClean="0">
+                                        <a:solidFill>
+                                          <a:schemeClr val="tx1"/>
+                                        </a:solidFill>
+                                        <a:latin typeface="+mn-lt"/>
+                                      </a:rPr>
+                                      <m:t>−</m:t>
+                                    </m:r>
+                                    <m:r>
+                                      <a:rPr lang="fr-FR" sz="1400" b="1" i="1" dirty="0" smtClean="0">
+                                        <a:solidFill>
+                                          <a:schemeClr val="tx1"/>
+                                        </a:solidFill>
+                                        <a:latin typeface="+mn-lt"/>
+                                      </a:rPr>
+                                      <m:t>𝟏</m:t>
+                                    </m:r>
+                                  </m:sub>
+                                </m:sSub>
+                              </m:oMath>
+                            </m:oMathPara>
+                          </a14:m>
+                          <a:endParaRPr lang="fr-FR" sz="1400" dirty="0">
+                            <a:latin typeface="+mn-lt"/>
+                          </a:endParaRPr>
+                        </a:p>
+                      </a:txBody>
+                      <a:tcPr>
+                        <a:lnL w="12700" cap="flat" cmpd="sng" algn="ctr">
+                          <a:solidFill>
+                            <a:schemeClr val="tx1"/>
+                          </a:solidFill>
+                          <a:prstDash val="solid"/>
+                          <a:round/>
+                          <a:headEnd type="none" w="med" len="med"/>
+                          <a:tailEnd type="none" w="med" len="med"/>
+                        </a:lnL>
+                        <a:lnR w="12700" cap="flat" cmpd="sng" algn="ctr">
+                          <a:solidFill>
+                            <a:schemeClr val="tx1"/>
+                          </a:solidFill>
+                          <a:prstDash val="solid"/>
+                          <a:round/>
+                          <a:headEnd type="none" w="med" len="med"/>
+                          <a:tailEnd type="none" w="med" len="med"/>
+                        </a:lnR>
+                        <a:lnT w="12700" cap="flat" cmpd="sng" algn="ctr">
+                          <a:solidFill>
+                            <a:schemeClr val="tx1"/>
+                          </a:solidFill>
+                          <a:prstDash val="solid"/>
+                          <a:round/>
+                          <a:headEnd type="none" w="med" len="med"/>
+                          <a:tailEnd type="none" w="med" len="med"/>
+                        </a:lnT>
+                        <a:lnB w="12700" cap="flat" cmpd="sng" algn="ctr">
+                          <a:solidFill>
+                            <a:schemeClr val="tx1"/>
+                          </a:solidFill>
+                          <a:prstDash val="solid"/>
+                          <a:round/>
+                          <a:headEnd type="none" w="med" len="med"/>
+                          <a:tailEnd type="none" w="med" len="med"/>
+                        </a:lnB>
+                        <a:lnTlToBr w="12700" cmpd="sng">
+                          <a:noFill/>
+                          <a:prstDash val="solid"/>
+                        </a:lnTlToBr>
+                        <a:lnBlToTr w="12700" cmpd="sng">
+                          <a:noFill/>
+                          <a:prstDash val="solid"/>
+                        </a:lnBlToTr>
+                        <a:noFill/>
+                      </a:tcPr>
+                    </a:tc>
+                    <a:extLst>
+                      <a:ext uri="{0D108BD9-81ED-4DB2-BD59-A6C34878D82A}">
+                        <a16:rowId xmlns:a16="http://schemas.microsoft.com/office/drawing/2014/main" val="921640606"/>
+                      </a:ext>
+                    </a:extLst>
+                  </a:tr>
+                </a:tbl>
+              </a:graphicData>
+            </a:graphic>
+          </p:graphicFrame>
+        </mc:Choice>
+        <mc:Fallback>
+          <p:graphicFrame>
+            <p:nvGraphicFramePr>
+              <p:cNvPr id="24" name="Tableau 23">
+                <a:extLst>
+                  <a:ext uri="{FF2B5EF4-FFF2-40B4-BE49-F238E27FC236}">
+                    <a16:creationId xmlns:a16="http://schemas.microsoft.com/office/drawing/2014/main" id="{BCC54555-E105-CF79-DCCA-295C3B9FE9FE}"/>
+                  </a:ext>
+                </a:extLst>
+              </p:cNvPr>
+              <p:cNvGraphicFramePr>
+                <a:graphicFrameLocks noGrp="1"/>
+              </p:cNvGraphicFramePr>
+              <p:nvPr>
+                <p:extLst>
+                  <p:ext uri="{D42A27DB-BD31-4B8C-83A1-F6EECF244321}">
+                    <p14:modId xmlns:p14="http://schemas.microsoft.com/office/powerpoint/2010/main" val="3679351094"/>
+                  </p:ext>
+                </p:extLst>
+              </p:nvPr>
+            </p:nvGraphicFramePr>
+            <p:xfrm>
+              <a:off x="3936279" y="3773355"/>
+              <a:ext cx="3999730" cy="370840"/>
+            </p:xfrm>
+            <a:graphic>
+              <a:graphicData uri="http://schemas.openxmlformats.org/drawingml/2006/table">
+                <a:tbl>
+                  <a:tblPr firstRow="1" bandRow="1">
+                    <a:tableStyleId>{5C22544A-7EE6-4342-B048-85BDC9FD1C3A}</a:tableStyleId>
+                  </a:tblPr>
+                  <a:tblGrid>
+                    <a:gridCol w="571390">
+                      <a:extLst>
+                        <a:ext uri="{9D8B030D-6E8A-4147-A177-3AD203B41FA5}">
+                          <a16:colId xmlns:a16="http://schemas.microsoft.com/office/drawing/2014/main" val="2396127714"/>
+                        </a:ext>
+                      </a:extLst>
+                    </a:gridCol>
+                    <a:gridCol w="571390">
+                      <a:extLst>
+                        <a:ext uri="{9D8B030D-6E8A-4147-A177-3AD203B41FA5}">
+                          <a16:colId xmlns:a16="http://schemas.microsoft.com/office/drawing/2014/main" val="1815423872"/>
+                        </a:ext>
+                      </a:extLst>
+                    </a:gridCol>
+                    <a:gridCol w="571390">
+                      <a:extLst>
+                        <a:ext uri="{9D8B030D-6E8A-4147-A177-3AD203B41FA5}">
+                          <a16:colId xmlns:a16="http://schemas.microsoft.com/office/drawing/2014/main" val="1884723031"/>
+                        </a:ext>
+                      </a:extLst>
+                    </a:gridCol>
+                    <a:gridCol w="571390">
+                      <a:extLst>
+                        <a:ext uri="{9D8B030D-6E8A-4147-A177-3AD203B41FA5}">
+                          <a16:colId xmlns:a16="http://schemas.microsoft.com/office/drawing/2014/main" val="3147811208"/>
+                        </a:ext>
+                      </a:extLst>
+                    </a:gridCol>
+                    <a:gridCol w="571390">
+                      <a:extLst>
+                        <a:ext uri="{9D8B030D-6E8A-4147-A177-3AD203B41FA5}">
+                          <a16:colId xmlns:a16="http://schemas.microsoft.com/office/drawing/2014/main" val="105240590"/>
+                        </a:ext>
+                      </a:extLst>
+                    </a:gridCol>
+                    <a:gridCol w="571390">
+                      <a:extLst>
+                        <a:ext uri="{9D8B030D-6E8A-4147-A177-3AD203B41FA5}">
+                          <a16:colId xmlns:a16="http://schemas.microsoft.com/office/drawing/2014/main" val="1723551580"/>
+                        </a:ext>
+                      </a:extLst>
+                    </a:gridCol>
+                    <a:gridCol w="571390">
+                      <a:extLst>
+                        <a:ext uri="{9D8B030D-6E8A-4147-A177-3AD203B41FA5}">
+                          <a16:colId xmlns:a16="http://schemas.microsoft.com/office/drawing/2014/main" val="3137996870"/>
+                        </a:ext>
+                      </a:extLst>
+                    </a:gridCol>
+                  </a:tblGrid>
+                  <a:tr h="370840">
+                    <a:tc>
+                      <a:txBody>
+                        <a:bodyPr/>
+                        <a:lstStyle/>
+                        <a:p>
+                          <a:endParaRPr lang="fr-FR"/>
+                        </a:p>
+                      </a:txBody>
+                      <a:tcPr>
+                        <a:lnL w="12700" cap="flat" cmpd="sng" algn="ctr">
+                          <a:solidFill>
+                            <a:schemeClr val="tx1"/>
+                          </a:solidFill>
+                          <a:prstDash val="solid"/>
+                          <a:round/>
+                          <a:headEnd type="none" w="med" len="med"/>
+                          <a:tailEnd type="none" w="med" len="med"/>
+                        </a:lnL>
+                        <a:lnR w="12700" cap="flat" cmpd="sng" algn="ctr">
+                          <a:solidFill>
+                            <a:schemeClr val="tx1"/>
+                          </a:solidFill>
+                          <a:prstDash val="solid"/>
+                          <a:round/>
+                          <a:headEnd type="none" w="med" len="med"/>
+                          <a:tailEnd type="none" w="med" len="med"/>
+                        </a:lnR>
+                        <a:lnT w="12700" cap="flat" cmpd="sng" algn="ctr">
+                          <a:solidFill>
+                            <a:schemeClr val="tx1"/>
+                          </a:solidFill>
+                          <a:prstDash val="solid"/>
+                          <a:round/>
+                          <a:headEnd type="none" w="med" len="med"/>
+                          <a:tailEnd type="none" w="med" len="med"/>
+                        </a:lnT>
+                        <a:lnB w="12700" cap="flat" cmpd="sng" algn="ctr">
+                          <a:solidFill>
+                            <a:schemeClr val="tx1"/>
+                          </a:solidFill>
+                          <a:prstDash val="solid"/>
+                          <a:round/>
+                          <a:headEnd type="none" w="med" len="med"/>
+                          <a:tailEnd type="none" w="med" len="med"/>
+                        </a:lnB>
+                        <a:lnTlToBr w="12700" cmpd="sng">
+                          <a:noFill/>
+                          <a:prstDash val="solid"/>
+                        </a:lnTlToBr>
+                        <a:lnBlToTr w="12700" cmpd="sng">
+                          <a:noFill/>
+                          <a:prstDash val="solid"/>
+                        </a:lnBlToTr>
+                        <a:blipFill>
+                          <a:blip r:embed="rId3"/>
+                          <a:stretch>
+                            <a:fillRect l="-1064" t="-1613" r="-601064" b="-3226"/>
+                          </a:stretch>
+                        </a:blipFill>
+                      </a:tcPr>
+                    </a:tc>
+                    <a:tc>
+                      <a:txBody>
+                        <a:bodyPr/>
+                        <a:lstStyle/>
+                        <a:p>
+                          <a:endParaRPr lang="fr-FR"/>
+                        </a:p>
+                      </a:txBody>
+                      <a:tcPr>
+                        <a:lnL w="12700" cap="flat" cmpd="sng" algn="ctr">
+                          <a:solidFill>
+                            <a:schemeClr val="tx1"/>
+                          </a:solidFill>
+                          <a:prstDash val="solid"/>
+                          <a:round/>
+                          <a:headEnd type="none" w="med" len="med"/>
+                          <a:tailEnd type="none" w="med" len="med"/>
+                        </a:lnL>
+                        <a:lnR w="12700" cap="flat" cmpd="sng" algn="ctr">
+                          <a:solidFill>
+                            <a:schemeClr val="tx1"/>
+                          </a:solidFill>
+                          <a:prstDash val="solid"/>
+                          <a:round/>
+                          <a:headEnd type="none" w="med" len="med"/>
+                          <a:tailEnd type="none" w="med" len="med"/>
+                        </a:lnR>
+                        <a:lnT w="12700" cap="flat" cmpd="sng" algn="ctr">
+                          <a:solidFill>
+                            <a:schemeClr val="tx1"/>
+                          </a:solidFill>
+                          <a:prstDash val="solid"/>
+                          <a:round/>
+                          <a:headEnd type="none" w="med" len="med"/>
+                          <a:tailEnd type="none" w="med" len="med"/>
+                        </a:lnT>
+                        <a:lnB w="12700" cap="flat" cmpd="sng" algn="ctr">
+                          <a:solidFill>
+                            <a:schemeClr val="tx1"/>
+                          </a:solidFill>
+                          <a:prstDash val="solid"/>
+                          <a:round/>
+                          <a:headEnd type="none" w="med" len="med"/>
+                          <a:tailEnd type="none" w="med" len="med"/>
+                        </a:lnB>
+                        <a:lnTlToBr w="12700" cmpd="sng">
+                          <a:noFill/>
+                          <a:prstDash val="solid"/>
+                        </a:lnTlToBr>
+                        <a:lnBlToTr w="12700" cmpd="sng">
+                          <a:noFill/>
+                          <a:prstDash val="solid"/>
+                        </a:lnBlToTr>
+                        <a:blipFill>
+                          <a:blip r:embed="rId3"/>
+                          <a:stretch>
+                            <a:fillRect l="-101064" t="-1613" r="-501064" b="-3226"/>
+                          </a:stretch>
+                        </a:blipFill>
+                      </a:tcPr>
+                    </a:tc>
+                    <a:tc>
+                      <a:txBody>
+                        <a:bodyPr/>
+                        <a:lstStyle/>
+                        <a:p>
+                          <a:endParaRPr lang="fr-FR" sz="1400" dirty="0">
+                            <a:solidFill>
+                              <a:schemeClr val="tx1"/>
+                            </a:solidFill>
+                            <a:latin typeface="+mn-lt"/>
+                          </a:endParaRPr>
+                        </a:p>
+                      </a:txBody>
+                      <a:tcPr>
+                        <a:lnL w="12700" cap="flat" cmpd="sng" algn="ctr">
+                          <a:solidFill>
+                            <a:schemeClr val="tx1"/>
+                          </a:solidFill>
+                          <a:prstDash val="solid"/>
+                          <a:round/>
+                          <a:headEnd type="none" w="med" len="med"/>
+                          <a:tailEnd type="none" w="med" len="med"/>
+                        </a:lnL>
+                        <a:lnR w="12700" cap="flat" cmpd="sng" algn="ctr">
+                          <a:noFill/>
+                          <a:prstDash val="solid"/>
+                          <a:round/>
+                          <a:headEnd type="none" w="med" len="med"/>
+                          <a:tailEnd type="none" w="med" len="med"/>
+                        </a:lnR>
+                        <a:lnT w="12700" cap="flat" cmpd="sng" algn="ctr">
+                          <a:solidFill>
+                            <a:schemeClr val="tx1"/>
+                          </a:solidFill>
+                          <a:prstDash val="solid"/>
+                          <a:round/>
+                          <a:headEnd type="none" w="med" len="med"/>
+                          <a:tailEnd type="none" w="med" len="med"/>
+                        </a:lnT>
+                        <a:lnB w="12700" cap="flat" cmpd="sng" algn="ctr">
+                          <a:solidFill>
+                            <a:schemeClr val="tx1"/>
+                          </a:solidFill>
+                          <a:prstDash val="solid"/>
+                          <a:round/>
+                          <a:headEnd type="none" w="med" len="med"/>
+                          <a:tailEnd type="none" w="med" len="med"/>
+                        </a:lnB>
+                        <a:lnTlToBr w="12700" cmpd="sng">
+                          <a:noFill/>
+                          <a:prstDash val="solid"/>
+                        </a:lnTlToBr>
+                        <a:lnBlToTr w="12700" cmpd="sng">
+                          <a:noFill/>
+                          <a:prstDash val="solid"/>
+                        </a:lnBlToTr>
+                        <a:noFill/>
+                      </a:tcPr>
+                    </a:tc>
+                    <a:tc>
+                      <a:txBody>
+                        <a:bodyPr/>
+                        <a:lstStyle/>
+                        <a:p>
+                          <a:r>
+                            <a:rPr lang="fr-FR" sz="1400" dirty="0">
+                              <a:solidFill>
+                                <a:schemeClr val="tx1"/>
+                              </a:solidFill>
+                              <a:latin typeface="+mn-lt"/>
+                            </a:rPr>
+                            <a:t>….</a:t>
+                          </a:r>
+                        </a:p>
+                      </a:txBody>
+                      <a:tcPr>
+                        <a:lnL w="12700" cap="flat" cmpd="sng" algn="ctr">
+                          <a:noFill/>
+                          <a:prstDash val="solid"/>
+                          <a:round/>
+                          <a:headEnd type="none" w="med" len="med"/>
+                          <a:tailEnd type="none" w="med" len="med"/>
+                        </a:lnL>
+                        <a:lnR w="12700" cap="flat" cmpd="sng" algn="ctr">
+                          <a:noFill/>
+                          <a:prstDash val="solid"/>
+                          <a:round/>
+                          <a:headEnd type="none" w="med" len="med"/>
+                          <a:tailEnd type="none" w="med" len="med"/>
+                        </a:lnR>
+                        <a:lnT w="12700" cap="flat" cmpd="sng" algn="ctr">
+                          <a:solidFill>
+                            <a:schemeClr val="tx1"/>
+                          </a:solidFill>
+                          <a:prstDash val="solid"/>
+                          <a:round/>
+                          <a:headEnd type="none" w="med" len="med"/>
+                          <a:tailEnd type="none" w="med" len="med"/>
+                        </a:lnT>
+                        <a:lnB w="12700" cap="flat" cmpd="sng" algn="ctr">
+                          <a:solidFill>
+                            <a:schemeClr val="tx1"/>
+                          </a:solidFill>
+                          <a:prstDash val="solid"/>
+                          <a:round/>
+                          <a:headEnd type="none" w="med" len="med"/>
+                          <a:tailEnd type="none" w="med" len="med"/>
+                        </a:lnB>
+                        <a:lnTlToBr w="12700" cmpd="sng">
+                          <a:noFill/>
+                          <a:prstDash val="solid"/>
+                        </a:lnTlToBr>
+                        <a:lnBlToTr w="12700" cmpd="sng">
+                          <a:noFill/>
+                          <a:prstDash val="solid"/>
+                        </a:lnBlToTr>
+                        <a:noFill/>
+                      </a:tcPr>
+                    </a:tc>
+                    <a:tc>
+                      <a:txBody>
+                        <a:bodyPr/>
+                        <a:lstStyle/>
+                        <a:p>
+                          <a:endParaRPr lang="fr-FR" sz="1400" dirty="0">
+                            <a:solidFill>
+                              <a:schemeClr val="tx1"/>
+                            </a:solidFill>
+                            <a:latin typeface="+mn-lt"/>
+                          </a:endParaRPr>
+                        </a:p>
+                      </a:txBody>
+                      <a:tcPr>
+                        <a:lnL w="12700" cap="flat" cmpd="sng" algn="ctr">
+                          <a:noFill/>
+                          <a:prstDash val="solid"/>
+                          <a:round/>
+                          <a:headEnd type="none" w="med" len="med"/>
+                          <a:tailEnd type="none" w="med" len="med"/>
+                        </a:lnL>
+                        <a:lnR w="12700" cap="flat" cmpd="sng" algn="ctr">
+                          <a:noFill/>
+                          <a:prstDash val="solid"/>
+                          <a:round/>
+                          <a:headEnd type="none" w="med" len="med"/>
+                          <a:tailEnd type="none" w="med" len="med"/>
+                        </a:lnR>
+                        <a:lnT w="12700" cap="flat" cmpd="sng" algn="ctr">
+                          <a:solidFill>
+                            <a:schemeClr val="tx1"/>
+                          </a:solidFill>
+                          <a:prstDash val="solid"/>
+                          <a:round/>
+                          <a:headEnd type="none" w="med" len="med"/>
+                          <a:tailEnd type="none" w="med" len="med"/>
+                        </a:lnT>
+                        <a:lnB w="12700" cap="flat" cmpd="sng" algn="ctr">
+                          <a:solidFill>
+                            <a:schemeClr val="tx1"/>
+                          </a:solidFill>
+                          <a:prstDash val="solid"/>
+                          <a:round/>
+                          <a:headEnd type="none" w="med" len="med"/>
+                          <a:tailEnd type="none" w="med" len="med"/>
+                        </a:lnB>
+                        <a:lnTlToBr w="12700" cmpd="sng">
+                          <a:noFill/>
+                          <a:prstDash val="solid"/>
+                        </a:lnTlToBr>
+                        <a:lnBlToTr w="12700" cmpd="sng">
+                          <a:noFill/>
+                          <a:prstDash val="solid"/>
+                        </a:lnBlToTr>
+                        <a:noFill/>
+                      </a:tcPr>
+                    </a:tc>
+                    <a:tc>
+                      <a:txBody>
+                        <a:bodyPr/>
+                        <a:lstStyle/>
+                        <a:p>
+                          <a:endParaRPr lang="fr-FR" sz="1400" dirty="0">
+                            <a:latin typeface="+mn-lt"/>
+                          </a:endParaRPr>
+                        </a:p>
+                      </a:txBody>
+                      <a:tcPr>
+                        <a:lnL w="12700" cap="flat" cmpd="sng" algn="ctr">
+                          <a:noFill/>
+                          <a:prstDash val="solid"/>
+                          <a:round/>
+                          <a:headEnd type="none" w="med" len="med"/>
+                          <a:tailEnd type="none" w="med" len="med"/>
+                        </a:lnL>
+                        <a:lnR w="12700" cap="flat" cmpd="sng" algn="ctr">
+                          <a:solidFill>
+                            <a:schemeClr val="tx1"/>
+                          </a:solidFill>
+                          <a:prstDash val="solid"/>
+                          <a:round/>
+                          <a:headEnd type="none" w="med" len="med"/>
+                          <a:tailEnd type="none" w="med" len="med"/>
+                        </a:lnR>
+                        <a:lnT w="12700" cap="flat" cmpd="sng" algn="ctr">
+                          <a:solidFill>
+                            <a:schemeClr val="tx1"/>
+                          </a:solidFill>
+                          <a:prstDash val="solid"/>
+                          <a:round/>
+                          <a:headEnd type="none" w="med" len="med"/>
+                          <a:tailEnd type="none" w="med" len="med"/>
+                        </a:lnT>
+                        <a:lnB w="12700" cap="flat" cmpd="sng" algn="ctr">
+                          <a:solidFill>
+                            <a:schemeClr val="tx1"/>
+                          </a:solidFill>
+                          <a:prstDash val="solid"/>
+                          <a:round/>
+                          <a:headEnd type="none" w="med" len="med"/>
+                          <a:tailEnd type="none" w="med" len="med"/>
+                        </a:lnB>
+                        <a:lnTlToBr w="12700" cmpd="sng">
+                          <a:noFill/>
+                          <a:prstDash val="solid"/>
+                        </a:lnTlToBr>
+                        <a:lnBlToTr w="12700" cmpd="sng">
+                          <a:noFill/>
+                          <a:prstDash val="solid"/>
+                        </a:lnBlToTr>
+                        <a:noFill/>
+                      </a:tcPr>
+                    </a:tc>
+                    <a:tc>
+                      <a:txBody>
+                        <a:bodyPr/>
+                        <a:lstStyle/>
+                        <a:p>
+                          <a:endParaRPr lang="fr-FR"/>
+                        </a:p>
+                      </a:txBody>
+                      <a:tcPr>
+                        <a:lnL w="12700" cap="flat" cmpd="sng" algn="ctr">
+                          <a:solidFill>
+                            <a:schemeClr val="tx1"/>
+                          </a:solidFill>
+                          <a:prstDash val="solid"/>
+                          <a:round/>
+                          <a:headEnd type="none" w="med" len="med"/>
+                          <a:tailEnd type="none" w="med" len="med"/>
+                        </a:lnL>
+                        <a:lnR w="12700" cap="flat" cmpd="sng" algn="ctr">
+                          <a:solidFill>
+                            <a:schemeClr val="tx1"/>
+                          </a:solidFill>
+                          <a:prstDash val="solid"/>
+                          <a:round/>
+                          <a:headEnd type="none" w="med" len="med"/>
+                          <a:tailEnd type="none" w="med" len="med"/>
+                        </a:lnR>
+                        <a:lnT w="12700" cap="flat" cmpd="sng" algn="ctr">
+                          <a:solidFill>
+                            <a:schemeClr val="tx1"/>
+                          </a:solidFill>
+                          <a:prstDash val="solid"/>
+                          <a:round/>
+                          <a:headEnd type="none" w="med" len="med"/>
+                          <a:tailEnd type="none" w="med" len="med"/>
+                        </a:lnT>
+                        <a:lnB w="12700" cap="flat" cmpd="sng" algn="ctr">
+                          <a:solidFill>
+                            <a:schemeClr val="tx1"/>
+                          </a:solidFill>
+                          <a:prstDash val="solid"/>
+                          <a:round/>
+                          <a:headEnd type="none" w="med" len="med"/>
+                          <a:tailEnd type="none" w="med" len="med"/>
+                        </a:lnB>
+                        <a:lnTlToBr w="12700" cmpd="sng">
+                          <a:noFill/>
+                          <a:prstDash val="solid"/>
+                        </a:lnTlToBr>
+                        <a:lnBlToTr w="12700" cmpd="sng">
+                          <a:noFill/>
+                          <a:prstDash val="solid"/>
+                        </a:lnBlToTr>
+                        <a:blipFill>
+                          <a:blip r:embed="rId3"/>
+                          <a:stretch>
+                            <a:fillRect l="-600000" t="-1613" r="-2128" b="-3226"/>
+                          </a:stretch>
+                        </a:blipFill>
+                      </a:tcPr>
+                    </a:tc>
+                    <a:extLst>
+                      <a:ext uri="{0D108BD9-81ED-4DB2-BD59-A6C34878D82A}">
+                        <a16:rowId xmlns:a16="http://schemas.microsoft.com/office/drawing/2014/main" val="921640606"/>
+                      </a:ext>
+                    </a:extLst>
+                  </a:tr>
+                </a:tbl>
+              </a:graphicData>
+            </a:graphic>
+          </p:graphicFrame>
+        </mc:Fallback>
+      </mc:AlternateContent>
+      <p:sp>
+        <p:nvSpPr>
+          <p:cNvPr id="9" name="Rectangle 8">
+            <a:extLst>
+              <a:ext uri="{FF2B5EF4-FFF2-40B4-BE49-F238E27FC236}">
+                <a16:creationId xmlns:a16="http://schemas.microsoft.com/office/drawing/2014/main" id="{350F6CB0-9E08-05A6-7892-FA2510139E06}"/>
+              </a:ext>
+            </a:extLst>
+          </p:cNvPr>
+          <p:cNvSpPr/>
+          <p:nvPr/>
+        </p:nvSpPr>
+        <p:spPr>
+          <a:xfrm>
+            <a:off x="1951128" y="826258"/>
+            <a:ext cx="3878985" cy="838848"/>
+          </a:xfrm>
+          <a:prstGeom prst="rect">
+            <a:avLst/>
+          </a:prstGeom>
+          <a:solidFill>
+            <a:schemeClr val="accent5">
+              <a:alpha val="20000"/>
+            </a:schemeClr>
+          </a:solidFill>
+        </p:spPr>
+        <p:style>
+          <a:lnRef idx="2">
+            <a:schemeClr val="accent5">
+              <a:shade val="15000"/>
+            </a:schemeClr>
+          </a:lnRef>
+          <a:fillRef idx="1">
+            <a:schemeClr val="accent5"/>
+          </a:fillRef>
+          <a:effectRef idx="0">
+            <a:schemeClr val="accent5"/>
+          </a:effectRef>
+          <a:fontRef idx="minor">
+            <a:schemeClr val="lt1"/>
+          </a:fontRef>
+        </p:style>
+        <p:txBody>
+          <a:bodyPr rtlCol="0" anchor="ctr"/>
+          <a:lstStyle/>
+          <a:p>
+            <a:pPr algn="ctr"/>
+            <a:endParaRPr lang="fr-FR" sz="1400" dirty="0"/>
+          </a:p>
+        </p:txBody>
+      </p:sp>
+      <p:sp>
+        <p:nvSpPr>
+          <p:cNvPr id="15" name="Rectangle 14">
+            <a:extLst>
+              <a:ext uri="{FF2B5EF4-FFF2-40B4-BE49-F238E27FC236}">
+                <a16:creationId xmlns:a16="http://schemas.microsoft.com/office/drawing/2014/main" id="{D48ACCEB-4D22-6B6F-05D3-BD9F2D09D0A6}"/>
+              </a:ext>
+            </a:extLst>
+          </p:cNvPr>
+          <p:cNvSpPr/>
+          <p:nvPr/>
+        </p:nvSpPr>
+        <p:spPr>
+          <a:xfrm>
+            <a:off x="2514284" y="1702284"/>
+            <a:ext cx="3866779" cy="832522"/>
+          </a:xfrm>
+          <a:prstGeom prst="rect">
+            <a:avLst/>
+          </a:prstGeom>
+          <a:solidFill>
+            <a:schemeClr val="accent5">
+              <a:alpha val="20000"/>
+            </a:schemeClr>
+          </a:solidFill>
+        </p:spPr>
+        <p:style>
+          <a:lnRef idx="2">
+            <a:schemeClr val="accent5">
+              <a:shade val="15000"/>
+            </a:schemeClr>
+          </a:lnRef>
+          <a:fillRef idx="1">
+            <a:schemeClr val="accent5"/>
+          </a:fillRef>
+          <a:effectRef idx="0">
+            <a:schemeClr val="accent5"/>
+          </a:effectRef>
+          <a:fontRef idx="minor">
+            <a:schemeClr val="lt1"/>
+          </a:fontRef>
+        </p:style>
+        <p:txBody>
+          <a:bodyPr rtlCol="0" anchor="ctr"/>
+          <a:lstStyle/>
+          <a:p>
+            <a:pPr algn="ctr"/>
+            <a:endParaRPr lang="fr-FR" sz="1400" dirty="0"/>
+          </a:p>
+        </p:txBody>
+      </p:sp>
+      <mc:AlternateContent xmlns:mc="http://schemas.openxmlformats.org/markup-compatibility/2006">
+        <mc:Choice xmlns:a14="http://schemas.microsoft.com/office/drawing/2010/main" Requires="a14">
+          <p:graphicFrame>
+            <p:nvGraphicFramePr>
+              <p:cNvPr id="5" name="Tableau 4">
+                <a:extLst>
+                  <a:ext uri="{FF2B5EF4-FFF2-40B4-BE49-F238E27FC236}">
+                    <a16:creationId xmlns:a16="http://schemas.microsoft.com/office/drawing/2014/main" id="{95CFD3DD-5106-AFD7-2F9C-78CA9309044A}"/>
+                  </a:ext>
+                </a:extLst>
+              </p:cNvPr>
+              <p:cNvGraphicFramePr>
+                <a:graphicFrameLocks noGrp="1"/>
+              </p:cNvGraphicFramePr>
+              <p:nvPr>
+                <p:extLst>
+                  <p:ext uri="{D42A27DB-BD31-4B8C-83A1-F6EECF244321}">
+                    <p14:modId xmlns:p14="http://schemas.microsoft.com/office/powerpoint/2010/main" val="3964694608"/>
+                  </p:ext>
+                </p:extLst>
+              </p:nvPr>
+            </p:nvGraphicFramePr>
+            <p:xfrm>
+              <a:off x="1951129" y="832583"/>
+              <a:ext cx="3866779" cy="370840"/>
+            </p:xfrm>
+            <a:graphic>
+              <a:graphicData uri="http://schemas.openxmlformats.org/drawingml/2006/table">
+                <a:tbl>
+                  <a:tblPr firstRow="1" bandRow="1">
+                    <a:tableStyleId>{5C22544A-7EE6-4342-B048-85BDC9FD1C3A}</a:tableStyleId>
+                  </a:tblPr>
+                  <a:tblGrid>
+                    <a:gridCol w="552397">
+                      <a:extLst>
+                        <a:ext uri="{9D8B030D-6E8A-4147-A177-3AD203B41FA5}">
+                          <a16:colId xmlns:a16="http://schemas.microsoft.com/office/drawing/2014/main" val="2396127714"/>
+                        </a:ext>
+                      </a:extLst>
+                    </a:gridCol>
+                    <a:gridCol w="552397">
+                      <a:extLst>
+                        <a:ext uri="{9D8B030D-6E8A-4147-A177-3AD203B41FA5}">
+                          <a16:colId xmlns:a16="http://schemas.microsoft.com/office/drawing/2014/main" val="1815423872"/>
+                        </a:ext>
+                      </a:extLst>
+                    </a:gridCol>
+                    <a:gridCol w="552397">
+                      <a:extLst>
+                        <a:ext uri="{9D8B030D-6E8A-4147-A177-3AD203B41FA5}">
+                          <a16:colId xmlns:a16="http://schemas.microsoft.com/office/drawing/2014/main" val="1884723031"/>
+                        </a:ext>
+                      </a:extLst>
+                    </a:gridCol>
+                    <a:gridCol w="552397">
+                      <a:extLst>
+                        <a:ext uri="{9D8B030D-6E8A-4147-A177-3AD203B41FA5}">
+                          <a16:colId xmlns:a16="http://schemas.microsoft.com/office/drawing/2014/main" val="3147811208"/>
+                        </a:ext>
+                      </a:extLst>
+                    </a:gridCol>
+                    <a:gridCol w="552397">
+                      <a:extLst>
+                        <a:ext uri="{9D8B030D-6E8A-4147-A177-3AD203B41FA5}">
+                          <a16:colId xmlns:a16="http://schemas.microsoft.com/office/drawing/2014/main" val="105240590"/>
+                        </a:ext>
+                      </a:extLst>
+                    </a:gridCol>
+                    <a:gridCol w="552397">
+                      <a:extLst>
+                        <a:ext uri="{9D8B030D-6E8A-4147-A177-3AD203B41FA5}">
+                          <a16:colId xmlns:a16="http://schemas.microsoft.com/office/drawing/2014/main" val="1723551580"/>
+                        </a:ext>
+                      </a:extLst>
+                    </a:gridCol>
+                    <a:gridCol w="552397">
+                      <a:extLst>
+                        <a:ext uri="{9D8B030D-6E8A-4147-A177-3AD203B41FA5}">
+                          <a16:colId xmlns:a16="http://schemas.microsoft.com/office/drawing/2014/main" val="3137996870"/>
+                        </a:ext>
+                      </a:extLst>
+                    </a:gridCol>
+                  </a:tblGrid>
+                  <a:tr h="370840">
+                    <a:tc>
+                      <a:txBody>
+                        <a:bodyPr/>
+                        <a:lstStyle/>
+                        <a:p>
+                          <a14:m>
+                            <m:oMathPara xmlns:m="http://schemas.openxmlformats.org/officeDocument/2006/math">
+                              <m:oMathParaPr>
+                                <m:jc m:val="centerGroup"/>
+                              </m:oMathParaPr>
+                              <m:oMath xmlns:m="http://schemas.openxmlformats.org/officeDocument/2006/math">
+                                <m:sSub>
+                                  <m:sSubPr>
+                                    <m:ctrlPr>
+                                      <a:rPr lang="fr-FR" sz="1400" b="1" i="1" dirty="0" smtClean="0">
+                                        <a:solidFill>
+                                          <a:schemeClr val="tx1"/>
+                                        </a:solidFill>
+                                        <a:latin typeface="+mn-lt"/>
+                                      </a:rPr>
+                                    </m:ctrlPr>
+                                  </m:sSubPr>
+                                  <m:e>
+                                    <m:r>
+                                      <a:rPr lang="fr-FR" sz="1400" b="1" i="1" dirty="0" smtClean="0">
+                                        <a:solidFill>
+                                          <a:schemeClr val="tx1"/>
+                                        </a:solidFill>
+                                        <a:latin typeface="+mn-lt"/>
+                                      </a:rPr>
+                                      <m:t>𝑿</m:t>
+                                    </m:r>
+                                  </m:e>
+                                  <m:sub>
+                                    <m:r>
+                                      <a:rPr lang="fr-FR" sz="1400" b="1" i="1" dirty="0" smtClean="0">
+                                        <a:solidFill>
+                                          <a:schemeClr val="tx1"/>
+                                        </a:solidFill>
+                                        <a:latin typeface="+mn-lt"/>
+                                      </a:rPr>
+                                      <m:t>𝟏</m:t>
+                                    </m:r>
+                                  </m:sub>
+                                </m:sSub>
+                              </m:oMath>
+                            </m:oMathPara>
+                          </a14:m>
+                          <a:endParaRPr lang="fr-FR" sz="1400" dirty="0">
+                            <a:solidFill>
+                              <a:schemeClr val="tx1"/>
+                            </a:solidFill>
+                            <a:latin typeface="+mn-lt"/>
+                          </a:endParaRPr>
+                        </a:p>
+                      </a:txBody>
+                      <a:tcPr>
+                        <a:lnL w="12700" cap="flat" cmpd="sng" algn="ctr">
+                          <a:solidFill>
+                            <a:schemeClr val="tx1"/>
+                          </a:solidFill>
+                          <a:prstDash val="solid"/>
+                          <a:round/>
+                          <a:headEnd type="none" w="med" len="med"/>
+                          <a:tailEnd type="none" w="med" len="med"/>
+                        </a:lnL>
+                        <a:lnR w="12700" cap="flat" cmpd="sng" algn="ctr">
+                          <a:solidFill>
+                            <a:schemeClr val="tx1"/>
+                          </a:solidFill>
+                          <a:prstDash val="solid"/>
+                          <a:round/>
+                          <a:headEnd type="none" w="med" len="med"/>
+                          <a:tailEnd type="none" w="med" len="med"/>
+                        </a:lnR>
+                        <a:lnT w="12700" cap="flat" cmpd="sng" algn="ctr">
+                          <a:solidFill>
+                            <a:schemeClr val="tx1"/>
+                          </a:solidFill>
+                          <a:prstDash val="solid"/>
+                          <a:round/>
+                          <a:headEnd type="none" w="med" len="med"/>
+                          <a:tailEnd type="none" w="med" len="med"/>
+                        </a:lnT>
+                        <a:lnB w="12700" cap="flat" cmpd="sng" algn="ctr">
+                          <a:solidFill>
+                            <a:schemeClr val="tx1"/>
+                          </a:solidFill>
+                          <a:prstDash val="solid"/>
+                          <a:round/>
+                          <a:headEnd type="none" w="med" len="med"/>
+                          <a:tailEnd type="none" w="med" len="med"/>
+                        </a:lnB>
+                        <a:lnTlToBr w="12700" cmpd="sng">
+                          <a:noFill/>
+                          <a:prstDash val="solid"/>
+                        </a:lnTlToBr>
+                        <a:lnBlToTr w="12700" cmpd="sng">
+                          <a:noFill/>
+                          <a:prstDash val="solid"/>
+                        </a:lnBlToTr>
+                        <a:noFill/>
+                      </a:tcPr>
+                    </a:tc>
+                    <a:tc>
+                      <a:txBody>
+                        <a:bodyPr/>
+                        <a:lstStyle/>
+                        <a:p>
+                          <a14:m>
+                            <m:oMathPara xmlns:m="http://schemas.openxmlformats.org/officeDocument/2006/math">
+                              <m:oMathParaPr>
+                                <m:jc m:val="centerGroup"/>
+                              </m:oMathParaPr>
+                              <m:oMath xmlns:m="http://schemas.openxmlformats.org/officeDocument/2006/math">
+                                <m:sSub>
+                                  <m:sSubPr>
+                                    <m:ctrlPr>
+                                      <a:rPr lang="fr-FR" sz="1400" b="1" i="1" dirty="0" smtClean="0">
+                                        <a:solidFill>
+                                          <a:schemeClr val="tx1"/>
+                                        </a:solidFill>
+                                        <a:latin typeface="+mn-lt"/>
+                                      </a:rPr>
+                                    </m:ctrlPr>
+                                  </m:sSubPr>
+                                  <m:e>
+                                    <m:r>
+                                      <a:rPr lang="fr-FR" sz="1400" b="1" i="1" dirty="0" smtClean="0">
+                                        <a:solidFill>
+                                          <a:schemeClr val="tx1"/>
+                                        </a:solidFill>
+                                        <a:latin typeface="+mn-lt"/>
+                                      </a:rPr>
+                                      <m:t>𝑿</m:t>
+                                    </m:r>
+                                  </m:e>
+                                  <m:sub>
+                                    <m:r>
+                                      <a:rPr lang="fr-FR" sz="1400" b="1" i="1" dirty="0" smtClean="0">
+                                        <a:solidFill>
+                                          <a:schemeClr val="tx1"/>
+                                        </a:solidFill>
+                                        <a:latin typeface="+mn-lt"/>
+                                      </a:rPr>
+                                      <m:t>𝟐</m:t>
+                                    </m:r>
+                                  </m:sub>
+                                </m:sSub>
+                              </m:oMath>
+                            </m:oMathPara>
+                          </a14:m>
+                          <a:endParaRPr lang="fr-FR" sz="1400" dirty="0">
+                            <a:latin typeface="+mn-lt"/>
+                          </a:endParaRPr>
+                        </a:p>
+                      </a:txBody>
+                      <a:tcPr>
+                        <a:lnL w="12700" cap="flat" cmpd="sng" algn="ctr">
+                          <a:solidFill>
+                            <a:schemeClr val="tx1"/>
+                          </a:solidFill>
+                          <a:prstDash val="solid"/>
+                          <a:round/>
+                          <a:headEnd type="none" w="med" len="med"/>
+                          <a:tailEnd type="none" w="med" len="med"/>
+                        </a:lnL>
+                        <a:lnR w="12700" cap="flat" cmpd="sng" algn="ctr">
+                          <a:solidFill>
+                            <a:schemeClr val="tx1"/>
+                          </a:solidFill>
+                          <a:prstDash val="solid"/>
+                          <a:round/>
+                          <a:headEnd type="none" w="med" len="med"/>
+                          <a:tailEnd type="none" w="med" len="med"/>
+                        </a:lnR>
+                        <a:lnT w="12700" cap="flat" cmpd="sng" algn="ctr">
+                          <a:solidFill>
+                            <a:schemeClr val="tx1"/>
+                          </a:solidFill>
+                          <a:prstDash val="solid"/>
+                          <a:round/>
+                          <a:headEnd type="none" w="med" len="med"/>
+                          <a:tailEnd type="none" w="med" len="med"/>
+                        </a:lnT>
+                        <a:lnB w="12700" cap="flat" cmpd="sng" algn="ctr">
+                          <a:solidFill>
+                            <a:schemeClr val="tx1"/>
+                          </a:solidFill>
+                          <a:prstDash val="solid"/>
+                          <a:round/>
+                          <a:headEnd type="none" w="med" len="med"/>
+                          <a:tailEnd type="none" w="med" len="med"/>
+                        </a:lnB>
+                        <a:lnTlToBr w="12700" cmpd="sng">
+                          <a:noFill/>
+                          <a:prstDash val="solid"/>
+                        </a:lnTlToBr>
+                        <a:lnBlToTr w="12700" cmpd="sng">
+                          <a:noFill/>
+                          <a:prstDash val="solid"/>
+                        </a:lnBlToTr>
+                        <a:noFill/>
+                      </a:tcPr>
+                    </a:tc>
+                    <a:tc>
+                      <a:txBody>
+                        <a:bodyPr/>
+                        <a:lstStyle/>
+                        <a:p>
+                          <a:endParaRPr lang="fr-FR" sz="1400" dirty="0">
+                            <a:solidFill>
+                              <a:schemeClr val="tx1"/>
+                            </a:solidFill>
+                            <a:latin typeface="+mn-lt"/>
+                          </a:endParaRPr>
+                        </a:p>
+                      </a:txBody>
+                      <a:tcPr>
+                        <a:lnL w="12700" cap="flat" cmpd="sng" algn="ctr">
+                          <a:solidFill>
+                            <a:schemeClr val="tx1"/>
+                          </a:solidFill>
+                          <a:prstDash val="solid"/>
+                          <a:round/>
+                          <a:headEnd type="none" w="med" len="med"/>
+                          <a:tailEnd type="none" w="med" len="med"/>
+                        </a:lnL>
+                        <a:lnR w="12700" cap="flat" cmpd="sng" algn="ctr">
+                          <a:noFill/>
+                          <a:prstDash val="solid"/>
+                          <a:round/>
+                          <a:headEnd type="none" w="med" len="med"/>
+                          <a:tailEnd type="none" w="med" len="med"/>
+                        </a:lnR>
+                        <a:lnT w="12700" cap="flat" cmpd="sng" algn="ctr">
+                          <a:solidFill>
+                            <a:schemeClr val="tx1"/>
+                          </a:solidFill>
+                          <a:prstDash val="solid"/>
+                          <a:round/>
+                          <a:headEnd type="none" w="med" len="med"/>
+                          <a:tailEnd type="none" w="med" len="med"/>
+                        </a:lnT>
+                        <a:lnB w="12700" cap="flat" cmpd="sng" algn="ctr">
+                          <a:solidFill>
+                            <a:schemeClr val="tx1"/>
+                          </a:solidFill>
+                          <a:prstDash val="solid"/>
+                          <a:round/>
+                          <a:headEnd type="none" w="med" len="med"/>
+                          <a:tailEnd type="none" w="med" len="med"/>
+                        </a:lnB>
+                        <a:lnTlToBr w="12700" cmpd="sng">
+                          <a:noFill/>
+                          <a:prstDash val="solid"/>
+                        </a:lnTlToBr>
+                        <a:lnBlToTr w="12700" cmpd="sng">
+                          <a:noFill/>
+                          <a:prstDash val="solid"/>
+                        </a:lnBlToTr>
+                        <a:noFill/>
+                      </a:tcPr>
+                    </a:tc>
+                    <a:tc>
+                      <a:txBody>
+                        <a:bodyPr/>
+                        <a:lstStyle/>
+                        <a:p>
+                          <a:r>
+                            <a:rPr lang="fr-FR" sz="1400" dirty="0">
+                              <a:solidFill>
+                                <a:schemeClr val="tx1"/>
+                              </a:solidFill>
+                              <a:latin typeface="+mn-lt"/>
+                            </a:rPr>
+                            <a:t>….</a:t>
+                          </a:r>
+                        </a:p>
+                      </a:txBody>
+                      <a:tcPr>
+                        <a:lnL w="12700" cap="flat" cmpd="sng" algn="ctr">
+                          <a:noFill/>
+                          <a:prstDash val="solid"/>
+                          <a:round/>
+                          <a:headEnd type="none" w="med" len="med"/>
+                          <a:tailEnd type="none" w="med" len="med"/>
+                        </a:lnL>
+                        <a:lnR w="12700" cap="flat" cmpd="sng" algn="ctr">
+                          <a:noFill/>
+                          <a:prstDash val="solid"/>
+                          <a:round/>
+                          <a:headEnd type="none" w="med" len="med"/>
+                          <a:tailEnd type="none" w="med" len="med"/>
+                        </a:lnR>
+                        <a:lnT w="12700" cap="flat" cmpd="sng" algn="ctr">
+                          <a:solidFill>
+                            <a:schemeClr val="tx1"/>
+                          </a:solidFill>
+                          <a:prstDash val="solid"/>
+                          <a:round/>
+                          <a:headEnd type="none" w="med" len="med"/>
+                          <a:tailEnd type="none" w="med" len="med"/>
+                        </a:lnT>
+                        <a:lnB w="12700" cap="flat" cmpd="sng" algn="ctr">
+                          <a:solidFill>
+                            <a:schemeClr val="tx1"/>
+                          </a:solidFill>
+                          <a:prstDash val="solid"/>
+                          <a:round/>
+                          <a:headEnd type="none" w="med" len="med"/>
+                          <a:tailEnd type="none" w="med" len="med"/>
+                        </a:lnB>
+                        <a:lnTlToBr w="12700" cmpd="sng">
+                          <a:noFill/>
+                          <a:prstDash val="solid"/>
+                        </a:lnTlToBr>
+                        <a:lnBlToTr w="12700" cmpd="sng">
+                          <a:noFill/>
+                          <a:prstDash val="solid"/>
+                        </a:lnBlToTr>
+                        <a:noFill/>
+                      </a:tcPr>
+                    </a:tc>
+                    <a:tc>
+                      <a:txBody>
+                        <a:bodyPr/>
+                        <a:lstStyle/>
+                        <a:p>
+                          <a:endParaRPr lang="fr-FR" sz="1400" dirty="0">
+                            <a:solidFill>
+                              <a:schemeClr val="tx1"/>
+                            </a:solidFill>
+                            <a:latin typeface="+mn-lt"/>
+                          </a:endParaRPr>
+                        </a:p>
+                      </a:txBody>
+                      <a:tcPr>
+                        <a:lnL w="12700" cap="flat" cmpd="sng" algn="ctr">
+                          <a:noFill/>
+                          <a:prstDash val="solid"/>
+                          <a:round/>
+                          <a:headEnd type="none" w="med" len="med"/>
+                          <a:tailEnd type="none" w="med" len="med"/>
+                        </a:lnL>
+                        <a:lnR w="12700" cap="flat" cmpd="sng" algn="ctr">
+                          <a:noFill/>
+                          <a:prstDash val="solid"/>
+                          <a:round/>
+                          <a:headEnd type="none" w="med" len="med"/>
+                          <a:tailEnd type="none" w="med" len="med"/>
+                        </a:lnR>
+                        <a:lnT w="12700" cap="flat" cmpd="sng" algn="ctr">
+                          <a:solidFill>
+                            <a:schemeClr val="tx1"/>
+                          </a:solidFill>
+                          <a:prstDash val="solid"/>
+                          <a:round/>
+                          <a:headEnd type="none" w="med" len="med"/>
+                          <a:tailEnd type="none" w="med" len="med"/>
+                        </a:lnT>
+                        <a:lnB w="12700" cap="flat" cmpd="sng" algn="ctr">
+                          <a:solidFill>
+                            <a:schemeClr val="tx1"/>
+                          </a:solidFill>
+                          <a:prstDash val="solid"/>
+                          <a:round/>
+                          <a:headEnd type="none" w="med" len="med"/>
+                          <a:tailEnd type="none" w="med" len="med"/>
+                        </a:lnB>
+                        <a:lnTlToBr w="12700" cmpd="sng">
+                          <a:noFill/>
+                          <a:prstDash val="solid"/>
+                        </a:lnTlToBr>
+                        <a:lnBlToTr w="12700" cmpd="sng">
+                          <a:noFill/>
+                          <a:prstDash val="solid"/>
+                        </a:lnBlToTr>
+                        <a:noFill/>
+                      </a:tcPr>
+                    </a:tc>
+                    <a:tc>
+                      <a:txBody>
+                        <a:bodyPr/>
+                        <a:lstStyle/>
+                        <a:p>
+                          <a:endParaRPr lang="fr-FR" sz="1400" dirty="0">
+                            <a:latin typeface="+mn-lt"/>
+                          </a:endParaRPr>
+                        </a:p>
+                      </a:txBody>
+                      <a:tcPr>
+                        <a:lnL w="12700" cap="flat" cmpd="sng" algn="ctr">
+                          <a:noFill/>
+                          <a:prstDash val="solid"/>
+                          <a:round/>
+                          <a:headEnd type="none" w="med" len="med"/>
+                          <a:tailEnd type="none" w="med" len="med"/>
+                        </a:lnL>
+                        <a:lnR w="12700" cap="flat" cmpd="sng" algn="ctr">
+                          <a:solidFill>
+                            <a:schemeClr val="tx1"/>
+                          </a:solidFill>
+                          <a:prstDash val="solid"/>
+                          <a:round/>
+                          <a:headEnd type="none" w="med" len="med"/>
+                          <a:tailEnd type="none" w="med" len="med"/>
+                        </a:lnR>
+                        <a:lnT w="12700" cap="flat" cmpd="sng" algn="ctr">
+                          <a:solidFill>
+                            <a:schemeClr val="tx1"/>
+                          </a:solidFill>
+                          <a:prstDash val="solid"/>
+                          <a:round/>
+                          <a:headEnd type="none" w="med" len="med"/>
+                          <a:tailEnd type="none" w="med" len="med"/>
+                        </a:lnT>
+                        <a:lnB w="12700" cap="flat" cmpd="sng" algn="ctr">
+                          <a:solidFill>
+                            <a:schemeClr val="tx1"/>
+                          </a:solidFill>
+                          <a:prstDash val="solid"/>
+                          <a:round/>
+                          <a:headEnd type="none" w="med" len="med"/>
+                          <a:tailEnd type="none" w="med" len="med"/>
+                        </a:lnB>
+                        <a:lnTlToBr w="12700" cmpd="sng">
+                          <a:noFill/>
+                          <a:prstDash val="solid"/>
+                        </a:lnTlToBr>
+                        <a:lnBlToTr w="12700" cmpd="sng">
+                          <a:noFill/>
+                          <a:prstDash val="solid"/>
+                        </a:lnBlToTr>
+                        <a:noFill/>
+                      </a:tcPr>
+                    </a:tc>
+                    <a:tc>
+                      <a:txBody>
+                        <a:bodyPr/>
+                        <a:lstStyle/>
+                        <a:p>
+                          <a14:m>
+                            <m:oMathPara xmlns:m="http://schemas.openxmlformats.org/officeDocument/2006/math">
+                              <m:oMathParaPr>
+                                <m:jc m:val="centerGroup"/>
+                              </m:oMathParaPr>
+                              <m:oMath xmlns:m="http://schemas.openxmlformats.org/officeDocument/2006/math">
+                                <m:sSub>
+                                  <m:sSubPr>
+                                    <m:ctrlPr>
+                                      <a:rPr lang="fr-FR" sz="1400" b="1" i="1" dirty="0" smtClean="0">
+                                        <a:solidFill>
+                                          <a:schemeClr val="tx1"/>
+                                        </a:solidFill>
+                                        <a:latin typeface="+mn-lt"/>
+                                      </a:rPr>
+                                    </m:ctrlPr>
+                                  </m:sSubPr>
+                                  <m:e>
+                                    <m:r>
+                                      <a:rPr lang="fr-FR" sz="1400" b="1" i="1" dirty="0" smtClean="0">
+                                        <a:solidFill>
+                                          <a:schemeClr val="tx1"/>
+                                        </a:solidFill>
+                                        <a:latin typeface="+mn-lt"/>
+                                      </a:rPr>
+                                      <m:t>𝑿</m:t>
+                                    </m:r>
+                                  </m:e>
+                                  <m:sub>
+                                    <m:r>
+                                      <a:rPr lang="fr-FR" sz="1400" b="1" i="1" dirty="0" smtClean="0">
+                                        <a:solidFill>
+                                          <a:schemeClr val="tx1"/>
+                                        </a:solidFill>
+                                        <a:latin typeface="+mn-lt"/>
+                                      </a:rPr>
+                                      <m:t>𝑳</m:t>
+                                    </m:r>
+                                  </m:sub>
+                                </m:sSub>
+                              </m:oMath>
+                            </m:oMathPara>
+                          </a14:m>
+                          <a:endParaRPr lang="fr-FR" sz="1400" dirty="0">
+                            <a:latin typeface="+mn-lt"/>
+                          </a:endParaRPr>
+                        </a:p>
+                      </a:txBody>
+                      <a:tcPr>
+                        <a:lnL w="12700" cap="flat" cmpd="sng" algn="ctr">
+                          <a:solidFill>
+                            <a:schemeClr val="tx1"/>
+                          </a:solidFill>
+                          <a:prstDash val="solid"/>
+                          <a:round/>
+                          <a:headEnd type="none" w="med" len="med"/>
+                          <a:tailEnd type="none" w="med" len="med"/>
+                        </a:lnL>
+                        <a:lnR w="12700" cap="flat" cmpd="sng" algn="ctr">
+                          <a:solidFill>
+                            <a:schemeClr val="tx1"/>
+                          </a:solidFill>
+                          <a:prstDash val="solid"/>
+                          <a:round/>
+                          <a:headEnd type="none" w="med" len="med"/>
+                          <a:tailEnd type="none" w="med" len="med"/>
+                        </a:lnR>
+                        <a:lnT w="12700" cap="flat" cmpd="sng" algn="ctr">
+                          <a:solidFill>
+                            <a:schemeClr val="tx1"/>
+                          </a:solidFill>
+                          <a:prstDash val="solid"/>
+                          <a:round/>
+                          <a:headEnd type="none" w="med" len="med"/>
+                          <a:tailEnd type="none" w="med" len="med"/>
+                        </a:lnT>
+                        <a:lnB w="12700" cap="flat" cmpd="sng" algn="ctr">
+                          <a:solidFill>
+                            <a:schemeClr val="tx1"/>
+                          </a:solidFill>
+                          <a:prstDash val="solid"/>
+                          <a:round/>
+                          <a:headEnd type="none" w="med" len="med"/>
+                          <a:tailEnd type="none" w="med" len="med"/>
+                        </a:lnB>
+                        <a:lnTlToBr w="12700" cmpd="sng">
+                          <a:noFill/>
+                          <a:prstDash val="solid"/>
+                        </a:lnTlToBr>
+                        <a:lnBlToTr w="12700" cmpd="sng">
+                          <a:noFill/>
+                          <a:prstDash val="solid"/>
+                        </a:lnBlToTr>
+                        <a:noFill/>
+                      </a:tcPr>
+                    </a:tc>
+                    <a:extLst>
+                      <a:ext uri="{0D108BD9-81ED-4DB2-BD59-A6C34878D82A}">
+                        <a16:rowId xmlns:a16="http://schemas.microsoft.com/office/drawing/2014/main" val="921640606"/>
+                      </a:ext>
+                    </a:extLst>
+                  </a:tr>
+                </a:tbl>
+              </a:graphicData>
+            </a:graphic>
+          </p:graphicFrame>
+        </mc:Choice>
+        <mc:Fallback>
+          <p:graphicFrame>
+            <p:nvGraphicFramePr>
+              <p:cNvPr id="5" name="Tableau 4">
+                <a:extLst>
+                  <a:ext uri="{FF2B5EF4-FFF2-40B4-BE49-F238E27FC236}">
+                    <a16:creationId xmlns:a16="http://schemas.microsoft.com/office/drawing/2014/main" id="{95CFD3DD-5106-AFD7-2F9C-78CA9309044A}"/>
+                  </a:ext>
+                </a:extLst>
+              </p:cNvPr>
+              <p:cNvGraphicFramePr>
+                <a:graphicFrameLocks noGrp="1"/>
+              </p:cNvGraphicFramePr>
+              <p:nvPr>
+                <p:extLst>
+                  <p:ext uri="{D42A27DB-BD31-4B8C-83A1-F6EECF244321}">
+                    <p14:modId xmlns:p14="http://schemas.microsoft.com/office/powerpoint/2010/main" val="3964694608"/>
+                  </p:ext>
+                </p:extLst>
+              </p:nvPr>
+            </p:nvGraphicFramePr>
+            <p:xfrm>
+              <a:off x="1951129" y="832583"/>
+              <a:ext cx="3866779" cy="370840"/>
+            </p:xfrm>
+            <a:graphic>
+              <a:graphicData uri="http://schemas.openxmlformats.org/drawingml/2006/table">
+                <a:tbl>
+                  <a:tblPr firstRow="1" bandRow="1">
+                    <a:tableStyleId>{5C22544A-7EE6-4342-B048-85BDC9FD1C3A}</a:tableStyleId>
+                  </a:tblPr>
+                  <a:tblGrid>
+                    <a:gridCol w="552397">
+                      <a:extLst>
+                        <a:ext uri="{9D8B030D-6E8A-4147-A177-3AD203B41FA5}">
+                          <a16:colId xmlns:a16="http://schemas.microsoft.com/office/drawing/2014/main" val="2396127714"/>
+                        </a:ext>
+                      </a:extLst>
+                    </a:gridCol>
+                    <a:gridCol w="552397">
+                      <a:extLst>
+                        <a:ext uri="{9D8B030D-6E8A-4147-A177-3AD203B41FA5}">
+                          <a16:colId xmlns:a16="http://schemas.microsoft.com/office/drawing/2014/main" val="1815423872"/>
+                        </a:ext>
+                      </a:extLst>
+                    </a:gridCol>
+                    <a:gridCol w="552397">
+                      <a:extLst>
+                        <a:ext uri="{9D8B030D-6E8A-4147-A177-3AD203B41FA5}">
+                          <a16:colId xmlns:a16="http://schemas.microsoft.com/office/drawing/2014/main" val="1884723031"/>
+                        </a:ext>
+                      </a:extLst>
+                    </a:gridCol>
+                    <a:gridCol w="552397">
+                      <a:extLst>
+                        <a:ext uri="{9D8B030D-6E8A-4147-A177-3AD203B41FA5}">
+                          <a16:colId xmlns:a16="http://schemas.microsoft.com/office/drawing/2014/main" val="3147811208"/>
+                        </a:ext>
+                      </a:extLst>
+                    </a:gridCol>
+                    <a:gridCol w="552397">
+                      <a:extLst>
+                        <a:ext uri="{9D8B030D-6E8A-4147-A177-3AD203B41FA5}">
+                          <a16:colId xmlns:a16="http://schemas.microsoft.com/office/drawing/2014/main" val="105240590"/>
+                        </a:ext>
+                      </a:extLst>
+                    </a:gridCol>
+                    <a:gridCol w="552397">
+                      <a:extLst>
+                        <a:ext uri="{9D8B030D-6E8A-4147-A177-3AD203B41FA5}">
+                          <a16:colId xmlns:a16="http://schemas.microsoft.com/office/drawing/2014/main" val="1723551580"/>
+                        </a:ext>
+                      </a:extLst>
+                    </a:gridCol>
+                    <a:gridCol w="552397">
+                      <a:extLst>
+                        <a:ext uri="{9D8B030D-6E8A-4147-A177-3AD203B41FA5}">
+                          <a16:colId xmlns:a16="http://schemas.microsoft.com/office/drawing/2014/main" val="3137996870"/>
+                        </a:ext>
+                      </a:extLst>
+                    </a:gridCol>
+                  </a:tblGrid>
+                  <a:tr h="370840">
+                    <a:tc>
+                      <a:txBody>
+                        <a:bodyPr/>
+                        <a:lstStyle/>
+                        <a:p>
+                          <a:endParaRPr lang="fr-FR"/>
+                        </a:p>
+                      </a:txBody>
+                      <a:tcPr>
+                        <a:lnL w="12700" cap="flat" cmpd="sng" algn="ctr">
+                          <a:solidFill>
+                            <a:schemeClr val="tx1"/>
+                          </a:solidFill>
+                          <a:prstDash val="solid"/>
+                          <a:round/>
+                          <a:headEnd type="none" w="med" len="med"/>
+                          <a:tailEnd type="none" w="med" len="med"/>
+                        </a:lnL>
+                        <a:lnR w="12700" cap="flat" cmpd="sng" algn="ctr">
+                          <a:solidFill>
+                            <a:schemeClr val="tx1"/>
+                          </a:solidFill>
+                          <a:prstDash val="solid"/>
+                          <a:round/>
+                          <a:headEnd type="none" w="med" len="med"/>
+                          <a:tailEnd type="none" w="med" len="med"/>
+                        </a:lnR>
+                        <a:lnT w="12700" cap="flat" cmpd="sng" algn="ctr">
+                          <a:solidFill>
+                            <a:schemeClr val="tx1"/>
+                          </a:solidFill>
+                          <a:prstDash val="solid"/>
+                          <a:round/>
+                          <a:headEnd type="none" w="med" len="med"/>
+                          <a:tailEnd type="none" w="med" len="med"/>
+                        </a:lnT>
+                        <a:lnB w="12700" cap="flat" cmpd="sng" algn="ctr">
+                          <a:solidFill>
+                            <a:schemeClr val="tx1"/>
+                          </a:solidFill>
+                          <a:prstDash val="solid"/>
+                          <a:round/>
+                          <a:headEnd type="none" w="med" len="med"/>
+                          <a:tailEnd type="none" w="med" len="med"/>
+                        </a:lnB>
+                        <a:lnTlToBr w="12700" cmpd="sng">
+                          <a:noFill/>
+                          <a:prstDash val="solid"/>
+                        </a:lnTlToBr>
+                        <a:lnBlToTr w="12700" cmpd="sng">
+                          <a:noFill/>
+                          <a:prstDash val="solid"/>
+                        </a:lnBlToTr>
+                        <a:blipFill>
+                          <a:blip r:embed="rId4"/>
+                          <a:stretch>
+                            <a:fillRect l="-1099" t="-1613" r="-600000" b="-3226"/>
+                          </a:stretch>
+                        </a:blipFill>
+                      </a:tcPr>
+                    </a:tc>
+                    <a:tc>
+                      <a:txBody>
+                        <a:bodyPr/>
+                        <a:lstStyle/>
+                        <a:p>
+                          <a:endParaRPr lang="fr-FR"/>
+                        </a:p>
+                      </a:txBody>
+                      <a:tcPr>
+                        <a:lnL w="12700" cap="flat" cmpd="sng" algn="ctr">
+                          <a:solidFill>
+                            <a:schemeClr val="tx1"/>
+                          </a:solidFill>
+                          <a:prstDash val="solid"/>
+                          <a:round/>
+                          <a:headEnd type="none" w="med" len="med"/>
+                          <a:tailEnd type="none" w="med" len="med"/>
+                        </a:lnL>
+                        <a:lnR w="12700" cap="flat" cmpd="sng" algn="ctr">
+                          <a:solidFill>
+                            <a:schemeClr val="tx1"/>
+                          </a:solidFill>
+                          <a:prstDash val="solid"/>
+                          <a:round/>
+                          <a:headEnd type="none" w="med" len="med"/>
+                          <a:tailEnd type="none" w="med" len="med"/>
+                        </a:lnR>
+                        <a:lnT w="12700" cap="flat" cmpd="sng" algn="ctr">
+                          <a:solidFill>
+                            <a:schemeClr val="tx1"/>
+                          </a:solidFill>
+                          <a:prstDash val="solid"/>
+                          <a:round/>
+                          <a:headEnd type="none" w="med" len="med"/>
+                          <a:tailEnd type="none" w="med" len="med"/>
+                        </a:lnT>
+                        <a:lnB w="12700" cap="flat" cmpd="sng" algn="ctr">
+                          <a:solidFill>
+                            <a:schemeClr val="tx1"/>
+                          </a:solidFill>
+                          <a:prstDash val="solid"/>
+                          <a:round/>
+                          <a:headEnd type="none" w="med" len="med"/>
+                          <a:tailEnd type="none" w="med" len="med"/>
+                        </a:lnB>
+                        <a:lnTlToBr w="12700" cmpd="sng">
+                          <a:noFill/>
+                          <a:prstDash val="solid"/>
+                        </a:lnTlToBr>
+                        <a:lnBlToTr w="12700" cmpd="sng">
+                          <a:noFill/>
+                          <a:prstDash val="solid"/>
+                        </a:lnBlToTr>
+                        <a:blipFill>
+                          <a:blip r:embed="rId4"/>
+                          <a:stretch>
+                            <a:fillRect l="-102222" t="-1613" r="-506667" b="-3226"/>
+                          </a:stretch>
+                        </a:blipFill>
+                      </a:tcPr>
+                    </a:tc>
+                    <a:tc>
+                      <a:txBody>
+                        <a:bodyPr/>
+                        <a:lstStyle/>
+                        <a:p>
+                          <a:endParaRPr lang="fr-FR" sz="1400" dirty="0">
+                            <a:solidFill>
+                              <a:schemeClr val="tx1"/>
+                            </a:solidFill>
+                            <a:latin typeface="+mn-lt"/>
+                          </a:endParaRPr>
+                        </a:p>
+                      </a:txBody>
+                      <a:tcPr>
+                        <a:lnL w="12700" cap="flat" cmpd="sng" algn="ctr">
+                          <a:solidFill>
+                            <a:schemeClr val="tx1"/>
+                          </a:solidFill>
+                          <a:prstDash val="solid"/>
+                          <a:round/>
+                          <a:headEnd type="none" w="med" len="med"/>
+                          <a:tailEnd type="none" w="med" len="med"/>
+                        </a:lnL>
+                        <a:lnR w="12700" cap="flat" cmpd="sng" algn="ctr">
+                          <a:noFill/>
+                          <a:prstDash val="solid"/>
+                          <a:round/>
+                          <a:headEnd type="none" w="med" len="med"/>
+                          <a:tailEnd type="none" w="med" len="med"/>
+                        </a:lnR>
+                        <a:lnT w="12700" cap="flat" cmpd="sng" algn="ctr">
+                          <a:solidFill>
+                            <a:schemeClr val="tx1"/>
+                          </a:solidFill>
+                          <a:prstDash val="solid"/>
+                          <a:round/>
+                          <a:headEnd type="none" w="med" len="med"/>
+                          <a:tailEnd type="none" w="med" len="med"/>
+                        </a:lnT>
+                        <a:lnB w="12700" cap="flat" cmpd="sng" algn="ctr">
+                          <a:solidFill>
+                            <a:schemeClr val="tx1"/>
+                          </a:solidFill>
+                          <a:prstDash val="solid"/>
+                          <a:round/>
+                          <a:headEnd type="none" w="med" len="med"/>
+                          <a:tailEnd type="none" w="med" len="med"/>
+                        </a:lnB>
+                        <a:lnTlToBr w="12700" cmpd="sng">
+                          <a:noFill/>
+                          <a:prstDash val="solid"/>
+                        </a:lnTlToBr>
+                        <a:lnBlToTr w="12700" cmpd="sng">
+                          <a:noFill/>
+                          <a:prstDash val="solid"/>
+                        </a:lnBlToTr>
+                        <a:noFill/>
+                      </a:tcPr>
+                    </a:tc>
+                    <a:tc>
+                      <a:txBody>
+                        <a:bodyPr/>
+                        <a:lstStyle/>
+                        <a:p>
+                          <a:r>
+                            <a:rPr lang="fr-FR" sz="1400" dirty="0">
+                              <a:solidFill>
+                                <a:schemeClr val="tx1"/>
+                              </a:solidFill>
+                              <a:latin typeface="+mn-lt"/>
+                            </a:rPr>
+                            <a:t>….</a:t>
+                          </a:r>
+                        </a:p>
+                      </a:txBody>
+                      <a:tcPr>
+                        <a:lnL w="12700" cap="flat" cmpd="sng" algn="ctr">
+                          <a:noFill/>
+                          <a:prstDash val="solid"/>
+                          <a:round/>
+                          <a:headEnd type="none" w="med" len="med"/>
+                          <a:tailEnd type="none" w="med" len="med"/>
+                        </a:lnL>
+                        <a:lnR w="12700" cap="flat" cmpd="sng" algn="ctr">
+                          <a:noFill/>
+                          <a:prstDash val="solid"/>
+                          <a:round/>
+                          <a:headEnd type="none" w="med" len="med"/>
+                          <a:tailEnd type="none" w="med" len="med"/>
+                        </a:lnR>
+                        <a:lnT w="12700" cap="flat" cmpd="sng" algn="ctr">
+                          <a:solidFill>
+                            <a:schemeClr val="tx1"/>
+                          </a:solidFill>
+                          <a:prstDash val="solid"/>
+                          <a:round/>
+                          <a:headEnd type="none" w="med" len="med"/>
+                          <a:tailEnd type="none" w="med" len="med"/>
+                        </a:lnT>
+                        <a:lnB w="12700" cap="flat" cmpd="sng" algn="ctr">
+                          <a:solidFill>
+                            <a:schemeClr val="tx1"/>
+                          </a:solidFill>
+                          <a:prstDash val="solid"/>
+                          <a:round/>
+                          <a:headEnd type="none" w="med" len="med"/>
+                          <a:tailEnd type="none" w="med" len="med"/>
+                        </a:lnB>
+                        <a:lnTlToBr w="12700" cmpd="sng">
+                          <a:noFill/>
+                          <a:prstDash val="solid"/>
+                        </a:lnTlToBr>
+                        <a:lnBlToTr w="12700" cmpd="sng">
+                          <a:noFill/>
+                          <a:prstDash val="solid"/>
+                        </a:lnBlToTr>
+                        <a:noFill/>
+                      </a:tcPr>
+                    </a:tc>
+                    <a:tc>
+                      <a:txBody>
+                        <a:bodyPr/>
+                        <a:lstStyle/>
+                        <a:p>
+                          <a:endParaRPr lang="fr-FR" sz="1400" dirty="0">
+                            <a:solidFill>
+                              <a:schemeClr val="tx1"/>
+                            </a:solidFill>
+                            <a:latin typeface="+mn-lt"/>
+                          </a:endParaRPr>
+                        </a:p>
+                      </a:txBody>
+                      <a:tcPr>
+                        <a:lnL w="12700" cap="flat" cmpd="sng" algn="ctr">
+                          <a:noFill/>
+                          <a:prstDash val="solid"/>
+                          <a:round/>
+                          <a:headEnd type="none" w="med" len="med"/>
+                          <a:tailEnd type="none" w="med" len="med"/>
+                        </a:lnL>
+                        <a:lnR w="12700" cap="flat" cmpd="sng" algn="ctr">
+                          <a:noFill/>
+                          <a:prstDash val="solid"/>
+                          <a:round/>
+                          <a:headEnd type="none" w="med" len="med"/>
+                          <a:tailEnd type="none" w="med" len="med"/>
+                        </a:lnR>
+                        <a:lnT w="12700" cap="flat" cmpd="sng" algn="ctr">
+                          <a:solidFill>
+                            <a:schemeClr val="tx1"/>
+                          </a:solidFill>
+                          <a:prstDash val="solid"/>
+                          <a:round/>
+                          <a:headEnd type="none" w="med" len="med"/>
+                          <a:tailEnd type="none" w="med" len="med"/>
+                        </a:lnT>
+                        <a:lnB w="12700" cap="flat" cmpd="sng" algn="ctr">
+                          <a:solidFill>
+                            <a:schemeClr val="tx1"/>
+                          </a:solidFill>
+                          <a:prstDash val="solid"/>
+                          <a:round/>
+                          <a:headEnd type="none" w="med" len="med"/>
+                          <a:tailEnd type="none" w="med" len="med"/>
+                        </a:lnB>
+                        <a:lnTlToBr w="12700" cmpd="sng">
+                          <a:noFill/>
+                          <a:prstDash val="solid"/>
+                        </a:lnTlToBr>
+                        <a:lnBlToTr w="12700" cmpd="sng">
+                          <a:noFill/>
+                          <a:prstDash val="solid"/>
+                        </a:lnBlToTr>
+                        <a:noFill/>
+                      </a:tcPr>
+                    </a:tc>
+                    <a:tc>
+                      <a:txBody>
+                        <a:bodyPr/>
+                        <a:lstStyle/>
+                        <a:p>
+                          <a:endParaRPr lang="fr-FR" sz="1400" dirty="0">
+                            <a:latin typeface="+mn-lt"/>
+                          </a:endParaRPr>
+                        </a:p>
+                      </a:txBody>
+                      <a:tcPr>
+                        <a:lnL w="12700" cap="flat" cmpd="sng" algn="ctr">
+                          <a:noFill/>
+                          <a:prstDash val="solid"/>
+                          <a:round/>
+                          <a:headEnd type="none" w="med" len="med"/>
+                          <a:tailEnd type="none" w="med" len="med"/>
+                        </a:lnL>
+                        <a:lnR w="12700" cap="flat" cmpd="sng" algn="ctr">
+                          <a:solidFill>
+                            <a:schemeClr val="tx1"/>
+                          </a:solidFill>
+                          <a:prstDash val="solid"/>
+                          <a:round/>
+                          <a:headEnd type="none" w="med" len="med"/>
+                          <a:tailEnd type="none" w="med" len="med"/>
+                        </a:lnR>
+                        <a:lnT w="12700" cap="flat" cmpd="sng" algn="ctr">
+                          <a:solidFill>
+                            <a:schemeClr val="tx1"/>
+                          </a:solidFill>
+                          <a:prstDash val="solid"/>
+                          <a:round/>
+                          <a:headEnd type="none" w="med" len="med"/>
+                          <a:tailEnd type="none" w="med" len="med"/>
+                        </a:lnT>
+                        <a:lnB w="12700" cap="flat" cmpd="sng" algn="ctr">
+                          <a:solidFill>
+                            <a:schemeClr val="tx1"/>
+                          </a:solidFill>
+                          <a:prstDash val="solid"/>
+                          <a:round/>
+                          <a:headEnd type="none" w="med" len="med"/>
+                          <a:tailEnd type="none" w="med" len="med"/>
+                        </a:lnB>
+                        <a:lnTlToBr w="12700" cmpd="sng">
+                          <a:noFill/>
+                          <a:prstDash val="solid"/>
+                        </a:lnTlToBr>
+                        <a:lnBlToTr w="12700" cmpd="sng">
+                          <a:noFill/>
+                          <a:prstDash val="solid"/>
+                        </a:lnBlToTr>
+                        <a:noFill/>
+                      </a:tcPr>
+                    </a:tc>
+                    <a:tc>
+                      <a:txBody>
+                        <a:bodyPr/>
+                        <a:lstStyle/>
+                        <a:p>
+                          <a:endParaRPr lang="fr-FR"/>
+                        </a:p>
+                      </a:txBody>
+                      <a:tcPr>
+                        <a:lnL w="12700" cap="flat" cmpd="sng" algn="ctr">
+                          <a:solidFill>
+                            <a:schemeClr val="tx1"/>
+                          </a:solidFill>
+                          <a:prstDash val="solid"/>
+                          <a:round/>
+                          <a:headEnd type="none" w="med" len="med"/>
+                          <a:tailEnd type="none" w="med" len="med"/>
+                        </a:lnL>
+                        <a:lnR w="12700" cap="flat" cmpd="sng" algn="ctr">
+                          <a:solidFill>
+                            <a:schemeClr val="tx1"/>
+                          </a:solidFill>
+                          <a:prstDash val="solid"/>
+                          <a:round/>
+                          <a:headEnd type="none" w="med" len="med"/>
+                          <a:tailEnd type="none" w="med" len="med"/>
+                        </a:lnR>
+                        <a:lnT w="12700" cap="flat" cmpd="sng" algn="ctr">
+                          <a:solidFill>
+                            <a:schemeClr val="tx1"/>
+                          </a:solidFill>
+                          <a:prstDash val="solid"/>
+                          <a:round/>
+                          <a:headEnd type="none" w="med" len="med"/>
+                          <a:tailEnd type="none" w="med" len="med"/>
+                        </a:lnT>
+                        <a:lnB w="12700" cap="flat" cmpd="sng" algn="ctr">
+                          <a:solidFill>
+                            <a:schemeClr val="tx1"/>
+                          </a:solidFill>
+                          <a:prstDash val="solid"/>
+                          <a:round/>
+                          <a:headEnd type="none" w="med" len="med"/>
+                          <a:tailEnd type="none" w="med" len="med"/>
+                        </a:lnB>
+                        <a:lnTlToBr w="12700" cmpd="sng">
+                          <a:noFill/>
+                          <a:prstDash val="solid"/>
+                        </a:lnTlToBr>
+                        <a:lnBlToTr w="12700" cmpd="sng">
+                          <a:noFill/>
+                          <a:prstDash val="solid"/>
+                        </a:lnBlToTr>
+                        <a:blipFill>
+                          <a:blip r:embed="rId4"/>
+                          <a:stretch>
+                            <a:fillRect l="-598901" t="-1613" r="-2198" b="-3226"/>
+                          </a:stretch>
+                        </a:blipFill>
+                      </a:tcPr>
+                    </a:tc>
+                    <a:extLst>
+                      <a:ext uri="{0D108BD9-81ED-4DB2-BD59-A6C34878D82A}">
+                        <a16:rowId xmlns:a16="http://schemas.microsoft.com/office/drawing/2014/main" val="921640606"/>
+                      </a:ext>
+                    </a:extLst>
+                  </a:tr>
+                </a:tbl>
+              </a:graphicData>
+            </a:graphic>
+          </p:graphicFrame>
+        </mc:Fallback>
+      </mc:AlternateContent>
+      <mc:AlternateContent xmlns:mc="http://schemas.openxmlformats.org/markup-compatibility/2006">
+        <mc:Choice xmlns:a14="http://schemas.microsoft.com/office/drawing/2010/main" Requires="a14">
+          <p:graphicFrame>
+            <p:nvGraphicFramePr>
+              <p:cNvPr id="8" name="Tableau 7">
+                <a:extLst>
+                  <a:ext uri="{FF2B5EF4-FFF2-40B4-BE49-F238E27FC236}">
+                    <a16:creationId xmlns:a16="http://schemas.microsoft.com/office/drawing/2014/main" id="{D0DCAD0E-1F31-2AEB-A6FA-CAB212FB799F}"/>
+                  </a:ext>
+                </a:extLst>
+              </p:cNvPr>
+              <p:cNvGraphicFramePr>
+                <a:graphicFrameLocks noGrp="1"/>
+              </p:cNvGraphicFramePr>
+              <p:nvPr>
+                <p:extLst>
+                  <p:ext uri="{D42A27DB-BD31-4B8C-83A1-F6EECF244321}">
+                    <p14:modId xmlns:p14="http://schemas.microsoft.com/office/powerpoint/2010/main" val="1160691532"/>
+                  </p:ext>
+                </p:extLst>
+              </p:nvPr>
+            </p:nvGraphicFramePr>
+            <p:xfrm>
+              <a:off x="1951128" y="1294265"/>
+              <a:ext cx="3866779" cy="370840"/>
+            </p:xfrm>
+            <a:graphic>
+              <a:graphicData uri="http://schemas.openxmlformats.org/drawingml/2006/table">
+                <a:tbl>
+                  <a:tblPr firstRow="1" bandRow="1">
+                    <a:tableStyleId>{5C22544A-7EE6-4342-B048-85BDC9FD1C3A}</a:tableStyleId>
+                  </a:tblPr>
+                  <a:tblGrid>
+                    <a:gridCol w="552397">
+                      <a:extLst>
+                        <a:ext uri="{9D8B030D-6E8A-4147-A177-3AD203B41FA5}">
+                          <a16:colId xmlns:a16="http://schemas.microsoft.com/office/drawing/2014/main" val="2396127714"/>
+                        </a:ext>
+                      </a:extLst>
+                    </a:gridCol>
+                    <a:gridCol w="552397">
+                      <a:extLst>
+                        <a:ext uri="{9D8B030D-6E8A-4147-A177-3AD203B41FA5}">
+                          <a16:colId xmlns:a16="http://schemas.microsoft.com/office/drawing/2014/main" val="1815423872"/>
+                        </a:ext>
+                      </a:extLst>
+                    </a:gridCol>
+                    <a:gridCol w="552397">
+                      <a:extLst>
+                        <a:ext uri="{9D8B030D-6E8A-4147-A177-3AD203B41FA5}">
+                          <a16:colId xmlns:a16="http://schemas.microsoft.com/office/drawing/2014/main" val="1884723031"/>
+                        </a:ext>
+                      </a:extLst>
+                    </a:gridCol>
+                    <a:gridCol w="552397">
+                      <a:extLst>
+                        <a:ext uri="{9D8B030D-6E8A-4147-A177-3AD203B41FA5}">
+                          <a16:colId xmlns:a16="http://schemas.microsoft.com/office/drawing/2014/main" val="3147811208"/>
+                        </a:ext>
+                      </a:extLst>
+                    </a:gridCol>
+                    <a:gridCol w="552397">
+                      <a:extLst>
+                        <a:ext uri="{9D8B030D-6E8A-4147-A177-3AD203B41FA5}">
+                          <a16:colId xmlns:a16="http://schemas.microsoft.com/office/drawing/2014/main" val="105240590"/>
+                        </a:ext>
+                      </a:extLst>
+                    </a:gridCol>
+                    <a:gridCol w="552397">
+                      <a:extLst>
+                        <a:ext uri="{9D8B030D-6E8A-4147-A177-3AD203B41FA5}">
+                          <a16:colId xmlns:a16="http://schemas.microsoft.com/office/drawing/2014/main" val="1723551580"/>
+                        </a:ext>
+                      </a:extLst>
+                    </a:gridCol>
+                    <a:gridCol w="552397">
+                      <a:extLst>
+                        <a:ext uri="{9D8B030D-6E8A-4147-A177-3AD203B41FA5}">
+                          <a16:colId xmlns:a16="http://schemas.microsoft.com/office/drawing/2014/main" val="3137996870"/>
+                        </a:ext>
+                      </a:extLst>
+                    </a:gridCol>
+                  </a:tblGrid>
+                  <a:tr h="370840">
+                    <a:tc>
+                      <a:txBody>
+                        <a:bodyPr/>
+                        <a:lstStyle/>
+                        <a:p>
+                          <a14:m>
+                            <m:oMathPara xmlns:m="http://schemas.openxmlformats.org/officeDocument/2006/math">
+                              <m:oMathParaPr>
+                                <m:jc m:val="centerGroup"/>
+                              </m:oMathParaPr>
+                              <m:oMath xmlns:m="http://schemas.openxmlformats.org/officeDocument/2006/math">
+                                <m:sSub>
+                                  <m:sSubPr>
+                                    <m:ctrlPr>
+                                      <a:rPr lang="fr-FR" sz="1400" b="1" i="1" dirty="0" smtClean="0">
+                                        <a:solidFill>
+                                          <a:schemeClr val="tx1"/>
+                                        </a:solidFill>
+                                        <a:latin typeface="+mn-lt"/>
+                                      </a:rPr>
+                                    </m:ctrlPr>
+                                  </m:sSubPr>
+                                  <m:e>
+                                    <m:r>
+                                      <a:rPr lang="fr-FR" sz="1400" b="1" i="1" dirty="0" smtClean="0">
+                                        <a:solidFill>
+                                          <a:schemeClr val="tx1"/>
+                                        </a:solidFill>
+                                        <a:latin typeface="+mn-lt"/>
+                                      </a:rPr>
+                                      <m:t>𝒀</m:t>
+                                    </m:r>
+                                  </m:e>
+                                  <m:sub>
+                                    <m:r>
+                                      <a:rPr lang="fr-FR" sz="1400" b="1" i="1" dirty="0" smtClean="0">
+                                        <a:solidFill>
+                                          <a:schemeClr val="tx1"/>
+                                        </a:solidFill>
+                                        <a:latin typeface="+mn-lt"/>
+                                      </a:rPr>
+                                      <m:t>𝟏</m:t>
+                                    </m:r>
+                                  </m:sub>
+                                </m:sSub>
+                              </m:oMath>
+                            </m:oMathPara>
+                          </a14:m>
+                          <a:endParaRPr lang="fr-FR" sz="1400" dirty="0">
+                            <a:solidFill>
+                              <a:schemeClr val="tx1"/>
+                            </a:solidFill>
+                            <a:latin typeface="+mn-lt"/>
+                          </a:endParaRPr>
+                        </a:p>
+                      </a:txBody>
+                      <a:tcPr>
+                        <a:lnL w="12700" cap="flat" cmpd="sng" algn="ctr">
+                          <a:solidFill>
+                            <a:schemeClr val="tx1"/>
+                          </a:solidFill>
+                          <a:prstDash val="solid"/>
+                          <a:round/>
+                          <a:headEnd type="none" w="med" len="med"/>
+                          <a:tailEnd type="none" w="med" len="med"/>
+                        </a:lnL>
+                        <a:lnR w="12700" cap="flat" cmpd="sng" algn="ctr">
+                          <a:solidFill>
+                            <a:schemeClr val="tx1"/>
+                          </a:solidFill>
+                          <a:prstDash val="solid"/>
+                          <a:round/>
+                          <a:headEnd type="none" w="med" len="med"/>
+                          <a:tailEnd type="none" w="med" len="med"/>
+                        </a:lnR>
+                        <a:lnT w="12700" cap="flat" cmpd="sng" algn="ctr">
+                          <a:solidFill>
+                            <a:schemeClr val="tx1"/>
+                          </a:solidFill>
+                          <a:prstDash val="solid"/>
+                          <a:round/>
+                          <a:headEnd type="none" w="med" len="med"/>
+                          <a:tailEnd type="none" w="med" len="med"/>
+                        </a:lnT>
+                        <a:lnB w="12700" cap="flat" cmpd="sng" algn="ctr">
+                          <a:solidFill>
+                            <a:schemeClr val="tx1"/>
+                          </a:solidFill>
+                          <a:prstDash val="solid"/>
+                          <a:round/>
+                          <a:headEnd type="none" w="med" len="med"/>
+                          <a:tailEnd type="none" w="med" len="med"/>
+                        </a:lnB>
+                        <a:lnTlToBr w="12700" cmpd="sng">
+                          <a:noFill/>
+                          <a:prstDash val="solid"/>
+                        </a:lnTlToBr>
+                        <a:lnBlToTr w="12700" cmpd="sng">
+                          <a:noFill/>
+                          <a:prstDash val="solid"/>
+                        </a:lnBlToTr>
+                        <a:noFill/>
+                      </a:tcPr>
+                    </a:tc>
+                    <a:tc>
+                      <a:txBody>
+                        <a:bodyPr/>
+                        <a:lstStyle/>
+                        <a:p>
+                          <a14:m>
+                            <m:oMathPara xmlns:m="http://schemas.openxmlformats.org/officeDocument/2006/math">
+                              <m:oMathParaPr>
+                                <m:jc m:val="centerGroup"/>
+                              </m:oMathParaPr>
+                              <m:oMath xmlns:m="http://schemas.openxmlformats.org/officeDocument/2006/math">
+                                <m:sSub>
+                                  <m:sSubPr>
+                                    <m:ctrlPr>
+                                      <a:rPr lang="fr-FR" sz="1400" b="1" i="1" dirty="0" smtClean="0">
+                                        <a:solidFill>
+                                          <a:schemeClr val="tx1"/>
+                                        </a:solidFill>
+                                        <a:latin typeface="+mn-lt"/>
+                                      </a:rPr>
+                                    </m:ctrlPr>
+                                  </m:sSubPr>
+                                  <m:e>
+                                    <m:r>
+                                      <a:rPr lang="fr-FR" sz="1400" b="1" i="1" dirty="0" smtClean="0">
+                                        <a:solidFill>
+                                          <a:schemeClr val="tx1"/>
+                                        </a:solidFill>
+                                        <a:latin typeface="+mn-lt"/>
+                                      </a:rPr>
+                                      <m:t>𝒀</m:t>
+                                    </m:r>
+                                  </m:e>
+                                  <m:sub>
+                                    <m:r>
+                                      <a:rPr lang="fr-FR" sz="1400" b="1" i="1" dirty="0" smtClean="0">
+                                        <a:solidFill>
+                                          <a:schemeClr val="tx1"/>
+                                        </a:solidFill>
+                                        <a:latin typeface="+mn-lt"/>
+                                      </a:rPr>
+                                      <m:t>𝟐</m:t>
+                                    </m:r>
+                                  </m:sub>
+                                </m:sSub>
+                              </m:oMath>
+                            </m:oMathPara>
+                          </a14:m>
+                          <a:endParaRPr lang="fr-FR" sz="1400" dirty="0">
+                            <a:latin typeface="+mn-lt"/>
+                          </a:endParaRPr>
+                        </a:p>
+                      </a:txBody>
+                      <a:tcPr>
+                        <a:lnL w="12700" cap="flat" cmpd="sng" algn="ctr">
+                          <a:solidFill>
+                            <a:schemeClr val="tx1"/>
+                          </a:solidFill>
+                          <a:prstDash val="solid"/>
+                          <a:round/>
+                          <a:headEnd type="none" w="med" len="med"/>
+                          <a:tailEnd type="none" w="med" len="med"/>
+                        </a:lnL>
+                        <a:lnR w="12700" cap="flat" cmpd="sng" algn="ctr">
+                          <a:solidFill>
+                            <a:schemeClr val="tx1"/>
+                          </a:solidFill>
+                          <a:prstDash val="solid"/>
+                          <a:round/>
+                          <a:headEnd type="none" w="med" len="med"/>
+                          <a:tailEnd type="none" w="med" len="med"/>
+                        </a:lnR>
+                        <a:lnT w="12700" cap="flat" cmpd="sng" algn="ctr">
+                          <a:solidFill>
+                            <a:schemeClr val="tx1"/>
+                          </a:solidFill>
+                          <a:prstDash val="solid"/>
+                          <a:round/>
+                          <a:headEnd type="none" w="med" len="med"/>
+                          <a:tailEnd type="none" w="med" len="med"/>
+                        </a:lnT>
+                        <a:lnB w="12700" cap="flat" cmpd="sng" algn="ctr">
+                          <a:solidFill>
+                            <a:schemeClr val="tx1"/>
+                          </a:solidFill>
+                          <a:prstDash val="solid"/>
+                          <a:round/>
+                          <a:headEnd type="none" w="med" len="med"/>
+                          <a:tailEnd type="none" w="med" len="med"/>
+                        </a:lnB>
+                        <a:lnTlToBr w="12700" cmpd="sng">
+                          <a:noFill/>
+                          <a:prstDash val="solid"/>
+                        </a:lnTlToBr>
+                        <a:lnBlToTr w="12700" cmpd="sng">
+                          <a:noFill/>
+                          <a:prstDash val="solid"/>
+                        </a:lnBlToTr>
+                        <a:noFill/>
+                      </a:tcPr>
+                    </a:tc>
+                    <a:tc>
+                      <a:txBody>
+                        <a:bodyPr/>
+                        <a:lstStyle/>
+                        <a:p>
+                          <a:endParaRPr lang="fr-FR" sz="1400" dirty="0">
+                            <a:solidFill>
+                              <a:schemeClr val="tx1"/>
+                            </a:solidFill>
+                            <a:latin typeface="+mn-lt"/>
+                          </a:endParaRPr>
+                        </a:p>
+                      </a:txBody>
+                      <a:tcPr>
+                        <a:lnL w="12700" cap="flat" cmpd="sng" algn="ctr">
+                          <a:solidFill>
+                            <a:schemeClr val="tx1"/>
+                          </a:solidFill>
+                          <a:prstDash val="solid"/>
+                          <a:round/>
+                          <a:headEnd type="none" w="med" len="med"/>
+                          <a:tailEnd type="none" w="med" len="med"/>
+                        </a:lnL>
+                        <a:lnR w="12700" cap="flat" cmpd="sng" algn="ctr">
+                          <a:noFill/>
+                          <a:prstDash val="solid"/>
+                          <a:round/>
+                          <a:headEnd type="none" w="med" len="med"/>
+                          <a:tailEnd type="none" w="med" len="med"/>
+                        </a:lnR>
+                        <a:lnT w="12700" cap="flat" cmpd="sng" algn="ctr">
+                          <a:solidFill>
+                            <a:schemeClr val="tx1"/>
+                          </a:solidFill>
+                          <a:prstDash val="solid"/>
+                          <a:round/>
+                          <a:headEnd type="none" w="med" len="med"/>
+                          <a:tailEnd type="none" w="med" len="med"/>
+                        </a:lnT>
+                        <a:lnB w="12700" cap="flat" cmpd="sng" algn="ctr">
+                          <a:solidFill>
+                            <a:schemeClr val="tx1"/>
+                          </a:solidFill>
+                          <a:prstDash val="solid"/>
+                          <a:round/>
+                          <a:headEnd type="none" w="med" len="med"/>
+                          <a:tailEnd type="none" w="med" len="med"/>
+                        </a:lnB>
+                        <a:lnTlToBr w="12700" cmpd="sng">
+                          <a:noFill/>
+                          <a:prstDash val="solid"/>
+                        </a:lnTlToBr>
+                        <a:lnBlToTr w="12700" cmpd="sng">
+                          <a:noFill/>
+                          <a:prstDash val="solid"/>
+                        </a:lnBlToTr>
+                        <a:noFill/>
+                      </a:tcPr>
+                    </a:tc>
+                    <a:tc>
+                      <a:txBody>
+                        <a:bodyPr/>
+                        <a:lstStyle/>
+                        <a:p>
+                          <a:r>
+                            <a:rPr lang="fr-FR" sz="1400" dirty="0">
+                              <a:solidFill>
+                                <a:schemeClr val="tx1"/>
+                              </a:solidFill>
+                              <a:latin typeface="+mn-lt"/>
+                            </a:rPr>
+                            <a:t>….</a:t>
+                          </a:r>
+                        </a:p>
+                      </a:txBody>
+                      <a:tcPr>
+                        <a:lnL w="12700" cap="flat" cmpd="sng" algn="ctr">
+                          <a:noFill/>
+                          <a:prstDash val="solid"/>
+                          <a:round/>
+                          <a:headEnd type="none" w="med" len="med"/>
+                          <a:tailEnd type="none" w="med" len="med"/>
+                        </a:lnL>
+                        <a:lnR w="12700" cap="flat" cmpd="sng" algn="ctr">
+                          <a:noFill/>
+                          <a:prstDash val="solid"/>
+                          <a:round/>
+                          <a:headEnd type="none" w="med" len="med"/>
+                          <a:tailEnd type="none" w="med" len="med"/>
+                        </a:lnR>
+                        <a:lnT w="12700" cap="flat" cmpd="sng" algn="ctr">
+                          <a:solidFill>
+                            <a:schemeClr val="tx1"/>
+                          </a:solidFill>
+                          <a:prstDash val="solid"/>
+                          <a:round/>
+                          <a:headEnd type="none" w="med" len="med"/>
+                          <a:tailEnd type="none" w="med" len="med"/>
+                        </a:lnT>
+                        <a:lnB w="12700" cap="flat" cmpd="sng" algn="ctr">
+                          <a:solidFill>
+                            <a:schemeClr val="tx1"/>
+                          </a:solidFill>
+                          <a:prstDash val="solid"/>
+                          <a:round/>
+                          <a:headEnd type="none" w="med" len="med"/>
+                          <a:tailEnd type="none" w="med" len="med"/>
+                        </a:lnB>
+                        <a:lnTlToBr w="12700" cmpd="sng">
+                          <a:noFill/>
+                          <a:prstDash val="solid"/>
+                        </a:lnTlToBr>
+                        <a:lnBlToTr w="12700" cmpd="sng">
+                          <a:noFill/>
+                          <a:prstDash val="solid"/>
+                        </a:lnBlToTr>
+                        <a:noFill/>
+                      </a:tcPr>
+                    </a:tc>
+                    <a:tc>
+                      <a:txBody>
+                        <a:bodyPr/>
+                        <a:lstStyle/>
+                        <a:p>
+                          <a:endParaRPr lang="fr-FR" sz="1400" dirty="0">
+                            <a:solidFill>
+                              <a:schemeClr val="tx1"/>
+                            </a:solidFill>
+                            <a:latin typeface="+mn-lt"/>
+                          </a:endParaRPr>
+                        </a:p>
+                      </a:txBody>
+                      <a:tcPr>
+                        <a:lnL w="12700" cap="flat" cmpd="sng" algn="ctr">
+                          <a:noFill/>
+                          <a:prstDash val="solid"/>
+                          <a:round/>
+                          <a:headEnd type="none" w="med" len="med"/>
+                          <a:tailEnd type="none" w="med" len="med"/>
+                        </a:lnL>
+                        <a:lnR w="12700" cap="flat" cmpd="sng" algn="ctr">
+                          <a:noFill/>
+                          <a:prstDash val="solid"/>
+                          <a:round/>
+                          <a:headEnd type="none" w="med" len="med"/>
+                          <a:tailEnd type="none" w="med" len="med"/>
+                        </a:lnR>
+                        <a:lnT w="12700" cap="flat" cmpd="sng" algn="ctr">
+                          <a:solidFill>
+                            <a:schemeClr val="tx1"/>
+                          </a:solidFill>
+                          <a:prstDash val="solid"/>
+                          <a:round/>
+                          <a:headEnd type="none" w="med" len="med"/>
+                          <a:tailEnd type="none" w="med" len="med"/>
+                        </a:lnT>
+                        <a:lnB w="12700" cap="flat" cmpd="sng" algn="ctr">
+                          <a:solidFill>
+                            <a:schemeClr val="tx1"/>
+                          </a:solidFill>
+                          <a:prstDash val="solid"/>
+                          <a:round/>
+                          <a:headEnd type="none" w="med" len="med"/>
+                          <a:tailEnd type="none" w="med" len="med"/>
+                        </a:lnB>
+                        <a:lnTlToBr w="12700" cmpd="sng">
+                          <a:noFill/>
+                          <a:prstDash val="solid"/>
+                        </a:lnTlToBr>
+                        <a:lnBlToTr w="12700" cmpd="sng">
+                          <a:noFill/>
+                          <a:prstDash val="solid"/>
+                        </a:lnBlToTr>
+                        <a:noFill/>
+                      </a:tcPr>
+                    </a:tc>
+                    <a:tc>
+                      <a:txBody>
+                        <a:bodyPr/>
+                        <a:lstStyle/>
+                        <a:p>
+                          <a:endParaRPr lang="fr-FR" sz="1400" dirty="0">
+                            <a:latin typeface="+mn-lt"/>
+                          </a:endParaRPr>
+                        </a:p>
+                      </a:txBody>
+                      <a:tcPr>
+                        <a:lnL w="12700" cap="flat" cmpd="sng" algn="ctr">
+                          <a:noFill/>
+                          <a:prstDash val="solid"/>
+                          <a:round/>
+                          <a:headEnd type="none" w="med" len="med"/>
+                          <a:tailEnd type="none" w="med" len="med"/>
+                        </a:lnL>
+                        <a:lnR w="12700" cap="flat" cmpd="sng" algn="ctr">
+                          <a:solidFill>
+                            <a:schemeClr val="tx1"/>
+                          </a:solidFill>
+                          <a:prstDash val="solid"/>
+                          <a:round/>
+                          <a:headEnd type="none" w="med" len="med"/>
+                          <a:tailEnd type="none" w="med" len="med"/>
+                        </a:lnR>
+                        <a:lnT w="12700" cap="flat" cmpd="sng" algn="ctr">
+                          <a:solidFill>
+                            <a:schemeClr val="tx1"/>
+                          </a:solidFill>
+                          <a:prstDash val="solid"/>
+                          <a:round/>
+                          <a:headEnd type="none" w="med" len="med"/>
+                          <a:tailEnd type="none" w="med" len="med"/>
+                        </a:lnT>
+                        <a:lnB w="12700" cap="flat" cmpd="sng" algn="ctr">
+                          <a:solidFill>
+                            <a:schemeClr val="tx1"/>
+                          </a:solidFill>
+                          <a:prstDash val="solid"/>
+                          <a:round/>
+                          <a:headEnd type="none" w="med" len="med"/>
+                          <a:tailEnd type="none" w="med" len="med"/>
+                        </a:lnB>
+                        <a:lnTlToBr w="12700" cmpd="sng">
+                          <a:noFill/>
+                          <a:prstDash val="solid"/>
+                        </a:lnTlToBr>
+                        <a:lnBlToTr w="12700" cmpd="sng">
+                          <a:noFill/>
+                          <a:prstDash val="solid"/>
+                        </a:lnBlToTr>
+                        <a:noFill/>
+                      </a:tcPr>
+                    </a:tc>
+                    <a:tc>
+                      <a:txBody>
+                        <a:bodyPr/>
+                        <a:lstStyle/>
+                        <a:p>
+                          <a14:m>
+                            <m:oMathPara xmlns:m="http://schemas.openxmlformats.org/officeDocument/2006/math">
+                              <m:oMathParaPr>
+                                <m:jc m:val="centerGroup"/>
+                              </m:oMathParaPr>
+                              <m:oMath xmlns:m="http://schemas.openxmlformats.org/officeDocument/2006/math">
+                                <m:sSub>
+                                  <m:sSubPr>
+                                    <m:ctrlPr>
+                                      <a:rPr lang="fr-FR" sz="1400" b="1" i="1" dirty="0" smtClean="0">
+                                        <a:solidFill>
+                                          <a:schemeClr val="tx1"/>
+                                        </a:solidFill>
+                                        <a:latin typeface="+mn-lt"/>
+                                      </a:rPr>
+                                    </m:ctrlPr>
+                                  </m:sSubPr>
+                                  <m:e>
+                                    <m:r>
+                                      <a:rPr lang="fr-FR" sz="1400" b="1" i="1" dirty="0" smtClean="0">
+                                        <a:solidFill>
+                                          <a:schemeClr val="tx1"/>
+                                        </a:solidFill>
+                                        <a:latin typeface="+mn-lt"/>
+                                      </a:rPr>
+                                      <m:t>𝒀</m:t>
+                                    </m:r>
+                                  </m:e>
+                                  <m:sub>
+                                    <m:r>
+                                      <a:rPr lang="fr-FR" sz="1400" b="1" i="1" dirty="0" smtClean="0">
+                                        <a:solidFill>
+                                          <a:schemeClr val="tx1"/>
+                                        </a:solidFill>
+                                        <a:latin typeface="+mn-lt"/>
+                                      </a:rPr>
+                                      <m:t>𝑳</m:t>
+                                    </m:r>
+                                  </m:sub>
+                                </m:sSub>
+                              </m:oMath>
+                            </m:oMathPara>
+                          </a14:m>
+                          <a:endParaRPr lang="fr-FR" sz="1400" dirty="0">
+                            <a:latin typeface="+mn-lt"/>
+                          </a:endParaRPr>
+                        </a:p>
+                      </a:txBody>
+                      <a:tcPr>
+                        <a:lnL w="12700" cap="flat" cmpd="sng" algn="ctr">
+                          <a:solidFill>
+                            <a:schemeClr val="tx1"/>
+                          </a:solidFill>
+                          <a:prstDash val="solid"/>
+                          <a:round/>
+                          <a:headEnd type="none" w="med" len="med"/>
+                          <a:tailEnd type="none" w="med" len="med"/>
+                        </a:lnL>
+                        <a:lnR w="12700" cap="flat" cmpd="sng" algn="ctr">
+                          <a:solidFill>
+                            <a:schemeClr val="tx1"/>
+                          </a:solidFill>
+                          <a:prstDash val="solid"/>
+                          <a:round/>
+                          <a:headEnd type="none" w="med" len="med"/>
+                          <a:tailEnd type="none" w="med" len="med"/>
+                        </a:lnR>
+                        <a:lnT w="12700" cap="flat" cmpd="sng" algn="ctr">
+                          <a:solidFill>
+                            <a:schemeClr val="tx1"/>
+                          </a:solidFill>
+                          <a:prstDash val="solid"/>
+                          <a:round/>
+                          <a:headEnd type="none" w="med" len="med"/>
+                          <a:tailEnd type="none" w="med" len="med"/>
+                        </a:lnT>
+                        <a:lnB w="12700" cap="flat" cmpd="sng" algn="ctr">
+                          <a:solidFill>
+                            <a:schemeClr val="tx1"/>
+                          </a:solidFill>
+                          <a:prstDash val="solid"/>
+                          <a:round/>
+                          <a:headEnd type="none" w="med" len="med"/>
+                          <a:tailEnd type="none" w="med" len="med"/>
+                        </a:lnB>
+                        <a:lnTlToBr w="12700" cmpd="sng">
+                          <a:noFill/>
+                          <a:prstDash val="solid"/>
+                        </a:lnTlToBr>
+                        <a:lnBlToTr w="12700" cmpd="sng">
+                          <a:noFill/>
+                          <a:prstDash val="solid"/>
+                        </a:lnBlToTr>
+                        <a:noFill/>
+                      </a:tcPr>
+                    </a:tc>
+                    <a:extLst>
+                      <a:ext uri="{0D108BD9-81ED-4DB2-BD59-A6C34878D82A}">
+                        <a16:rowId xmlns:a16="http://schemas.microsoft.com/office/drawing/2014/main" val="921640606"/>
+                      </a:ext>
+                    </a:extLst>
+                  </a:tr>
+                </a:tbl>
+              </a:graphicData>
+            </a:graphic>
+          </p:graphicFrame>
+        </mc:Choice>
+        <mc:Fallback>
+          <p:graphicFrame>
+            <p:nvGraphicFramePr>
+              <p:cNvPr id="8" name="Tableau 7">
+                <a:extLst>
+                  <a:ext uri="{FF2B5EF4-FFF2-40B4-BE49-F238E27FC236}">
+                    <a16:creationId xmlns:a16="http://schemas.microsoft.com/office/drawing/2014/main" id="{D0DCAD0E-1F31-2AEB-A6FA-CAB212FB799F}"/>
+                  </a:ext>
+                </a:extLst>
+              </p:cNvPr>
+              <p:cNvGraphicFramePr>
+                <a:graphicFrameLocks noGrp="1"/>
+              </p:cNvGraphicFramePr>
+              <p:nvPr>
+                <p:extLst>
+                  <p:ext uri="{D42A27DB-BD31-4B8C-83A1-F6EECF244321}">
+                    <p14:modId xmlns:p14="http://schemas.microsoft.com/office/powerpoint/2010/main" val="1160691532"/>
+                  </p:ext>
+                </p:extLst>
+              </p:nvPr>
+            </p:nvGraphicFramePr>
+            <p:xfrm>
+              <a:off x="1951128" y="1294265"/>
+              <a:ext cx="3866779" cy="370840"/>
+            </p:xfrm>
+            <a:graphic>
+              <a:graphicData uri="http://schemas.openxmlformats.org/drawingml/2006/table">
+                <a:tbl>
+                  <a:tblPr firstRow="1" bandRow="1">
+                    <a:tableStyleId>{5C22544A-7EE6-4342-B048-85BDC9FD1C3A}</a:tableStyleId>
+                  </a:tblPr>
+                  <a:tblGrid>
+                    <a:gridCol w="552397">
+                      <a:extLst>
+                        <a:ext uri="{9D8B030D-6E8A-4147-A177-3AD203B41FA5}">
+                          <a16:colId xmlns:a16="http://schemas.microsoft.com/office/drawing/2014/main" val="2396127714"/>
+                        </a:ext>
+                      </a:extLst>
+                    </a:gridCol>
+                    <a:gridCol w="552397">
+                      <a:extLst>
+                        <a:ext uri="{9D8B030D-6E8A-4147-A177-3AD203B41FA5}">
+                          <a16:colId xmlns:a16="http://schemas.microsoft.com/office/drawing/2014/main" val="1815423872"/>
+                        </a:ext>
+                      </a:extLst>
+                    </a:gridCol>
+                    <a:gridCol w="552397">
+                      <a:extLst>
+                        <a:ext uri="{9D8B030D-6E8A-4147-A177-3AD203B41FA5}">
+                          <a16:colId xmlns:a16="http://schemas.microsoft.com/office/drawing/2014/main" val="1884723031"/>
+                        </a:ext>
+                      </a:extLst>
+                    </a:gridCol>
+                    <a:gridCol w="552397">
+                      <a:extLst>
+                        <a:ext uri="{9D8B030D-6E8A-4147-A177-3AD203B41FA5}">
+                          <a16:colId xmlns:a16="http://schemas.microsoft.com/office/drawing/2014/main" val="3147811208"/>
+                        </a:ext>
+                      </a:extLst>
+                    </a:gridCol>
+                    <a:gridCol w="552397">
+                      <a:extLst>
+                        <a:ext uri="{9D8B030D-6E8A-4147-A177-3AD203B41FA5}">
+                          <a16:colId xmlns:a16="http://schemas.microsoft.com/office/drawing/2014/main" val="105240590"/>
+                        </a:ext>
+                      </a:extLst>
+                    </a:gridCol>
+                    <a:gridCol w="552397">
+                      <a:extLst>
+                        <a:ext uri="{9D8B030D-6E8A-4147-A177-3AD203B41FA5}">
+                          <a16:colId xmlns:a16="http://schemas.microsoft.com/office/drawing/2014/main" val="1723551580"/>
+                        </a:ext>
+                      </a:extLst>
+                    </a:gridCol>
+                    <a:gridCol w="552397">
+                      <a:extLst>
+                        <a:ext uri="{9D8B030D-6E8A-4147-A177-3AD203B41FA5}">
+                          <a16:colId xmlns:a16="http://schemas.microsoft.com/office/drawing/2014/main" val="3137996870"/>
+                        </a:ext>
+                      </a:extLst>
+                    </a:gridCol>
+                  </a:tblGrid>
+                  <a:tr h="370840">
+                    <a:tc>
+                      <a:txBody>
+                        <a:bodyPr/>
+                        <a:lstStyle/>
+                        <a:p>
+                          <a:endParaRPr lang="fr-FR"/>
+                        </a:p>
+                      </a:txBody>
+                      <a:tcPr>
+                        <a:lnL w="12700" cap="flat" cmpd="sng" algn="ctr">
+                          <a:solidFill>
+                            <a:schemeClr val="tx1"/>
+                          </a:solidFill>
+                          <a:prstDash val="solid"/>
+                          <a:round/>
+                          <a:headEnd type="none" w="med" len="med"/>
+                          <a:tailEnd type="none" w="med" len="med"/>
+                        </a:lnL>
+                        <a:lnR w="12700" cap="flat" cmpd="sng" algn="ctr">
+                          <a:solidFill>
+                            <a:schemeClr val="tx1"/>
+                          </a:solidFill>
+                          <a:prstDash val="solid"/>
+                          <a:round/>
+                          <a:headEnd type="none" w="med" len="med"/>
+                          <a:tailEnd type="none" w="med" len="med"/>
+                        </a:lnR>
+                        <a:lnT w="12700" cap="flat" cmpd="sng" algn="ctr">
+                          <a:solidFill>
+                            <a:schemeClr val="tx1"/>
+                          </a:solidFill>
+                          <a:prstDash val="solid"/>
+                          <a:round/>
+                          <a:headEnd type="none" w="med" len="med"/>
+                          <a:tailEnd type="none" w="med" len="med"/>
+                        </a:lnT>
+                        <a:lnB w="12700" cap="flat" cmpd="sng" algn="ctr">
+                          <a:solidFill>
+                            <a:schemeClr val="tx1"/>
+                          </a:solidFill>
+                          <a:prstDash val="solid"/>
+                          <a:round/>
+                          <a:headEnd type="none" w="med" len="med"/>
+                          <a:tailEnd type="none" w="med" len="med"/>
+                        </a:lnB>
+                        <a:lnTlToBr w="12700" cmpd="sng">
+                          <a:noFill/>
+                          <a:prstDash val="solid"/>
+                        </a:lnTlToBr>
+                        <a:lnBlToTr w="12700" cmpd="sng">
+                          <a:noFill/>
+                          <a:prstDash val="solid"/>
+                        </a:lnBlToTr>
+                        <a:blipFill>
+                          <a:blip r:embed="rId5"/>
+                          <a:stretch>
+                            <a:fillRect l="-1099" t="-1613" r="-600000" b="-3226"/>
+                          </a:stretch>
+                        </a:blipFill>
+                      </a:tcPr>
+                    </a:tc>
+                    <a:tc>
+                      <a:txBody>
+                        <a:bodyPr/>
+                        <a:lstStyle/>
+                        <a:p>
+                          <a:endParaRPr lang="fr-FR"/>
+                        </a:p>
+                      </a:txBody>
+                      <a:tcPr>
+                        <a:lnL w="12700" cap="flat" cmpd="sng" algn="ctr">
+                          <a:solidFill>
+                            <a:schemeClr val="tx1"/>
+                          </a:solidFill>
+                          <a:prstDash val="solid"/>
+                          <a:round/>
+                          <a:headEnd type="none" w="med" len="med"/>
+                          <a:tailEnd type="none" w="med" len="med"/>
+                        </a:lnL>
+                        <a:lnR w="12700" cap="flat" cmpd="sng" algn="ctr">
+                          <a:solidFill>
+                            <a:schemeClr val="tx1"/>
+                          </a:solidFill>
+                          <a:prstDash val="solid"/>
+                          <a:round/>
+                          <a:headEnd type="none" w="med" len="med"/>
+                          <a:tailEnd type="none" w="med" len="med"/>
+                        </a:lnR>
+                        <a:lnT w="12700" cap="flat" cmpd="sng" algn="ctr">
+                          <a:solidFill>
+                            <a:schemeClr val="tx1"/>
+                          </a:solidFill>
+                          <a:prstDash val="solid"/>
+                          <a:round/>
+                          <a:headEnd type="none" w="med" len="med"/>
+                          <a:tailEnd type="none" w="med" len="med"/>
+                        </a:lnT>
+                        <a:lnB w="12700" cap="flat" cmpd="sng" algn="ctr">
+                          <a:solidFill>
+                            <a:schemeClr val="tx1"/>
+                          </a:solidFill>
+                          <a:prstDash val="solid"/>
+                          <a:round/>
+                          <a:headEnd type="none" w="med" len="med"/>
+                          <a:tailEnd type="none" w="med" len="med"/>
+                        </a:lnB>
+                        <a:lnTlToBr w="12700" cmpd="sng">
+                          <a:noFill/>
+                          <a:prstDash val="solid"/>
+                        </a:lnTlToBr>
+                        <a:lnBlToTr w="12700" cmpd="sng">
+                          <a:noFill/>
+                          <a:prstDash val="solid"/>
+                        </a:lnBlToTr>
+                        <a:blipFill>
+                          <a:blip r:embed="rId5"/>
+                          <a:stretch>
+                            <a:fillRect l="-102222" t="-1613" r="-506667" b="-3226"/>
+                          </a:stretch>
+                        </a:blipFill>
+                      </a:tcPr>
+                    </a:tc>
+                    <a:tc>
+                      <a:txBody>
+                        <a:bodyPr/>
+                        <a:lstStyle/>
+                        <a:p>
+                          <a:endParaRPr lang="fr-FR" sz="1400" dirty="0">
+                            <a:solidFill>
+                              <a:schemeClr val="tx1"/>
+                            </a:solidFill>
+                            <a:latin typeface="+mn-lt"/>
+                          </a:endParaRPr>
+                        </a:p>
+                      </a:txBody>
+                      <a:tcPr>
+                        <a:lnL w="12700" cap="flat" cmpd="sng" algn="ctr">
+                          <a:solidFill>
+                            <a:schemeClr val="tx1"/>
+                          </a:solidFill>
+                          <a:prstDash val="solid"/>
+                          <a:round/>
+                          <a:headEnd type="none" w="med" len="med"/>
+                          <a:tailEnd type="none" w="med" len="med"/>
+                        </a:lnL>
+                        <a:lnR w="12700" cap="flat" cmpd="sng" algn="ctr">
+                          <a:noFill/>
+                          <a:prstDash val="solid"/>
+                          <a:round/>
+                          <a:headEnd type="none" w="med" len="med"/>
+                          <a:tailEnd type="none" w="med" len="med"/>
+                        </a:lnR>
+                        <a:lnT w="12700" cap="flat" cmpd="sng" algn="ctr">
+                          <a:solidFill>
+                            <a:schemeClr val="tx1"/>
+                          </a:solidFill>
+                          <a:prstDash val="solid"/>
+                          <a:round/>
+                          <a:headEnd type="none" w="med" len="med"/>
+                          <a:tailEnd type="none" w="med" len="med"/>
+                        </a:lnT>
+                        <a:lnB w="12700" cap="flat" cmpd="sng" algn="ctr">
+                          <a:solidFill>
+                            <a:schemeClr val="tx1"/>
+                          </a:solidFill>
+                          <a:prstDash val="solid"/>
+                          <a:round/>
+                          <a:headEnd type="none" w="med" len="med"/>
+                          <a:tailEnd type="none" w="med" len="med"/>
+                        </a:lnB>
+                        <a:lnTlToBr w="12700" cmpd="sng">
+                          <a:noFill/>
+                          <a:prstDash val="solid"/>
+                        </a:lnTlToBr>
+                        <a:lnBlToTr w="12700" cmpd="sng">
+                          <a:noFill/>
+                          <a:prstDash val="solid"/>
+                        </a:lnBlToTr>
+                        <a:noFill/>
+                      </a:tcPr>
+                    </a:tc>
+                    <a:tc>
+                      <a:txBody>
+                        <a:bodyPr/>
+                        <a:lstStyle/>
+                        <a:p>
+                          <a:r>
+                            <a:rPr lang="fr-FR" sz="1400" dirty="0">
+                              <a:solidFill>
+                                <a:schemeClr val="tx1"/>
+                              </a:solidFill>
+                              <a:latin typeface="+mn-lt"/>
+                            </a:rPr>
+                            <a:t>….</a:t>
+                          </a:r>
+                        </a:p>
+                      </a:txBody>
+                      <a:tcPr>
+                        <a:lnL w="12700" cap="flat" cmpd="sng" algn="ctr">
+                          <a:noFill/>
+                          <a:prstDash val="solid"/>
+                          <a:round/>
+                          <a:headEnd type="none" w="med" len="med"/>
+                          <a:tailEnd type="none" w="med" len="med"/>
+                        </a:lnL>
+                        <a:lnR w="12700" cap="flat" cmpd="sng" algn="ctr">
+                          <a:noFill/>
+                          <a:prstDash val="solid"/>
+                          <a:round/>
+                          <a:headEnd type="none" w="med" len="med"/>
+                          <a:tailEnd type="none" w="med" len="med"/>
+                        </a:lnR>
+                        <a:lnT w="12700" cap="flat" cmpd="sng" algn="ctr">
+                          <a:solidFill>
+                            <a:schemeClr val="tx1"/>
+                          </a:solidFill>
+                          <a:prstDash val="solid"/>
+                          <a:round/>
+                          <a:headEnd type="none" w="med" len="med"/>
+                          <a:tailEnd type="none" w="med" len="med"/>
+                        </a:lnT>
+                        <a:lnB w="12700" cap="flat" cmpd="sng" algn="ctr">
+                          <a:solidFill>
+                            <a:schemeClr val="tx1"/>
+                          </a:solidFill>
+                          <a:prstDash val="solid"/>
+                          <a:round/>
+                          <a:headEnd type="none" w="med" len="med"/>
+                          <a:tailEnd type="none" w="med" len="med"/>
+                        </a:lnB>
+                        <a:lnTlToBr w="12700" cmpd="sng">
+                          <a:noFill/>
+                          <a:prstDash val="solid"/>
+                        </a:lnTlToBr>
+                        <a:lnBlToTr w="12700" cmpd="sng">
+                          <a:noFill/>
+                          <a:prstDash val="solid"/>
+                        </a:lnBlToTr>
+                        <a:noFill/>
+                      </a:tcPr>
+                    </a:tc>
+                    <a:tc>
+                      <a:txBody>
+                        <a:bodyPr/>
+                        <a:lstStyle/>
+                        <a:p>
+                          <a:endParaRPr lang="fr-FR" sz="1400" dirty="0">
+                            <a:solidFill>
+                              <a:schemeClr val="tx1"/>
+                            </a:solidFill>
+                            <a:latin typeface="+mn-lt"/>
+                          </a:endParaRPr>
+                        </a:p>
+                      </a:txBody>
+                      <a:tcPr>
+                        <a:lnL w="12700" cap="flat" cmpd="sng" algn="ctr">
+                          <a:noFill/>
+                          <a:prstDash val="solid"/>
+                          <a:round/>
+                          <a:headEnd type="none" w="med" len="med"/>
+                          <a:tailEnd type="none" w="med" len="med"/>
+                        </a:lnL>
+                        <a:lnR w="12700" cap="flat" cmpd="sng" algn="ctr">
+                          <a:noFill/>
+                          <a:prstDash val="solid"/>
+                          <a:round/>
+                          <a:headEnd type="none" w="med" len="med"/>
+                          <a:tailEnd type="none" w="med" len="med"/>
+                        </a:lnR>
+                        <a:lnT w="12700" cap="flat" cmpd="sng" algn="ctr">
+                          <a:solidFill>
+                            <a:schemeClr val="tx1"/>
+                          </a:solidFill>
+                          <a:prstDash val="solid"/>
+                          <a:round/>
+                          <a:headEnd type="none" w="med" len="med"/>
+                          <a:tailEnd type="none" w="med" len="med"/>
+                        </a:lnT>
+                        <a:lnB w="12700" cap="flat" cmpd="sng" algn="ctr">
+                          <a:solidFill>
+                            <a:schemeClr val="tx1"/>
+                          </a:solidFill>
+                          <a:prstDash val="solid"/>
+                          <a:round/>
+                          <a:headEnd type="none" w="med" len="med"/>
+                          <a:tailEnd type="none" w="med" len="med"/>
+                        </a:lnB>
+                        <a:lnTlToBr w="12700" cmpd="sng">
+                          <a:noFill/>
+                          <a:prstDash val="solid"/>
+                        </a:lnTlToBr>
+                        <a:lnBlToTr w="12700" cmpd="sng">
+                          <a:noFill/>
+                          <a:prstDash val="solid"/>
+                        </a:lnBlToTr>
+                        <a:noFill/>
+                      </a:tcPr>
+                    </a:tc>
+                    <a:tc>
+                      <a:txBody>
+                        <a:bodyPr/>
+                        <a:lstStyle/>
+                        <a:p>
+                          <a:endParaRPr lang="fr-FR" sz="1400" dirty="0">
+                            <a:latin typeface="+mn-lt"/>
+                          </a:endParaRPr>
+                        </a:p>
+                      </a:txBody>
+                      <a:tcPr>
+                        <a:lnL w="12700" cap="flat" cmpd="sng" algn="ctr">
+                          <a:noFill/>
+                          <a:prstDash val="solid"/>
+                          <a:round/>
+                          <a:headEnd type="none" w="med" len="med"/>
+                          <a:tailEnd type="none" w="med" len="med"/>
+                        </a:lnL>
+                        <a:lnR w="12700" cap="flat" cmpd="sng" algn="ctr">
+                          <a:solidFill>
+                            <a:schemeClr val="tx1"/>
+                          </a:solidFill>
+                          <a:prstDash val="solid"/>
+                          <a:round/>
+                          <a:headEnd type="none" w="med" len="med"/>
+                          <a:tailEnd type="none" w="med" len="med"/>
+                        </a:lnR>
+                        <a:lnT w="12700" cap="flat" cmpd="sng" algn="ctr">
+                          <a:solidFill>
+                            <a:schemeClr val="tx1"/>
+                          </a:solidFill>
+                          <a:prstDash val="solid"/>
+                          <a:round/>
+                          <a:headEnd type="none" w="med" len="med"/>
+                          <a:tailEnd type="none" w="med" len="med"/>
+                        </a:lnT>
+                        <a:lnB w="12700" cap="flat" cmpd="sng" algn="ctr">
+                          <a:solidFill>
+                            <a:schemeClr val="tx1"/>
+                          </a:solidFill>
+                          <a:prstDash val="solid"/>
+                          <a:round/>
+                          <a:headEnd type="none" w="med" len="med"/>
+                          <a:tailEnd type="none" w="med" len="med"/>
+                        </a:lnB>
+                        <a:lnTlToBr w="12700" cmpd="sng">
+                          <a:noFill/>
+                          <a:prstDash val="solid"/>
+                        </a:lnTlToBr>
+                        <a:lnBlToTr w="12700" cmpd="sng">
+                          <a:noFill/>
+                          <a:prstDash val="solid"/>
+                        </a:lnBlToTr>
+                        <a:noFill/>
+                      </a:tcPr>
+                    </a:tc>
+                    <a:tc>
+                      <a:txBody>
+                        <a:bodyPr/>
+                        <a:lstStyle/>
+                        <a:p>
+                          <a:endParaRPr lang="fr-FR"/>
+                        </a:p>
+                      </a:txBody>
+                      <a:tcPr>
+                        <a:lnL w="12700" cap="flat" cmpd="sng" algn="ctr">
+                          <a:solidFill>
+                            <a:schemeClr val="tx1"/>
+                          </a:solidFill>
+                          <a:prstDash val="solid"/>
+                          <a:round/>
+                          <a:headEnd type="none" w="med" len="med"/>
+                          <a:tailEnd type="none" w="med" len="med"/>
+                        </a:lnL>
+                        <a:lnR w="12700" cap="flat" cmpd="sng" algn="ctr">
+                          <a:solidFill>
+                            <a:schemeClr val="tx1"/>
+                          </a:solidFill>
+                          <a:prstDash val="solid"/>
+                          <a:round/>
+                          <a:headEnd type="none" w="med" len="med"/>
+                          <a:tailEnd type="none" w="med" len="med"/>
+                        </a:lnR>
+                        <a:lnT w="12700" cap="flat" cmpd="sng" algn="ctr">
+                          <a:solidFill>
+                            <a:schemeClr val="tx1"/>
+                          </a:solidFill>
+                          <a:prstDash val="solid"/>
+                          <a:round/>
+                          <a:headEnd type="none" w="med" len="med"/>
+                          <a:tailEnd type="none" w="med" len="med"/>
+                        </a:lnT>
+                        <a:lnB w="12700" cap="flat" cmpd="sng" algn="ctr">
+                          <a:solidFill>
+                            <a:schemeClr val="tx1"/>
+                          </a:solidFill>
+                          <a:prstDash val="solid"/>
+                          <a:round/>
+                          <a:headEnd type="none" w="med" len="med"/>
+                          <a:tailEnd type="none" w="med" len="med"/>
+                        </a:lnB>
+                        <a:lnTlToBr w="12700" cmpd="sng">
+                          <a:noFill/>
+                          <a:prstDash val="solid"/>
+                        </a:lnTlToBr>
+                        <a:lnBlToTr w="12700" cmpd="sng">
+                          <a:noFill/>
+                          <a:prstDash val="solid"/>
+                        </a:lnBlToTr>
+                        <a:blipFill>
+                          <a:blip r:embed="rId5"/>
+                          <a:stretch>
+                            <a:fillRect l="-598901" t="-1613" r="-2198" b="-3226"/>
+                          </a:stretch>
+                        </a:blipFill>
+                      </a:tcPr>
+                    </a:tc>
+                    <a:extLst>
+                      <a:ext uri="{0D108BD9-81ED-4DB2-BD59-A6C34878D82A}">
+                        <a16:rowId xmlns:a16="http://schemas.microsoft.com/office/drawing/2014/main" val="921640606"/>
+                      </a:ext>
+                    </a:extLst>
+                  </a:tr>
+                </a:tbl>
+              </a:graphicData>
+            </a:graphic>
+          </p:graphicFrame>
+        </mc:Fallback>
+      </mc:AlternateContent>
+      <mc:AlternateContent xmlns:mc="http://schemas.openxmlformats.org/markup-compatibility/2006">
+        <mc:Choice xmlns:a14="http://schemas.microsoft.com/office/drawing/2010/main" Requires="a14">
+          <p:graphicFrame>
+            <p:nvGraphicFramePr>
+              <p:cNvPr id="17" name="Tableau 16">
+                <a:extLst>
+                  <a:ext uri="{FF2B5EF4-FFF2-40B4-BE49-F238E27FC236}">
+                    <a16:creationId xmlns:a16="http://schemas.microsoft.com/office/drawing/2014/main" id="{221B2D20-DC4A-0A9A-CA91-7F81E77A3196}"/>
+                  </a:ext>
+                </a:extLst>
+              </p:cNvPr>
+              <p:cNvGraphicFramePr>
+                <a:graphicFrameLocks noGrp="1"/>
+              </p:cNvGraphicFramePr>
+              <p:nvPr>
+                <p:extLst>
+                  <p:ext uri="{D42A27DB-BD31-4B8C-83A1-F6EECF244321}">
+                    <p14:modId xmlns:p14="http://schemas.microsoft.com/office/powerpoint/2010/main" val="1370815396"/>
+                  </p:ext>
+                </p:extLst>
+              </p:nvPr>
+            </p:nvGraphicFramePr>
+            <p:xfrm>
+              <a:off x="2514284" y="2163966"/>
+              <a:ext cx="3866779" cy="370840"/>
+            </p:xfrm>
+            <a:graphic>
+              <a:graphicData uri="http://schemas.openxmlformats.org/drawingml/2006/table">
+                <a:tbl>
+                  <a:tblPr firstRow="1" bandRow="1">
+                    <a:tableStyleId>{5C22544A-7EE6-4342-B048-85BDC9FD1C3A}</a:tableStyleId>
+                  </a:tblPr>
+                  <a:tblGrid>
+                    <a:gridCol w="552397">
+                      <a:extLst>
+                        <a:ext uri="{9D8B030D-6E8A-4147-A177-3AD203B41FA5}">
+                          <a16:colId xmlns:a16="http://schemas.microsoft.com/office/drawing/2014/main" val="2396127714"/>
+                        </a:ext>
+                      </a:extLst>
+                    </a:gridCol>
+                    <a:gridCol w="552397">
+                      <a:extLst>
+                        <a:ext uri="{9D8B030D-6E8A-4147-A177-3AD203B41FA5}">
+                          <a16:colId xmlns:a16="http://schemas.microsoft.com/office/drawing/2014/main" val="1815423872"/>
+                        </a:ext>
+                      </a:extLst>
+                    </a:gridCol>
+                    <a:gridCol w="552397">
+                      <a:extLst>
+                        <a:ext uri="{9D8B030D-6E8A-4147-A177-3AD203B41FA5}">
+                          <a16:colId xmlns:a16="http://schemas.microsoft.com/office/drawing/2014/main" val="1884723031"/>
+                        </a:ext>
+                      </a:extLst>
+                    </a:gridCol>
+                    <a:gridCol w="552397">
+                      <a:extLst>
+                        <a:ext uri="{9D8B030D-6E8A-4147-A177-3AD203B41FA5}">
+                          <a16:colId xmlns:a16="http://schemas.microsoft.com/office/drawing/2014/main" val="3147811208"/>
+                        </a:ext>
+                      </a:extLst>
+                    </a:gridCol>
+                    <a:gridCol w="552397">
+                      <a:extLst>
+                        <a:ext uri="{9D8B030D-6E8A-4147-A177-3AD203B41FA5}">
+                          <a16:colId xmlns:a16="http://schemas.microsoft.com/office/drawing/2014/main" val="105240590"/>
+                        </a:ext>
+                      </a:extLst>
+                    </a:gridCol>
+                    <a:gridCol w="552397">
+                      <a:extLst>
+                        <a:ext uri="{9D8B030D-6E8A-4147-A177-3AD203B41FA5}">
+                          <a16:colId xmlns:a16="http://schemas.microsoft.com/office/drawing/2014/main" val="1723551580"/>
+                        </a:ext>
+                      </a:extLst>
+                    </a:gridCol>
+                    <a:gridCol w="552397">
+                      <a:extLst>
+                        <a:ext uri="{9D8B030D-6E8A-4147-A177-3AD203B41FA5}">
+                          <a16:colId xmlns:a16="http://schemas.microsoft.com/office/drawing/2014/main" val="3137996870"/>
+                        </a:ext>
+                      </a:extLst>
+                    </a:gridCol>
+                  </a:tblGrid>
+                  <a:tr h="370840">
+                    <a:tc>
+                      <a:txBody>
+                        <a:bodyPr/>
+                        <a:lstStyle/>
+                        <a:p>
+                          <a14:m>
+                            <m:oMathPara xmlns:m="http://schemas.openxmlformats.org/officeDocument/2006/math">
+                              <m:oMathParaPr>
+                                <m:jc m:val="centerGroup"/>
+                              </m:oMathParaPr>
+                              <m:oMath xmlns:m="http://schemas.openxmlformats.org/officeDocument/2006/math">
+                                <m:sSub>
+                                  <m:sSubPr>
+                                    <m:ctrlPr>
+                                      <a:rPr lang="fr-FR" sz="1400" b="1" i="1" dirty="0" smtClean="0">
+                                        <a:solidFill>
+                                          <a:schemeClr val="tx1"/>
+                                        </a:solidFill>
+                                        <a:latin typeface="+mn-lt"/>
+                                      </a:rPr>
+                                    </m:ctrlPr>
+                                  </m:sSubPr>
+                                  <m:e>
+                                    <m:r>
+                                      <a:rPr lang="fr-FR" sz="1400" b="1" i="1" dirty="0" smtClean="0">
+                                        <a:solidFill>
+                                          <a:schemeClr val="tx1"/>
+                                        </a:solidFill>
+                                        <a:latin typeface="+mn-lt"/>
+                                      </a:rPr>
+                                      <m:t>𝒀</m:t>
+                                    </m:r>
+                                  </m:e>
+                                  <m:sub>
+                                    <m:r>
+                                      <a:rPr lang="fr-FR" sz="1400" b="1" i="1" dirty="0" smtClean="0">
+                                        <a:solidFill>
+                                          <a:schemeClr val="tx1"/>
+                                        </a:solidFill>
+                                        <a:latin typeface="+mn-lt"/>
+                                      </a:rPr>
+                                      <m:t>𝟐</m:t>
+                                    </m:r>
+                                  </m:sub>
+                                </m:sSub>
+                              </m:oMath>
+                            </m:oMathPara>
+                          </a14:m>
+                          <a:endParaRPr lang="fr-FR" sz="1400" dirty="0">
+                            <a:solidFill>
+                              <a:schemeClr val="tx1"/>
+                            </a:solidFill>
+                            <a:latin typeface="+mn-lt"/>
+                          </a:endParaRPr>
+                        </a:p>
+                      </a:txBody>
+                      <a:tcPr>
+                        <a:lnL w="12700" cap="flat" cmpd="sng" algn="ctr">
+                          <a:solidFill>
+                            <a:schemeClr val="tx1"/>
+                          </a:solidFill>
+                          <a:prstDash val="solid"/>
+                          <a:round/>
+                          <a:headEnd type="none" w="med" len="med"/>
+                          <a:tailEnd type="none" w="med" len="med"/>
+                        </a:lnL>
+                        <a:lnR w="12700" cap="flat" cmpd="sng" algn="ctr">
+                          <a:solidFill>
+                            <a:schemeClr val="tx1"/>
+                          </a:solidFill>
+                          <a:prstDash val="solid"/>
+                          <a:round/>
+                          <a:headEnd type="none" w="med" len="med"/>
+                          <a:tailEnd type="none" w="med" len="med"/>
+                        </a:lnR>
+                        <a:lnT w="12700" cap="flat" cmpd="sng" algn="ctr">
+                          <a:solidFill>
+                            <a:schemeClr val="tx1"/>
+                          </a:solidFill>
+                          <a:prstDash val="solid"/>
+                          <a:round/>
+                          <a:headEnd type="none" w="med" len="med"/>
+                          <a:tailEnd type="none" w="med" len="med"/>
+                        </a:lnT>
+                        <a:lnB w="12700" cap="flat" cmpd="sng" algn="ctr">
+                          <a:solidFill>
+                            <a:schemeClr val="tx1"/>
+                          </a:solidFill>
+                          <a:prstDash val="solid"/>
+                          <a:round/>
+                          <a:headEnd type="none" w="med" len="med"/>
+                          <a:tailEnd type="none" w="med" len="med"/>
+                        </a:lnB>
+                        <a:lnTlToBr w="12700" cmpd="sng">
+                          <a:noFill/>
+                          <a:prstDash val="solid"/>
+                        </a:lnTlToBr>
+                        <a:lnBlToTr w="12700" cmpd="sng">
+                          <a:noFill/>
+                          <a:prstDash val="solid"/>
+                        </a:lnBlToTr>
+                        <a:noFill/>
+                      </a:tcPr>
+                    </a:tc>
+                    <a:tc>
+                      <a:txBody>
+                        <a:bodyPr/>
+                        <a:lstStyle/>
+                        <a:p>
+                          <a14:m>
+                            <m:oMathPara xmlns:m="http://schemas.openxmlformats.org/officeDocument/2006/math">
+                              <m:oMathParaPr>
+                                <m:jc m:val="centerGroup"/>
+                              </m:oMathParaPr>
+                              <m:oMath xmlns:m="http://schemas.openxmlformats.org/officeDocument/2006/math">
+                                <m:sSub>
+                                  <m:sSubPr>
+                                    <m:ctrlPr>
+                                      <a:rPr lang="fr-FR" sz="1400" b="1" i="1" dirty="0" smtClean="0">
+                                        <a:solidFill>
+                                          <a:schemeClr val="tx1"/>
+                                        </a:solidFill>
+                                        <a:latin typeface="+mn-lt"/>
+                                      </a:rPr>
+                                    </m:ctrlPr>
+                                  </m:sSubPr>
+                                  <m:e>
+                                    <m:r>
+                                      <a:rPr lang="fr-FR" sz="1400" b="1" i="1" dirty="0" smtClean="0">
+                                        <a:solidFill>
+                                          <a:schemeClr val="tx1"/>
+                                        </a:solidFill>
+                                        <a:latin typeface="+mn-lt"/>
+                                      </a:rPr>
+                                      <m:t>𝒀</m:t>
+                                    </m:r>
+                                  </m:e>
+                                  <m:sub>
+                                    <m:r>
+                                      <a:rPr lang="fr-FR" sz="1400" b="1" i="1" dirty="0" smtClean="0">
+                                        <a:solidFill>
+                                          <a:schemeClr val="tx1"/>
+                                        </a:solidFill>
+                                        <a:latin typeface="+mn-lt"/>
+                                      </a:rPr>
+                                      <m:t>𝟑</m:t>
+                                    </m:r>
+                                  </m:sub>
+                                </m:sSub>
+                              </m:oMath>
+                            </m:oMathPara>
+                          </a14:m>
+                          <a:endParaRPr lang="fr-FR" sz="1400" dirty="0">
+                            <a:latin typeface="+mn-lt"/>
+                          </a:endParaRPr>
+                        </a:p>
+                      </a:txBody>
+                      <a:tcPr>
+                        <a:lnL w="12700" cap="flat" cmpd="sng" algn="ctr">
+                          <a:solidFill>
+                            <a:schemeClr val="tx1"/>
+                          </a:solidFill>
+                          <a:prstDash val="solid"/>
+                          <a:round/>
+                          <a:headEnd type="none" w="med" len="med"/>
+                          <a:tailEnd type="none" w="med" len="med"/>
+                        </a:lnL>
+                        <a:lnR w="12700" cap="flat" cmpd="sng" algn="ctr">
+                          <a:solidFill>
+                            <a:schemeClr val="tx1"/>
+                          </a:solidFill>
+                          <a:prstDash val="solid"/>
+                          <a:round/>
+                          <a:headEnd type="none" w="med" len="med"/>
+                          <a:tailEnd type="none" w="med" len="med"/>
+                        </a:lnR>
+                        <a:lnT w="12700" cap="flat" cmpd="sng" algn="ctr">
+                          <a:solidFill>
+                            <a:schemeClr val="tx1"/>
+                          </a:solidFill>
+                          <a:prstDash val="solid"/>
+                          <a:round/>
+                          <a:headEnd type="none" w="med" len="med"/>
+                          <a:tailEnd type="none" w="med" len="med"/>
+                        </a:lnT>
+                        <a:lnB w="12700" cap="flat" cmpd="sng" algn="ctr">
+                          <a:solidFill>
+                            <a:schemeClr val="tx1"/>
+                          </a:solidFill>
+                          <a:prstDash val="solid"/>
+                          <a:round/>
+                          <a:headEnd type="none" w="med" len="med"/>
+                          <a:tailEnd type="none" w="med" len="med"/>
+                        </a:lnB>
+                        <a:lnTlToBr w="12700" cmpd="sng">
+                          <a:noFill/>
+                          <a:prstDash val="solid"/>
+                        </a:lnTlToBr>
+                        <a:lnBlToTr w="12700" cmpd="sng">
+                          <a:noFill/>
+                          <a:prstDash val="solid"/>
+                        </a:lnBlToTr>
+                        <a:noFill/>
+                      </a:tcPr>
+                    </a:tc>
+                    <a:tc>
+                      <a:txBody>
+                        <a:bodyPr/>
+                        <a:lstStyle/>
+                        <a:p>
+                          <a:endParaRPr lang="fr-FR" sz="1400" dirty="0">
+                            <a:solidFill>
+                              <a:schemeClr val="tx1"/>
+                            </a:solidFill>
+                            <a:latin typeface="+mn-lt"/>
+                          </a:endParaRPr>
+                        </a:p>
+                      </a:txBody>
+                      <a:tcPr>
+                        <a:lnL w="12700" cap="flat" cmpd="sng" algn="ctr">
+                          <a:solidFill>
+                            <a:schemeClr val="tx1"/>
+                          </a:solidFill>
+                          <a:prstDash val="solid"/>
+                          <a:round/>
+                          <a:headEnd type="none" w="med" len="med"/>
+                          <a:tailEnd type="none" w="med" len="med"/>
+                        </a:lnL>
+                        <a:lnR w="12700" cap="flat" cmpd="sng" algn="ctr">
+                          <a:noFill/>
+                          <a:prstDash val="solid"/>
+                          <a:round/>
+                          <a:headEnd type="none" w="med" len="med"/>
+                          <a:tailEnd type="none" w="med" len="med"/>
+                        </a:lnR>
+                        <a:lnT w="12700" cap="flat" cmpd="sng" algn="ctr">
+                          <a:solidFill>
+                            <a:schemeClr val="tx1"/>
+                          </a:solidFill>
+                          <a:prstDash val="solid"/>
+                          <a:round/>
+                          <a:headEnd type="none" w="med" len="med"/>
+                          <a:tailEnd type="none" w="med" len="med"/>
+                        </a:lnT>
+                        <a:lnB w="12700" cap="flat" cmpd="sng" algn="ctr">
+                          <a:solidFill>
+                            <a:schemeClr val="tx1"/>
+                          </a:solidFill>
+                          <a:prstDash val="solid"/>
+                          <a:round/>
+                          <a:headEnd type="none" w="med" len="med"/>
+                          <a:tailEnd type="none" w="med" len="med"/>
+                        </a:lnB>
+                        <a:lnTlToBr w="12700" cmpd="sng">
+                          <a:noFill/>
+                          <a:prstDash val="solid"/>
+                        </a:lnTlToBr>
+                        <a:lnBlToTr w="12700" cmpd="sng">
+                          <a:noFill/>
+                          <a:prstDash val="solid"/>
+                        </a:lnBlToTr>
+                        <a:noFill/>
+                      </a:tcPr>
+                    </a:tc>
+                    <a:tc>
+                      <a:txBody>
+                        <a:bodyPr/>
+                        <a:lstStyle/>
+                        <a:p>
+                          <a:r>
+                            <a:rPr lang="fr-FR" sz="1400" dirty="0">
+                              <a:solidFill>
+                                <a:schemeClr val="tx1"/>
+                              </a:solidFill>
+                              <a:latin typeface="+mn-lt"/>
+                            </a:rPr>
+                            <a:t>….</a:t>
+                          </a:r>
+                        </a:p>
+                      </a:txBody>
+                      <a:tcPr>
+                        <a:lnL w="12700" cap="flat" cmpd="sng" algn="ctr">
+                          <a:noFill/>
+                          <a:prstDash val="solid"/>
+                          <a:round/>
+                          <a:headEnd type="none" w="med" len="med"/>
+                          <a:tailEnd type="none" w="med" len="med"/>
+                        </a:lnL>
+                        <a:lnR w="12700" cap="flat" cmpd="sng" algn="ctr">
+                          <a:noFill/>
+                          <a:prstDash val="solid"/>
+                          <a:round/>
+                          <a:headEnd type="none" w="med" len="med"/>
+                          <a:tailEnd type="none" w="med" len="med"/>
+                        </a:lnR>
+                        <a:lnT w="12700" cap="flat" cmpd="sng" algn="ctr">
+                          <a:solidFill>
+                            <a:schemeClr val="tx1"/>
+                          </a:solidFill>
+                          <a:prstDash val="solid"/>
+                          <a:round/>
+                          <a:headEnd type="none" w="med" len="med"/>
+                          <a:tailEnd type="none" w="med" len="med"/>
+                        </a:lnT>
+                        <a:lnB w="12700" cap="flat" cmpd="sng" algn="ctr">
+                          <a:solidFill>
+                            <a:schemeClr val="tx1"/>
+                          </a:solidFill>
+                          <a:prstDash val="solid"/>
+                          <a:round/>
+                          <a:headEnd type="none" w="med" len="med"/>
+                          <a:tailEnd type="none" w="med" len="med"/>
+                        </a:lnB>
+                        <a:lnTlToBr w="12700" cmpd="sng">
+                          <a:noFill/>
+                          <a:prstDash val="solid"/>
+                        </a:lnTlToBr>
+                        <a:lnBlToTr w="12700" cmpd="sng">
+                          <a:noFill/>
+                          <a:prstDash val="solid"/>
+                        </a:lnBlToTr>
+                        <a:noFill/>
+                      </a:tcPr>
+                    </a:tc>
+                    <a:tc>
+                      <a:txBody>
+                        <a:bodyPr/>
+                        <a:lstStyle/>
+                        <a:p>
+                          <a:endParaRPr lang="fr-FR" sz="1400" dirty="0">
+                            <a:solidFill>
+                              <a:schemeClr val="tx1"/>
+                            </a:solidFill>
+                            <a:latin typeface="+mn-lt"/>
+                          </a:endParaRPr>
+                        </a:p>
+                      </a:txBody>
+                      <a:tcPr>
+                        <a:lnL w="12700" cap="flat" cmpd="sng" algn="ctr">
+                          <a:noFill/>
+                          <a:prstDash val="solid"/>
+                          <a:round/>
+                          <a:headEnd type="none" w="med" len="med"/>
+                          <a:tailEnd type="none" w="med" len="med"/>
+                        </a:lnL>
+                        <a:lnR w="12700" cap="flat" cmpd="sng" algn="ctr">
+                          <a:noFill/>
+                          <a:prstDash val="solid"/>
+                          <a:round/>
+                          <a:headEnd type="none" w="med" len="med"/>
+                          <a:tailEnd type="none" w="med" len="med"/>
+                        </a:lnR>
+                        <a:lnT w="12700" cap="flat" cmpd="sng" algn="ctr">
+                          <a:solidFill>
+                            <a:schemeClr val="tx1"/>
+                          </a:solidFill>
+                          <a:prstDash val="solid"/>
+                          <a:round/>
+                          <a:headEnd type="none" w="med" len="med"/>
+                          <a:tailEnd type="none" w="med" len="med"/>
+                        </a:lnT>
+                        <a:lnB w="12700" cap="flat" cmpd="sng" algn="ctr">
+                          <a:solidFill>
+                            <a:schemeClr val="tx1"/>
+                          </a:solidFill>
+                          <a:prstDash val="solid"/>
+                          <a:round/>
+                          <a:headEnd type="none" w="med" len="med"/>
+                          <a:tailEnd type="none" w="med" len="med"/>
+                        </a:lnB>
+                        <a:lnTlToBr w="12700" cmpd="sng">
+                          <a:noFill/>
+                          <a:prstDash val="solid"/>
+                        </a:lnTlToBr>
+                        <a:lnBlToTr w="12700" cmpd="sng">
+                          <a:noFill/>
+                          <a:prstDash val="solid"/>
+                        </a:lnBlToTr>
+                        <a:noFill/>
+                      </a:tcPr>
+                    </a:tc>
+                    <a:tc>
+                      <a:txBody>
+                        <a:bodyPr/>
+                        <a:lstStyle/>
+                        <a:p>
+                          <a:endParaRPr lang="fr-FR" sz="1400" dirty="0">
+                            <a:latin typeface="+mn-lt"/>
+                          </a:endParaRPr>
+                        </a:p>
+                      </a:txBody>
+                      <a:tcPr>
+                        <a:lnL w="12700" cap="flat" cmpd="sng" algn="ctr">
+                          <a:noFill/>
+                          <a:prstDash val="solid"/>
+                          <a:round/>
+                          <a:headEnd type="none" w="med" len="med"/>
+                          <a:tailEnd type="none" w="med" len="med"/>
+                        </a:lnL>
+                        <a:lnR w="12700" cap="flat" cmpd="sng" algn="ctr">
+                          <a:solidFill>
+                            <a:schemeClr val="tx1"/>
+                          </a:solidFill>
+                          <a:prstDash val="solid"/>
+                          <a:round/>
+                          <a:headEnd type="none" w="med" len="med"/>
+                          <a:tailEnd type="none" w="med" len="med"/>
+                        </a:lnR>
+                        <a:lnT w="12700" cap="flat" cmpd="sng" algn="ctr">
+                          <a:solidFill>
+                            <a:schemeClr val="tx1"/>
+                          </a:solidFill>
+                          <a:prstDash val="solid"/>
+                          <a:round/>
+                          <a:headEnd type="none" w="med" len="med"/>
+                          <a:tailEnd type="none" w="med" len="med"/>
+                        </a:lnT>
+                        <a:lnB w="12700" cap="flat" cmpd="sng" algn="ctr">
+                          <a:solidFill>
+                            <a:schemeClr val="tx1"/>
+                          </a:solidFill>
+                          <a:prstDash val="solid"/>
+                          <a:round/>
+                          <a:headEnd type="none" w="med" len="med"/>
+                          <a:tailEnd type="none" w="med" len="med"/>
+                        </a:lnB>
+                        <a:lnTlToBr w="12700" cmpd="sng">
+                          <a:noFill/>
+                          <a:prstDash val="solid"/>
+                        </a:lnTlToBr>
+                        <a:lnBlToTr w="12700" cmpd="sng">
+                          <a:noFill/>
+                          <a:prstDash val="solid"/>
+                        </a:lnBlToTr>
+                        <a:noFill/>
+                      </a:tcPr>
+                    </a:tc>
+                    <a:tc>
+                      <a:txBody>
+                        <a:bodyPr/>
+                        <a:lstStyle/>
+                        <a:p>
+                          <a14:m>
+                            <m:oMathPara xmlns:m="http://schemas.openxmlformats.org/officeDocument/2006/math">
+                              <m:oMathParaPr>
+                                <m:jc m:val="centerGroup"/>
+                              </m:oMathParaPr>
+                              <m:oMath xmlns:m="http://schemas.openxmlformats.org/officeDocument/2006/math">
+                                <m:sSub>
+                                  <m:sSubPr>
+                                    <m:ctrlPr>
+                                      <a:rPr lang="fr-FR" sz="1400" b="1" i="1" dirty="0" smtClean="0">
+                                        <a:solidFill>
+                                          <a:schemeClr val="tx1"/>
+                                        </a:solidFill>
+                                        <a:latin typeface="+mn-lt"/>
+                                      </a:rPr>
+                                    </m:ctrlPr>
+                                  </m:sSubPr>
+                                  <m:e>
+                                    <m:r>
+                                      <a:rPr lang="fr-FR" sz="1400" b="1" i="1" dirty="0" smtClean="0">
+                                        <a:solidFill>
+                                          <a:schemeClr val="tx1"/>
+                                        </a:solidFill>
+                                        <a:latin typeface="+mn-lt"/>
+                                      </a:rPr>
+                                      <m:t>𝒀</m:t>
+                                    </m:r>
+                                  </m:e>
+                                  <m:sub>
+                                    <m:r>
+                                      <a:rPr lang="fr-FR" sz="1400" b="1" i="1" dirty="0" smtClean="0">
+                                        <a:solidFill>
+                                          <a:schemeClr val="tx1"/>
+                                        </a:solidFill>
+                                        <a:latin typeface="+mn-lt"/>
+                                      </a:rPr>
+                                      <m:t>𝑳</m:t>
+                                    </m:r>
+                                    <m:r>
+                                      <a:rPr lang="fr-FR" sz="1400" b="1" i="1" dirty="0" smtClean="0">
+                                        <a:solidFill>
+                                          <a:schemeClr val="tx1"/>
+                                        </a:solidFill>
+                                        <a:latin typeface="+mn-lt"/>
+                                      </a:rPr>
+                                      <m:t>+</m:t>
+                                    </m:r>
+                                    <m:r>
+                                      <a:rPr lang="fr-FR" sz="1400" b="1" i="1" dirty="0" smtClean="0">
+                                        <a:solidFill>
+                                          <a:schemeClr val="tx1"/>
+                                        </a:solidFill>
+                                        <a:latin typeface="+mn-lt"/>
+                                      </a:rPr>
+                                      <m:t>𝟏</m:t>
+                                    </m:r>
+                                  </m:sub>
+                                </m:sSub>
+                              </m:oMath>
+                            </m:oMathPara>
+                          </a14:m>
+                          <a:endParaRPr lang="fr-FR" sz="1400" dirty="0">
+                            <a:latin typeface="+mn-lt"/>
+                          </a:endParaRPr>
+                        </a:p>
+                      </a:txBody>
+                      <a:tcPr>
+                        <a:lnL w="12700" cap="flat" cmpd="sng" algn="ctr">
+                          <a:solidFill>
+                            <a:schemeClr val="tx1"/>
+                          </a:solidFill>
+                          <a:prstDash val="solid"/>
+                          <a:round/>
+                          <a:headEnd type="none" w="med" len="med"/>
+                          <a:tailEnd type="none" w="med" len="med"/>
+                        </a:lnL>
+                        <a:lnR w="12700" cap="flat" cmpd="sng" algn="ctr">
+                          <a:solidFill>
+                            <a:schemeClr val="tx1"/>
+                          </a:solidFill>
+                          <a:prstDash val="solid"/>
+                          <a:round/>
+                          <a:headEnd type="none" w="med" len="med"/>
+                          <a:tailEnd type="none" w="med" len="med"/>
+                        </a:lnR>
+                        <a:lnT w="12700" cap="flat" cmpd="sng" algn="ctr">
+                          <a:solidFill>
+                            <a:schemeClr val="tx1"/>
+                          </a:solidFill>
+                          <a:prstDash val="solid"/>
+                          <a:round/>
+                          <a:headEnd type="none" w="med" len="med"/>
+                          <a:tailEnd type="none" w="med" len="med"/>
+                        </a:lnT>
+                        <a:lnB w="12700" cap="flat" cmpd="sng" algn="ctr">
+                          <a:solidFill>
+                            <a:schemeClr val="tx1"/>
+                          </a:solidFill>
+                          <a:prstDash val="solid"/>
+                          <a:round/>
+                          <a:headEnd type="none" w="med" len="med"/>
+                          <a:tailEnd type="none" w="med" len="med"/>
+                        </a:lnB>
+                        <a:lnTlToBr w="12700" cmpd="sng">
+                          <a:noFill/>
+                          <a:prstDash val="solid"/>
+                        </a:lnTlToBr>
+                        <a:lnBlToTr w="12700" cmpd="sng">
+                          <a:noFill/>
+                          <a:prstDash val="solid"/>
+                        </a:lnBlToTr>
+                        <a:noFill/>
+                      </a:tcPr>
+                    </a:tc>
+                    <a:extLst>
+                      <a:ext uri="{0D108BD9-81ED-4DB2-BD59-A6C34878D82A}">
+                        <a16:rowId xmlns:a16="http://schemas.microsoft.com/office/drawing/2014/main" val="921640606"/>
+                      </a:ext>
+                    </a:extLst>
+                  </a:tr>
+                </a:tbl>
+              </a:graphicData>
+            </a:graphic>
+          </p:graphicFrame>
+        </mc:Choice>
+        <mc:Fallback>
+          <p:graphicFrame>
+            <p:nvGraphicFramePr>
+              <p:cNvPr id="17" name="Tableau 16">
+                <a:extLst>
+                  <a:ext uri="{FF2B5EF4-FFF2-40B4-BE49-F238E27FC236}">
+                    <a16:creationId xmlns:a16="http://schemas.microsoft.com/office/drawing/2014/main" id="{221B2D20-DC4A-0A9A-CA91-7F81E77A3196}"/>
+                  </a:ext>
+                </a:extLst>
+              </p:cNvPr>
+              <p:cNvGraphicFramePr>
+                <a:graphicFrameLocks noGrp="1"/>
+              </p:cNvGraphicFramePr>
+              <p:nvPr>
+                <p:extLst>
+                  <p:ext uri="{D42A27DB-BD31-4B8C-83A1-F6EECF244321}">
+                    <p14:modId xmlns:p14="http://schemas.microsoft.com/office/powerpoint/2010/main" val="1370815396"/>
+                  </p:ext>
+                </p:extLst>
+              </p:nvPr>
+            </p:nvGraphicFramePr>
+            <p:xfrm>
+              <a:off x="2514284" y="2163966"/>
+              <a:ext cx="3866779" cy="370840"/>
+            </p:xfrm>
+            <a:graphic>
+              <a:graphicData uri="http://schemas.openxmlformats.org/drawingml/2006/table">
+                <a:tbl>
+                  <a:tblPr firstRow="1" bandRow="1">
+                    <a:tableStyleId>{5C22544A-7EE6-4342-B048-85BDC9FD1C3A}</a:tableStyleId>
+                  </a:tblPr>
+                  <a:tblGrid>
+                    <a:gridCol w="552397">
+                      <a:extLst>
+                        <a:ext uri="{9D8B030D-6E8A-4147-A177-3AD203B41FA5}">
+                          <a16:colId xmlns:a16="http://schemas.microsoft.com/office/drawing/2014/main" val="2396127714"/>
+                        </a:ext>
+                      </a:extLst>
+                    </a:gridCol>
+                    <a:gridCol w="552397">
+                      <a:extLst>
+                        <a:ext uri="{9D8B030D-6E8A-4147-A177-3AD203B41FA5}">
+                          <a16:colId xmlns:a16="http://schemas.microsoft.com/office/drawing/2014/main" val="1815423872"/>
+                        </a:ext>
+                      </a:extLst>
+                    </a:gridCol>
+                    <a:gridCol w="552397">
+                      <a:extLst>
+                        <a:ext uri="{9D8B030D-6E8A-4147-A177-3AD203B41FA5}">
+                          <a16:colId xmlns:a16="http://schemas.microsoft.com/office/drawing/2014/main" val="1884723031"/>
+                        </a:ext>
+                      </a:extLst>
+                    </a:gridCol>
+                    <a:gridCol w="552397">
+                      <a:extLst>
+                        <a:ext uri="{9D8B030D-6E8A-4147-A177-3AD203B41FA5}">
+                          <a16:colId xmlns:a16="http://schemas.microsoft.com/office/drawing/2014/main" val="3147811208"/>
+                        </a:ext>
+                      </a:extLst>
+                    </a:gridCol>
+                    <a:gridCol w="552397">
+                      <a:extLst>
+                        <a:ext uri="{9D8B030D-6E8A-4147-A177-3AD203B41FA5}">
+                          <a16:colId xmlns:a16="http://schemas.microsoft.com/office/drawing/2014/main" val="105240590"/>
+                        </a:ext>
+                      </a:extLst>
+                    </a:gridCol>
+                    <a:gridCol w="552397">
+                      <a:extLst>
+                        <a:ext uri="{9D8B030D-6E8A-4147-A177-3AD203B41FA5}">
+                          <a16:colId xmlns:a16="http://schemas.microsoft.com/office/drawing/2014/main" val="1723551580"/>
+                        </a:ext>
+                      </a:extLst>
+                    </a:gridCol>
+                    <a:gridCol w="552397">
+                      <a:extLst>
+                        <a:ext uri="{9D8B030D-6E8A-4147-A177-3AD203B41FA5}">
+                          <a16:colId xmlns:a16="http://schemas.microsoft.com/office/drawing/2014/main" val="3137996870"/>
+                        </a:ext>
+                      </a:extLst>
+                    </a:gridCol>
+                  </a:tblGrid>
+                  <a:tr h="370840">
+                    <a:tc>
+                      <a:txBody>
+                        <a:bodyPr/>
+                        <a:lstStyle/>
+                        <a:p>
+                          <a:endParaRPr lang="fr-FR"/>
+                        </a:p>
+                      </a:txBody>
+                      <a:tcPr>
+                        <a:lnL w="12700" cap="flat" cmpd="sng" algn="ctr">
+                          <a:solidFill>
+                            <a:schemeClr val="tx1"/>
+                          </a:solidFill>
+                          <a:prstDash val="solid"/>
+                          <a:round/>
+                          <a:headEnd type="none" w="med" len="med"/>
+                          <a:tailEnd type="none" w="med" len="med"/>
+                        </a:lnL>
+                        <a:lnR w="12700" cap="flat" cmpd="sng" algn="ctr">
+                          <a:solidFill>
+                            <a:schemeClr val="tx1"/>
+                          </a:solidFill>
+                          <a:prstDash val="solid"/>
+                          <a:round/>
+                          <a:headEnd type="none" w="med" len="med"/>
+                          <a:tailEnd type="none" w="med" len="med"/>
+                        </a:lnR>
+                        <a:lnT w="12700" cap="flat" cmpd="sng" algn="ctr">
+                          <a:solidFill>
+                            <a:schemeClr val="tx1"/>
+                          </a:solidFill>
+                          <a:prstDash val="solid"/>
+                          <a:round/>
+                          <a:headEnd type="none" w="med" len="med"/>
+                          <a:tailEnd type="none" w="med" len="med"/>
+                        </a:lnT>
+                        <a:lnB w="12700" cap="flat" cmpd="sng" algn="ctr">
+                          <a:solidFill>
+                            <a:schemeClr val="tx1"/>
+                          </a:solidFill>
+                          <a:prstDash val="solid"/>
+                          <a:round/>
+                          <a:headEnd type="none" w="med" len="med"/>
+                          <a:tailEnd type="none" w="med" len="med"/>
+                        </a:lnB>
+                        <a:lnTlToBr w="12700" cmpd="sng">
+                          <a:noFill/>
+                          <a:prstDash val="solid"/>
+                        </a:lnTlToBr>
+                        <a:lnBlToTr w="12700" cmpd="sng">
+                          <a:noFill/>
+                          <a:prstDash val="solid"/>
+                        </a:lnBlToTr>
+                        <a:blipFill>
+                          <a:blip r:embed="rId6"/>
+                          <a:stretch>
+                            <a:fillRect l="-1099" t="-1613" r="-600000" b="-3226"/>
+                          </a:stretch>
+                        </a:blipFill>
+                      </a:tcPr>
+                    </a:tc>
+                    <a:tc>
+                      <a:txBody>
+                        <a:bodyPr/>
+                        <a:lstStyle/>
+                        <a:p>
+                          <a:endParaRPr lang="fr-FR"/>
+                        </a:p>
+                      </a:txBody>
+                      <a:tcPr>
+                        <a:lnL w="12700" cap="flat" cmpd="sng" algn="ctr">
+                          <a:solidFill>
+                            <a:schemeClr val="tx1"/>
+                          </a:solidFill>
+                          <a:prstDash val="solid"/>
+                          <a:round/>
+                          <a:headEnd type="none" w="med" len="med"/>
+                          <a:tailEnd type="none" w="med" len="med"/>
+                        </a:lnL>
+                        <a:lnR w="12700" cap="flat" cmpd="sng" algn="ctr">
+                          <a:solidFill>
+                            <a:schemeClr val="tx1"/>
+                          </a:solidFill>
+                          <a:prstDash val="solid"/>
+                          <a:round/>
+                          <a:headEnd type="none" w="med" len="med"/>
+                          <a:tailEnd type="none" w="med" len="med"/>
+                        </a:lnR>
+                        <a:lnT w="12700" cap="flat" cmpd="sng" algn="ctr">
+                          <a:solidFill>
+                            <a:schemeClr val="tx1"/>
+                          </a:solidFill>
+                          <a:prstDash val="solid"/>
+                          <a:round/>
+                          <a:headEnd type="none" w="med" len="med"/>
+                          <a:tailEnd type="none" w="med" len="med"/>
+                        </a:lnT>
+                        <a:lnB w="12700" cap="flat" cmpd="sng" algn="ctr">
+                          <a:solidFill>
+                            <a:schemeClr val="tx1"/>
+                          </a:solidFill>
+                          <a:prstDash val="solid"/>
+                          <a:round/>
+                          <a:headEnd type="none" w="med" len="med"/>
+                          <a:tailEnd type="none" w="med" len="med"/>
+                        </a:lnB>
+                        <a:lnTlToBr w="12700" cmpd="sng">
+                          <a:noFill/>
+                          <a:prstDash val="solid"/>
+                        </a:lnTlToBr>
+                        <a:lnBlToTr w="12700" cmpd="sng">
+                          <a:noFill/>
+                          <a:prstDash val="solid"/>
+                        </a:lnBlToTr>
+                        <a:blipFill>
+                          <a:blip r:embed="rId6"/>
+                          <a:stretch>
+                            <a:fillRect l="-102222" t="-1613" r="-506667" b="-3226"/>
+                          </a:stretch>
+                        </a:blipFill>
+                      </a:tcPr>
+                    </a:tc>
+                    <a:tc>
+                      <a:txBody>
+                        <a:bodyPr/>
+                        <a:lstStyle/>
+                        <a:p>
+                          <a:endParaRPr lang="fr-FR" sz="1400" dirty="0">
+                            <a:solidFill>
+                              <a:schemeClr val="tx1"/>
+                            </a:solidFill>
+                            <a:latin typeface="+mn-lt"/>
+                          </a:endParaRPr>
+                        </a:p>
+                      </a:txBody>
+                      <a:tcPr>
+                        <a:lnL w="12700" cap="flat" cmpd="sng" algn="ctr">
+                          <a:solidFill>
+                            <a:schemeClr val="tx1"/>
+                          </a:solidFill>
+                          <a:prstDash val="solid"/>
+                          <a:round/>
+                          <a:headEnd type="none" w="med" len="med"/>
+                          <a:tailEnd type="none" w="med" len="med"/>
+                        </a:lnL>
+                        <a:lnR w="12700" cap="flat" cmpd="sng" algn="ctr">
+                          <a:noFill/>
+                          <a:prstDash val="solid"/>
+                          <a:round/>
+                          <a:headEnd type="none" w="med" len="med"/>
+                          <a:tailEnd type="none" w="med" len="med"/>
+                        </a:lnR>
+                        <a:lnT w="12700" cap="flat" cmpd="sng" algn="ctr">
+                          <a:solidFill>
+                            <a:schemeClr val="tx1"/>
+                          </a:solidFill>
+                          <a:prstDash val="solid"/>
+                          <a:round/>
+                          <a:headEnd type="none" w="med" len="med"/>
+                          <a:tailEnd type="none" w="med" len="med"/>
+                        </a:lnT>
+                        <a:lnB w="12700" cap="flat" cmpd="sng" algn="ctr">
+                          <a:solidFill>
+                            <a:schemeClr val="tx1"/>
+                          </a:solidFill>
+                          <a:prstDash val="solid"/>
+                          <a:round/>
+                          <a:headEnd type="none" w="med" len="med"/>
+                          <a:tailEnd type="none" w="med" len="med"/>
+                        </a:lnB>
+                        <a:lnTlToBr w="12700" cmpd="sng">
+                          <a:noFill/>
+                          <a:prstDash val="solid"/>
+                        </a:lnTlToBr>
+                        <a:lnBlToTr w="12700" cmpd="sng">
+                          <a:noFill/>
+                          <a:prstDash val="solid"/>
+                        </a:lnBlToTr>
+                        <a:noFill/>
+                      </a:tcPr>
+                    </a:tc>
+                    <a:tc>
+                      <a:txBody>
+                        <a:bodyPr/>
+                        <a:lstStyle/>
+                        <a:p>
+                          <a:r>
+                            <a:rPr lang="fr-FR" sz="1400" dirty="0">
+                              <a:solidFill>
+                                <a:schemeClr val="tx1"/>
+                              </a:solidFill>
+                              <a:latin typeface="+mn-lt"/>
+                            </a:rPr>
+                            <a:t>….</a:t>
+                          </a:r>
+                        </a:p>
+                      </a:txBody>
+                      <a:tcPr>
+                        <a:lnL w="12700" cap="flat" cmpd="sng" algn="ctr">
+                          <a:noFill/>
+                          <a:prstDash val="solid"/>
+                          <a:round/>
+                          <a:headEnd type="none" w="med" len="med"/>
+                          <a:tailEnd type="none" w="med" len="med"/>
+                        </a:lnL>
+                        <a:lnR w="12700" cap="flat" cmpd="sng" algn="ctr">
+                          <a:noFill/>
+                          <a:prstDash val="solid"/>
+                          <a:round/>
+                          <a:headEnd type="none" w="med" len="med"/>
+                          <a:tailEnd type="none" w="med" len="med"/>
+                        </a:lnR>
+                        <a:lnT w="12700" cap="flat" cmpd="sng" algn="ctr">
+                          <a:solidFill>
+                            <a:schemeClr val="tx1"/>
+                          </a:solidFill>
+                          <a:prstDash val="solid"/>
+                          <a:round/>
+                          <a:headEnd type="none" w="med" len="med"/>
+                          <a:tailEnd type="none" w="med" len="med"/>
+                        </a:lnT>
+                        <a:lnB w="12700" cap="flat" cmpd="sng" algn="ctr">
+                          <a:solidFill>
+                            <a:schemeClr val="tx1"/>
+                          </a:solidFill>
+                          <a:prstDash val="solid"/>
+                          <a:round/>
+                          <a:headEnd type="none" w="med" len="med"/>
+                          <a:tailEnd type="none" w="med" len="med"/>
+                        </a:lnB>
+                        <a:lnTlToBr w="12700" cmpd="sng">
+                          <a:noFill/>
+                          <a:prstDash val="solid"/>
+                        </a:lnTlToBr>
+                        <a:lnBlToTr w="12700" cmpd="sng">
+                          <a:noFill/>
+                          <a:prstDash val="solid"/>
+                        </a:lnBlToTr>
+                        <a:noFill/>
+                      </a:tcPr>
+                    </a:tc>
+                    <a:tc>
+                      <a:txBody>
+                        <a:bodyPr/>
+                        <a:lstStyle/>
+                        <a:p>
+                          <a:endParaRPr lang="fr-FR" sz="1400" dirty="0">
+                            <a:solidFill>
+                              <a:schemeClr val="tx1"/>
+                            </a:solidFill>
+                            <a:latin typeface="+mn-lt"/>
+                          </a:endParaRPr>
+                        </a:p>
+                      </a:txBody>
+                      <a:tcPr>
+                        <a:lnL w="12700" cap="flat" cmpd="sng" algn="ctr">
+                          <a:noFill/>
+                          <a:prstDash val="solid"/>
+                          <a:round/>
+                          <a:headEnd type="none" w="med" len="med"/>
+                          <a:tailEnd type="none" w="med" len="med"/>
+                        </a:lnL>
+                        <a:lnR w="12700" cap="flat" cmpd="sng" algn="ctr">
+                          <a:noFill/>
+                          <a:prstDash val="solid"/>
+                          <a:round/>
+                          <a:headEnd type="none" w="med" len="med"/>
+                          <a:tailEnd type="none" w="med" len="med"/>
+                        </a:lnR>
+                        <a:lnT w="12700" cap="flat" cmpd="sng" algn="ctr">
+                          <a:solidFill>
+                            <a:schemeClr val="tx1"/>
+                          </a:solidFill>
+                          <a:prstDash val="solid"/>
+                          <a:round/>
+                          <a:headEnd type="none" w="med" len="med"/>
+                          <a:tailEnd type="none" w="med" len="med"/>
+                        </a:lnT>
+                        <a:lnB w="12700" cap="flat" cmpd="sng" algn="ctr">
+                          <a:solidFill>
+                            <a:schemeClr val="tx1"/>
+                          </a:solidFill>
+                          <a:prstDash val="solid"/>
+                          <a:round/>
+                          <a:headEnd type="none" w="med" len="med"/>
+                          <a:tailEnd type="none" w="med" len="med"/>
+                        </a:lnB>
+                        <a:lnTlToBr w="12700" cmpd="sng">
+                          <a:noFill/>
+                          <a:prstDash val="solid"/>
+                        </a:lnTlToBr>
+                        <a:lnBlToTr w="12700" cmpd="sng">
+                          <a:noFill/>
+                          <a:prstDash val="solid"/>
+                        </a:lnBlToTr>
+                        <a:noFill/>
+                      </a:tcPr>
+                    </a:tc>
+                    <a:tc>
+                      <a:txBody>
+                        <a:bodyPr/>
+                        <a:lstStyle/>
+                        <a:p>
+                          <a:endParaRPr lang="fr-FR" sz="1400" dirty="0">
+                            <a:latin typeface="+mn-lt"/>
+                          </a:endParaRPr>
+                        </a:p>
+                      </a:txBody>
+                      <a:tcPr>
+                        <a:lnL w="12700" cap="flat" cmpd="sng" algn="ctr">
+                          <a:noFill/>
+                          <a:prstDash val="solid"/>
+                          <a:round/>
+                          <a:headEnd type="none" w="med" len="med"/>
+                          <a:tailEnd type="none" w="med" len="med"/>
+                        </a:lnL>
+                        <a:lnR w="12700" cap="flat" cmpd="sng" algn="ctr">
+                          <a:solidFill>
+                            <a:schemeClr val="tx1"/>
+                          </a:solidFill>
+                          <a:prstDash val="solid"/>
+                          <a:round/>
+                          <a:headEnd type="none" w="med" len="med"/>
+                          <a:tailEnd type="none" w="med" len="med"/>
+                        </a:lnR>
+                        <a:lnT w="12700" cap="flat" cmpd="sng" algn="ctr">
+                          <a:solidFill>
+                            <a:schemeClr val="tx1"/>
+                          </a:solidFill>
+                          <a:prstDash val="solid"/>
+                          <a:round/>
+                          <a:headEnd type="none" w="med" len="med"/>
+                          <a:tailEnd type="none" w="med" len="med"/>
+                        </a:lnT>
+                        <a:lnB w="12700" cap="flat" cmpd="sng" algn="ctr">
+                          <a:solidFill>
+                            <a:schemeClr val="tx1"/>
+                          </a:solidFill>
+                          <a:prstDash val="solid"/>
+                          <a:round/>
+                          <a:headEnd type="none" w="med" len="med"/>
+                          <a:tailEnd type="none" w="med" len="med"/>
+                        </a:lnB>
+                        <a:lnTlToBr w="12700" cmpd="sng">
+                          <a:noFill/>
+                          <a:prstDash val="solid"/>
+                        </a:lnTlToBr>
+                        <a:lnBlToTr w="12700" cmpd="sng">
+                          <a:noFill/>
+                          <a:prstDash val="solid"/>
+                        </a:lnBlToTr>
+                        <a:noFill/>
+                      </a:tcPr>
+                    </a:tc>
+                    <a:tc>
+                      <a:txBody>
+                        <a:bodyPr/>
+                        <a:lstStyle/>
+                        <a:p>
+                          <a:endParaRPr lang="fr-FR"/>
+                        </a:p>
+                      </a:txBody>
+                      <a:tcPr>
+                        <a:lnL w="12700" cap="flat" cmpd="sng" algn="ctr">
+                          <a:solidFill>
+                            <a:schemeClr val="tx1"/>
+                          </a:solidFill>
+                          <a:prstDash val="solid"/>
+                          <a:round/>
+                          <a:headEnd type="none" w="med" len="med"/>
+                          <a:tailEnd type="none" w="med" len="med"/>
+                        </a:lnL>
+                        <a:lnR w="12700" cap="flat" cmpd="sng" algn="ctr">
+                          <a:solidFill>
+                            <a:schemeClr val="tx1"/>
+                          </a:solidFill>
+                          <a:prstDash val="solid"/>
+                          <a:round/>
+                          <a:headEnd type="none" w="med" len="med"/>
+                          <a:tailEnd type="none" w="med" len="med"/>
+                        </a:lnR>
+                        <a:lnT w="12700" cap="flat" cmpd="sng" algn="ctr">
+                          <a:solidFill>
+                            <a:schemeClr val="tx1"/>
+                          </a:solidFill>
+                          <a:prstDash val="solid"/>
+                          <a:round/>
+                          <a:headEnd type="none" w="med" len="med"/>
+                          <a:tailEnd type="none" w="med" len="med"/>
+                        </a:lnT>
+                        <a:lnB w="12700" cap="flat" cmpd="sng" algn="ctr">
+                          <a:solidFill>
+                            <a:schemeClr val="tx1"/>
+                          </a:solidFill>
+                          <a:prstDash val="solid"/>
+                          <a:round/>
+                          <a:headEnd type="none" w="med" len="med"/>
+                          <a:tailEnd type="none" w="med" len="med"/>
+                        </a:lnB>
+                        <a:lnTlToBr w="12700" cmpd="sng">
+                          <a:noFill/>
+                          <a:prstDash val="solid"/>
+                        </a:lnTlToBr>
+                        <a:lnBlToTr w="12700" cmpd="sng">
+                          <a:noFill/>
+                          <a:prstDash val="solid"/>
+                        </a:lnBlToTr>
+                        <a:blipFill>
+                          <a:blip r:embed="rId6"/>
+                          <a:stretch>
+                            <a:fillRect l="-598901" t="-1613" r="-2198" b="-3226"/>
+                          </a:stretch>
+                        </a:blipFill>
+                      </a:tcPr>
+                    </a:tc>
+                    <a:extLst>
+                      <a:ext uri="{0D108BD9-81ED-4DB2-BD59-A6C34878D82A}">
+                        <a16:rowId xmlns:a16="http://schemas.microsoft.com/office/drawing/2014/main" val="921640606"/>
+                      </a:ext>
+                    </a:extLst>
+                  </a:tr>
+                </a:tbl>
+              </a:graphicData>
+            </a:graphic>
+          </p:graphicFrame>
+        </mc:Fallback>
+      </mc:AlternateContent>
+      <p:cxnSp>
+        <p:nvCxnSpPr>
+          <p:cNvPr id="14" name="Connecteur droit avec flèche 13">
+            <a:extLst>
+              <a:ext uri="{FF2B5EF4-FFF2-40B4-BE49-F238E27FC236}">
+                <a16:creationId xmlns:a16="http://schemas.microsoft.com/office/drawing/2014/main" id="{DFE15469-5F62-54C9-D9D0-6E92BD859A50}"/>
+              </a:ext>
+            </a:extLst>
+          </p:cNvPr>
+          <p:cNvCxnSpPr>
+            <a:cxnSpLocks/>
+            <a:stCxn id="9" idx="3"/>
+            <a:endCxn id="18" idx="1"/>
+          </p:cNvCxnSpPr>
+          <p:nvPr/>
+        </p:nvCxnSpPr>
+        <p:spPr>
+          <a:xfrm>
+            <a:off x="5830113" y="1245682"/>
+            <a:ext cx="2963692" cy="389"/>
+          </a:xfrm>
+          <a:prstGeom prst="straightConnector1">
+            <a:avLst/>
+          </a:prstGeom>
+          <a:ln>
+            <a:tailEnd type="triangle"/>
+          </a:ln>
+        </p:spPr>
+        <p:style>
+          <a:lnRef idx="1">
+            <a:schemeClr val="accent1"/>
+          </a:lnRef>
+          <a:fillRef idx="0">
+            <a:schemeClr val="accent1"/>
+          </a:fillRef>
+          <a:effectRef idx="0">
+            <a:schemeClr val="accent1"/>
+          </a:effectRef>
+          <a:fontRef idx="minor">
+            <a:schemeClr val="tx1"/>
+          </a:fontRef>
+        </p:style>
+      </p:cxnSp>
+      <mc:AlternateContent xmlns:mc="http://schemas.openxmlformats.org/markup-compatibility/2006">
+        <mc:Choice xmlns:a14="http://schemas.microsoft.com/office/drawing/2010/main" Requires="a14">
+          <p:graphicFrame>
+            <p:nvGraphicFramePr>
+              <p:cNvPr id="16" name="Tableau 15">
+                <a:extLst>
+                  <a:ext uri="{FF2B5EF4-FFF2-40B4-BE49-F238E27FC236}">
+                    <a16:creationId xmlns:a16="http://schemas.microsoft.com/office/drawing/2014/main" id="{32A4DA43-802B-EADA-4C0E-73A5B52DEA21}"/>
+                  </a:ext>
+                </a:extLst>
+              </p:cNvPr>
+              <p:cNvGraphicFramePr>
+                <a:graphicFrameLocks noGrp="1"/>
+              </p:cNvGraphicFramePr>
+              <p:nvPr>
+                <p:extLst>
+                  <p:ext uri="{D42A27DB-BD31-4B8C-83A1-F6EECF244321}">
+                    <p14:modId xmlns:p14="http://schemas.microsoft.com/office/powerpoint/2010/main" val="1089762486"/>
+                  </p:ext>
+                </p:extLst>
+              </p:nvPr>
+            </p:nvGraphicFramePr>
+            <p:xfrm>
+              <a:off x="2514285" y="1702284"/>
+              <a:ext cx="3866779" cy="370840"/>
+            </p:xfrm>
+            <a:graphic>
+              <a:graphicData uri="http://schemas.openxmlformats.org/drawingml/2006/table">
+                <a:tbl>
+                  <a:tblPr firstRow="1" bandRow="1">
+                    <a:tableStyleId>{5C22544A-7EE6-4342-B048-85BDC9FD1C3A}</a:tableStyleId>
+                  </a:tblPr>
+                  <a:tblGrid>
+                    <a:gridCol w="552397">
+                      <a:extLst>
+                        <a:ext uri="{9D8B030D-6E8A-4147-A177-3AD203B41FA5}">
+                          <a16:colId xmlns:a16="http://schemas.microsoft.com/office/drawing/2014/main" val="2396127714"/>
+                        </a:ext>
+                      </a:extLst>
+                    </a:gridCol>
+                    <a:gridCol w="552397">
+                      <a:extLst>
+                        <a:ext uri="{9D8B030D-6E8A-4147-A177-3AD203B41FA5}">
+                          <a16:colId xmlns:a16="http://schemas.microsoft.com/office/drawing/2014/main" val="1815423872"/>
+                        </a:ext>
+                      </a:extLst>
+                    </a:gridCol>
+                    <a:gridCol w="552397">
+                      <a:extLst>
+                        <a:ext uri="{9D8B030D-6E8A-4147-A177-3AD203B41FA5}">
+                          <a16:colId xmlns:a16="http://schemas.microsoft.com/office/drawing/2014/main" val="1884723031"/>
+                        </a:ext>
+                      </a:extLst>
+                    </a:gridCol>
+                    <a:gridCol w="552397">
+                      <a:extLst>
+                        <a:ext uri="{9D8B030D-6E8A-4147-A177-3AD203B41FA5}">
+                          <a16:colId xmlns:a16="http://schemas.microsoft.com/office/drawing/2014/main" val="3147811208"/>
+                        </a:ext>
+                      </a:extLst>
+                    </a:gridCol>
+                    <a:gridCol w="552397">
+                      <a:extLst>
+                        <a:ext uri="{9D8B030D-6E8A-4147-A177-3AD203B41FA5}">
+                          <a16:colId xmlns:a16="http://schemas.microsoft.com/office/drawing/2014/main" val="105240590"/>
+                        </a:ext>
+                      </a:extLst>
+                    </a:gridCol>
+                    <a:gridCol w="552397">
+                      <a:extLst>
+                        <a:ext uri="{9D8B030D-6E8A-4147-A177-3AD203B41FA5}">
+                          <a16:colId xmlns:a16="http://schemas.microsoft.com/office/drawing/2014/main" val="1723551580"/>
+                        </a:ext>
+                      </a:extLst>
+                    </a:gridCol>
+                    <a:gridCol w="552397">
+                      <a:extLst>
+                        <a:ext uri="{9D8B030D-6E8A-4147-A177-3AD203B41FA5}">
+                          <a16:colId xmlns:a16="http://schemas.microsoft.com/office/drawing/2014/main" val="3137996870"/>
+                        </a:ext>
+                      </a:extLst>
+                    </a:gridCol>
+                  </a:tblGrid>
+                  <a:tr h="370840">
+                    <a:tc>
+                      <a:txBody>
+                        <a:bodyPr/>
+                        <a:lstStyle/>
+                        <a:p>
+                          <a14:m>
+                            <m:oMathPara xmlns:m="http://schemas.openxmlformats.org/officeDocument/2006/math">
+                              <m:oMathParaPr>
+                                <m:jc m:val="centerGroup"/>
+                              </m:oMathParaPr>
+                              <m:oMath xmlns:m="http://schemas.openxmlformats.org/officeDocument/2006/math">
+                                <m:sSub>
+                                  <m:sSubPr>
+                                    <m:ctrlPr>
+                                      <a:rPr lang="fr-FR" sz="1400" b="1" i="1" dirty="0" smtClean="0">
+                                        <a:solidFill>
+                                          <a:schemeClr val="tx1"/>
+                                        </a:solidFill>
+                                        <a:latin typeface="+mn-lt"/>
+                                      </a:rPr>
+                                    </m:ctrlPr>
+                                  </m:sSubPr>
+                                  <m:e>
+                                    <m:r>
+                                      <a:rPr lang="fr-FR" sz="1400" b="1" i="1" dirty="0" smtClean="0">
+                                        <a:solidFill>
+                                          <a:schemeClr val="tx1"/>
+                                        </a:solidFill>
+                                        <a:latin typeface="+mn-lt"/>
+                                      </a:rPr>
+                                      <m:t>𝑿</m:t>
+                                    </m:r>
+                                  </m:e>
+                                  <m:sub>
+                                    <m:r>
+                                      <a:rPr lang="fr-FR" sz="1400" b="1" i="1" dirty="0" smtClean="0">
+                                        <a:solidFill>
+                                          <a:schemeClr val="tx1"/>
+                                        </a:solidFill>
+                                        <a:latin typeface="+mn-lt"/>
+                                      </a:rPr>
+                                      <m:t>𝟐</m:t>
+                                    </m:r>
+                                  </m:sub>
+                                </m:sSub>
+                              </m:oMath>
+                            </m:oMathPara>
+                          </a14:m>
+                          <a:endParaRPr lang="fr-FR" sz="1400" dirty="0">
+                            <a:solidFill>
+                              <a:schemeClr val="tx1"/>
+                            </a:solidFill>
+                            <a:latin typeface="+mn-lt"/>
+                          </a:endParaRPr>
+                        </a:p>
+                      </a:txBody>
+                      <a:tcPr>
+                        <a:lnL w="12700" cap="flat" cmpd="sng" algn="ctr">
+                          <a:solidFill>
+                            <a:schemeClr val="tx1"/>
+                          </a:solidFill>
+                          <a:prstDash val="solid"/>
+                          <a:round/>
+                          <a:headEnd type="none" w="med" len="med"/>
+                          <a:tailEnd type="none" w="med" len="med"/>
+                        </a:lnL>
+                        <a:lnR w="12700" cap="flat" cmpd="sng" algn="ctr">
+                          <a:solidFill>
+                            <a:schemeClr val="tx1"/>
+                          </a:solidFill>
+                          <a:prstDash val="solid"/>
+                          <a:round/>
+                          <a:headEnd type="none" w="med" len="med"/>
+                          <a:tailEnd type="none" w="med" len="med"/>
+                        </a:lnR>
+                        <a:lnT w="12700" cap="flat" cmpd="sng" algn="ctr">
+                          <a:solidFill>
+                            <a:schemeClr val="tx1"/>
+                          </a:solidFill>
+                          <a:prstDash val="solid"/>
+                          <a:round/>
+                          <a:headEnd type="none" w="med" len="med"/>
+                          <a:tailEnd type="none" w="med" len="med"/>
+                        </a:lnT>
+                        <a:lnB w="12700" cap="flat" cmpd="sng" algn="ctr">
+                          <a:solidFill>
+                            <a:schemeClr val="tx1"/>
+                          </a:solidFill>
+                          <a:prstDash val="solid"/>
+                          <a:round/>
+                          <a:headEnd type="none" w="med" len="med"/>
+                          <a:tailEnd type="none" w="med" len="med"/>
+                        </a:lnB>
+                        <a:lnTlToBr w="12700" cmpd="sng">
+                          <a:noFill/>
+                          <a:prstDash val="solid"/>
+                        </a:lnTlToBr>
+                        <a:lnBlToTr w="12700" cmpd="sng">
+                          <a:noFill/>
+                          <a:prstDash val="solid"/>
+                        </a:lnBlToTr>
+                        <a:noFill/>
+                      </a:tcPr>
+                    </a:tc>
+                    <a:tc>
+                      <a:txBody>
+                        <a:bodyPr/>
+                        <a:lstStyle/>
+                        <a:p>
+                          <a14:m>
+                            <m:oMathPara xmlns:m="http://schemas.openxmlformats.org/officeDocument/2006/math">
+                              <m:oMathParaPr>
+                                <m:jc m:val="centerGroup"/>
+                              </m:oMathParaPr>
+                              <m:oMath xmlns:m="http://schemas.openxmlformats.org/officeDocument/2006/math">
+                                <m:sSub>
+                                  <m:sSubPr>
+                                    <m:ctrlPr>
+                                      <a:rPr lang="fr-FR" sz="1400" b="1" i="1" dirty="0" smtClean="0">
+                                        <a:solidFill>
+                                          <a:schemeClr val="tx1"/>
+                                        </a:solidFill>
+                                        <a:latin typeface="+mn-lt"/>
+                                      </a:rPr>
+                                    </m:ctrlPr>
+                                  </m:sSubPr>
+                                  <m:e>
+                                    <m:r>
+                                      <a:rPr lang="fr-FR" sz="1400" b="1" i="1" dirty="0" smtClean="0">
+                                        <a:solidFill>
+                                          <a:schemeClr val="tx1"/>
+                                        </a:solidFill>
+                                        <a:latin typeface="+mn-lt"/>
+                                      </a:rPr>
+                                      <m:t>𝑿</m:t>
+                                    </m:r>
+                                  </m:e>
+                                  <m:sub>
+                                    <m:r>
+                                      <a:rPr lang="fr-FR" sz="1400" b="1" i="1" dirty="0" smtClean="0">
+                                        <a:solidFill>
+                                          <a:schemeClr val="tx1"/>
+                                        </a:solidFill>
+                                        <a:latin typeface="+mn-lt"/>
+                                      </a:rPr>
+                                      <m:t>𝟑</m:t>
+                                    </m:r>
+                                  </m:sub>
+                                </m:sSub>
+                              </m:oMath>
+                            </m:oMathPara>
+                          </a14:m>
+                          <a:endParaRPr lang="fr-FR" sz="1400" dirty="0">
+                            <a:latin typeface="+mn-lt"/>
+                          </a:endParaRPr>
+                        </a:p>
+                      </a:txBody>
+                      <a:tcPr>
+                        <a:lnL w="12700" cap="flat" cmpd="sng" algn="ctr">
+                          <a:solidFill>
+                            <a:schemeClr val="tx1"/>
+                          </a:solidFill>
+                          <a:prstDash val="solid"/>
+                          <a:round/>
+                          <a:headEnd type="none" w="med" len="med"/>
+                          <a:tailEnd type="none" w="med" len="med"/>
+                        </a:lnL>
+                        <a:lnR w="12700" cap="flat" cmpd="sng" algn="ctr">
+                          <a:solidFill>
+                            <a:schemeClr val="tx1"/>
+                          </a:solidFill>
+                          <a:prstDash val="solid"/>
+                          <a:round/>
+                          <a:headEnd type="none" w="med" len="med"/>
+                          <a:tailEnd type="none" w="med" len="med"/>
+                        </a:lnR>
+                        <a:lnT w="12700" cap="flat" cmpd="sng" algn="ctr">
+                          <a:solidFill>
+                            <a:schemeClr val="tx1"/>
+                          </a:solidFill>
+                          <a:prstDash val="solid"/>
+                          <a:round/>
+                          <a:headEnd type="none" w="med" len="med"/>
+                          <a:tailEnd type="none" w="med" len="med"/>
+                        </a:lnT>
+                        <a:lnB w="12700" cap="flat" cmpd="sng" algn="ctr">
+                          <a:solidFill>
+                            <a:schemeClr val="tx1"/>
+                          </a:solidFill>
+                          <a:prstDash val="solid"/>
+                          <a:round/>
+                          <a:headEnd type="none" w="med" len="med"/>
+                          <a:tailEnd type="none" w="med" len="med"/>
+                        </a:lnB>
+                        <a:lnTlToBr w="12700" cmpd="sng">
+                          <a:noFill/>
+                          <a:prstDash val="solid"/>
+                        </a:lnTlToBr>
+                        <a:lnBlToTr w="12700" cmpd="sng">
+                          <a:noFill/>
+                          <a:prstDash val="solid"/>
+                        </a:lnBlToTr>
+                        <a:noFill/>
+                      </a:tcPr>
+                    </a:tc>
+                    <a:tc>
+                      <a:txBody>
+                        <a:bodyPr/>
+                        <a:lstStyle/>
+                        <a:p>
+                          <a:endParaRPr lang="fr-FR" sz="1400" dirty="0">
+                            <a:solidFill>
+                              <a:schemeClr val="tx1"/>
+                            </a:solidFill>
+                            <a:latin typeface="+mn-lt"/>
+                          </a:endParaRPr>
+                        </a:p>
+                      </a:txBody>
+                      <a:tcPr>
+                        <a:lnL w="12700" cap="flat" cmpd="sng" algn="ctr">
+                          <a:solidFill>
+                            <a:schemeClr val="tx1"/>
+                          </a:solidFill>
+                          <a:prstDash val="solid"/>
+                          <a:round/>
+                          <a:headEnd type="none" w="med" len="med"/>
+                          <a:tailEnd type="none" w="med" len="med"/>
+                        </a:lnL>
+                        <a:lnR w="12700" cap="flat" cmpd="sng" algn="ctr">
+                          <a:noFill/>
+                          <a:prstDash val="solid"/>
+                          <a:round/>
+                          <a:headEnd type="none" w="med" len="med"/>
+                          <a:tailEnd type="none" w="med" len="med"/>
+                        </a:lnR>
+                        <a:lnT w="12700" cap="flat" cmpd="sng" algn="ctr">
+                          <a:solidFill>
+                            <a:schemeClr val="tx1"/>
+                          </a:solidFill>
+                          <a:prstDash val="solid"/>
+                          <a:round/>
+                          <a:headEnd type="none" w="med" len="med"/>
+                          <a:tailEnd type="none" w="med" len="med"/>
+                        </a:lnT>
+                        <a:lnB w="12700" cap="flat" cmpd="sng" algn="ctr">
+                          <a:solidFill>
+                            <a:schemeClr val="tx1"/>
+                          </a:solidFill>
+                          <a:prstDash val="solid"/>
+                          <a:round/>
+                          <a:headEnd type="none" w="med" len="med"/>
+                          <a:tailEnd type="none" w="med" len="med"/>
+                        </a:lnB>
+                        <a:lnTlToBr w="12700" cmpd="sng">
+                          <a:noFill/>
+                          <a:prstDash val="solid"/>
+                        </a:lnTlToBr>
+                        <a:lnBlToTr w="12700" cmpd="sng">
+                          <a:noFill/>
+                          <a:prstDash val="solid"/>
+                        </a:lnBlToTr>
+                        <a:noFill/>
+                      </a:tcPr>
+                    </a:tc>
+                    <a:tc>
+                      <a:txBody>
+                        <a:bodyPr/>
+                        <a:lstStyle/>
+                        <a:p>
+                          <a:r>
+                            <a:rPr lang="fr-FR" sz="1400" dirty="0">
+                              <a:solidFill>
+                                <a:schemeClr val="tx1"/>
+                              </a:solidFill>
+                              <a:latin typeface="+mn-lt"/>
+                            </a:rPr>
+                            <a:t>….</a:t>
+                          </a:r>
+                        </a:p>
+                      </a:txBody>
+                      <a:tcPr>
+                        <a:lnL w="12700" cap="flat" cmpd="sng" algn="ctr">
+                          <a:noFill/>
+                          <a:prstDash val="solid"/>
+                          <a:round/>
+                          <a:headEnd type="none" w="med" len="med"/>
+                          <a:tailEnd type="none" w="med" len="med"/>
+                        </a:lnL>
+                        <a:lnR w="12700" cap="flat" cmpd="sng" algn="ctr">
+                          <a:noFill/>
+                          <a:prstDash val="solid"/>
+                          <a:round/>
+                          <a:headEnd type="none" w="med" len="med"/>
+                          <a:tailEnd type="none" w="med" len="med"/>
+                        </a:lnR>
+                        <a:lnT w="12700" cap="flat" cmpd="sng" algn="ctr">
+                          <a:solidFill>
+                            <a:schemeClr val="tx1"/>
+                          </a:solidFill>
+                          <a:prstDash val="solid"/>
+                          <a:round/>
+                          <a:headEnd type="none" w="med" len="med"/>
+                          <a:tailEnd type="none" w="med" len="med"/>
+                        </a:lnT>
+                        <a:lnB w="12700" cap="flat" cmpd="sng" algn="ctr">
+                          <a:solidFill>
+                            <a:schemeClr val="tx1"/>
+                          </a:solidFill>
+                          <a:prstDash val="solid"/>
+                          <a:round/>
+                          <a:headEnd type="none" w="med" len="med"/>
+                          <a:tailEnd type="none" w="med" len="med"/>
+                        </a:lnB>
+                        <a:lnTlToBr w="12700" cmpd="sng">
+                          <a:noFill/>
+                          <a:prstDash val="solid"/>
+                        </a:lnTlToBr>
+                        <a:lnBlToTr w="12700" cmpd="sng">
+                          <a:noFill/>
+                          <a:prstDash val="solid"/>
+                        </a:lnBlToTr>
+                        <a:noFill/>
+                      </a:tcPr>
+                    </a:tc>
+                    <a:tc>
+                      <a:txBody>
+                        <a:bodyPr/>
+                        <a:lstStyle/>
+                        <a:p>
+                          <a:endParaRPr lang="fr-FR" sz="1400" dirty="0">
+                            <a:solidFill>
+                              <a:schemeClr val="tx1"/>
+                            </a:solidFill>
+                            <a:latin typeface="+mn-lt"/>
+                          </a:endParaRPr>
+                        </a:p>
+                      </a:txBody>
+                      <a:tcPr>
+                        <a:lnL w="12700" cap="flat" cmpd="sng" algn="ctr">
+                          <a:noFill/>
+                          <a:prstDash val="solid"/>
+                          <a:round/>
+                          <a:headEnd type="none" w="med" len="med"/>
+                          <a:tailEnd type="none" w="med" len="med"/>
+                        </a:lnL>
+                        <a:lnR w="12700" cap="flat" cmpd="sng" algn="ctr">
+                          <a:noFill/>
+                          <a:prstDash val="solid"/>
+                          <a:round/>
+                          <a:headEnd type="none" w="med" len="med"/>
+                          <a:tailEnd type="none" w="med" len="med"/>
+                        </a:lnR>
+                        <a:lnT w="12700" cap="flat" cmpd="sng" algn="ctr">
+                          <a:solidFill>
+                            <a:schemeClr val="tx1"/>
+                          </a:solidFill>
+                          <a:prstDash val="solid"/>
+                          <a:round/>
+                          <a:headEnd type="none" w="med" len="med"/>
+                          <a:tailEnd type="none" w="med" len="med"/>
+                        </a:lnT>
+                        <a:lnB w="12700" cap="flat" cmpd="sng" algn="ctr">
+                          <a:solidFill>
+                            <a:schemeClr val="tx1"/>
+                          </a:solidFill>
+                          <a:prstDash val="solid"/>
+                          <a:round/>
+                          <a:headEnd type="none" w="med" len="med"/>
+                          <a:tailEnd type="none" w="med" len="med"/>
+                        </a:lnB>
+                        <a:lnTlToBr w="12700" cmpd="sng">
+                          <a:noFill/>
+                          <a:prstDash val="solid"/>
+                        </a:lnTlToBr>
+                        <a:lnBlToTr w="12700" cmpd="sng">
+                          <a:noFill/>
+                          <a:prstDash val="solid"/>
+                        </a:lnBlToTr>
+                        <a:noFill/>
+                      </a:tcPr>
+                    </a:tc>
+                    <a:tc>
+                      <a:txBody>
+                        <a:bodyPr/>
+                        <a:lstStyle/>
+                        <a:p>
+                          <a:endParaRPr lang="fr-FR" sz="1400" dirty="0">
+                            <a:latin typeface="+mn-lt"/>
+                          </a:endParaRPr>
+                        </a:p>
+                      </a:txBody>
+                      <a:tcPr>
+                        <a:lnL w="12700" cap="flat" cmpd="sng" algn="ctr">
+                          <a:noFill/>
+                          <a:prstDash val="solid"/>
+                          <a:round/>
+                          <a:headEnd type="none" w="med" len="med"/>
+                          <a:tailEnd type="none" w="med" len="med"/>
+                        </a:lnL>
+                        <a:lnR w="12700" cap="flat" cmpd="sng" algn="ctr">
+                          <a:solidFill>
+                            <a:schemeClr val="tx1"/>
+                          </a:solidFill>
+                          <a:prstDash val="solid"/>
+                          <a:round/>
+                          <a:headEnd type="none" w="med" len="med"/>
+                          <a:tailEnd type="none" w="med" len="med"/>
+                        </a:lnR>
+                        <a:lnT w="12700" cap="flat" cmpd="sng" algn="ctr">
+                          <a:solidFill>
+                            <a:schemeClr val="tx1"/>
+                          </a:solidFill>
+                          <a:prstDash val="solid"/>
+                          <a:round/>
+                          <a:headEnd type="none" w="med" len="med"/>
+                          <a:tailEnd type="none" w="med" len="med"/>
+                        </a:lnT>
+                        <a:lnB w="12700" cap="flat" cmpd="sng" algn="ctr">
+                          <a:solidFill>
+                            <a:schemeClr val="tx1"/>
+                          </a:solidFill>
+                          <a:prstDash val="solid"/>
+                          <a:round/>
+                          <a:headEnd type="none" w="med" len="med"/>
+                          <a:tailEnd type="none" w="med" len="med"/>
+                        </a:lnB>
+                        <a:lnTlToBr w="12700" cmpd="sng">
+                          <a:noFill/>
+                          <a:prstDash val="solid"/>
+                        </a:lnTlToBr>
+                        <a:lnBlToTr w="12700" cmpd="sng">
+                          <a:noFill/>
+                          <a:prstDash val="solid"/>
+                        </a:lnBlToTr>
+                        <a:noFill/>
+                      </a:tcPr>
+                    </a:tc>
+                    <a:tc>
+                      <a:txBody>
+                        <a:bodyPr/>
+                        <a:lstStyle/>
+                        <a:p>
+                          <a14:m>
+                            <m:oMathPara xmlns:m="http://schemas.openxmlformats.org/officeDocument/2006/math">
+                              <m:oMathParaPr>
+                                <m:jc m:val="centerGroup"/>
+                              </m:oMathParaPr>
+                              <m:oMath xmlns:m="http://schemas.openxmlformats.org/officeDocument/2006/math">
+                                <m:sSub>
+                                  <m:sSubPr>
+                                    <m:ctrlPr>
+                                      <a:rPr lang="fr-FR" sz="1400" b="1" i="1" dirty="0" smtClean="0">
+                                        <a:solidFill>
+                                          <a:schemeClr val="tx1"/>
+                                        </a:solidFill>
+                                        <a:latin typeface="+mn-lt"/>
+                                      </a:rPr>
+                                    </m:ctrlPr>
+                                  </m:sSubPr>
+                                  <m:e>
+                                    <m:r>
+                                      <a:rPr lang="fr-FR" sz="1400" b="1" i="1" dirty="0" smtClean="0">
+                                        <a:solidFill>
+                                          <a:schemeClr val="tx1"/>
+                                        </a:solidFill>
+                                        <a:latin typeface="+mn-lt"/>
+                                      </a:rPr>
+                                      <m:t>𝑿</m:t>
+                                    </m:r>
+                                  </m:e>
+                                  <m:sub>
+                                    <m:r>
+                                      <a:rPr lang="fr-FR" sz="1400" b="1" i="1" dirty="0" smtClean="0">
+                                        <a:solidFill>
+                                          <a:schemeClr val="tx1"/>
+                                        </a:solidFill>
+                                        <a:latin typeface="+mn-lt"/>
+                                      </a:rPr>
+                                      <m:t>𝑳</m:t>
+                                    </m:r>
+                                    <m:r>
+                                      <a:rPr lang="fr-FR" sz="1400" b="1" i="1" dirty="0" smtClean="0">
+                                        <a:solidFill>
+                                          <a:schemeClr val="tx1"/>
+                                        </a:solidFill>
+                                        <a:latin typeface="+mn-lt"/>
+                                      </a:rPr>
+                                      <m:t>+</m:t>
+                                    </m:r>
+                                    <m:r>
+                                      <a:rPr lang="fr-FR" sz="1400" b="1" i="1" dirty="0" smtClean="0">
+                                        <a:solidFill>
+                                          <a:schemeClr val="tx1"/>
+                                        </a:solidFill>
+                                        <a:latin typeface="+mn-lt"/>
+                                      </a:rPr>
+                                      <m:t>𝟏</m:t>
+                                    </m:r>
+                                  </m:sub>
+                                </m:sSub>
+                              </m:oMath>
+                            </m:oMathPara>
+                          </a14:m>
+                          <a:endParaRPr lang="fr-FR" sz="1400" dirty="0">
+                            <a:latin typeface="+mn-lt"/>
+                          </a:endParaRPr>
+                        </a:p>
+                      </a:txBody>
+                      <a:tcPr>
+                        <a:lnL w="12700" cap="flat" cmpd="sng" algn="ctr">
+                          <a:solidFill>
+                            <a:schemeClr val="tx1"/>
+                          </a:solidFill>
+                          <a:prstDash val="solid"/>
+                          <a:round/>
+                          <a:headEnd type="none" w="med" len="med"/>
+                          <a:tailEnd type="none" w="med" len="med"/>
+                        </a:lnL>
+                        <a:lnR w="12700" cap="flat" cmpd="sng" algn="ctr">
+                          <a:solidFill>
+                            <a:schemeClr val="tx1"/>
+                          </a:solidFill>
+                          <a:prstDash val="solid"/>
+                          <a:round/>
+                          <a:headEnd type="none" w="med" len="med"/>
+                          <a:tailEnd type="none" w="med" len="med"/>
+                        </a:lnR>
+                        <a:lnT w="12700" cap="flat" cmpd="sng" algn="ctr">
+                          <a:solidFill>
+                            <a:schemeClr val="tx1"/>
+                          </a:solidFill>
+                          <a:prstDash val="solid"/>
+                          <a:round/>
+                          <a:headEnd type="none" w="med" len="med"/>
+                          <a:tailEnd type="none" w="med" len="med"/>
+                        </a:lnT>
+                        <a:lnB w="12700" cap="flat" cmpd="sng" algn="ctr">
+                          <a:solidFill>
+                            <a:schemeClr val="tx1"/>
+                          </a:solidFill>
+                          <a:prstDash val="solid"/>
+                          <a:round/>
+                          <a:headEnd type="none" w="med" len="med"/>
+                          <a:tailEnd type="none" w="med" len="med"/>
+                        </a:lnB>
+                        <a:lnTlToBr w="12700" cmpd="sng">
+                          <a:noFill/>
+                          <a:prstDash val="solid"/>
+                        </a:lnTlToBr>
+                        <a:lnBlToTr w="12700" cmpd="sng">
+                          <a:noFill/>
+                          <a:prstDash val="solid"/>
+                        </a:lnBlToTr>
+                        <a:noFill/>
+                      </a:tcPr>
+                    </a:tc>
+                    <a:extLst>
+                      <a:ext uri="{0D108BD9-81ED-4DB2-BD59-A6C34878D82A}">
+                        <a16:rowId xmlns:a16="http://schemas.microsoft.com/office/drawing/2014/main" val="921640606"/>
+                      </a:ext>
+                    </a:extLst>
+                  </a:tr>
+                </a:tbl>
+              </a:graphicData>
+            </a:graphic>
+          </p:graphicFrame>
+        </mc:Choice>
+        <mc:Fallback>
+          <p:graphicFrame>
+            <p:nvGraphicFramePr>
+              <p:cNvPr id="16" name="Tableau 15">
+                <a:extLst>
+                  <a:ext uri="{FF2B5EF4-FFF2-40B4-BE49-F238E27FC236}">
+                    <a16:creationId xmlns:a16="http://schemas.microsoft.com/office/drawing/2014/main" id="{32A4DA43-802B-EADA-4C0E-73A5B52DEA21}"/>
+                  </a:ext>
+                </a:extLst>
+              </p:cNvPr>
+              <p:cNvGraphicFramePr>
+                <a:graphicFrameLocks noGrp="1"/>
+              </p:cNvGraphicFramePr>
+              <p:nvPr>
+                <p:extLst>
+                  <p:ext uri="{D42A27DB-BD31-4B8C-83A1-F6EECF244321}">
+                    <p14:modId xmlns:p14="http://schemas.microsoft.com/office/powerpoint/2010/main" val="1089762486"/>
+                  </p:ext>
+                </p:extLst>
+              </p:nvPr>
+            </p:nvGraphicFramePr>
+            <p:xfrm>
+              <a:off x="2514285" y="1702284"/>
+              <a:ext cx="3866779" cy="370840"/>
+            </p:xfrm>
+            <a:graphic>
+              <a:graphicData uri="http://schemas.openxmlformats.org/drawingml/2006/table">
+                <a:tbl>
+                  <a:tblPr firstRow="1" bandRow="1">
+                    <a:tableStyleId>{5C22544A-7EE6-4342-B048-85BDC9FD1C3A}</a:tableStyleId>
+                  </a:tblPr>
+                  <a:tblGrid>
+                    <a:gridCol w="552397">
+                      <a:extLst>
+                        <a:ext uri="{9D8B030D-6E8A-4147-A177-3AD203B41FA5}">
+                          <a16:colId xmlns:a16="http://schemas.microsoft.com/office/drawing/2014/main" val="2396127714"/>
+                        </a:ext>
+                      </a:extLst>
+                    </a:gridCol>
+                    <a:gridCol w="552397">
+                      <a:extLst>
+                        <a:ext uri="{9D8B030D-6E8A-4147-A177-3AD203B41FA5}">
+                          <a16:colId xmlns:a16="http://schemas.microsoft.com/office/drawing/2014/main" val="1815423872"/>
+                        </a:ext>
+                      </a:extLst>
+                    </a:gridCol>
+                    <a:gridCol w="552397">
+                      <a:extLst>
+                        <a:ext uri="{9D8B030D-6E8A-4147-A177-3AD203B41FA5}">
+                          <a16:colId xmlns:a16="http://schemas.microsoft.com/office/drawing/2014/main" val="1884723031"/>
+                        </a:ext>
+                      </a:extLst>
+                    </a:gridCol>
+                    <a:gridCol w="552397">
+                      <a:extLst>
+                        <a:ext uri="{9D8B030D-6E8A-4147-A177-3AD203B41FA5}">
+                          <a16:colId xmlns:a16="http://schemas.microsoft.com/office/drawing/2014/main" val="3147811208"/>
+                        </a:ext>
+                      </a:extLst>
+                    </a:gridCol>
+                    <a:gridCol w="552397">
+                      <a:extLst>
+                        <a:ext uri="{9D8B030D-6E8A-4147-A177-3AD203B41FA5}">
+                          <a16:colId xmlns:a16="http://schemas.microsoft.com/office/drawing/2014/main" val="105240590"/>
+                        </a:ext>
+                      </a:extLst>
+                    </a:gridCol>
+                    <a:gridCol w="552397">
+                      <a:extLst>
+                        <a:ext uri="{9D8B030D-6E8A-4147-A177-3AD203B41FA5}">
+                          <a16:colId xmlns:a16="http://schemas.microsoft.com/office/drawing/2014/main" val="1723551580"/>
+                        </a:ext>
+                      </a:extLst>
+                    </a:gridCol>
+                    <a:gridCol w="552397">
+                      <a:extLst>
+                        <a:ext uri="{9D8B030D-6E8A-4147-A177-3AD203B41FA5}">
+                          <a16:colId xmlns:a16="http://schemas.microsoft.com/office/drawing/2014/main" val="3137996870"/>
+                        </a:ext>
+                      </a:extLst>
+                    </a:gridCol>
+                  </a:tblGrid>
+                  <a:tr h="370840">
+                    <a:tc>
+                      <a:txBody>
+                        <a:bodyPr/>
+                        <a:lstStyle/>
+                        <a:p>
+                          <a:endParaRPr lang="fr-FR"/>
+                        </a:p>
+                      </a:txBody>
+                      <a:tcPr>
+                        <a:lnL w="12700" cap="flat" cmpd="sng" algn="ctr">
+                          <a:solidFill>
+                            <a:schemeClr val="tx1"/>
+                          </a:solidFill>
+                          <a:prstDash val="solid"/>
+                          <a:round/>
+                          <a:headEnd type="none" w="med" len="med"/>
+                          <a:tailEnd type="none" w="med" len="med"/>
+                        </a:lnL>
+                        <a:lnR w="12700" cap="flat" cmpd="sng" algn="ctr">
+                          <a:solidFill>
+                            <a:schemeClr val="tx1"/>
+                          </a:solidFill>
+                          <a:prstDash val="solid"/>
+                          <a:round/>
+                          <a:headEnd type="none" w="med" len="med"/>
+                          <a:tailEnd type="none" w="med" len="med"/>
+                        </a:lnR>
+                        <a:lnT w="12700" cap="flat" cmpd="sng" algn="ctr">
+                          <a:solidFill>
+                            <a:schemeClr val="tx1"/>
+                          </a:solidFill>
+                          <a:prstDash val="solid"/>
+                          <a:round/>
+                          <a:headEnd type="none" w="med" len="med"/>
+                          <a:tailEnd type="none" w="med" len="med"/>
+                        </a:lnT>
+                        <a:lnB w="12700" cap="flat" cmpd="sng" algn="ctr">
+                          <a:solidFill>
+                            <a:schemeClr val="tx1"/>
+                          </a:solidFill>
+                          <a:prstDash val="solid"/>
+                          <a:round/>
+                          <a:headEnd type="none" w="med" len="med"/>
+                          <a:tailEnd type="none" w="med" len="med"/>
+                        </a:lnB>
+                        <a:lnTlToBr w="12700" cmpd="sng">
+                          <a:noFill/>
+                          <a:prstDash val="solid"/>
+                        </a:lnTlToBr>
+                        <a:lnBlToTr w="12700" cmpd="sng">
+                          <a:noFill/>
+                          <a:prstDash val="solid"/>
+                        </a:lnBlToTr>
+                        <a:blipFill>
+                          <a:blip r:embed="rId7"/>
+                          <a:stretch>
+                            <a:fillRect l="-1099" t="-3226" r="-600000" b="-3226"/>
+                          </a:stretch>
+                        </a:blipFill>
+                      </a:tcPr>
+                    </a:tc>
+                    <a:tc>
+                      <a:txBody>
+                        <a:bodyPr/>
+                        <a:lstStyle/>
+                        <a:p>
+                          <a:endParaRPr lang="fr-FR"/>
+                        </a:p>
+                      </a:txBody>
+                      <a:tcPr>
+                        <a:lnL w="12700" cap="flat" cmpd="sng" algn="ctr">
+                          <a:solidFill>
+                            <a:schemeClr val="tx1"/>
+                          </a:solidFill>
+                          <a:prstDash val="solid"/>
+                          <a:round/>
+                          <a:headEnd type="none" w="med" len="med"/>
+                          <a:tailEnd type="none" w="med" len="med"/>
+                        </a:lnL>
+                        <a:lnR w="12700" cap="flat" cmpd="sng" algn="ctr">
+                          <a:solidFill>
+                            <a:schemeClr val="tx1"/>
+                          </a:solidFill>
+                          <a:prstDash val="solid"/>
+                          <a:round/>
+                          <a:headEnd type="none" w="med" len="med"/>
+                          <a:tailEnd type="none" w="med" len="med"/>
+                        </a:lnR>
+                        <a:lnT w="12700" cap="flat" cmpd="sng" algn="ctr">
+                          <a:solidFill>
+                            <a:schemeClr val="tx1"/>
+                          </a:solidFill>
+                          <a:prstDash val="solid"/>
+                          <a:round/>
+                          <a:headEnd type="none" w="med" len="med"/>
+                          <a:tailEnd type="none" w="med" len="med"/>
+                        </a:lnT>
+                        <a:lnB w="12700" cap="flat" cmpd="sng" algn="ctr">
+                          <a:solidFill>
+                            <a:schemeClr val="tx1"/>
+                          </a:solidFill>
+                          <a:prstDash val="solid"/>
+                          <a:round/>
+                          <a:headEnd type="none" w="med" len="med"/>
+                          <a:tailEnd type="none" w="med" len="med"/>
+                        </a:lnB>
+                        <a:lnTlToBr w="12700" cmpd="sng">
+                          <a:noFill/>
+                          <a:prstDash val="solid"/>
+                        </a:lnTlToBr>
+                        <a:lnBlToTr w="12700" cmpd="sng">
+                          <a:noFill/>
+                          <a:prstDash val="solid"/>
+                        </a:lnBlToTr>
+                        <a:blipFill>
+                          <a:blip r:embed="rId7"/>
+                          <a:stretch>
+                            <a:fillRect l="-102222" t="-3226" r="-506667" b="-3226"/>
+                          </a:stretch>
+                        </a:blipFill>
+                      </a:tcPr>
+                    </a:tc>
+                    <a:tc>
+                      <a:txBody>
+                        <a:bodyPr/>
+                        <a:lstStyle/>
+                        <a:p>
+                          <a:endParaRPr lang="fr-FR" sz="1400" dirty="0">
+                            <a:solidFill>
+                              <a:schemeClr val="tx1"/>
+                            </a:solidFill>
+                            <a:latin typeface="+mn-lt"/>
+                          </a:endParaRPr>
+                        </a:p>
+                      </a:txBody>
+                      <a:tcPr>
+                        <a:lnL w="12700" cap="flat" cmpd="sng" algn="ctr">
+                          <a:solidFill>
+                            <a:schemeClr val="tx1"/>
+                          </a:solidFill>
+                          <a:prstDash val="solid"/>
+                          <a:round/>
+                          <a:headEnd type="none" w="med" len="med"/>
+                          <a:tailEnd type="none" w="med" len="med"/>
+                        </a:lnL>
+                        <a:lnR w="12700" cap="flat" cmpd="sng" algn="ctr">
+                          <a:noFill/>
+                          <a:prstDash val="solid"/>
+                          <a:round/>
+                          <a:headEnd type="none" w="med" len="med"/>
+                          <a:tailEnd type="none" w="med" len="med"/>
+                        </a:lnR>
+                        <a:lnT w="12700" cap="flat" cmpd="sng" algn="ctr">
+                          <a:solidFill>
+                            <a:schemeClr val="tx1"/>
+                          </a:solidFill>
+                          <a:prstDash val="solid"/>
+                          <a:round/>
+                          <a:headEnd type="none" w="med" len="med"/>
+                          <a:tailEnd type="none" w="med" len="med"/>
+                        </a:lnT>
+                        <a:lnB w="12700" cap="flat" cmpd="sng" algn="ctr">
+                          <a:solidFill>
+                            <a:schemeClr val="tx1"/>
+                          </a:solidFill>
+                          <a:prstDash val="solid"/>
+                          <a:round/>
+                          <a:headEnd type="none" w="med" len="med"/>
+                          <a:tailEnd type="none" w="med" len="med"/>
+                        </a:lnB>
+                        <a:lnTlToBr w="12700" cmpd="sng">
+                          <a:noFill/>
+                          <a:prstDash val="solid"/>
+                        </a:lnTlToBr>
+                        <a:lnBlToTr w="12700" cmpd="sng">
+                          <a:noFill/>
+                          <a:prstDash val="solid"/>
+                        </a:lnBlToTr>
+                        <a:noFill/>
+                      </a:tcPr>
+                    </a:tc>
+                    <a:tc>
+                      <a:txBody>
+                        <a:bodyPr/>
+                        <a:lstStyle/>
+                        <a:p>
+                          <a:r>
+                            <a:rPr lang="fr-FR" sz="1400" dirty="0">
+                              <a:solidFill>
+                                <a:schemeClr val="tx1"/>
+                              </a:solidFill>
+                              <a:latin typeface="+mn-lt"/>
+                            </a:rPr>
+                            <a:t>….</a:t>
+                          </a:r>
+                        </a:p>
+                      </a:txBody>
+                      <a:tcPr>
+                        <a:lnL w="12700" cap="flat" cmpd="sng" algn="ctr">
+                          <a:noFill/>
+                          <a:prstDash val="solid"/>
+                          <a:round/>
+                          <a:headEnd type="none" w="med" len="med"/>
+                          <a:tailEnd type="none" w="med" len="med"/>
+                        </a:lnL>
+                        <a:lnR w="12700" cap="flat" cmpd="sng" algn="ctr">
+                          <a:noFill/>
+                          <a:prstDash val="solid"/>
+                          <a:round/>
+                          <a:headEnd type="none" w="med" len="med"/>
+                          <a:tailEnd type="none" w="med" len="med"/>
+                        </a:lnR>
+                        <a:lnT w="12700" cap="flat" cmpd="sng" algn="ctr">
+                          <a:solidFill>
+                            <a:schemeClr val="tx1"/>
+                          </a:solidFill>
+                          <a:prstDash val="solid"/>
+                          <a:round/>
+                          <a:headEnd type="none" w="med" len="med"/>
+                          <a:tailEnd type="none" w="med" len="med"/>
+                        </a:lnT>
+                        <a:lnB w="12700" cap="flat" cmpd="sng" algn="ctr">
+                          <a:solidFill>
+                            <a:schemeClr val="tx1"/>
+                          </a:solidFill>
+                          <a:prstDash val="solid"/>
+                          <a:round/>
+                          <a:headEnd type="none" w="med" len="med"/>
+                          <a:tailEnd type="none" w="med" len="med"/>
+                        </a:lnB>
+                        <a:lnTlToBr w="12700" cmpd="sng">
+                          <a:noFill/>
+                          <a:prstDash val="solid"/>
+                        </a:lnTlToBr>
+                        <a:lnBlToTr w="12700" cmpd="sng">
+                          <a:noFill/>
+                          <a:prstDash val="solid"/>
+                        </a:lnBlToTr>
+                        <a:noFill/>
+                      </a:tcPr>
+                    </a:tc>
+                    <a:tc>
+                      <a:txBody>
+                        <a:bodyPr/>
+                        <a:lstStyle/>
+                        <a:p>
+                          <a:endParaRPr lang="fr-FR" sz="1400" dirty="0">
+                            <a:solidFill>
+                              <a:schemeClr val="tx1"/>
+                            </a:solidFill>
+                            <a:latin typeface="+mn-lt"/>
+                          </a:endParaRPr>
+                        </a:p>
+                      </a:txBody>
+                      <a:tcPr>
+                        <a:lnL w="12700" cap="flat" cmpd="sng" algn="ctr">
+                          <a:noFill/>
+                          <a:prstDash val="solid"/>
+                          <a:round/>
+                          <a:headEnd type="none" w="med" len="med"/>
+                          <a:tailEnd type="none" w="med" len="med"/>
+                        </a:lnL>
+                        <a:lnR w="12700" cap="flat" cmpd="sng" algn="ctr">
+                          <a:noFill/>
+                          <a:prstDash val="solid"/>
+                          <a:round/>
+                          <a:headEnd type="none" w="med" len="med"/>
+                          <a:tailEnd type="none" w="med" len="med"/>
+                        </a:lnR>
+                        <a:lnT w="12700" cap="flat" cmpd="sng" algn="ctr">
+                          <a:solidFill>
+                            <a:schemeClr val="tx1"/>
+                          </a:solidFill>
+                          <a:prstDash val="solid"/>
+                          <a:round/>
+                          <a:headEnd type="none" w="med" len="med"/>
+                          <a:tailEnd type="none" w="med" len="med"/>
+                        </a:lnT>
+                        <a:lnB w="12700" cap="flat" cmpd="sng" algn="ctr">
+                          <a:solidFill>
+                            <a:schemeClr val="tx1"/>
+                          </a:solidFill>
+                          <a:prstDash val="solid"/>
+                          <a:round/>
+                          <a:headEnd type="none" w="med" len="med"/>
+                          <a:tailEnd type="none" w="med" len="med"/>
+                        </a:lnB>
+                        <a:lnTlToBr w="12700" cmpd="sng">
+                          <a:noFill/>
+                          <a:prstDash val="solid"/>
+                        </a:lnTlToBr>
+                        <a:lnBlToTr w="12700" cmpd="sng">
+                          <a:noFill/>
+                          <a:prstDash val="solid"/>
+                        </a:lnBlToTr>
+                        <a:noFill/>
+                      </a:tcPr>
+                    </a:tc>
+                    <a:tc>
+                      <a:txBody>
+                        <a:bodyPr/>
+                        <a:lstStyle/>
+                        <a:p>
+                          <a:endParaRPr lang="fr-FR" sz="1400" dirty="0">
+                            <a:latin typeface="+mn-lt"/>
+                          </a:endParaRPr>
+                        </a:p>
+                      </a:txBody>
+                      <a:tcPr>
+                        <a:lnL w="12700" cap="flat" cmpd="sng" algn="ctr">
+                          <a:noFill/>
+                          <a:prstDash val="solid"/>
+                          <a:round/>
+                          <a:headEnd type="none" w="med" len="med"/>
+                          <a:tailEnd type="none" w="med" len="med"/>
+                        </a:lnL>
+                        <a:lnR w="12700" cap="flat" cmpd="sng" algn="ctr">
+                          <a:solidFill>
+                            <a:schemeClr val="tx1"/>
+                          </a:solidFill>
+                          <a:prstDash val="solid"/>
+                          <a:round/>
+                          <a:headEnd type="none" w="med" len="med"/>
+                          <a:tailEnd type="none" w="med" len="med"/>
+                        </a:lnR>
+                        <a:lnT w="12700" cap="flat" cmpd="sng" algn="ctr">
+                          <a:solidFill>
+                            <a:schemeClr val="tx1"/>
+                          </a:solidFill>
+                          <a:prstDash val="solid"/>
+                          <a:round/>
+                          <a:headEnd type="none" w="med" len="med"/>
+                          <a:tailEnd type="none" w="med" len="med"/>
+                        </a:lnT>
+                        <a:lnB w="12700" cap="flat" cmpd="sng" algn="ctr">
+                          <a:solidFill>
+                            <a:schemeClr val="tx1"/>
+                          </a:solidFill>
+                          <a:prstDash val="solid"/>
+                          <a:round/>
+                          <a:headEnd type="none" w="med" len="med"/>
+                          <a:tailEnd type="none" w="med" len="med"/>
+                        </a:lnB>
+                        <a:lnTlToBr w="12700" cmpd="sng">
+                          <a:noFill/>
+                          <a:prstDash val="solid"/>
+                        </a:lnTlToBr>
+                        <a:lnBlToTr w="12700" cmpd="sng">
+                          <a:noFill/>
+                          <a:prstDash val="solid"/>
+                        </a:lnBlToTr>
+                        <a:noFill/>
+                      </a:tcPr>
+                    </a:tc>
+                    <a:tc>
+                      <a:txBody>
+                        <a:bodyPr/>
+                        <a:lstStyle/>
+                        <a:p>
+                          <a:endParaRPr lang="fr-FR"/>
+                        </a:p>
+                      </a:txBody>
+                      <a:tcPr>
+                        <a:lnL w="12700" cap="flat" cmpd="sng" algn="ctr">
+                          <a:solidFill>
+                            <a:schemeClr val="tx1"/>
+                          </a:solidFill>
+                          <a:prstDash val="solid"/>
+                          <a:round/>
+                          <a:headEnd type="none" w="med" len="med"/>
+                          <a:tailEnd type="none" w="med" len="med"/>
+                        </a:lnL>
+                        <a:lnR w="12700" cap="flat" cmpd="sng" algn="ctr">
+                          <a:solidFill>
+                            <a:schemeClr val="tx1"/>
+                          </a:solidFill>
+                          <a:prstDash val="solid"/>
+                          <a:round/>
+                          <a:headEnd type="none" w="med" len="med"/>
+                          <a:tailEnd type="none" w="med" len="med"/>
+                        </a:lnR>
+                        <a:lnT w="12700" cap="flat" cmpd="sng" algn="ctr">
+                          <a:solidFill>
+                            <a:schemeClr val="tx1"/>
+                          </a:solidFill>
+                          <a:prstDash val="solid"/>
+                          <a:round/>
+                          <a:headEnd type="none" w="med" len="med"/>
+                          <a:tailEnd type="none" w="med" len="med"/>
+                        </a:lnT>
+                        <a:lnB w="12700" cap="flat" cmpd="sng" algn="ctr">
+                          <a:solidFill>
+                            <a:schemeClr val="tx1"/>
+                          </a:solidFill>
+                          <a:prstDash val="solid"/>
+                          <a:round/>
+                          <a:headEnd type="none" w="med" len="med"/>
+                          <a:tailEnd type="none" w="med" len="med"/>
+                        </a:lnB>
+                        <a:lnTlToBr w="12700" cmpd="sng">
+                          <a:noFill/>
+                          <a:prstDash val="solid"/>
+                        </a:lnTlToBr>
+                        <a:lnBlToTr w="12700" cmpd="sng">
+                          <a:noFill/>
+                          <a:prstDash val="solid"/>
+                        </a:lnBlToTr>
+                        <a:blipFill>
+                          <a:blip r:embed="rId7"/>
+                          <a:stretch>
+                            <a:fillRect l="-598901" t="-3226" r="-2198" b="-3226"/>
+                          </a:stretch>
+                        </a:blipFill>
+                      </a:tcPr>
+                    </a:tc>
+                    <a:extLst>
+                      <a:ext uri="{0D108BD9-81ED-4DB2-BD59-A6C34878D82A}">
+                        <a16:rowId xmlns:a16="http://schemas.microsoft.com/office/drawing/2014/main" val="921640606"/>
+                      </a:ext>
+                    </a:extLst>
+                  </a:tr>
+                </a:tbl>
+              </a:graphicData>
+            </a:graphic>
+          </p:graphicFrame>
+        </mc:Fallback>
+      </mc:AlternateContent>
+      <mc:AlternateContent xmlns:mc="http://schemas.openxmlformats.org/markup-compatibility/2006">
+        <mc:Choice xmlns:a14="http://schemas.microsoft.com/office/drawing/2010/main" Requires="a14">
+          <p:graphicFrame>
+            <p:nvGraphicFramePr>
+              <p:cNvPr id="18" name="Tableau 17">
+                <a:extLst>
+                  <a:ext uri="{FF2B5EF4-FFF2-40B4-BE49-F238E27FC236}">
+                    <a16:creationId xmlns:a16="http://schemas.microsoft.com/office/drawing/2014/main" id="{2AE58583-85F6-6748-A826-ADA8EBBE9D3D}"/>
+                  </a:ext>
+                </a:extLst>
+              </p:cNvPr>
+              <p:cNvGraphicFramePr>
+                <a:graphicFrameLocks noGrp="1"/>
+              </p:cNvGraphicFramePr>
+              <p:nvPr>
+                <p:extLst>
+                  <p:ext uri="{D42A27DB-BD31-4B8C-83A1-F6EECF244321}">
+                    <p14:modId xmlns:p14="http://schemas.microsoft.com/office/powerpoint/2010/main" val="2037256411"/>
+                  </p:ext>
+                </p:extLst>
+              </p:nvPr>
+            </p:nvGraphicFramePr>
+            <p:xfrm>
+              <a:off x="8793805" y="1060651"/>
+              <a:ext cx="1615872" cy="370840"/>
+            </p:xfrm>
+            <a:graphic>
+              <a:graphicData uri="http://schemas.openxmlformats.org/drawingml/2006/table">
+                <a:tbl>
+                  <a:tblPr firstRow="1" bandRow="1">
+                    <a:tableStyleId>{5C22544A-7EE6-4342-B048-85BDC9FD1C3A}</a:tableStyleId>
+                  </a:tblPr>
+                  <a:tblGrid>
+                    <a:gridCol w="1615872">
+                      <a:extLst>
+                        <a:ext uri="{9D8B030D-6E8A-4147-A177-3AD203B41FA5}">
+                          <a16:colId xmlns:a16="http://schemas.microsoft.com/office/drawing/2014/main" val="4016422352"/>
+                        </a:ext>
+                      </a:extLst>
+                    </a:gridCol>
+                  </a:tblGrid>
+                  <a:tr h="370840">
+                    <a:tc>
+                      <a:txBody>
+                        <a:bodyPr/>
+                        <a:lstStyle/>
+                        <a:p>
+                          <a14:m>
+                            <m:oMathPara xmlns:m="http://schemas.openxmlformats.org/officeDocument/2006/math">
+                              <m:oMathParaPr>
+                                <m:jc m:val="centerGroup"/>
+                              </m:oMathParaPr>
+                              <m:oMath xmlns:m="http://schemas.openxmlformats.org/officeDocument/2006/math">
+                                <m:sSub>
+                                  <m:sSubPr>
+                                    <m:ctrlPr>
+                                      <a:rPr lang="fr-FR" sz="1400" b="1" i="1" dirty="0" smtClean="0">
+                                        <a:solidFill>
+                                          <a:schemeClr val="tx1"/>
+                                        </a:solidFill>
+                                        <a:latin typeface="Cambria Math" panose="02040503050406030204" pitchFamily="18" charset="0"/>
+                                      </a:rPr>
+                                    </m:ctrlPr>
+                                  </m:sSubPr>
+                                  <m:e>
+                                    <m:r>
+                                      <a:rPr lang="fr-FR" sz="1400" b="1" i="1" dirty="0" smtClean="0">
+                                        <a:solidFill>
+                                          <a:schemeClr val="tx1"/>
+                                        </a:solidFill>
+                                        <a:latin typeface="Cambria Math" panose="02040503050406030204" pitchFamily="18" charset="0"/>
+                                      </a:rPr>
+                                      <m:t>𝒀</m:t>
+                                    </m:r>
+                                  </m:e>
+                                  <m:sub>
+                                    <m:r>
+                                      <a:rPr lang="fr-FR" sz="1400" b="1" i="1" dirty="0" smtClean="0">
+                                        <a:solidFill>
+                                          <a:schemeClr val="tx1"/>
+                                        </a:solidFill>
+                                        <a:latin typeface="Cambria Math" panose="02040503050406030204" pitchFamily="18" charset="0"/>
+                                      </a:rPr>
+                                      <m:t>𝑳</m:t>
+                                    </m:r>
+                                    <m:r>
+                                      <a:rPr lang="fr-FR" sz="1400" b="1" i="1" dirty="0" smtClean="0">
+                                        <a:solidFill>
+                                          <a:schemeClr val="tx1"/>
+                                        </a:solidFill>
+                                        <a:latin typeface="Cambria Math" panose="02040503050406030204" pitchFamily="18" charset="0"/>
+                                      </a:rPr>
+                                      <m:t>+</m:t>
+                                    </m:r>
+                                    <m:r>
+                                      <a:rPr lang="fr-FR" sz="1400" b="1" i="1" dirty="0" smtClean="0">
+                                        <a:solidFill>
+                                          <a:schemeClr val="tx1"/>
+                                        </a:solidFill>
+                                        <a:latin typeface="Cambria Math" panose="02040503050406030204" pitchFamily="18" charset="0"/>
+                                      </a:rPr>
+                                      <m:t>𝟏</m:t>
+                                    </m:r>
+                                  </m:sub>
+                                </m:sSub>
+                              </m:oMath>
+                            </m:oMathPara>
+                          </a14:m>
+                          <a:endParaRPr lang="fr-FR" sz="1400" dirty="0"/>
+                        </a:p>
+                      </a:txBody>
+                      <a:tcPr>
+                        <a:lnL w="12700" cap="flat" cmpd="sng" algn="ctr">
+                          <a:solidFill>
+                            <a:schemeClr val="tx1"/>
+                          </a:solidFill>
+                          <a:prstDash val="solid"/>
+                          <a:round/>
+                          <a:headEnd type="none" w="med" len="med"/>
+                          <a:tailEnd type="none" w="med" len="med"/>
+                        </a:lnL>
+                        <a:lnR w="12700" cap="flat" cmpd="sng" algn="ctr">
+                          <a:solidFill>
+                            <a:schemeClr val="tx1"/>
+                          </a:solidFill>
+                          <a:prstDash val="solid"/>
+                          <a:round/>
+                          <a:headEnd type="none" w="med" len="med"/>
+                          <a:tailEnd type="none" w="med" len="med"/>
+                        </a:lnR>
+                        <a:lnT w="12700" cap="flat" cmpd="sng" algn="ctr">
+                          <a:solidFill>
+                            <a:schemeClr val="tx1"/>
+                          </a:solidFill>
+                          <a:prstDash val="solid"/>
+                          <a:round/>
+                          <a:headEnd type="none" w="med" len="med"/>
+                          <a:tailEnd type="none" w="med" len="med"/>
+                        </a:lnT>
+                        <a:lnB w="12700" cap="flat" cmpd="sng" algn="ctr">
+                          <a:solidFill>
+                            <a:schemeClr val="tx1"/>
+                          </a:solidFill>
+                          <a:prstDash val="solid"/>
+                          <a:round/>
+                          <a:headEnd type="none" w="med" len="med"/>
+                          <a:tailEnd type="none" w="med" len="med"/>
+                        </a:lnB>
+                        <a:solidFill>
+                          <a:schemeClr val="accent6">
+                            <a:alpha val="50000"/>
+                          </a:schemeClr>
+                        </a:solidFill>
+                      </a:tcPr>
+                    </a:tc>
+                    <a:extLst>
+                      <a:ext uri="{0D108BD9-81ED-4DB2-BD59-A6C34878D82A}">
+                        <a16:rowId xmlns:a16="http://schemas.microsoft.com/office/drawing/2014/main" val="59841926"/>
+                      </a:ext>
+                    </a:extLst>
+                  </a:tr>
+                </a:tbl>
+              </a:graphicData>
+            </a:graphic>
+          </p:graphicFrame>
+        </mc:Choice>
+        <mc:Fallback>
+          <p:graphicFrame>
+            <p:nvGraphicFramePr>
+              <p:cNvPr id="18" name="Tableau 17">
+                <a:extLst>
+                  <a:ext uri="{FF2B5EF4-FFF2-40B4-BE49-F238E27FC236}">
+                    <a16:creationId xmlns:a16="http://schemas.microsoft.com/office/drawing/2014/main" id="{2AE58583-85F6-6748-A826-ADA8EBBE9D3D}"/>
+                  </a:ext>
+                </a:extLst>
+              </p:cNvPr>
+              <p:cNvGraphicFramePr>
+                <a:graphicFrameLocks noGrp="1"/>
+              </p:cNvGraphicFramePr>
+              <p:nvPr>
+                <p:extLst>
+                  <p:ext uri="{D42A27DB-BD31-4B8C-83A1-F6EECF244321}">
+                    <p14:modId xmlns:p14="http://schemas.microsoft.com/office/powerpoint/2010/main" val="2037256411"/>
+                  </p:ext>
+                </p:extLst>
+              </p:nvPr>
+            </p:nvGraphicFramePr>
+            <p:xfrm>
+              <a:off x="8793805" y="1060651"/>
+              <a:ext cx="1615872" cy="370840"/>
+            </p:xfrm>
+            <a:graphic>
+              <a:graphicData uri="http://schemas.openxmlformats.org/drawingml/2006/table">
+                <a:tbl>
+                  <a:tblPr firstRow="1" bandRow="1">
+                    <a:tableStyleId>{5C22544A-7EE6-4342-B048-85BDC9FD1C3A}</a:tableStyleId>
+                  </a:tblPr>
+                  <a:tblGrid>
+                    <a:gridCol w="1615872">
+                      <a:extLst>
+                        <a:ext uri="{9D8B030D-6E8A-4147-A177-3AD203B41FA5}">
+                          <a16:colId xmlns:a16="http://schemas.microsoft.com/office/drawing/2014/main" val="4016422352"/>
+                        </a:ext>
+                      </a:extLst>
+                    </a:gridCol>
+                  </a:tblGrid>
+                  <a:tr h="370840">
+                    <a:tc>
+                      <a:txBody>
+                        <a:bodyPr/>
+                        <a:lstStyle/>
+                        <a:p>
+                          <a:endParaRPr lang="fr-FR"/>
+                        </a:p>
+                      </a:txBody>
+                      <a:tcPr>
+                        <a:lnL w="12700" cap="flat" cmpd="sng" algn="ctr">
+                          <a:solidFill>
+                            <a:schemeClr val="tx1"/>
+                          </a:solidFill>
+                          <a:prstDash val="solid"/>
+                          <a:round/>
+                          <a:headEnd type="none" w="med" len="med"/>
+                          <a:tailEnd type="none" w="med" len="med"/>
+                        </a:lnL>
+                        <a:lnR w="12700" cap="flat" cmpd="sng" algn="ctr">
+                          <a:solidFill>
+                            <a:schemeClr val="tx1"/>
+                          </a:solidFill>
+                          <a:prstDash val="solid"/>
+                          <a:round/>
+                          <a:headEnd type="none" w="med" len="med"/>
+                          <a:tailEnd type="none" w="med" len="med"/>
+                        </a:lnR>
+                        <a:lnT w="12700" cap="flat" cmpd="sng" algn="ctr">
+                          <a:solidFill>
+                            <a:schemeClr val="tx1"/>
+                          </a:solidFill>
+                          <a:prstDash val="solid"/>
+                          <a:round/>
+                          <a:headEnd type="none" w="med" len="med"/>
+                          <a:tailEnd type="none" w="med" len="med"/>
+                        </a:lnT>
+                        <a:lnB w="12700" cap="flat" cmpd="sng" algn="ctr">
+                          <a:solidFill>
+                            <a:schemeClr val="tx1"/>
+                          </a:solidFill>
+                          <a:prstDash val="solid"/>
+                          <a:round/>
+                          <a:headEnd type="none" w="med" len="med"/>
+                          <a:tailEnd type="none" w="med" len="med"/>
+                        </a:lnB>
+                        <a:blipFill>
+                          <a:blip r:embed="rId8"/>
+                          <a:stretch>
+                            <a:fillRect l="-376" t="-1613" r="-752" b="-3226"/>
+                          </a:stretch>
+                        </a:blipFill>
+                      </a:tcPr>
+                    </a:tc>
+                    <a:extLst>
+                      <a:ext uri="{0D108BD9-81ED-4DB2-BD59-A6C34878D82A}">
+                        <a16:rowId xmlns:a16="http://schemas.microsoft.com/office/drawing/2014/main" val="59841926"/>
+                      </a:ext>
+                    </a:extLst>
+                  </a:tr>
+                </a:tbl>
+              </a:graphicData>
+            </a:graphic>
+          </p:graphicFrame>
+        </mc:Fallback>
+      </mc:AlternateContent>
+      <mc:AlternateContent xmlns:mc="http://schemas.openxmlformats.org/markup-compatibility/2006">
+        <mc:Choice xmlns:a14="http://schemas.microsoft.com/office/drawing/2010/main" Requires="a14">
+          <p:graphicFrame>
+            <p:nvGraphicFramePr>
+              <p:cNvPr id="19" name="Tableau 18">
+                <a:extLst>
+                  <a:ext uri="{FF2B5EF4-FFF2-40B4-BE49-F238E27FC236}">
+                    <a16:creationId xmlns:a16="http://schemas.microsoft.com/office/drawing/2014/main" id="{C4B74925-10EC-4AD4-55A4-62E3AD08020B}"/>
+                  </a:ext>
+                </a:extLst>
+              </p:cNvPr>
+              <p:cNvGraphicFramePr>
+                <a:graphicFrameLocks noGrp="1"/>
+              </p:cNvGraphicFramePr>
+              <p:nvPr>
+                <p:extLst>
+                  <p:ext uri="{D42A27DB-BD31-4B8C-83A1-F6EECF244321}">
+                    <p14:modId xmlns:p14="http://schemas.microsoft.com/office/powerpoint/2010/main" val="4204799579"/>
+                  </p:ext>
+                </p:extLst>
+              </p:nvPr>
+            </p:nvGraphicFramePr>
+            <p:xfrm>
+              <a:off x="8793805" y="1925100"/>
+              <a:ext cx="1615872" cy="386890"/>
+            </p:xfrm>
+            <a:graphic>
+              <a:graphicData uri="http://schemas.openxmlformats.org/drawingml/2006/table">
+                <a:tbl>
+                  <a:tblPr firstRow="1" bandRow="1">
+                    <a:tableStyleId>{5C22544A-7EE6-4342-B048-85BDC9FD1C3A}</a:tableStyleId>
+                  </a:tblPr>
+                  <a:tblGrid>
+                    <a:gridCol w="1615872">
+                      <a:extLst>
+                        <a:ext uri="{9D8B030D-6E8A-4147-A177-3AD203B41FA5}">
+                          <a16:colId xmlns:a16="http://schemas.microsoft.com/office/drawing/2014/main" val="4016422352"/>
+                        </a:ext>
+                      </a:extLst>
+                    </a:gridCol>
+                  </a:tblGrid>
+                  <a:tr h="386890">
+                    <a:tc>
+                      <a:txBody>
+                        <a:bodyPr/>
+                        <a:lstStyle/>
+                        <a:p>
+                          <a:pPr marL="0" algn="l" defTabSz="914400" rtl="0" eaLnBrk="1" latinLnBrk="0" hangingPunct="1"/>
+                          <a14:m>
+                            <m:oMathPara xmlns:m="http://schemas.openxmlformats.org/officeDocument/2006/math">
+                              <m:oMathParaPr>
+                                <m:jc m:val="centerGroup"/>
+                              </m:oMathParaPr>
+                              <m:oMath xmlns:m="http://schemas.openxmlformats.org/officeDocument/2006/math">
+                                <m:sSub>
+                                  <m:sSubPr>
+                                    <m:ctrlPr>
+                                      <a:rPr lang="fr-FR" sz="1400" b="1" i="1" kern="1200" dirty="0" smtClean="0">
+                                        <a:solidFill>
+                                          <a:schemeClr val="tx1"/>
+                                        </a:solidFill>
+                                        <a:latin typeface="Cambria Math" panose="02040503050406030204" pitchFamily="18" charset="0"/>
+                                        <a:ea typeface="+mn-ea"/>
+                                        <a:cs typeface="+mn-cs"/>
+                                      </a:rPr>
+                                    </m:ctrlPr>
+                                  </m:sSubPr>
+                                  <m:e>
+                                    <m:r>
+                                      <a:rPr lang="fr-FR" sz="1400" b="1" i="1" kern="1200" dirty="0" smtClean="0">
+                                        <a:solidFill>
+                                          <a:schemeClr val="tx1"/>
+                                        </a:solidFill>
+                                        <a:latin typeface="Cambria Math" panose="02040503050406030204" pitchFamily="18" charset="0"/>
+                                        <a:ea typeface="+mn-ea"/>
+                                        <a:cs typeface="+mn-cs"/>
+                                      </a:rPr>
+                                      <m:t>𝒀</m:t>
+                                    </m:r>
+                                  </m:e>
+                                  <m:sub>
+                                    <m:r>
+                                      <a:rPr lang="fr-FR" sz="1400" b="1" i="1" kern="1200" dirty="0" smtClean="0">
+                                        <a:solidFill>
+                                          <a:schemeClr val="tx1"/>
+                                        </a:solidFill>
+                                        <a:latin typeface="Cambria Math" panose="02040503050406030204" pitchFamily="18" charset="0"/>
+                                        <a:ea typeface="+mn-ea"/>
+                                        <a:cs typeface="+mn-cs"/>
+                                      </a:rPr>
+                                      <m:t>𝑳</m:t>
+                                    </m:r>
+                                    <m:r>
+                                      <a:rPr lang="fr-FR" sz="1400" b="1" i="1" kern="1200" dirty="0" smtClean="0">
+                                        <a:solidFill>
+                                          <a:schemeClr val="tx1"/>
+                                        </a:solidFill>
+                                        <a:latin typeface="Cambria Math" panose="02040503050406030204" pitchFamily="18" charset="0"/>
+                                        <a:ea typeface="+mn-ea"/>
+                                        <a:cs typeface="+mn-cs"/>
+                                      </a:rPr>
+                                      <m:t>+</m:t>
+                                    </m:r>
+                                    <m:r>
+                                      <a:rPr lang="fr-FR" sz="1400" b="1" i="1" kern="1200" dirty="0" smtClean="0">
+                                        <a:solidFill>
+                                          <a:schemeClr val="tx1"/>
+                                        </a:solidFill>
+                                        <a:latin typeface="Cambria Math" panose="02040503050406030204" pitchFamily="18" charset="0"/>
+                                        <a:ea typeface="+mn-ea"/>
+                                        <a:cs typeface="+mn-cs"/>
+                                      </a:rPr>
+                                      <m:t>𝟐</m:t>
+                                    </m:r>
+                                  </m:sub>
+                                </m:sSub>
+                              </m:oMath>
+                            </m:oMathPara>
+                          </a14:m>
+                          <a:endParaRPr lang="fr-FR" sz="1400" b="1" i="1" kern="1200" dirty="0">
+                            <a:solidFill>
+                              <a:schemeClr val="tx1"/>
+                            </a:solidFill>
+                            <a:latin typeface="Cambria Math" panose="02040503050406030204" pitchFamily="18" charset="0"/>
+                            <a:ea typeface="+mn-ea"/>
+                            <a:cs typeface="+mn-cs"/>
+                          </a:endParaRPr>
+                        </a:p>
+                      </a:txBody>
+                      <a:tcPr>
+                        <a:lnL w="12700" cap="flat" cmpd="sng" algn="ctr">
+                          <a:solidFill>
+                            <a:schemeClr val="tx1"/>
+                          </a:solidFill>
+                          <a:prstDash val="solid"/>
+                          <a:round/>
+                          <a:headEnd type="none" w="med" len="med"/>
+                          <a:tailEnd type="none" w="med" len="med"/>
+                        </a:lnL>
+                        <a:lnR w="12700" cap="flat" cmpd="sng" algn="ctr">
+                          <a:solidFill>
+                            <a:schemeClr val="tx1"/>
+                          </a:solidFill>
+                          <a:prstDash val="solid"/>
+                          <a:round/>
+                          <a:headEnd type="none" w="med" len="med"/>
+                          <a:tailEnd type="none" w="med" len="med"/>
+                        </a:lnR>
+                        <a:lnT w="12700" cap="flat" cmpd="sng" algn="ctr">
+                          <a:solidFill>
+                            <a:schemeClr val="tx1"/>
+                          </a:solidFill>
+                          <a:prstDash val="solid"/>
+                          <a:round/>
+                          <a:headEnd type="none" w="med" len="med"/>
+                          <a:tailEnd type="none" w="med" len="med"/>
+                        </a:lnT>
+                        <a:lnB w="12700" cap="flat" cmpd="sng" algn="ctr">
+                          <a:solidFill>
+                            <a:schemeClr val="tx1"/>
+                          </a:solidFill>
+                          <a:prstDash val="solid"/>
+                          <a:round/>
+                          <a:headEnd type="none" w="med" len="med"/>
+                          <a:tailEnd type="none" w="med" len="med"/>
+                        </a:lnB>
+                        <a:solidFill>
+                          <a:schemeClr val="accent6">
+                            <a:alpha val="50000"/>
+                          </a:schemeClr>
+                        </a:solidFill>
+                      </a:tcPr>
+                    </a:tc>
+                    <a:extLst>
+                      <a:ext uri="{0D108BD9-81ED-4DB2-BD59-A6C34878D82A}">
+                        <a16:rowId xmlns:a16="http://schemas.microsoft.com/office/drawing/2014/main" val="59841926"/>
+                      </a:ext>
+                    </a:extLst>
+                  </a:tr>
+                </a:tbl>
+              </a:graphicData>
+            </a:graphic>
+          </p:graphicFrame>
+        </mc:Choice>
+        <mc:Fallback>
+          <p:graphicFrame>
+            <p:nvGraphicFramePr>
+              <p:cNvPr id="19" name="Tableau 18">
+                <a:extLst>
+                  <a:ext uri="{FF2B5EF4-FFF2-40B4-BE49-F238E27FC236}">
+                    <a16:creationId xmlns:a16="http://schemas.microsoft.com/office/drawing/2014/main" id="{C4B74925-10EC-4AD4-55A4-62E3AD08020B}"/>
+                  </a:ext>
+                </a:extLst>
+              </p:cNvPr>
+              <p:cNvGraphicFramePr>
+                <a:graphicFrameLocks noGrp="1"/>
+              </p:cNvGraphicFramePr>
+              <p:nvPr>
+                <p:extLst>
+                  <p:ext uri="{D42A27DB-BD31-4B8C-83A1-F6EECF244321}">
+                    <p14:modId xmlns:p14="http://schemas.microsoft.com/office/powerpoint/2010/main" val="4204799579"/>
+                  </p:ext>
+                </p:extLst>
+              </p:nvPr>
+            </p:nvGraphicFramePr>
+            <p:xfrm>
+              <a:off x="8793805" y="1925100"/>
+              <a:ext cx="1615872" cy="386890"/>
+            </p:xfrm>
+            <a:graphic>
+              <a:graphicData uri="http://schemas.openxmlformats.org/drawingml/2006/table">
+                <a:tbl>
+                  <a:tblPr firstRow="1" bandRow="1">
+                    <a:tableStyleId>{5C22544A-7EE6-4342-B048-85BDC9FD1C3A}</a:tableStyleId>
+                  </a:tblPr>
+                  <a:tblGrid>
+                    <a:gridCol w="1615872">
+                      <a:extLst>
+                        <a:ext uri="{9D8B030D-6E8A-4147-A177-3AD203B41FA5}">
+                          <a16:colId xmlns:a16="http://schemas.microsoft.com/office/drawing/2014/main" val="4016422352"/>
+                        </a:ext>
+                      </a:extLst>
+                    </a:gridCol>
+                  </a:tblGrid>
+                  <a:tr h="386890">
+                    <a:tc>
+                      <a:txBody>
+                        <a:bodyPr/>
+                        <a:lstStyle/>
+                        <a:p>
+                          <a:endParaRPr lang="fr-FR"/>
+                        </a:p>
+                      </a:txBody>
+                      <a:tcPr>
+                        <a:lnL w="12700" cap="flat" cmpd="sng" algn="ctr">
+                          <a:solidFill>
+                            <a:schemeClr val="tx1"/>
+                          </a:solidFill>
+                          <a:prstDash val="solid"/>
+                          <a:round/>
+                          <a:headEnd type="none" w="med" len="med"/>
+                          <a:tailEnd type="none" w="med" len="med"/>
+                        </a:lnL>
+                        <a:lnR w="12700" cap="flat" cmpd="sng" algn="ctr">
+                          <a:solidFill>
+                            <a:schemeClr val="tx1"/>
+                          </a:solidFill>
+                          <a:prstDash val="solid"/>
+                          <a:round/>
+                          <a:headEnd type="none" w="med" len="med"/>
+                          <a:tailEnd type="none" w="med" len="med"/>
+                        </a:lnR>
+                        <a:lnT w="12700" cap="flat" cmpd="sng" algn="ctr">
+                          <a:solidFill>
+                            <a:schemeClr val="tx1"/>
+                          </a:solidFill>
+                          <a:prstDash val="solid"/>
+                          <a:round/>
+                          <a:headEnd type="none" w="med" len="med"/>
+                          <a:tailEnd type="none" w="med" len="med"/>
+                        </a:lnT>
+                        <a:lnB w="12700" cap="flat" cmpd="sng" algn="ctr">
+                          <a:solidFill>
+                            <a:schemeClr val="tx1"/>
+                          </a:solidFill>
+                          <a:prstDash val="solid"/>
+                          <a:round/>
+                          <a:headEnd type="none" w="med" len="med"/>
+                          <a:tailEnd type="none" w="med" len="med"/>
+                        </a:lnB>
+                        <a:blipFill>
+                          <a:blip r:embed="rId9"/>
+                          <a:stretch>
+                            <a:fillRect l="-376" t="-1538" r="-752" b="-3077"/>
+                          </a:stretch>
+                        </a:blipFill>
+                      </a:tcPr>
+                    </a:tc>
+                    <a:extLst>
+                      <a:ext uri="{0D108BD9-81ED-4DB2-BD59-A6C34878D82A}">
+                        <a16:rowId xmlns:a16="http://schemas.microsoft.com/office/drawing/2014/main" val="59841926"/>
+                      </a:ext>
+                    </a:extLst>
+                  </a:tr>
+                </a:tbl>
+              </a:graphicData>
+            </a:graphic>
+          </p:graphicFrame>
+        </mc:Fallback>
+      </mc:AlternateContent>
+      <mc:AlternateContent xmlns:mc="http://schemas.openxmlformats.org/markup-compatibility/2006">
+        <mc:Choice xmlns:a14="http://schemas.microsoft.com/office/drawing/2010/main" Requires="a14">
+          <p:graphicFrame>
+            <p:nvGraphicFramePr>
+              <p:cNvPr id="25" name="Tableau 24">
+                <a:extLst>
+                  <a:ext uri="{FF2B5EF4-FFF2-40B4-BE49-F238E27FC236}">
+                    <a16:creationId xmlns:a16="http://schemas.microsoft.com/office/drawing/2014/main" id="{DD79FB8D-F0AB-2F44-AA97-3B57B583B527}"/>
+                  </a:ext>
+                </a:extLst>
+              </p:cNvPr>
+              <p:cNvGraphicFramePr>
+                <a:graphicFrameLocks noGrp="1"/>
+              </p:cNvGraphicFramePr>
+              <p:nvPr>
+                <p:extLst>
+                  <p:ext uri="{D42A27DB-BD31-4B8C-83A1-F6EECF244321}">
+                    <p14:modId xmlns:p14="http://schemas.microsoft.com/office/powerpoint/2010/main" val="3025220953"/>
+                  </p:ext>
+                </p:extLst>
+              </p:nvPr>
+            </p:nvGraphicFramePr>
+            <p:xfrm>
+              <a:off x="8793805" y="3539513"/>
+              <a:ext cx="1615872" cy="346006"/>
+            </p:xfrm>
+            <a:graphic>
+              <a:graphicData uri="http://schemas.openxmlformats.org/drawingml/2006/table">
+                <a:tbl>
+                  <a:tblPr firstRow="1" bandRow="1">
+                    <a:tableStyleId>{5C22544A-7EE6-4342-B048-85BDC9FD1C3A}</a:tableStyleId>
+                  </a:tblPr>
+                  <a:tblGrid>
+                    <a:gridCol w="1615872">
+                      <a:extLst>
+                        <a:ext uri="{9D8B030D-6E8A-4147-A177-3AD203B41FA5}">
+                          <a16:colId xmlns:a16="http://schemas.microsoft.com/office/drawing/2014/main" val="4016422352"/>
+                        </a:ext>
+                      </a:extLst>
+                    </a:gridCol>
+                  </a:tblGrid>
+                  <a:tr h="346006">
+                    <a:tc>
+                      <a:txBody>
+                        <a:bodyPr/>
+                        <a:lstStyle/>
+                        <a:p>
+                          <a14:m>
+                            <m:oMathPara xmlns:m="http://schemas.openxmlformats.org/officeDocument/2006/math">
+                              <m:oMathParaPr>
+                                <m:jc m:val="centerGroup"/>
+                              </m:oMathParaPr>
+                              <m:oMath xmlns:m="http://schemas.openxmlformats.org/officeDocument/2006/math">
+                                <m:sSub>
+                                  <m:sSubPr>
+                                    <m:ctrlPr>
+                                      <a:rPr lang="fr-FR" sz="1400" b="1" i="1" kern="1200" dirty="0" smtClean="0">
+                                        <a:solidFill>
+                                          <a:schemeClr val="tx1"/>
+                                        </a:solidFill>
+                                        <a:latin typeface="Cambria Math" panose="02040503050406030204" pitchFamily="18" charset="0"/>
+                                        <a:ea typeface="+mn-ea"/>
+                                        <a:cs typeface="+mn-cs"/>
+                                      </a:rPr>
+                                    </m:ctrlPr>
+                                  </m:sSubPr>
+                                  <m:e>
+                                    <m:r>
+                                      <a:rPr lang="fr-FR" sz="1400" b="1" i="1" kern="1200" dirty="0" smtClean="0">
+                                        <a:solidFill>
+                                          <a:schemeClr val="tx1"/>
+                                        </a:solidFill>
+                                        <a:latin typeface="Cambria Math" panose="02040503050406030204" pitchFamily="18" charset="0"/>
+                                        <a:ea typeface="+mn-ea"/>
+                                        <a:cs typeface="+mn-cs"/>
+                                      </a:rPr>
+                                      <m:t>𝒀</m:t>
+                                    </m:r>
+                                  </m:e>
+                                  <m:sub>
+                                    <m:r>
+                                      <a:rPr lang="fr-FR" sz="1400" b="1" i="1" kern="1200" dirty="0" smtClean="0">
+                                        <a:solidFill>
+                                          <a:schemeClr val="tx1"/>
+                                        </a:solidFill>
+                                        <a:latin typeface="Cambria Math" panose="02040503050406030204" pitchFamily="18" charset="0"/>
+                                        <a:ea typeface="+mn-ea"/>
+                                        <a:cs typeface="+mn-cs"/>
+                                      </a:rPr>
+                                      <m:t>𝑵</m:t>
+                                    </m:r>
+                                  </m:sub>
+                                </m:sSub>
+                              </m:oMath>
+                            </m:oMathPara>
+                          </a14:m>
+                          <a:endParaRPr lang="fr-FR" sz="1400" b="1" i="1" kern="1200" dirty="0">
+                            <a:solidFill>
+                              <a:schemeClr val="tx1"/>
+                            </a:solidFill>
+                            <a:latin typeface="Cambria Math" panose="02040503050406030204" pitchFamily="18" charset="0"/>
+                            <a:ea typeface="+mn-ea"/>
+                            <a:cs typeface="+mn-cs"/>
+                          </a:endParaRPr>
+                        </a:p>
+                      </a:txBody>
+                      <a:tcPr>
+                        <a:lnL w="12700" cap="flat" cmpd="sng" algn="ctr">
+                          <a:solidFill>
+                            <a:schemeClr val="tx1"/>
+                          </a:solidFill>
+                          <a:prstDash val="solid"/>
+                          <a:round/>
+                          <a:headEnd type="none" w="med" len="med"/>
+                          <a:tailEnd type="none" w="med" len="med"/>
+                        </a:lnL>
+                        <a:lnR w="12700" cap="flat" cmpd="sng" algn="ctr">
+                          <a:solidFill>
+                            <a:schemeClr val="tx1"/>
+                          </a:solidFill>
+                          <a:prstDash val="solid"/>
+                          <a:round/>
+                          <a:headEnd type="none" w="med" len="med"/>
+                          <a:tailEnd type="none" w="med" len="med"/>
+                        </a:lnR>
+                        <a:lnT w="12700" cap="flat" cmpd="sng" algn="ctr">
+                          <a:solidFill>
+                            <a:schemeClr val="tx1"/>
+                          </a:solidFill>
+                          <a:prstDash val="solid"/>
+                          <a:round/>
+                          <a:headEnd type="none" w="med" len="med"/>
+                          <a:tailEnd type="none" w="med" len="med"/>
+                        </a:lnT>
+                        <a:lnB w="12700" cap="flat" cmpd="sng" algn="ctr">
+                          <a:solidFill>
+                            <a:schemeClr val="tx1"/>
+                          </a:solidFill>
+                          <a:prstDash val="solid"/>
+                          <a:round/>
+                          <a:headEnd type="none" w="med" len="med"/>
+                          <a:tailEnd type="none" w="med" len="med"/>
+                        </a:lnB>
+                        <a:solidFill>
+                          <a:schemeClr val="accent6">
+                            <a:alpha val="50000"/>
+                          </a:schemeClr>
+                        </a:solidFill>
+                      </a:tcPr>
+                    </a:tc>
+                    <a:extLst>
+                      <a:ext uri="{0D108BD9-81ED-4DB2-BD59-A6C34878D82A}">
+                        <a16:rowId xmlns:a16="http://schemas.microsoft.com/office/drawing/2014/main" val="59841926"/>
+                      </a:ext>
+                    </a:extLst>
+                  </a:tr>
+                </a:tbl>
+              </a:graphicData>
+            </a:graphic>
+          </p:graphicFrame>
+        </mc:Choice>
+        <mc:Fallback>
+          <p:graphicFrame>
+            <p:nvGraphicFramePr>
+              <p:cNvPr id="25" name="Tableau 24">
+                <a:extLst>
+                  <a:ext uri="{FF2B5EF4-FFF2-40B4-BE49-F238E27FC236}">
+                    <a16:creationId xmlns:a16="http://schemas.microsoft.com/office/drawing/2014/main" id="{DD79FB8D-F0AB-2F44-AA97-3B57B583B527}"/>
+                  </a:ext>
+                </a:extLst>
+              </p:cNvPr>
+              <p:cNvGraphicFramePr>
+                <a:graphicFrameLocks noGrp="1"/>
+              </p:cNvGraphicFramePr>
+              <p:nvPr>
+                <p:extLst>
+                  <p:ext uri="{D42A27DB-BD31-4B8C-83A1-F6EECF244321}">
+                    <p14:modId xmlns:p14="http://schemas.microsoft.com/office/powerpoint/2010/main" val="3025220953"/>
+                  </p:ext>
+                </p:extLst>
+              </p:nvPr>
+            </p:nvGraphicFramePr>
+            <p:xfrm>
+              <a:off x="8793805" y="3539513"/>
+              <a:ext cx="1615872" cy="346006"/>
+            </p:xfrm>
+            <a:graphic>
+              <a:graphicData uri="http://schemas.openxmlformats.org/drawingml/2006/table">
+                <a:tbl>
+                  <a:tblPr firstRow="1" bandRow="1">
+                    <a:tableStyleId>{5C22544A-7EE6-4342-B048-85BDC9FD1C3A}</a:tableStyleId>
+                  </a:tblPr>
+                  <a:tblGrid>
+                    <a:gridCol w="1615872">
+                      <a:extLst>
+                        <a:ext uri="{9D8B030D-6E8A-4147-A177-3AD203B41FA5}">
+                          <a16:colId xmlns:a16="http://schemas.microsoft.com/office/drawing/2014/main" val="4016422352"/>
+                        </a:ext>
+                      </a:extLst>
+                    </a:gridCol>
+                  </a:tblGrid>
+                  <a:tr h="346006">
+                    <a:tc>
+                      <a:txBody>
+                        <a:bodyPr/>
+                        <a:lstStyle/>
+                        <a:p>
+                          <a:endParaRPr lang="fr-FR"/>
+                        </a:p>
+                      </a:txBody>
+                      <a:tcPr>
+                        <a:lnL w="12700" cap="flat" cmpd="sng" algn="ctr">
+                          <a:solidFill>
+                            <a:schemeClr val="tx1"/>
+                          </a:solidFill>
+                          <a:prstDash val="solid"/>
+                          <a:round/>
+                          <a:headEnd type="none" w="med" len="med"/>
+                          <a:tailEnd type="none" w="med" len="med"/>
+                        </a:lnL>
+                        <a:lnR w="12700" cap="flat" cmpd="sng" algn="ctr">
+                          <a:solidFill>
+                            <a:schemeClr val="tx1"/>
+                          </a:solidFill>
+                          <a:prstDash val="solid"/>
+                          <a:round/>
+                          <a:headEnd type="none" w="med" len="med"/>
+                          <a:tailEnd type="none" w="med" len="med"/>
+                        </a:lnR>
+                        <a:lnT w="12700" cap="flat" cmpd="sng" algn="ctr">
+                          <a:solidFill>
+                            <a:schemeClr val="tx1"/>
+                          </a:solidFill>
+                          <a:prstDash val="solid"/>
+                          <a:round/>
+                          <a:headEnd type="none" w="med" len="med"/>
+                          <a:tailEnd type="none" w="med" len="med"/>
+                        </a:lnT>
+                        <a:lnB w="12700" cap="flat" cmpd="sng" algn="ctr">
+                          <a:solidFill>
+                            <a:schemeClr val="tx1"/>
+                          </a:solidFill>
+                          <a:prstDash val="solid"/>
+                          <a:round/>
+                          <a:headEnd type="none" w="med" len="med"/>
+                          <a:tailEnd type="none" w="med" len="med"/>
+                        </a:lnB>
+                        <a:blipFill>
+                          <a:blip r:embed="rId10"/>
+                          <a:stretch>
+                            <a:fillRect l="-376" t="-1724" r="-752" b="-3448"/>
+                          </a:stretch>
+                        </a:blipFill>
+                      </a:tcPr>
+                    </a:tc>
+                    <a:extLst>
+                      <a:ext uri="{0D108BD9-81ED-4DB2-BD59-A6C34878D82A}">
+                        <a16:rowId xmlns:a16="http://schemas.microsoft.com/office/drawing/2014/main" val="59841926"/>
+                      </a:ext>
+                    </a:extLst>
+                  </a:tr>
+                </a:tbl>
+              </a:graphicData>
+            </a:graphic>
+          </p:graphicFrame>
+        </mc:Fallback>
+      </mc:AlternateContent>
+      <p:cxnSp>
+        <p:nvCxnSpPr>
+          <p:cNvPr id="26" name="Connecteur droit avec flèche 25">
+            <a:extLst>
+              <a:ext uri="{FF2B5EF4-FFF2-40B4-BE49-F238E27FC236}">
+                <a16:creationId xmlns:a16="http://schemas.microsoft.com/office/drawing/2014/main" id="{1E4B6918-39C4-8916-967E-C0F00CB333E6}"/>
+              </a:ext>
+            </a:extLst>
+          </p:cNvPr>
+          <p:cNvCxnSpPr>
+            <a:cxnSpLocks/>
+            <a:stCxn id="22" idx="3"/>
+            <a:endCxn id="25" idx="1"/>
+          </p:cNvCxnSpPr>
+          <p:nvPr/>
+        </p:nvCxnSpPr>
+        <p:spPr>
+          <a:xfrm flipV="1">
+            <a:off x="7936009" y="3712516"/>
+            <a:ext cx="857796" cy="15418"/>
+          </a:xfrm>
+          <a:prstGeom prst="straightConnector1">
+            <a:avLst/>
+          </a:prstGeom>
+          <a:ln>
+            <a:tailEnd type="triangle"/>
+          </a:ln>
+        </p:spPr>
+        <p:style>
+          <a:lnRef idx="1">
+            <a:schemeClr val="accent1"/>
+          </a:lnRef>
+          <a:fillRef idx="0">
+            <a:schemeClr val="accent1"/>
+          </a:fillRef>
+          <a:effectRef idx="0">
+            <a:schemeClr val="accent1"/>
+          </a:effectRef>
+          <a:fontRef idx="minor">
+            <a:schemeClr val="tx1"/>
+          </a:fontRef>
+        </p:style>
+      </p:cxnSp>
+      <p:cxnSp>
+        <p:nvCxnSpPr>
+          <p:cNvPr id="52" name="Connecteur droit avec flèche 51">
+            <a:extLst>
+              <a:ext uri="{FF2B5EF4-FFF2-40B4-BE49-F238E27FC236}">
+                <a16:creationId xmlns:a16="http://schemas.microsoft.com/office/drawing/2014/main" id="{3353947D-4BCD-27F9-880E-CCE92E614FE2}"/>
+              </a:ext>
+            </a:extLst>
+          </p:cNvPr>
+          <p:cNvCxnSpPr>
+            <a:cxnSpLocks/>
+            <a:stCxn id="15" idx="3"/>
+            <a:endCxn id="19" idx="1"/>
+          </p:cNvCxnSpPr>
+          <p:nvPr/>
+        </p:nvCxnSpPr>
+        <p:spPr>
+          <a:xfrm>
+            <a:off x="6381063" y="2118545"/>
+            <a:ext cx="2412742" cy="0"/>
+          </a:xfrm>
+          <a:prstGeom prst="straightConnector1">
+            <a:avLst/>
+          </a:prstGeom>
+          <a:ln>
+            <a:tailEnd type="triangle"/>
+          </a:ln>
+        </p:spPr>
+        <p:style>
+          <a:lnRef idx="1">
+            <a:schemeClr val="accent1"/>
+          </a:lnRef>
+          <a:fillRef idx="0">
+            <a:schemeClr val="accent1"/>
+          </a:fillRef>
+          <a:effectRef idx="0">
+            <a:schemeClr val="accent1"/>
+          </a:effectRef>
+          <a:fontRef idx="minor">
+            <a:schemeClr val="tx1"/>
+          </a:fontRef>
+        </p:style>
+      </p:cxnSp>
+      <p:graphicFrame>
+        <p:nvGraphicFramePr>
+          <p:cNvPr id="67" name="Tableau 66">
+            <a:extLst>
+              <a:ext uri="{FF2B5EF4-FFF2-40B4-BE49-F238E27FC236}">
+                <a16:creationId xmlns:a16="http://schemas.microsoft.com/office/drawing/2014/main" id="{7A28CB96-D905-79C4-E3E9-CEABDFB71230}"/>
+              </a:ext>
+            </a:extLst>
+          </p:cNvPr>
+          <p:cNvGraphicFramePr>
+            <a:graphicFrameLocks noGrp="1"/>
+          </p:cNvGraphicFramePr>
+          <p:nvPr>
+            <p:extLst>
+              <p:ext uri="{D42A27DB-BD31-4B8C-83A1-F6EECF244321}">
+                <p14:modId xmlns:p14="http://schemas.microsoft.com/office/powerpoint/2010/main" val="3279519935"/>
+              </p:ext>
+            </p:extLst>
+          </p:nvPr>
+        </p:nvGraphicFramePr>
+        <p:xfrm>
+          <a:off x="9393461" y="2468551"/>
+          <a:ext cx="208280" cy="914400"/>
+        </p:xfrm>
+        <a:graphic>
+          <a:graphicData uri="http://schemas.openxmlformats.org/drawingml/2006/table">
+            <a:tbl>
+              <a:tblPr firstRow="1" bandRow="1">
+                <a:tableStyleId>{5C22544A-7EE6-4342-B048-85BDC9FD1C3A}</a:tableStyleId>
+              </a:tblPr>
+              <a:tblGrid>
+                <a:gridCol w="208280">
+                  <a:extLst>
+                    <a:ext uri="{9D8B030D-6E8A-4147-A177-3AD203B41FA5}">
+                      <a16:colId xmlns:a16="http://schemas.microsoft.com/office/drawing/2014/main" val="3593916471"/>
+                    </a:ext>
+                  </a:extLst>
+                </a:gridCol>
+              </a:tblGrid>
+              <a:tr h="832523">
+                <a:tc>
+                  <a:txBody>
+                    <a:bodyPr/>
+                    <a:lstStyle/>
+                    <a:p>
+                      <a:r>
+                        <a:rPr lang="fr-FR" dirty="0">
+                          <a:solidFill>
+                            <a:schemeClr val="tx1"/>
+                          </a:solidFill>
+                        </a:rPr>
+                        <a:t>.</a:t>
+                      </a:r>
+                    </a:p>
+                    <a:p>
+                      <a:r>
+                        <a:rPr lang="fr-FR" dirty="0">
+                          <a:solidFill>
+                            <a:schemeClr val="tx1"/>
+                          </a:solidFill>
+                        </a:rPr>
+                        <a:t>.</a:t>
+                      </a:r>
+                    </a:p>
+                    <a:p>
+                      <a:r>
+                        <a:rPr lang="fr-FR" dirty="0">
+                          <a:solidFill>
+                            <a:schemeClr val="tx1"/>
+                          </a:solidFill>
+                        </a:rPr>
+                        <a:t>.</a:t>
+                      </a:r>
+                    </a:p>
+                  </a:txBody>
+                  <a:tcPr>
+                    <a:lnL w="12700" cmpd="sng">
+                      <a:noFill/>
+                    </a:lnL>
+                    <a:lnR w="12700" cmpd="sng">
+                      <a:noFill/>
+                    </a:lnR>
+                    <a:lnT w="12700" cmpd="sng">
+                      <a:noFill/>
+                    </a:lnT>
+                    <a:lnB w="38100" cmpd="sng">
+                      <a:noFill/>
+                    </a:lnB>
+                    <a:lnTlToBr w="12700" cmpd="sng">
+                      <a:noFill/>
+                      <a:prstDash val="solid"/>
+                    </a:lnTlToBr>
+                    <a:lnBlToTr w="12700" cmpd="sng">
+                      <a:noFill/>
+                      <a:prstDash val="solid"/>
+                    </a:lnBlToTr>
+                    <a:noFill/>
+                  </a:tcPr>
+                </a:tc>
+                <a:extLst>
+                  <a:ext uri="{0D108BD9-81ED-4DB2-BD59-A6C34878D82A}">
+                    <a16:rowId xmlns:a16="http://schemas.microsoft.com/office/drawing/2014/main" val="729885432"/>
+                  </a:ext>
+                </a:extLst>
+              </a:tr>
+            </a:tbl>
+          </a:graphicData>
+        </a:graphic>
+      </p:graphicFrame>
+      <p:graphicFrame>
+        <p:nvGraphicFramePr>
+          <p:cNvPr id="68" name="Tableau 67">
+            <a:extLst>
+              <a:ext uri="{FF2B5EF4-FFF2-40B4-BE49-F238E27FC236}">
+                <a16:creationId xmlns:a16="http://schemas.microsoft.com/office/drawing/2014/main" id="{D17EF9D0-885F-8036-20F3-2448AEF1C1B7}"/>
+              </a:ext>
+            </a:extLst>
+          </p:cNvPr>
+          <p:cNvGraphicFramePr>
+            <a:graphicFrameLocks noGrp="1"/>
+          </p:cNvGraphicFramePr>
+          <p:nvPr>
+            <p:extLst>
+              <p:ext uri="{D42A27DB-BD31-4B8C-83A1-F6EECF244321}">
+                <p14:modId xmlns:p14="http://schemas.microsoft.com/office/powerpoint/2010/main" val="1109905665"/>
+              </p:ext>
+            </p:extLst>
+          </p:nvPr>
+        </p:nvGraphicFramePr>
+        <p:xfrm>
+          <a:off x="5308278" y="2379045"/>
+          <a:ext cx="208280" cy="914400"/>
+        </p:xfrm>
+        <a:graphic>
+          <a:graphicData uri="http://schemas.openxmlformats.org/drawingml/2006/table">
+            <a:tbl>
+              <a:tblPr firstRow="1" bandRow="1">
+                <a:tableStyleId>{5C22544A-7EE6-4342-B048-85BDC9FD1C3A}</a:tableStyleId>
+              </a:tblPr>
+              <a:tblGrid>
+                <a:gridCol w="208280">
+                  <a:extLst>
+                    <a:ext uri="{9D8B030D-6E8A-4147-A177-3AD203B41FA5}">
+                      <a16:colId xmlns:a16="http://schemas.microsoft.com/office/drawing/2014/main" val="3593916471"/>
+                    </a:ext>
+                  </a:extLst>
+                </a:gridCol>
+              </a:tblGrid>
+              <a:tr h="832523">
+                <a:tc>
+                  <a:txBody>
+                    <a:bodyPr/>
+                    <a:lstStyle/>
+                    <a:p>
+                      <a:r>
+                        <a:rPr lang="fr-FR" dirty="0">
+                          <a:solidFill>
+                            <a:schemeClr val="tx1"/>
+                          </a:solidFill>
+                        </a:rPr>
+                        <a:t>.</a:t>
+                      </a:r>
+                    </a:p>
+                    <a:p>
+                      <a:r>
+                        <a:rPr lang="fr-FR" dirty="0">
+                          <a:solidFill>
+                            <a:schemeClr val="tx1"/>
+                          </a:solidFill>
+                        </a:rPr>
+                        <a:t>.</a:t>
+                      </a:r>
+                    </a:p>
+                    <a:p>
+                      <a:r>
+                        <a:rPr lang="fr-FR" dirty="0">
+                          <a:solidFill>
+                            <a:schemeClr val="tx1"/>
+                          </a:solidFill>
+                        </a:rPr>
+                        <a:t>.</a:t>
+                      </a:r>
+                    </a:p>
+                  </a:txBody>
+                  <a:tcPr>
+                    <a:lnL w="12700" cmpd="sng">
+                      <a:noFill/>
+                    </a:lnL>
+                    <a:lnR w="12700" cmpd="sng">
+                      <a:noFill/>
+                    </a:lnR>
+                    <a:lnT w="12700" cmpd="sng">
+                      <a:noFill/>
+                    </a:lnT>
+                    <a:lnB w="38100" cmpd="sng">
+                      <a:noFill/>
+                    </a:lnB>
+                    <a:lnTlToBr w="12700" cmpd="sng">
+                      <a:noFill/>
+                      <a:prstDash val="solid"/>
+                    </a:lnTlToBr>
+                    <a:lnBlToTr w="12700" cmpd="sng">
+                      <a:noFill/>
+                      <a:prstDash val="solid"/>
+                    </a:lnBlToTr>
+                    <a:noFill/>
+                  </a:tcPr>
+                </a:tc>
+                <a:extLst>
+                  <a:ext uri="{0D108BD9-81ED-4DB2-BD59-A6C34878D82A}">
+                    <a16:rowId xmlns:a16="http://schemas.microsoft.com/office/drawing/2014/main" val="729885432"/>
+                  </a:ext>
+                </a:extLst>
+              </a:tr>
+            </a:tbl>
+          </a:graphicData>
+        </a:graphic>
+      </p:graphicFrame>
+      <p:graphicFrame>
+        <p:nvGraphicFramePr>
+          <p:cNvPr id="69" name="Tableau 68">
+            <a:extLst>
+              <a:ext uri="{FF2B5EF4-FFF2-40B4-BE49-F238E27FC236}">
+                <a16:creationId xmlns:a16="http://schemas.microsoft.com/office/drawing/2014/main" id="{48415FAD-33F6-BCA3-4939-86D3BAB7EEF1}"/>
+              </a:ext>
+            </a:extLst>
+          </p:cNvPr>
+          <p:cNvGraphicFramePr>
+            <a:graphicFrameLocks noGrp="1"/>
+          </p:cNvGraphicFramePr>
+          <p:nvPr>
+            <p:extLst>
+              <p:ext uri="{D42A27DB-BD31-4B8C-83A1-F6EECF244321}">
+                <p14:modId xmlns:p14="http://schemas.microsoft.com/office/powerpoint/2010/main" val="3688789628"/>
+              </p:ext>
+            </p:extLst>
+          </p:nvPr>
+        </p:nvGraphicFramePr>
+        <p:xfrm>
+          <a:off x="0" y="826258"/>
+          <a:ext cx="1643974" cy="304800"/>
+        </p:xfrm>
+        <a:graphic>
+          <a:graphicData uri="http://schemas.openxmlformats.org/drawingml/2006/table">
+            <a:tbl>
+              <a:tblPr firstRow="1" bandRow="1">
+                <a:tableStyleId>{5C22544A-7EE6-4342-B048-85BDC9FD1C3A}</a:tableStyleId>
+              </a:tblPr>
+              <a:tblGrid>
+                <a:gridCol w="1643974">
+                  <a:extLst>
+                    <a:ext uri="{9D8B030D-6E8A-4147-A177-3AD203B41FA5}">
+                      <a16:colId xmlns:a16="http://schemas.microsoft.com/office/drawing/2014/main" val="3593916471"/>
+                    </a:ext>
+                  </a:extLst>
+                </a:gridCol>
+              </a:tblGrid>
+              <a:tr h="183711">
+                <a:tc>
+                  <a:txBody>
+                    <a:bodyPr/>
+                    <a:lstStyle/>
+                    <a:p>
+                      <a:r>
+                        <a:rPr lang="fr-FR" sz="1400" dirty="0">
+                          <a:solidFill>
+                            <a:schemeClr val="tx1"/>
+                          </a:solidFill>
+                        </a:rPr>
+                        <a:t>Variables exogènes</a:t>
+                      </a:r>
+                    </a:p>
+                  </a:txBody>
+                  <a:tcPr>
+                    <a:lnL w="12700" cmpd="sng">
+                      <a:noFill/>
+                    </a:lnL>
+                    <a:lnR w="12700" cmpd="sng">
+                      <a:noFill/>
+                    </a:lnR>
+                    <a:lnT w="12700" cmpd="sng">
+                      <a:noFill/>
+                    </a:lnT>
+                    <a:lnB w="38100" cmpd="sng">
+                      <a:noFill/>
+                    </a:lnB>
+                    <a:lnTlToBr w="12700" cmpd="sng">
+                      <a:noFill/>
+                      <a:prstDash val="solid"/>
+                    </a:lnTlToBr>
+                    <a:lnBlToTr w="12700" cmpd="sng">
+                      <a:noFill/>
+                      <a:prstDash val="solid"/>
+                    </a:lnBlToTr>
+                    <a:noFill/>
+                  </a:tcPr>
+                </a:tc>
+                <a:extLst>
+                  <a:ext uri="{0D108BD9-81ED-4DB2-BD59-A6C34878D82A}">
+                    <a16:rowId xmlns:a16="http://schemas.microsoft.com/office/drawing/2014/main" val="729885432"/>
+                  </a:ext>
+                </a:extLst>
+              </a:tr>
+            </a:tbl>
+          </a:graphicData>
+        </a:graphic>
+      </p:graphicFrame>
+      <p:graphicFrame>
+        <p:nvGraphicFramePr>
+          <p:cNvPr id="70" name="Tableau 69">
+            <a:extLst>
+              <a:ext uri="{FF2B5EF4-FFF2-40B4-BE49-F238E27FC236}">
+                <a16:creationId xmlns:a16="http://schemas.microsoft.com/office/drawing/2014/main" id="{BADD23DA-92FE-D1F1-2305-9DCBA94BDA86}"/>
+              </a:ext>
+            </a:extLst>
+          </p:cNvPr>
+          <p:cNvGraphicFramePr>
+            <a:graphicFrameLocks noGrp="1"/>
+          </p:cNvGraphicFramePr>
+          <p:nvPr>
+            <p:extLst>
+              <p:ext uri="{D42A27DB-BD31-4B8C-83A1-F6EECF244321}">
+                <p14:modId xmlns:p14="http://schemas.microsoft.com/office/powerpoint/2010/main" val="1094222673"/>
+              </p:ext>
+            </p:extLst>
+          </p:nvPr>
+        </p:nvGraphicFramePr>
+        <p:xfrm>
+          <a:off x="8331669" y="670915"/>
+          <a:ext cx="3093396" cy="304800"/>
+        </p:xfrm>
+        <a:graphic>
+          <a:graphicData uri="http://schemas.openxmlformats.org/drawingml/2006/table">
+            <a:tbl>
+              <a:tblPr firstRow="1" bandRow="1">
+                <a:tableStyleId>{5C22544A-7EE6-4342-B048-85BDC9FD1C3A}</a:tableStyleId>
+              </a:tblPr>
+              <a:tblGrid>
+                <a:gridCol w="3093396">
+                  <a:extLst>
+                    <a:ext uri="{9D8B030D-6E8A-4147-A177-3AD203B41FA5}">
+                      <a16:colId xmlns:a16="http://schemas.microsoft.com/office/drawing/2014/main" val="3593916471"/>
+                    </a:ext>
+                  </a:extLst>
+                </a:gridCol>
+              </a:tblGrid>
+              <a:tr h="304800">
+                <a:tc>
+                  <a:txBody>
+                    <a:bodyPr/>
+                    <a:lstStyle/>
+                    <a:p>
+                      <a:r>
+                        <a:rPr lang="fr-FR" sz="1400" dirty="0">
+                          <a:solidFill>
+                            <a:schemeClr val="tx1"/>
+                          </a:solidFill>
+                        </a:rPr>
+                        <a:t>Valeurs futures de la Variable cible</a:t>
+                      </a:r>
+                    </a:p>
+                  </a:txBody>
+                  <a:tcPr>
+                    <a:lnL w="12700" cmpd="sng">
+                      <a:noFill/>
+                    </a:lnL>
+                    <a:lnR w="12700" cmpd="sng">
+                      <a:noFill/>
+                    </a:lnR>
+                    <a:lnT w="12700" cmpd="sng">
+                      <a:noFill/>
+                    </a:lnT>
+                    <a:lnB w="38100" cmpd="sng">
+                      <a:noFill/>
+                    </a:lnB>
+                    <a:lnTlToBr w="12700" cmpd="sng">
+                      <a:noFill/>
+                      <a:prstDash val="solid"/>
+                    </a:lnTlToBr>
+                    <a:lnBlToTr w="12700" cmpd="sng">
+                      <a:noFill/>
+                      <a:prstDash val="solid"/>
+                    </a:lnBlToTr>
+                    <a:noFill/>
+                  </a:tcPr>
+                </a:tc>
+                <a:extLst>
+                  <a:ext uri="{0D108BD9-81ED-4DB2-BD59-A6C34878D82A}">
+                    <a16:rowId xmlns:a16="http://schemas.microsoft.com/office/drawing/2014/main" val="729885432"/>
+                  </a:ext>
+                </a:extLst>
+              </a:tr>
+            </a:tbl>
+          </a:graphicData>
+        </a:graphic>
+      </p:graphicFrame>
+      <p:graphicFrame>
+        <p:nvGraphicFramePr>
+          <p:cNvPr id="71" name="Tableau 70">
+            <a:extLst>
+              <a:ext uri="{FF2B5EF4-FFF2-40B4-BE49-F238E27FC236}">
+                <a16:creationId xmlns:a16="http://schemas.microsoft.com/office/drawing/2014/main" id="{865D701D-16B2-7123-7E34-2933868E7B4B}"/>
+              </a:ext>
+            </a:extLst>
+          </p:cNvPr>
+          <p:cNvGraphicFramePr>
+            <a:graphicFrameLocks noGrp="1"/>
+          </p:cNvGraphicFramePr>
+          <p:nvPr>
+            <p:extLst>
+              <p:ext uri="{D42A27DB-BD31-4B8C-83A1-F6EECF244321}">
+                <p14:modId xmlns:p14="http://schemas.microsoft.com/office/powerpoint/2010/main" val="1006364247"/>
+              </p:ext>
+            </p:extLst>
+          </p:nvPr>
+        </p:nvGraphicFramePr>
+        <p:xfrm>
+          <a:off x="-1" y="1184123"/>
+          <a:ext cx="1951127" cy="518160"/>
+        </p:xfrm>
+        <a:graphic>
+          <a:graphicData uri="http://schemas.openxmlformats.org/drawingml/2006/table">
+            <a:tbl>
+              <a:tblPr firstRow="1" bandRow="1">
+                <a:tableStyleId>{5C22544A-7EE6-4342-B048-85BDC9FD1C3A}</a:tableStyleId>
+              </a:tblPr>
+              <a:tblGrid>
+                <a:gridCol w="1951127">
+                  <a:extLst>
+                    <a:ext uri="{9D8B030D-6E8A-4147-A177-3AD203B41FA5}">
+                      <a16:colId xmlns:a16="http://schemas.microsoft.com/office/drawing/2014/main" val="3593916471"/>
+                    </a:ext>
+                  </a:extLst>
+                </a:gridCol>
+              </a:tblGrid>
+              <a:tr h="408019">
+                <a:tc>
+                  <a:txBody>
+                    <a:bodyPr/>
+                    <a:lstStyle/>
+                    <a:p>
+                      <a:r>
+                        <a:rPr lang="fr-FR" sz="1400" dirty="0">
+                          <a:solidFill>
+                            <a:schemeClr val="tx1"/>
+                          </a:solidFill>
+                        </a:rPr>
+                        <a:t>Valeurs passées de la variable cible</a:t>
+                      </a:r>
+                    </a:p>
+                  </a:txBody>
+                  <a:tcPr>
+                    <a:lnL w="12700" cmpd="sng">
+                      <a:noFill/>
+                    </a:lnL>
+                    <a:lnR w="12700" cmpd="sng">
+                      <a:noFill/>
+                    </a:lnR>
+                    <a:lnT w="12700" cmpd="sng">
+                      <a:noFill/>
+                    </a:lnT>
+                    <a:lnB w="38100" cmpd="sng">
+                      <a:noFill/>
+                    </a:lnB>
+                    <a:lnTlToBr w="12700" cmpd="sng">
+                      <a:noFill/>
+                      <a:prstDash val="solid"/>
+                    </a:lnTlToBr>
+                    <a:lnBlToTr w="12700" cmpd="sng">
+                      <a:noFill/>
+                      <a:prstDash val="solid"/>
+                    </a:lnBlToTr>
+                    <a:noFill/>
+                  </a:tcPr>
+                </a:tc>
+                <a:extLst>
+                  <a:ext uri="{0D108BD9-81ED-4DB2-BD59-A6C34878D82A}">
+                    <a16:rowId xmlns:a16="http://schemas.microsoft.com/office/drawing/2014/main" val="729885432"/>
+                  </a:ext>
+                </a:extLst>
+              </a:tr>
+            </a:tbl>
+          </a:graphicData>
+        </a:graphic>
+      </p:graphicFrame>
+    </p:spTree>
+    <p:extLst>
+      <p:ext uri="{BB962C8B-B14F-4D97-AF65-F5344CB8AC3E}">
+        <p14:creationId xmlns:p14="http://schemas.microsoft.com/office/powerpoint/2010/main" val="2069662666"/>
+      </p:ext>
+    </p:extLst>
+  </p:cSld>
+  <p:clrMapOvr>
+    <a:masterClrMapping/>
+  </p:clrMapOvr>
+</p:sld>
+</file>
+
+<file path=ppt/slides/slide4.xml><?xml version="1.0" encoding="utf-8"?>
+<p:sld xmlns:a="http://schemas.openxmlformats.org/drawingml/2006/main" xmlns:r="http://schemas.openxmlformats.org/officeDocument/2006/relationships" xmlns:p="http://schemas.openxmlformats.org/presentationml/2006/main">
+  <p:cSld>
+    <p:spTree>
+      <p:nvGrpSpPr>
+        <p:cNvPr id="1" name=""/>
+        <p:cNvGrpSpPr/>
+        <p:nvPr/>
+      </p:nvGrpSpPr>
+      <p:grpSpPr>
+        <a:xfrm>
+          <a:off x="0" y="0"/>
+          <a:ext cx="0" cy="0"/>
+          <a:chOff x="0" y="0"/>
+          <a:chExt cx="0" cy="0"/>
+        </a:xfrm>
+      </p:grpSpPr>
+      <p:sp>
+        <p:nvSpPr>
+          <p:cNvPr id="9" name="ZoneTexte 8">
+            <a:extLst>
+              <a:ext uri="{FF2B5EF4-FFF2-40B4-BE49-F238E27FC236}">
+                <a16:creationId xmlns:a16="http://schemas.microsoft.com/office/drawing/2014/main" id="{3B035DB8-7313-61FC-17A2-9A7761FE2A12}"/>
+              </a:ext>
+            </a:extLst>
+          </p:cNvPr>
+          <p:cNvSpPr txBox="1"/>
+          <p:nvPr/>
+        </p:nvSpPr>
+        <p:spPr>
+          <a:xfrm>
+            <a:off x="2580261" y="408960"/>
+            <a:ext cx="6094378" cy="923330"/>
+          </a:xfrm>
+          <a:prstGeom prst="rect">
+            <a:avLst/>
+          </a:prstGeom>
+          <a:noFill/>
+        </p:spPr>
+        <p:txBody>
+          <a:bodyPr wrap="square">
+            <a:spAutoFit/>
+          </a:bodyPr>
+          <a:lstStyle/>
+          <a:p>
+            <a:r>
+              <a:rPr lang="fr-FR" dirty="0"/>
+              <a:t>Input (24, </a:t>
+            </a:r>
+            <a:r>
+              <a:rPr lang="fr-FR" dirty="0" err="1"/>
+              <a:t>features</a:t>
+            </a:r>
+            <a:r>
+              <a:rPr lang="fr-FR" dirty="0"/>
+              <a:t>)  ↓LSTM (256 </a:t>
+            </a:r>
+            <a:r>
+              <a:rPr lang="fr-FR" dirty="0" err="1"/>
+              <a:t>units</a:t>
+            </a:r>
+            <a:r>
+              <a:rPr lang="fr-FR" dirty="0"/>
+              <a:t>, </a:t>
+            </a:r>
+            <a:r>
+              <a:rPr lang="fr-FR" dirty="0" err="1"/>
+              <a:t>return_sequences</a:t>
+            </a:r>
+            <a:r>
+              <a:rPr lang="fr-FR" dirty="0"/>
+              <a:t>=</a:t>
+            </a:r>
+            <a:r>
+              <a:rPr lang="fr-FR" dirty="0" err="1"/>
+              <a:t>True</a:t>
+            </a:r>
+            <a:r>
+              <a:rPr lang="fr-FR" dirty="0"/>
+              <a:t>)  ↓LSTM (256 </a:t>
+            </a:r>
+            <a:r>
+              <a:rPr lang="fr-FR" dirty="0" err="1"/>
+              <a:t>units</a:t>
+            </a:r>
+            <a:r>
+              <a:rPr lang="fr-FR" dirty="0"/>
+              <a:t>)  ↓Dense (256 </a:t>
+            </a:r>
+            <a:r>
+              <a:rPr lang="fr-FR" dirty="0" err="1"/>
+              <a:t>units</a:t>
+            </a:r>
+            <a:r>
+              <a:rPr lang="fr-FR" dirty="0"/>
+              <a:t>)  ↓Dense (1 unit, output)</a:t>
+            </a:r>
+          </a:p>
+        </p:txBody>
+      </p:sp>
+    </p:spTree>
+    <p:extLst>
+      <p:ext uri="{BB962C8B-B14F-4D97-AF65-F5344CB8AC3E}">
+        <p14:creationId xmlns:p14="http://schemas.microsoft.com/office/powerpoint/2010/main" val="1310514804"/>
+      </p:ext>
+    </p:extLst>
+  </p:cSld>
+  <p:clrMapOvr>
+    <a:masterClrMapping/>
+  </p:clrMapOvr>
+</p:sld>
+</file>
+
+<file path=ppt/slides/slide5.xml><?xml version="1.0" encoding="utf-8"?>
+<p:sld xmlns:a="http://schemas.openxmlformats.org/drawingml/2006/main" xmlns:r="http://schemas.openxmlformats.org/officeDocument/2006/relationships" xmlns:p="http://schemas.openxmlformats.org/presentationml/2006/main">
+  <p:cSld>
+    <p:spTree>
+      <p:nvGrpSpPr>
+        <p:cNvPr id="1" name="">
+          <a:extLst>
+            <a:ext uri="{FF2B5EF4-FFF2-40B4-BE49-F238E27FC236}">
+              <a16:creationId xmlns:a16="http://schemas.microsoft.com/office/drawing/2014/main" id="{4E77CB99-0D92-10B5-195E-BFED0147939B}"/>
+            </a:ext>
+          </a:extLst>
+        </p:cNvPr>
+        <p:cNvGrpSpPr/>
+        <p:nvPr/>
+      </p:nvGrpSpPr>
+      <p:grpSpPr>
+        <a:xfrm>
+          <a:off x="0" y="0"/>
+          <a:ext cx="0" cy="0"/>
+          <a:chOff x="0" y="0"/>
+          <a:chExt cx="0" cy="0"/>
+        </a:xfrm>
+      </p:grpSpPr>
+      <p:sp>
+        <p:nvSpPr>
+          <p:cNvPr id="8" name="Rectangle : coins arrondis 7">
+            <a:extLst>
+              <a:ext uri="{FF2B5EF4-FFF2-40B4-BE49-F238E27FC236}">
+                <a16:creationId xmlns:a16="http://schemas.microsoft.com/office/drawing/2014/main" id="{55F59E50-F309-0CB9-9E6E-59B2A7C4EBE9}"/>
+              </a:ext>
+            </a:extLst>
+          </p:cNvPr>
+          <p:cNvSpPr/>
+          <p:nvPr/>
+        </p:nvSpPr>
+        <p:spPr>
+          <a:xfrm rot="16200000">
+            <a:off x="4410853" y="2157745"/>
+            <a:ext cx="1866900" cy="519957"/>
+          </a:xfrm>
+          <a:prstGeom prst="roundRect">
+            <a:avLst/>
+          </a:prstGeom>
+          <a:solidFill>
+            <a:schemeClr val="accent6">
+              <a:lumMod val="40000"/>
+              <a:lumOff val="60000"/>
+              <a:alpha val="55000"/>
+            </a:schemeClr>
+          </a:solidFill>
+          <a:ln w="25400">
+            <a:solidFill>
+              <a:schemeClr val="accent6">
+                <a:lumMod val="40000"/>
+                <a:lumOff val="60000"/>
+              </a:schemeClr>
+            </a:solidFill>
+          </a:ln>
+        </p:spPr>
+        <p:style>
+          <a:lnRef idx="2">
+            <a:schemeClr val="accent1">
+              <a:shade val="15000"/>
+            </a:schemeClr>
+          </a:lnRef>
+          <a:fillRef idx="1">
+            <a:schemeClr val="accent1"/>
+          </a:fillRef>
+          <a:effectRef idx="0">
+            <a:schemeClr val="accent1"/>
+          </a:effectRef>
+          <a:fontRef idx="minor">
+            <a:schemeClr val="lt1"/>
+          </a:fontRef>
+        </p:style>
+        <p:txBody>
+          <a:bodyPr rtlCol="0" anchor="ctr"/>
+          <a:lstStyle/>
+          <a:p>
+            <a:pPr algn="ctr"/>
+            <a:r>
+              <a:rPr lang="fr-FR" dirty="0">
+                <a:solidFill>
+                  <a:schemeClr val="tx1"/>
+                </a:solidFill>
+              </a:rPr>
+              <a:t>LSTM </a:t>
+            </a:r>
+            <a:r>
+              <a:rPr lang="fr-FR" dirty="0" err="1">
+                <a:solidFill>
+                  <a:schemeClr val="tx1"/>
+                </a:solidFill>
+              </a:rPr>
+              <a:t>ReLU</a:t>
+            </a:r>
+            <a:endParaRPr lang="fr-FR" dirty="0">
+              <a:solidFill>
+                <a:schemeClr val="tx1"/>
+              </a:solidFill>
+            </a:endParaRPr>
+          </a:p>
+        </p:txBody>
+      </p:sp>
+      <p:sp>
+        <p:nvSpPr>
+          <p:cNvPr id="2" name="Rectangle : coins arrondis 1">
+            <a:extLst>
+              <a:ext uri="{FF2B5EF4-FFF2-40B4-BE49-F238E27FC236}">
+                <a16:creationId xmlns:a16="http://schemas.microsoft.com/office/drawing/2014/main" id="{3C75446E-841A-F8D2-F77B-92A5085DA15C}"/>
+              </a:ext>
+            </a:extLst>
+          </p:cNvPr>
+          <p:cNvSpPr/>
+          <p:nvPr/>
+        </p:nvSpPr>
+        <p:spPr>
+          <a:xfrm rot="16200000">
+            <a:off x="3614837" y="2157745"/>
+            <a:ext cx="1866900" cy="519957"/>
+          </a:xfrm>
+          <a:prstGeom prst="roundRect">
+            <a:avLst/>
+          </a:prstGeom>
+          <a:solidFill>
+            <a:schemeClr val="accent1">
+              <a:alpha val="13000"/>
+            </a:schemeClr>
+          </a:solidFill>
+          <a:ln w="25400"/>
+        </p:spPr>
+        <p:style>
+          <a:lnRef idx="2">
+            <a:schemeClr val="accent1">
+              <a:shade val="15000"/>
+            </a:schemeClr>
+          </a:lnRef>
+          <a:fillRef idx="1">
+            <a:schemeClr val="accent1"/>
+          </a:fillRef>
+          <a:effectRef idx="0">
+            <a:schemeClr val="accent1"/>
+          </a:effectRef>
+          <a:fontRef idx="minor">
+            <a:schemeClr val="lt1"/>
+          </a:fontRef>
+        </p:style>
+        <p:txBody>
+          <a:bodyPr rtlCol="0" anchor="ctr"/>
+          <a:lstStyle/>
+          <a:p>
+            <a:pPr algn="ctr"/>
+            <a:r>
+              <a:rPr lang="fr-FR" dirty="0">
+                <a:solidFill>
+                  <a:schemeClr val="tx1"/>
+                </a:solidFill>
+              </a:rPr>
+              <a:t>INPUT</a:t>
+            </a:r>
+          </a:p>
+        </p:txBody>
+      </p:sp>
+      <p:sp>
+        <p:nvSpPr>
+          <p:cNvPr id="3" name="Rectangle : coins arrondis 2">
+            <a:extLst>
+              <a:ext uri="{FF2B5EF4-FFF2-40B4-BE49-F238E27FC236}">
+                <a16:creationId xmlns:a16="http://schemas.microsoft.com/office/drawing/2014/main" id="{84E989CF-6CDC-5FE7-32F2-48B934AA39D7}"/>
+              </a:ext>
+            </a:extLst>
+          </p:cNvPr>
+          <p:cNvSpPr/>
+          <p:nvPr/>
+        </p:nvSpPr>
+        <p:spPr>
+          <a:xfrm rot="16200000">
+            <a:off x="5206869" y="2157743"/>
+            <a:ext cx="1866900" cy="519957"/>
+          </a:xfrm>
+          <a:prstGeom prst="roundRect">
+            <a:avLst/>
+          </a:prstGeom>
+          <a:solidFill>
+            <a:schemeClr val="accent6">
+              <a:lumMod val="40000"/>
+              <a:lumOff val="60000"/>
+              <a:alpha val="55000"/>
+            </a:schemeClr>
+          </a:solidFill>
+          <a:ln w="25400">
+            <a:solidFill>
+              <a:schemeClr val="accent6">
+                <a:lumMod val="40000"/>
+                <a:lumOff val="60000"/>
+              </a:schemeClr>
+            </a:solidFill>
+          </a:ln>
+        </p:spPr>
+        <p:style>
+          <a:lnRef idx="2">
+            <a:schemeClr val="accent1">
+              <a:shade val="15000"/>
+            </a:schemeClr>
+          </a:lnRef>
+          <a:fillRef idx="1">
+            <a:schemeClr val="accent1"/>
+          </a:fillRef>
+          <a:effectRef idx="0">
+            <a:schemeClr val="accent1"/>
+          </a:effectRef>
+          <a:fontRef idx="minor">
+            <a:schemeClr val="lt1"/>
+          </a:fontRef>
+        </p:style>
+        <p:txBody>
+          <a:bodyPr rtlCol="0" anchor="ctr"/>
+          <a:lstStyle/>
+          <a:p>
+            <a:pPr algn="ctr"/>
+            <a:r>
+              <a:rPr lang="fr-FR" dirty="0">
+                <a:solidFill>
+                  <a:schemeClr val="tx1"/>
+                </a:solidFill>
+              </a:rPr>
+              <a:t>LSTM  </a:t>
+            </a:r>
+            <a:r>
+              <a:rPr lang="fr-FR" dirty="0" err="1">
+                <a:solidFill>
+                  <a:schemeClr val="tx1"/>
+                </a:solidFill>
+              </a:rPr>
+              <a:t>ReLU</a:t>
+            </a:r>
+            <a:endParaRPr lang="fr-FR" dirty="0">
+              <a:solidFill>
+                <a:schemeClr val="tx1"/>
+              </a:solidFill>
+            </a:endParaRPr>
+          </a:p>
+        </p:txBody>
+      </p:sp>
+      <p:sp>
+        <p:nvSpPr>
+          <p:cNvPr id="9" name="Rectangle : coins arrondis 8">
+            <a:extLst>
+              <a:ext uri="{FF2B5EF4-FFF2-40B4-BE49-F238E27FC236}">
+                <a16:creationId xmlns:a16="http://schemas.microsoft.com/office/drawing/2014/main" id="{004D7407-D8C9-51D9-E4C8-35351D6B96C6}"/>
+              </a:ext>
+            </a:extLst>
+          </p:cNvPr>
+          <p:cNvSpPr/>
+          <p:nvPr/>
+        </p:nvSpPr>
+        <p:spPr>
+          <a:xfrm rot="16200000">
+            <a:off x="5983874" y="2157743"/>
+            <a:ext cx="1866900" cy="519957"/>
+          </a:xfrm>
+          <a:prstGeom prst="roundRect">
+            <a:avLst/>
+          </a:prstGeom>
+          <a:solidFill>
+            <a:schemeClr val="tx2">
+              <a:lumMod val="60000"/>
+              <a:lumOff val="40000"/>
+              <a:alpha val="58000"/>
+            </a:schemeClr>
+          </a:solidFill>
+          <a:ln w="25400">
+            <a:solidFill>
+              <a:schemeClr val="tx2">
+                <a:alpha val="50000"/>
+              </a:schemeClr>
+            </a:solidFill>
+          </a:ln>
+        </p:spPr>
+        <p:style>
+          <a:lnRef idx="2">
+            <a:schemeClr val="accent1">
+              <a:shade val="15000"/>
+            </a:schemeClr>
+          </a:lnRef>
+          <a:fillRef idx="1">
+            <a:schemeClr val="accent1"/>
+          </a:fillRef>
+          <a:effectRef idx="0">
+            <a:schemeClr val="accent1"/>
+          </a:effectRef>
+          <a:fontRef idx="minor">
+            <a:schemeClr val="lt1"/>
+          </a:fontRef>
+        </p:style>
+        <p:txBody>
+          <a:bodyPr rtlCol="0" anchor="ctr"/>
+          <a:lstStyle/>
+          <a:p>
+            <a:pPr algn="ctr"/>
+            <a:r>
+              <a:rPr lang="fr-FR" dirty="0">
+                <a:solidFill>
+                  <a:schemeClr val="tx1"/>
+                </a:solidFill>
+              </a:rPr>
+              <a:t>Dense </a:t>
+            </a:r>
+            <a:r>
+              <a:rPr lang="fr-FR" dirty="0" err="1">
+                <a:solidFill>
+                  <a:schemeClr val="tx1"/>
+                </a:solidFill>
+              </a:rPr>
+              <a:t>ReLU</a:t>
+            </a:r>
+            <a:endParaRPr lang="fr-FR" dirty="0">
+              <a:solidFill>
+                <a:schemeClr val="tx1"/>
+              </a:solidFill>
+            </a:endParaRPr>
+          </a:p>
+        </p:txBody>
+      </p:sp>
+      <p:sp>
+        <p:nvSpPr>
+          <p:cNvPr id="11" name="Ellipse 10">
+            <a:extLst>
+              <a:ext uri="{FF2B5EF4-FFF2-40B4-BE49-F238E27FC236}">
+                <a16:creationId xmlns:a16="http://schemas.microsoft.com/office/drawing/2014/main" id="{8F3412B7-7C80-596F-A5A9-6F60FF9527D6}"/>
+              </a:ext>
+            </a:extLst>
+          </p:cNvPr>
+          <p:cNvSpPr/>
+          <p:nvPr/>
+        </p:nvSpPr>
+        <p:spPr>
+          <a:xfrm>
+            <a:off x="7568851" y="2148894"/>
+            <a:ext cx="519958" cy="537651"/>
+          </a:xfrm>
+          <a:prstGeom prst="ellipse">
+            <a:avLst/>
+          </a:prstGeom>
+          <a:solidFill>
+            <a:schemeClr val="accent1"/>
+          </a:solidFill>
+          <a:ln w="25400">
+            <a:solidFill>
+              <a:srgbClr val="002060"/>
+            </a:solidFill>
+          </a:ln>
+        </p:spPr>
+        <p:style>
+          <a:lnRef idx="2">
+            <a:schemeClr val="accent1">
+              <a:shade val="15000"/>
+            </a:schemeClr>
+          </a:lnRef>
+          <a:fillRef idx="1">
+            <a:schemeClr val="accent1"/>
+          </a:fillRef>
+          <a:effectRef idx="0">
+            <a:schemeClr val="accent1"/>
+          </a:effectRef>
+          <a:fontRef idx="minor">
+            <a:schemeClr val="lt1"/>
+          </a:fontRef>
+        </p:style>
+        <p:txBody>
+          <a:bodyPr rtlCol="0" anchor="ctr"/>
+          <a:lstStyle/>
+          <a:p>
+            <a:pPr algn="ctr"/>
+            <a:endParaRPr lang="fr-FR" sz="1200" b="1" dirty="0">
+              <a:solidFill>
+                <a:schemeClr val="tx1"/>
+              </a:solidFill>
+            </a:endParaRPr>
+          </a:p>
+        </p:txBody>
+      </p:sp>
+      <p:cxnSp>
+        <p:nvCxnSpPr>
+          <p:cNvPr id="13" name="Connecteur droit avec flèche 12">
+            <a:extLst>
+              <a:ext uri="{FF2B5EF4-FFF2-40B4-BE49-F238E27FC236}">
+                <a16:creationId xmlns:a16="http://schemas.microsoft.com/office/drawing/2014/main" id="{CD0E8F79-90A7-5CE8-8C7A-0AADCB975DBA}"/>
+              </a:ext>
+            </a:extLst>
+          </p:cNvPr>
+          <p:cNvCxnSpPr>
+            <a:cxnSpLocks/>
+            <a:stCxn id="2" idx="2"/>
+            <a:endCxn id="8" idx="0"/>
+          </p:cNvCxnSpPr>
+          <p:nvPr/>
+        </p:nvCxnSpPr>
+        <p:spPr>
+          <a:xfrm>
+            <a:off x="4808266" y="2417724"/>
+            <a:ext cx="276059" cy="0"/>
+          </a:xfrm>
+          <a:prstGeom prst="straightConnector1">
+            <a:avLst/>
+          </a:prstGeom>
+          <a:ln w="38100">
+            <a:solidFill>
+              <a:schemeClr val="tx1"/>
+            </a:solidFill>
+            <a:tailEnd type="triangle"/>
+          </a:ln>
+        </p:spPr>
+        <p:style>
+          <a:lnRef idx="1">
+            <a:schemeClr val="accent1"/>
+          </a:lnRef>
+          <a:fillRef idx="0">
+            <a:schemeClr val="accent1"/>
+          </a:fillRef>
+          <a:effectRef idx="0">
+            <a:schemeClr val="accent1"/>
+          </a:effectRef>
+          <a:fontRef idx="minor">
+            <a:schemeClr val="tx1"/>
+          </a:fontRef>
+        </p:style>
+      </p:cxnSp>
+      <p:cxnSp>
+        <p:nvCxnSpPr>
+          <p:cNvPr id="14" name="Connecteur droit avec flèche 13">
+            <a:extLst>
+              <a:ext uri="{FF2B5EF4-FFF2-40B4-BE49-F238E27FC236}">
+                <a16:creationId xmlns:a16="http://schemas.microsoft.com/office/drawing/2014/main" id="{12969707-0B0F-1C5F-4F79-11BCDD29D5BD}"/>
+              </a:ext>
+            </a:extLst>
+          </p:cNvPr>
+          <p:cNvCxnSpPr/>
+          <p:nvPr/>
+        </p:nvCxnSpPr>
+        <p:spPr>
+          <a:xfrm>
+            <a:off x="5604282" y="2417721"/>
+            <a:ext cx="276059" cy="0"/>
+          </a:xfrm>
+          <a:prstGeom prst="straightConnector1">
+            <a:avLst/>
+          </a:prstGeom>
+          <a:ln w="38100">
+            <a:solidFill>
+              <a:schemeClr val="tx1"/>
+            </a:solidFill>
+            <a:tailEnd type="triangle"/>
+          </a:ln>
+        </p:spPr>
+        <p:style>
+          <a:lnRef idx="1">
+            <a:schemeClr val="accent1"/>
+          </a:lnRef>
+          <a:fillRef idx="0">
+            <a:schemeClr val="accent1"/>
+          </a:fillRef>
+          <a:effectRef idx="0">
+            <a:schemeClr val="accent1"/>
+          </a:effectRef>
+          <a:fontRef idx="minor">
+            <a:schemeClr val="tx1"/>
+          </a:fontRef>
+        </p:style>
+      </p:cxnSp>
+      <p:cxnSp>
+        <p:nvCxnSpPr>
+          <p:cNvPr id="15" name="Connecteur droit avec flèche 14">
+            <a:extLst>
+              <a:ext uri="{FF2B5EF4-FFF2-40B4-BE49-F238E27FC236}">
+                <a16:creationId xmlns:a16="http://schemas.microsoft.com/office/drawing/2014/main" id="{B14AF69E-F23C-6496-57A1-DDFEAA653B19}"/>
+              </a:ext>
+            </a:extLst>
+          </p:cNvPr>
+          <p:cNvCxnSpPr>
+            <a:cxnSpLocks/>
+            <a:endCxn id="9" idx="0"/>
+          </p:cNvCxnSpPr>
+          <p:nvPr/>
+        </p:nvCxnSpPr>
+        <p:spPr>
+          <a:xfrm>
+            <a:off x="6400298" y="2417721"/>
+            <a:ext cx="257048" cy="1"/>
+          </a:xfrm>
+          <a:prstGeom prst="straightConnector1">
+            <a:avLst/>
+          </a:prstGeom>
+          <a:ln w="38100">
+            <a:solidFill>
+              <a:schemeClr val="tx1"/>
+            </a:solidFill>
+            <a:tailEnd type="triangle"/>
+          </a:ln>
+        </p:spPr>
+        <p:style>
+          <a:lnRef idx="1">
+            <a:schemeClr val="accent1"/>
+          </a:lnRef>
+          <a:fillRef idx="0">
+            <a:schemeClr val="accent1"/>
+          </a:fillRef>
+          <a:effectRef idx="0">
+            <a:schemeClr val="accent1"/>
+          </a:effectRef>
+          <a:fontRef idx="minor">
+            <a:schemeClr val="tx1"/>
+          </a:fontRef>
+        </p:style>
+      </p:cxnSp>
+      <p:cxnSp>
+        <p:nvCxnSpPr>
+          <p:cNvPr id="17" name="Connecteur droit avec flèche 16">
+            <a:extLst>
+              <a:ext uri="{FF2B5EF4-FFF2-40B4-BE49-F238E27FC236}">
+                <a16:creationId xmlns:a16="http://schemas.microsoft.com/office/drawing/2014/main" id="{0C748983-78FE-6678-DCDF-31F6956AC036}"/>
+              </a:ext>
+            </a:extLst>
+          </p:cNvPr>
+          <p:cNvCxnSpPr>
+            <a:cxnSpLocks/>
+            <a:stCxn id="9" idx="2"/>
+            <a:endCxn id="11" idx="2"/>
+          </p:cNvCxnSpPr>
+          <p:nvPr/>
+        </p:nvCxnSpPr>
+        <p:spPr>
+          <a:xfrm flipV="1">
+            <a:off x="7177303" y="2417720"/>
+            <a:ext cx="391548" cy="2"/>
+          </a:xfrm>
+          <a:prstGeom prst="straightConnector1">
+            <a:avLst/>
+          </a:prstGeom>
+          <a:ln w="38100">
+            <a:solidFill>
+              <a:schemeClr val="tx1"/>
+            </a:solidFill>
+            <a:tailEnd type="triangle"/>
+          </a:ln>
+        </p:spPr>
+        <p:style>
+          <a:lnRef idx="1">
+            <a:schemeClr val="accent1"/>
+          </a:lnRef>
+          <a:fillRef idx="0">
+            <a:schemeClr val="accent1"/>
+          </a:fillRef>
+          <a:effectRef idx="0">
+            <a:schemeClr val="accent1"/>
+          </a:effectRef>
+          <a:fontRef idx="minor">
+            <a:schemeClr val="tx1"/>
+          </a:fontRef>
+        </p:style>
+      </p:cxnSp>
+      <p:cxnSp>
+        <p:nvCxnSpPr>
+          <p:cNvPr id="22" name="Connecteur droit avec flèche 21">
+            <a:extLst>
+              <a:ext uri="{FF2B5EF4-FFF2-40B4-BE49-F238E27FC236}">
+                <a16:creationId xmlns:a16="http://schemas.microsoft.com/office/drawing/2014/main" id="{A4792706-E571-98C2-B973-69FBDA35A6CF}"/>
+              </a:ext>
+            </a:extLst>
+          </p:cNvPr>
+          <p:cNvCxnSpPr>
+            <a:cxnSpLocks/>
+          </p:cNvCxnSpPr>
+          <p:nvPr/>
+        </p:nvCxnSpPr>
+        <p:spPr>
+          <a:xfrm>
+            <a:off x="3511685" y="2417720"/>
+            <a:ext cx="776623" cy="2022"/>
+          </a:xfrm>
+          <a:prstGeom prst="straightConnector1">
+            <a:avLst/>
+          </a:prstGeom>
+          <a:ln w="38100">
+            <a:solidFill>
+              <a:schemeClr val="tx1"/>
+            </a:solidFill>
+            <a:tailEnd type="triangle"/>
+          </a:ln>
+        </p:spPr>
+        <p:style>
+          <a:lnRef idx="1">
+            <a:schemeClr val="accent1"/>
+          </a:lnRef>
+          <a:fillRef idx="0">
+            <a:schemeClr val="accent1"/>
+          </a:fillRef>
+          <a:effectRef idx="0">
+            <a:schemeClr val="accent1"/>
+          </a:effectRef>
+          <a:fontRef idx="minor">
+            <a:schemeClr val="tx1"/>
+          </a:fontRef>
+        </p:style>
+      </p:cxnSp>
+      <p:cxnSp>
+        <p:nvCxnSpPr>
+          <p:cNvPr id="23" name="Connecteur droit avec flèche 22">
+            <a:extLst>
+              <a:ext uri="{FF2B5EF4-FFF2-40B4-BE49-F238E27FC236}">
+                <a16:creationId xmlns:a16="http://schemas.microsoft.com/office/drawing/2014/main" id="{27B3DF29-3522-F32C-495B-55F3B1AA354C}"/>
+              </a:ext>
+            </a:extLst>
+          </p:cNvPr>
+          <p:cNvCxnSpPr>
+            <a:cxnSpLocks/>
+            <a:stCxn id="11" idx="6"/>
+          </p:cNvCxnSpPr>
+          <p:nvPr/>
+        </p:nvCxnSpPr>
+        <p:spPr>
+          <a:xfrm>
+            <a:off x="8088809" y="2417720"/>
+            <a:ext cx="943007" cy="0"/>
+          </a:xfrm>
+          <a:prstGeom prst="straightConnector1">
+            <a:avLst/>
+          </a:prstGeom>
+          <a:ln w="38100">
+            <a:solidFill>
+              <a:schemeClr val="tx1"/>
+            </a:solidFill>
+            <a:tailEnd type="triangle"/>
+          </a:ln>
+        </p:spPr>
+        <p:style>
+          <a:lnRef idx="1">
+            <a:schemeClr val="accent1"/>
+          </a:lnRef>
+          <a:fillRef idx="0">
+            <a:schemeClr val="accent1"/>
+          </a:fillRef>
+          <a:effectRef idx="0">
+            <a:schemeClr val="accent1"/>
+          </a:effectRef>
+          <a:fontRef idx="minor">
+            <a:schemeClr val="tx1"/>
+          </a:fontRef>
+        </p:style>
+      </p:cxnSp>
+      <p:sp>
+        <p:nvSpPr>
+          <p:cNvPr id="27" name="Rectangle 26">
+            <a:extLst>
+              <a:ext uri="{FF2B5EF4-FFF2-40B4-BE49-F238E27FC236}">
+                <a16:creationId xmlns:a16="http://schemas.microsoft.com/office/drawing/2014/main" id="{A7658422-3B06-5EB7-0FFC-E2A3A2B0C18E}"/>
+              </a:ext>
+            </a:extLst>
+          </p:cNvPr>
+          <p:cNvSpPr/>
+          <p:nvPr/>
+        </p:nvSpPr>
+        <p:spPr>
+          <a:xfrm>
+            <a:off x="3978612" y="1128409"/>
+            <a:ext cx="4533247" cy="2756589"/>
+          </a:xfrm>
+          <a:prstGeom prst="rect">
+            <a:avLst/>
+          </a:prstGeom>
+          <a:noFill/>
+        </p:spPr>
+        <p:style>
+          <a:lnRef idx="2">
+            <a:schemeClr val="accent1">
+              <a:shade val="15000"/>
+            </a:schemeClr>
+          </a:lnRef>
+          <a:fillRef idx="1">
+            <a:schemeClr val="accent1"/>
+          </a:fillRef>
+          <a:effectRef idx="0">
+            <a:schemeClr val="accent1"/>
+          </a:effectRef>
+          <a:fontRef idx="minor">
+            <a:schemeClr val="lt1"/>
+          </a:fontRef>
+        </p:style>
+        <p:txBody>
+          <a:bodyPr rtlCol="0" anchor="ctr"/>
+          <a:lstStyle/>
+          <a:p>
+            <a:pPr algn="ctr"/>
+            <a:endParaRPr lang="fr-FR" dirty="0"/>
+          </a:p>
+        </p:txBody>
+      </p:sp>
+      <p:sp>
+        <p:nvSpPr>
+          <p:cNvPr id="50" name="ZoneTexte 49">
+            <a:extLst>
+              <a:ext uri="{FF2B5EF4-FFF2-40B4-BE49-F238E27FC236}">
+                <a16:creationId xmlns:a16="http://schemas.microsoft.com/office/drawing/2014/main" id="{20B050AA-DFB1-48F7-0DB3-C27BA9C0B151}"/>
+              </a:ext>
+            </a:extLst>
+          </p:cNvPr>
+          <p:cNvSpPr txBox="1"/>
+          <p:nvPr/>
+        </p:nvSpPr>
+        <p:spPr>
+          <a:xfrm>
+            <a:off x="7184843" y="2714378"/>
+            <a:ext cx="1327016" cy="369332"/>
+          </a:xfrm>
+          <a:prstGeom prst="rect">
+            <a:avLst/>
+          </a:prstGeom>
+          <a:noFill/>
+        </p:spPr>
+        <p:txBody>
+          <a:bodyPr wrap="square">
+            <a:spAutoFit/>
+          </a:bodyPr>
+          <a:lstStyle/>
+          <a:p>
+            <a:pPr algn="ctr"/>
+            <a:r>
+              <a:rPr lang="fr-FR" sz="1800" b="1" dirty="0">
+                <a:solidFill>
+                  <a:schemeClr val="tx1"/>
+                </a:solidFill>
+              </a:rPr>
+              <a:t>régression</a:t>
+            </a:r>
+          </a:p>
+        </p:txBody>
+      </p:sp>
+    </p:spTree>
+    <p:extLst>
+      <p:ext uri="{BB962C8B-B14F-4D97-AF65-F5344CB8AC3E}">
+        <p14:creationId xmlns:p14="http://schemas.microsoft.com/office/powerpoint/2010/main" val="189202109"/>
+      </p:ext>
+    </p:extLst>
+  </p:cSld>
+  <p:clrMapOvr>
+    <a:masterClrMapping/>
+  </p:clrMapOvr>
+</p:sld>
+</file>
+
 <file path=ppt/theme/theme1.xml><?xml version="1.0" encoding="utf-8"?>
 <a:theme xmlns:a="http://schemas.openxmlformats.org/drawingml/2006/main" name="Thème Office">
   <a:themeElements>

--- a/reports/Lyx/Chap3/Présentation1.pptx
+++ b/reports/Lyx/Chap3/Présentation1.pptx
@@ -10,6 +10,7 @@
     <p:sldId id="258" r:id="rId4"/>
     <p:sldId id="259" r:id="rId5"/>
     <p:sldId id="260" r:id="rId6"/>
+    <p:sldId id="261" r:id="rId7"/>
   </p:sldIdLst>
   <p:sldSz cx="12192000" cy="6858000"/>
   <p:notesSz cx="6858000" cy="9144000"/>
@@ -5842,7 +5843,7 @@
                   <a:schemeClr val="tx1"/>
                 </a:solidFill>
               </a:rPr>
-              <a:t>Régression par </a:t>
+              <a:t>Modèle basé sur des LSTM</a:t>
             </a:r>
             <a:endParaRPr lang="fr-FR" sz="1400" b="1" dirty="0"/>
           </a:p>
@@ -15306,6 +15307,354 @@
 </p:sld>
 </file>
 
+<file path=ppt/slides/slide6.xml><?xml version="1.0" encoding="utf-8"?>
+<p:sld xmlns:a="http://schemas.openxmlformats.org/drawingml/2006/main" xmlns:r="http://schemas.openxmlformats.org/officeDocument/2006/relationships" xmlns:p="http://schemas.openxmlformats.org/presentationml/2006/main">
+  <p:cSld>
+    <p:bg>
+      <p:bgPr>
+        <a:solidFill>
+          <a:schemeClr val="bg1">
+            <a:lumMod val="85000"/>
+          </a:schemeClr>
+        </a:solidFill>
+        <a:effectLst/>
+      </p:bgPr>
+    </p:bg>
+    <p:spTree>
+      <p:nvGrpSpPr>
+        <p:cNvPr id="1" name=""/>
+        <p:cNvGrpSpPr/>
+        <p:nvPr/>
+      </p:nvGrpSpPr>
+      <p:grpSpPr>
+        <a:xfrm>
+          <a:off x="0" y="0"/>
+          <a:ext cx="0" cy="0"/>
+          <a:chOff x="0" y="0"/>
+          <a:chExt cx="0" cy="0"/>
+        </a:xfrm>
+      </p:grpSpPr>
+      <p:pic>
+        <p:nvPicPr>
+          <p:cNvPr id="9" name="Image 8">
+            <a:extLst>
+              <a:ext uri="{FF2B5EF4-FFF2-40B4-BE49-F238E27FC236}">
+                <a16:creationId xmlns:a16="http://schemas.microsoft.com/office/drawing/2014/main" id="{2B483549-99B1-559D-89F0-E0A558E08313}"/>
+              </a:ext>
+            </a:extLst>
+          </p:cNvPr>
+          <p:cNvPicPr>
+            <a:picLocks noChangeAspect="1"/>
+          </p:cNvPicPr>
+          <p:nvPr/>
+        </p:nvPicPr>
+        <p:blipFill>
+          <a:blip r:embed="rId2"/>
+          <a:stretch>
+            <a:fillRect/>
+          </a:stretch>
+        </p:blipFill>
+        <p:spPr>
+          <a:xfrm>
+            <a:off x="723089" y="1258670"/>
+            <a:ext cx="8830520" cy="3060409"/>
+          </a:xfrm>
+          <a:prstGeom prst="rect">
+            <a:avLst/>
+          </a:prstGeom>
+        </p:spPr>
+      </p:pic>
+      <p:sp>
+        <p:nvSpPr>
+          <p:cNvPr id="18" name="Rectangle 17">
+            <a:extLst>
+              <a:ext uri="{FF2B5EF4-FFF2-40B4-BE49-F238E27FC236}">
+                <a16:creationId xmlns:a16="http://schemas.microsoft.com/office/drawing/2014/main" id="{37936C79-5310-915C-4552-DC658EE20184}"/>
+              </a:ext>
+            </a:extLst>
+          </p:cNvPr>
+          <p:cNvSpPr/>
+          <p:nvPr/>
+        </p:nvSpPr>
+        <p:spPr>
+          <a:xfrm>
+            <a:off x="8042659" y="1258670"/>
+            <a:ext cx="846307" cy="228633"/>
+          </a:xfrm>
+          <a:prstGeom prst="rect">
+            <a:avLst/>
+          </a:prstGeom>
+          <a:solidFill>
+            <a:schemeClr val="tx1">
+              <a:lumMod val="50000"/>
+              <a:lumOff val="50000"/>
+              <a:alpha val="9000"/>
+            </a:schemeClr>
+          </a:solidFill>
+          <a:ln>
+            <a:noFill/>
+          </a:ln>
+        </p:spPr>
+        <p:style>
+          <a:lnRef idx="2">
+            <a:schemeClr val="accent1">
+              <a:shade val="15000"/>
+            </a:schemeClr>
+          </a:lnRef>
+          <a:fillRef idx="1">
+            <a:schemeClr val="accent1"/>
+          </a:fillRef>
+          <a:effectRef idx="0">
+            <a:schemeClr val="accent1"/>
+          </a:effectRef>
+          <a:fontRef idx="minor">
+            <a:schemeClr val="lt1"/>
+          </a:fontRef>
+        </p:style>
+        <p:txBody>
+          <a:bodyPr rtlCol="0" anchor="ctr"/>
+          <a:lstStyle/>
+          <a:p>
+            <a:pPr algn="ctr"/>
+            <a:r>
+              <a:rPr lang="fr-FR" dirty="0">
+                <a:solidFill>
+                  <a:schemeClr val="tx1"/>
+                </a:solidFill>
+              </a:rPr>
+              <a:t>Sauté</a:t>
+            </a:r>
+          </a:p>
+        </p:txBody>
+      </p:sp>
+      <p:pic>
+        <p:nvPicPr>
+          <p:cNvPr id="22" name="Image 21">
+            <a:extLst>
+              <a:ext uri="{FF2B5EF4-FFF2-40B4-BE49-F238E27FC236}">
+                <a16:creationId xmlns:a16="http://schemas.microsoft.com/office/drawing/2014/main" id="{CE7F82B6-C52C-8BC7-DF4C-74654F205470}"/>
+              </a:ext>
+            </a:extLst>
+          </p:cNvPr>
+          <p:cNvPicPr>
+            <a:picLocks noChangeAspect="1"/>
+          </p:cNvPicPr>
+          <p:nvPr/>
+        </p:nvPicPr>
+        <p:blipFill>
+          <a:blip r:embed="rId3"/>
+          <a:stretch>
+            <a:fillRect/>
+          </a:stretch>
+        </p:blipFill>
+        <p:spPr>
+          <a:xfrm>
+            <a:off x="7528237" y="1273666"/>
+            <a:ext cx="514422" cy="228633"/>
+          </a:xfrm>
+          <a:prstGeom prst="rect">
+            <a:avLst/>
+          </a:prstGeom>
+        </p:spPr>
+      </p:pic>
+      <p:sp>
+        <p:nvSpPr>
+          <p:cNvPr id="24" name="Rectangle 23">
+            <a:extLst>
+              <a:ext uri="{FF2B5EF4-FFF2-40B4-BE49-F238E27FC236}">
+                <a16:creationId xmlns:a16="http://schemas.microsoft.com/office/drawing/2014/main" id="{1554FA85-0229-77C3-A255-CAD4B16360FB}"/>
+              </a:ext>
+            </a:extLst>
+          </p:cNvPr>
+          <p:cNvSpPr/>
+          <p:nvPr/>
+        </p:nvSpPr>
+        <p:spPr>
+          <a:xfrm>
+            <a:off x="8033105" y="1558839"/>
+            <a:ext cx="1520504" cy="268292"/>
+          </a:xfrm>
+          <a:prstGeom prst="rect">
+            <a:avLst/>
+          </a:prstGeom>
+          <a:solidFill>
+            <a:schemeClr val="tx1">
+              <a:lumMod val="50000"/>
+              <a:lumOff val="50000"/>
+              <a:alpha val="9000"/>
+            </a:schemeClr>
+          </a:solidFill>
+          <a:ln>
+            <a:noFill/>
+          </a:ln>
+        </p:spPr>
+        <p:style>
+          <a:lnRef idx="2">
+            <a:schemeClr val="accent1">
+              <a:shade val="15000"/>
+            </a:schemeClr>
+          </a:lnRef>
+          <a:fillRef idx="1">
+            <a:schemeClr val="accent1"/>
+          </a:fillRef>
+          <a:effectRef idx="0">
+            <a:schemeClr val="accent1"/>
+          </a:effectRef>
+          <a:fontRef idx="minor">
+            <a:schemeClr val="lt1"/>
+          </a:fontRef>
+        </p:style>
+        <p:txBody>
+          <a:bodyPr rtlCol="0" anchor="ctr"/>
+          <a:lstStyle/>
+          <a:p>
+            <a:pPr algn="ctr"/>
+            <a:r>
+              <a:rPr lang="fr-FR" dirty="0">
+                <a:solidFill>
+                  <a:schemeClr val="tx1"/>
+                </a:solidFill>
+              </a:rPr>
+              <a:t>Entrainement</a:t>
+            </a:r>
+          </a:p>
+        </p:txBody>
+      </p:sp>
+      <p:pic>
+        <p:nvPicPr>
+          <p:cNvPr id="26" name="Image 25">
+            <a:extLst>
+              <a:ext uri="{FF2B5EF4-FFF2-40B4-BE49-F238E27FC236}">
+                <a16:creationId xmlns:a16="http://schemas.microsoft.com/office/drawing/2014/main" id="{DC603E90-DF4E-2487-3D92-AF09A8EE4944}"/>
+              </a:ext>
+            </a:extLst>
+          </p:cNvPr>
+          <p:cNvPicPr>
+            <a:picLocks noChangeAspect="1"/>
+          </p:cNvPicPr>
+          <p:nvPr/>
+        </p:nvPicPr>
+        <p:blipFill>
+          <a:blip r:embed="rId4"/>
+          <a:stretch>
+            <a:fillRect/>
+          </a:stretch>
+        </p:blipFill>
+        <p:spPr>
+          <a:xfrm>
+            <a:off x="7523474" y="1903976"/>
+            <a:ext cx="523948" cy="228632"/>
+          </a:xfrm>
+          <a:prstGeom prst="rect">
+            <a:avLst/>
+          </a:prstGeom>
+        </p:spPr>
+      </p:pic>
+      <p:sp>
+        <p:nvSpPr>
+          <p:cNvPr id="27" name="Rectangle 26">
+            <a:extLst>
+              <a:ext uri="{FF2B5EF4-FFF2-40B4-BE49-F238E27FC236}">
+                <a16:creationId xmlns:a16="http://schemas.microsoft.com/office/drawing/2014/main" id="{1637CF1E-E549-5EBE-97EA-F7C8DD968E6C}"/>
+              </a:ext>
+            </a:extLst>
+          </p:cNvPr>
+          <p:cNvSpPr/>
+          <p:nvPr/>
+        </p:nvSpPr>
+        <p:spPr>
+          <a:xfrm>
+            <a:off x="8037896" y="1903973"/>
+            <a:ext cx="1258502" cy="228635"/>
+          </a:xfrm>
+          <a:prstGeom prst="rect">
+            <a:avLst/>
+          </a:prstGeom>
+          <a:solidFill>
+            <a:schemeClr val="tx1">
+              <a:lumMod val="50000"/>
+              <a:lumOff val="50000"/>
+              <a:alpha val="9000"/>
+            </a:schemeClr>
+          </a:solidFill>
+          <a:ln>
+            <a:noFill/>
+          </a:ln>
+        </p:spPr>
+        <p:style>
+          <a:lnRef idx="2">
+            <a:schemeClr val="accent1">
+              <a:shade val="15000"/>
+            </a:schemeClr>
+          </a:lnRef>
+          <a:fillRef idx="1">
+            <a:schemeClr val="accent1"/>
+          </a:fillRef>
+          <a:effectRef idx="0">
+            <a:schemeClr val="accent1"/>
+          </a:effectRef>
+          <a:fontRef idx="minor">
+            <a:schemeClr val="lt1"/>
+          </a:fontRef>
+        </p:style>
+        <p:txBody>
+          <a:bodyPr rtlCol="0" anchor="ctr"/>
+          <a:lstStyle/>
+          <a:p>
+            <a:r>
+              <a:rPr lang="fr-FR" dirty="0">
+                <a:solidFill>
+                  <a:schemeClr val="tx1"/>
+                </a:solidFill>
+              </a:rPr>
+              <a:t>Test </a:t>
+            </a:r>
+          </a:p>
+        </p:txBody>
+      </p:sp>
+      <p:pic>
+        <p:nvPicPr>
+          <p:cNvPr id="29" name="Image 28">
+            <a:extLst>
+              <a:ext uri="{FF2B5EF4-FFF2-40B4-BE49-F238E27FC236}">
+                <a16:creationId xmlns:a16="http://schemas.microsoft.com/office/drawing/2014/main" id="{8FDDC973-BD55-1734-F239-F7B221E46662}"/>
+              </a:ext>
+            </a:extLst>
+          </p:cNvPr>
+          <p:cNvPicPr>
+            <a:picLocks noChangeAspect="1"/>
+          </p:cNvPicPr>
+          <p:nvPr/>
+        </p:nvPicPr>
+        <p:blipFill>
+          <a:blip r:embed="rId5"/>
+          <a:stretch>
+            <a:fillRect/>
+          </a:stretch>
+        </p:blipFill>
+        <p:spPr>
+          <a:xfrm>
+            <a:off x="7518683" y="1589606"/>
+            <a:ext cx="514422" cy="228632"/>
+          </a:xfrm>
+          <a:prstGeom prst="rect">
+            <a:avLst/>
+          </a:prstGeom>
+        </p:spPr>
+      </p:pic>
+    </p:spTree>
+    <p:extLst>
+      <p:ext uri="{BB962C8B-B14F-4D97-AF65-F5344CB8AC3E}">
+        <p14:creationId xmlns:p14="http://schemas.microsoft.com/office/powerpoint/2010/main" val="1103837038"/>
+      </p:ext>
+    </p:extLst>
+  </p:cSld>
+  <p:clrMapOvr>
+    <a:masterClrMapping/>
+  </p:clrMapOvr>
+</p:sld>
+</file>
+
 <file path=ppt/theme/theme1.xml><?xml version="1.0" encoding="utf-8"?>
 <a:theme xmlns:a="http://schemas.openxmlformats.org/drawingml/2006/main" name="Thème Office">
   <a:themeElements>
